--- a/presentation/Class_2_Ideas_Tools_Functions/Class2_Ideas_Tools_Functions.pptx
+++ b/presentation/Class_2_Ideas_Tools_Functions/Class2_Ideas_Tools_Functions.pptx
@@ -5,7 +5,7 @@
     <p:sldMasterId id="2147483660" r:id="rId1"/>
   </p:sldMasterIdLst>
   <p:notesMasterIdLst>
-    <p:notesMasterId r:id="rId51"/>
+    <p:notesMasterId r:id="rId52"/>
   </p:notesMasterIdLst>
   <p:sldIdLst>
     <p:sldId id="326" r:id="rId2"/>
@@ -29,34 +29,35 @@
     <p:sldId id="304" r:id="rId20"/>
     <p:sldId id="305" r:id="rId21"/>
     <p:sldId id="410" r:id="rId22"/>
-    <p:sldId id="343" r:id="rId23"/>
-    <p:sldId id="344" r:id="rId24"/>
-    <p:sldId id="345" r:id="rId25"/>
-    <p:sldId id="346" r:id="rId26"/>
-    <p:sldId id="348" r:id="rId27"/>
-    <p:sldId id="347" r:id="rId28"/>
-    <p:sldId id="349" r:id="rId29"/>
-    <p:sldId id="350" r:id="rId30"/>
-    <p:sldId id="351" r:id="rId31"/>
-    <p:sldId id="352" r:id="rId32"/>
-    <p:sldId id="280" r:id="rId33"/>
-    <p:sldId id="281" r:id="rId34"/>
-    <p:sldId id="279" r:id="rId35"/>
-    <p:sldId id="282" r:id="rId36"/>
-    <p:sldId id="394" r:id="rId37"/>
-    <p:sldId id="284" r:id="rId38"/>
-    <p:sldId id="290" r:id="rId39"/>
-    <p:sldId id="297" r:id="rId40"/>
-    <p:sldId id="291" r:id="rId41"/>
-    <p:sldId id="292" r:id="rId42"/>
-    <p:sldId id="293" r:id="rId43"/>
-    <p:sldId id="294" r:id="rId44"/>
-    <p:sldId id="295" r:id="rId45"/>
-    <p:sldId id="322" r:id="rId46"/>
-    <p:sldId id="323" r:id="rId47"/>
-    <p:sldId id="324" r:id="rId48"/>
-    <p:sldId id="412" r:id="rId49"/>
-    <p:sldId id="382" r:id="rId50"/>
+    <p:sldId id="413" r:id="rId23"/>
+    <p:sldId id="343" r:id="rId24"/>
+    <p:sldId id="344" r:id="rId25"/>
+    <p:sldId id="345" r:id="rId26"/>
+    <p:sldId id="346" r:id="rId27"/>
+    <p:sldId id="348" r:id="rId28"/>
+    <p:sldId id="347" r:id="rId29"/>
+    <p:sldId id="349" r:id="rId30"/>
+    <p:sldId id="350" r:id="rId31"/>
+    <p:sldId id="351" r:id="rId32"/>
+    <p:sldId id="352" r:id="rId33"/>
+    <p:sldId id="280" r:id="rId34"/>
+    <p:sldId id="281" r:id="rId35"/>
+    <p:sldId id="279" r:id="rId36"/>
+    <p:sldId id="282" r:id="rId37"/>
+    <p:sldId id="394" r:id="rId38"/>
+    <p:sldId id="284" r:id="rId39"/>
+    <p:sldId id="290" r:id="rId40"/>
+    <p:sldId id="297" r:id="rId41"/>
+    <p:sldId id="291" r:id="rId42"/>
+    <p:sldId id="292" r:id="rId43"/>
+    <p:sldId id="293" r:id="rId44"/>
+    <p:sldId id="294" r:id="rId45"/>
+    <p:sldId id="295" r:id="rId46"/>
+    <p:sldId id="322" r:id="rId47"/>
+    <p:sldId id="323" r:id="rId48"/>
+    <p:sldId id="324" r:id="rId49"/>
+    <p:sldId id="412" r:id="rId50"/>
+    <p:sldId id="382" r:id="rId51"/>
   </p:sldIdLst>
   <p:sldSz cx="12192000" cy="6858000"/>
   <p:notesSz cx="6858000" cy="9144000"/>
@@ -245,7 +246,7 @@
           <a:p>
             <a:fld id="{016383C2-3030-4667-B744-9D0165F8BBCA}" type="datetimeFigureOut">
               <a:rPr lang="en-US" smtClean="0"/>
-              <a:t>2/25/2022</a:t>
+              <a:t>6/30/2022</a:t>
             </a:fld>
             <a:endParaRPr lang="en-US" dirty="0"/>
           </a:p>
@@ -676,7 +677,7 @@
                 <a:tabLst/>
                 <a:defRPr/>
               </a:pPr>
-              <a:t>2/25/2022</a:t>
+              <a:t>6/30/2022</a:t>
             </a:fld>
             <a:endParaRPr kumimoji="0" lang="en-US" sz="1200" b="0" i="0" u="none" strike="noStrike" kern="1200" cap="none" spc="0" normalizeH="0" baseline="0" noProof="0" dirty="0">
               <a:ln>
@@ -1007,7 +1008,7 @@
                 <a:tabLst/>
                 <a:defRPr/>
               </a:pPr>
-              <a:t>2/25/2022</a:t>
+              <a:t>6/30/2022</a:t>
             </a:fld>
             <a:endParaRPr kumimoji="0" lang="en-US" sz="1200" b="0" i="0" u="none" strike="noStrike" kern="1200" cap="none" spc="0" normalizeH="0" baseline="0" noProof="0" dirty="0">
               <a:ln>
@@ -1368,7 +1369,7 @@
                 <a:tabLst/>
                 <a:defRPr/>
               </a:pPr>
-              <a:t>2/25/2022</a:t>
+              <a:t>6/30/2022</a:t>
             </a:fld>
             <a:endParaRPr kumimoji="0" lang="en-US" sz="1200" b="0" i="0" u="none" strike="noStrike" kern="1200" cap="none" spc="0" normalizeH="0" baseline="0" noProof="0" dirty="0">
               <a:ln>
@@ -1702,7 +1703,7 @@
                 <a:tabLst/>
                 <a:defRPr/>
               </a:pPr>
-              <a:t>2/25/2022</a:t>
+              <a:t>6/30/2022</a:t>
             </a:fld>
             <a:endParaRPr kumimoji="0" lang="en-US" sz="1200" b="0" i="0" u="none" strike="noStrike" kern="1200" cap="none" spc="0" normalizeH="0" baseline="0" noProof="0" dirty="0">
               <a:ln>
@@ -2048,7 +2049,7 @@
                 <a:tabLst/>
                 <a:defRPr/>
               </a:pPr>
-              <a:t>2/25/2022</a:t>
+              <a:t>6/30/2022</a:t>
             </a:fld>
             <a:endParaRPr kumimoji="0" lang="en-US" sz="1200" b="0" i="0" u="none" strike="noStrike" kern="1200" cap="none" spc="0" normalizeH="0" baseline="0" noProof="0" dirty="0">
               <a:ln>
@@ -2379,338 +2380,7 @@
                 <a:tabLst/>
                 <a:defRPr/>
               </a:pPr>
-              <a:t>2/25/2022</a:t>
-            </a:fld>
-            <a:endParaRPr kumimoji="0" lang="en-US" sz="1200" b="0" i="0" u="none" strike="noStrike" kern="1200" cap="none" spc="0" normalizeH="0" baseline="0" noProof="0" dirty="0">
-              <a:ln>
-                <a:noFill/>
-              </a:ln>
-              <a:solidFill>
-                <a:prstClr val="black"/>
-              </a:solidFill>
-              <a:effectLst/>
-              <a:uLnTx/>
-              <a:uFillTx/>
-              <a:latin typeface="Calibri" panose="020F0502020204030204"/>
-              <a:ea typeface="+mn-ea"/>
-              <a:cs typeface="+mn-cs"/>
-            </a:endParaRPr>
-          </a:p>
-        </p:txBody>
-      </p:sp>
-      <p:sp>
-        <p:nvSpPr>
-          <p:cNvPr id="6" name="Footer Placeholder 5"/>
-          <p:cNvSpPr>
-            <a:spLocks noGrp="1"/>
-          </p:cNvSpPr>
-          <p:nvPr>
-            <p:ph type="ftr" sz="quarter" idx="12"/>
-          </p:nvPr>
-        </p:nvSpPr>
-        <p:spPr/>
-        <p:txBody>
-          <a:bodyPr/>
-          <a:lstStyle/>
-          <a:p>
-            <a:pPr marL="0" marR="0" lvl="0" indent="0" algn="l" defTabSz="457200" rtl="0" eaLnBrk="1" fontAlgn="auto" latinLnBrk="0" hangingPunct="1">
-              <a:lnSpc>
-                <a:spcPct val="100000"/>
-              </a:lnSpc>
-              <a:spcBef>
-                <a:spcPts val="0"/>
-              </a:spcBef>
-              <a:spcAft>
-                <a:spcPts val="0"/>
-              </a:spcAft>
-              <a:buClrTx/>
-              <a:buSzTx/>
-              <a:buFontTx/>
-              <a:buNone/>
-              <a:tabLst/>
-              <a:defRPr/>
-            </a:pPr>
-            <a:r>
-              <a:rPr kumimoji="0" lang="en-US" sz="1200" b="0" i="0" u="none" strike="noStrike" kern="1200" cap="none" spc="0" normalizeH="0" baseline="0" noProof="0" dirty="0">
-                <a:ln>
-                  <a:noFill/>
-                </a:ln>
-                <a:solidFill>
-                  <a:prstClr val="black"/>
-                </a:solidFill>
-                <a:effectLst/>
-                <a:uLnTx/>
-                <a:uFillTx/>
-                <a:latin typeface="Calibri" panose="020F0502020204030204"/>
-                <a:ea typeface="+mn-ea"/>
-                <a:cs typeface="+mn-cs"/>
-              </a:rPr>
-              <a:t>raysmith@alum.mit.edu</a:t>
-            </a:r>
-          </a:p>
-        </p:txBody>
-      </p:sp>
-      <p:sp>
-        <p:nvSpPr>
-          <p:cNvPr id="7" name="Slide Number Placeholder 6"/>
-          <p:cNvSpPr>
-            <a:spLocks noGrp="1"/>
-          </p:cNvSpPr>
-          <p:nvPr>
-            <p:ph type="sldNum" sz="quarter" idx="13"/>
-          </p:nvPr>
-        </p:nvSpPr>
-        <p:spPr/>
-        <p:txBody>
-          <a:bodyPr/>
-          <a:lstStyle/>
-          <a:p>
-            <a:pPr marL="0" marR="0" lvl="0" indent="0" algn="r" defTabSz="457200" rtl="0" eaLnBrk="1" fontAlgn="auto" latinLnBrk="0" hangingPunct="1">
-              <a:lnSpc>
-                <a:spcPct val="100000"/>
-              </a:lnSpc>
-              <a:spcBef>
-                <a:spcPts val="0"/>
-              </a:spcBef>
-              <a:spcAft>
-                <a:spcPts val="0"/>
-              </a:spcAft>
-              <a:buClrTx/>
-              <a:buSzTx/>
-              <a:buFontTx/>
-              <a:buNone/>
-              <a:tabLst/>
-              <a:defRPr/>
-            </a:pPr>
-            <a:fld id="{BA791329-992B-4F83-8435-C33B0EC26DB3}" type="slidenum">
-              <a:rPr kumimoji="0" lang="en-US" sz="1200" b="0" i="0" u="none" strike="noStrike" kern="1200" cap="none" spc="0" normalizeH="0" baseline="0" noProof="0" smtClean="0">
-                <a:ln>
-                  <a:noFill/>
-                </a:ln>
-                <a:solidFill>
-                  <a:prstClr val="black"/>
-                </a:solidFill>
-                <a:effectLst/>
-                <a:uLnTx/>
-                <a:uFillTx/>
-                <a:latin typeface="Calibri" panose="020F0502020204030204"/>
-                <a:ea typeface="+mn-ea"/>
-                <a:cs typeface="+mn-cs"/>
-              </a:rPr>
-              <a:pPr marL="0" marR="0" lvl="0" indent="0" algn="r" defTabSz="457200" rtl="0" eaLnBrk="1" fontAlgn="auto" latinLnBrk="0" hangingPunct="1">
-                <a:lnSpc>
-                  <a:spcPct val="100000"/>
-                </a:lnSpc>
-                <a:spcBef>
-                  <a:spcPts val="0"/>
-                </a:spcBef>
-                <a:spcAft>
-                  <a:spcPts val="0"/>
-                </a:spcAft>
-                <a:buClrTx/>
-                <a:buSzTx/>
-                <a:buFontTx/>
-                <a:buNone/>
-                <a:tabLst/>
-                <a:defRPr/>
-              </a:pPr>
-              <a:t>22</a:t>
-            </a:fld>
-            <a:endParaRPr kumimoji="0" lang="en-US" sz="1200" b="0" i="0" u="none" strike="noStrike" kern="1200" cap="none" spc="0" normalizeH="0" baseline="0" noProof="0" dirty="0">
-              <a:ln>
-                <a:noFill/>
-              </a:ln>
-              <a:solidFill>
-                <a:prstClr val="black"/>
-              </a:solidFill>
-              <a:effectLst/>
-              <a:uLnTx/>
-              <a:uFillTx/>
-              <a:latin typeface="Calibri" panose="020F0502020204030204"/>
-              <a:ea typeface="+mn-ea"/>
-              <a:cs typeface="+mn-cs"/>
-            </a:endParaRPr>
-          </a:p>
-        </p:txBody>
-      </p:sp>
-    </p:spTree>
-    <p:extLst>
-      <p:ext uri="{BB962C8B-B14F-4D97-AF65-F5344CB8AC3E}">
-        <p14:creationId xmlns:p14="http://schemas.microsoft.com/office/powerpoint/2010/main" val="1968711433"/>
-      </p:ext>
-    </p:extLst>
-  </p:cSld>
-  <p:clrMapOvr>
-    <a:masterClrMapping/>
-  </p:clrMapOvr>
-</p:notes>
-</file>
-
-<file path=ppt/notesSlides/notesSlide15.xml><?xml version="1.0" encoding="utf-8"?>
-<p:notes xmlns:a="http://schemas.openxmlformats.org/drawingml/2006/main" xmlns:r="http://schemas.openxmlformats.org/officeDocument/2006/relationships" xmlns:p="http://schemas.openxmlformats.org/presentationml/2006/main">
-  <p:cSld>
-    <p:spTree>
-      <p:nvGrpSpPr>
-        <p:cNvPr id="1" name=""/>
-        <p:cNvGrpSpPr/>
-        <p:nvPr/>
-      </p:nvGrpSpPr>
-      <p:grpSpPr>
-        <a:xfrm>
-          <a:off x="0" y="0"/>
-          <a:ext cx="0" cy="0"/>
-          <a:chOff x="0" y="0"/>
-          <a:chExt cx="0" cy="0"/>
-        </a:xfrm>
-      </p:grpSpPr>
-      <p:sp>
-        <p:nvSpPr>
-          <p:cNvPr id="2" name="Slide Image Placeholder 1"/>
-          <p:cNvSpPr>
-            <a:spLocks noGrp="1" noRot="1" noChangeAspect="1"/>
-          </p:cNvSpPr>
-          <p:nvPr>
-            <p:ph type="sldImg"/>
-          </p:nvPr>
-        </p:nvSpPr>
-        <p:spPr/>
-      </p:sp>
-      <p:sp>
-        <p:nvSpPr>
-          <p:cNvPr id="3" name="Notes Placeholder 2"/>
-          <p:cNvSpPr>
-            <a:spLocks noGrp="1"/>
-          </p:cNvSpPr>
-          <p:nvPr>
-            <p:ph type="body" idx="1"/>
-          </p:nvPr>
-        </p:nvSpPr>
-        <p:spPr/>
-        <p:txBody>
-          <a:bodyPr/>
-          <a:lstStyle/>
-          <a:p>
-            <a:endParaRPr lang="en-US" dirty="0"/>
-          </a:p>
-        </p:txBody>
-      </p:sp>
-      <p:sp>
-        <p:nvSpPr>
-          <p:cNvPr id="4" name="Header Placeholder 3"/>
-          <p:cNvSpPr>
-            <a:spLocks noGrp="1"/>
-          </p:cNvSpPr>
-          <p:nvPr>
-            <p:ph type="hdr" sz="quarter" idx="10"/>
-          </p:nvPr>
-        </p:nvSpPr>
-        <p:spPr/>
-        <p:txBody>
-          <a:bodyPr/>
-          <a:lstStyle/>
-          <a:p>
-            <a:pPr marL="0" marR="0" lvl="0" indent="0" algn="l" defTabSz="457200" rtl="0" eaLnBrk="1" fontAlgn="auto" latinLnBrk="0" hangingPunct="1">
-              <a:lnSpc>
-                <a:spcPct val="100000"/>
-              </a:lnSpc>
-              <a:spcBef>
-                <a:spcPts val="0"/>
-              </a:spcBef>
-              <a:spcAft>
-                <a:spcPts val="0"/>
-              </a:spcAft>
-              <a:buClrTx/>
-              <a:buSzTx/>
-              <a:buFontTx/>
-              <a:buNone/>
-              <a:tabLst/>
-              <a:defRPr/>
-            </a:pPr>
-            <a:r>
-              <a:rPr kumimoji="0" lang="en-US" sz="1200" b="0" i="0" u="none" strike="noStrike" kern="1200" cap="none" spc="0" normalizeH="0" baseline="0" noProof="0" dirty="0">
-                <a:ln>
-                  <a:noFill/>
-                </a:ln>
-                <a:solidFill>
-                  <a:prstClr val="black"/>
-                </a:solidFill>
-                <a:effectLst/>
-                <a:uLnTx/>
-                <a:uFillTx/>
-                <a:latin typeface="Calibri" panose="020F0502020204030204"/>
-                <a:ea typeface="+mn-ea"/>
-                <a:cs typeface="+mn-cs"/>
-              </a:rPr>
-              <a:t>Introduction to Programming using Python</a:t>
-            </a:r>
-          </a:p>
-        </p:txBody>
-      </p:sp>
-      <p:sp>
-        <p:nvSpPr>
-          <p:cNvPr id="5" name="Date Placeholder 4"/>
-          <p:cNvSpPr>
-            <a:spLocks noGrp="1"/>
-          </p:cNvSpPr>
-          <p:nvPr>
-            <p:ph type="dt" idx="11"/>
-          </p:nvPr>
-        </p:nvSpPr>
-        <p:spPr/>
-        <p:txBody>
-          <a:bodyPr/>
-          <a:lstStyle/>
-          <a:p>
-            <a:pPr marL="0" marR="0" lvl="0" indent="0" algn="r" defTabSz="457200" rtl="0" eaLnBrk="1" fontAlgn="auto" latinLnBrk="0" hangingPunct="1">
-              <a:lnSpc>
-                <a:spcPct val="100000"/>
-              </a:lnSpc>
-              <a:spcBef>
-                <a:spcPts val="0"/>
-              </a:spcBef>
-              <a:spcAft>
-                <a:spcPts val="0"/>
-              </a:spcAft>
-              <a:buClrTx/>
-              <a:buSzTx/>
-              <a:buFontTx/>
-              <a:buNone/>
-              <a:tabLst/>
-              <a:defRPr/>
-            </a:pPr>
-            <a:fld id="{A596092B-28C7-44D1-B902-5437B333DFB7}" type="datetime1">
-              <a:rPr kumimoji="0" lang="en-US" sz="1200" b="0" i="0" u="none" strike="noStrike" kern="1200" cap="none" spc="0" normalizeH="0" baseline="0" noProof="0" smtClean="0">
-                <a:ln>
-                  <a:noFill/>
-                </a:ln>
-                <a:solidFill>
-                  <a:prstClr val="black"/>
-                </a:solidFill>
-                <a:effectLst/>
-                <a:uLnTx/>
-                <a:uFillTx/>
-                <a:latin typeface="Calibri" panose="020F0502020204030204"/>
-                <a:ea typeface="+mn-ea"/>
-                <a:cs typeface="+mn-cs"/>
-              </a:rPr>
-              <a:pPr marL="0" marR="0" lvl="0" indent="0" algn="r" defTabSz="457200" rtl="0" eaLnBrk="1" fontAlgn="auto" latinLnBrk="0" hangingPunct="1">
-                <a:lnSpc>
-                  <a:spcPct val="100000"/>
-                </a:lnSpc>
-                <a:spcBef>
-                  <a:spcPts val="0"/>
-                </a:spcBef>
-                <a:spcAft>
-                  <a:spcPts val="0"/>
-                </a:spcAft>
-                <a:buClrTx/>
-                <a:buSzTx/>
-                <a:buFontTx/>
-                <a:buNone/>
-                <a:tabLst/>
-                <a:defRPr/>
-              </a:pPr>
-              <a:t>2/25/2022</a:t>
+              <a:t>6/30/2022</a:t>
             </a:fld>
             <a:endParaRPr kumimoji="0" lang="en-US" sz="1200" b="0" i="0" u="none" strike="noStrike" kern="1200" cap="none" spc="0" normalizeH="0" baseline="0" noProof="0" dirty="0">
               <a:ln>
@@ -2867,7 +2537,7 @@
     </p:spTree>
     <p:extLst>
       <p:ext uri="{BB962C8B-B14F-4D97-AF65-F5344CB8AC3E}">
-        <p14:creationId xmlns:p14="http://schemas.microsoft.com/office/powerpoint/2010/main" val="130709238"/>
+        <p14:creationId xmlns:p14="http://schemas.microsoft.com/office/powerpoint/2010/main" val="1968711433"/>
       </p:ext>
     </p:extLst>
   </p:cSld>
@@ -2877,7 +2547,7 @@
 </p:notes>
 </file>
 
-<file path=ppt/notesSlides/notesSlide16.xml><?xml version="1.0" encoding="utf-8"?>
+<file path=ppt/notesSlides/notesSlide15.xml><?xml version="1.0" encoding="utf-8"?>
 <p:notes xmlns:a="http://schemas.openxmlformats.org/drawingml/2006/main" xmlns:r="http://schemas.openxmlformats.org/officeDocument/2006/relationships" xmlns:p="http://schemas.openxmlformats.org/presentationml/2006/main">
   <p:cSld>
     <p:spTree>
@@ -3041,7 +2711,7 @@
                 <a:tabLst/>
                 <a:defRPr/>
               </a:pPr>
-              <a:t>2/25/2022</a:t>
+              <a:t>6/30/2022</a:t>
             </a:fld>
             <a:endParaRPr kumimoji="0" lang="en-US" sz="1200" b="0" i="0" u="none" strike="noStrike" kern="1200" cap="none" spc="0" normalizeH="0" baseline="0" noProof="0" dirty="0">
               <a:ln>
@@ -3198,7 +2868,7 @@
     </p:spTree>
     <p:extLst>
       <p:ext uri="{BB962C8B-B14F-4D97-AF65-F5344CB8AC3E}">
-        <p14:creationId xmlns:p14="http://schemas.microsoft.com/office/powerpoint/2010/main" val="1492651316"/>
+        <p14:creationId xmlns:p14="http://schemas.microsoft.com/office/powerpoint/2010/main" val="130709238"/>
       </p:ext>
     </p:extLst>
   </p:cSld>
@@ -3208,7 +2878,7 @@
 </p:notes>
 </file>
 
-<file path=ppt/notesSlides/notesSlide17.xml><?xml version="1.0" encoding="utf-8"?>
+<file path=ppt/notesSlides/notesSlide16.xml><?xml version="1.0" encoding="utf-8"?>
 <p:notes xmlns:a="http://schemas.openxmlformats.org/drawingml/2006/main" xmlns:r="http://schemas.openxmlformats.org/officeDocument/2006/relationships" xmlns:p="http://schemas.openxmlformats.org/presentationml/2006/main">
   <p:cSld>
     <p:spTree>
@@ -3372,7 +3042,7 @@
                 <a:tabLst/>
                 <a:defRPr/>
               </a:pPr>
-              <a:t>2/25/2022</a:t>
+              <a:t>6/30/2022</a:t>
             </a:fld>
             <a:endParaRPr kumimoji="0" lang="en-US" sz="1200" b="0" i="0" u="none" strike="noStrike" kern="1200" cap="none" spc="0" normalizeH="0" baseline="0" noProof="0" dirty="0">
               <a:ln>
@@ -3529,7 +3199,7 @@
     </p:spTree>
     <p:extLst>
       <p:ext uri="{BB962C8B-B14F-4D97-AF65-F5344CB8AC3E}">
-        <p14:creationId xmlns:p14="http://schemas.microsoft.com/office/powerpoint/2010/main" val="4209154805"/>
+        <p14:creationId xmlns:p14="http://schemas.microsoft.com/office/powerpoint/2010/main" val="1492651316"/>
       </p:ext>
     </p:extLst>
   </p:cSld>
@@ -3539,7 +3209,7 @@
 </p:notes>
 </file>
 
-<file path=ppt/notesSlides/notesSlide18.xml><?xml version="1.0" encoding="utf-8"?>
+<file path=ppt/notesSlides/notesSlide17.xml><?xml version="1.0" encoding="utf-8"?>
 <p:notes xmlns:a="http://schemas.openxmlformats.org/drawingml/2006/main" xmlns:r="http://schemas.openxmlformats.org/officeDocument/2006/relationships" xmlns:p="http://schemas.openxmlformats.org/presentationml/2006/main">
   <p:cSld>
     <p:spTree>
@@ -3703,7 +3373,7 @@
                 <a:tabLst/>
                 <a:defRPr/>
               </a:pPr>
-              <a:t>2/25/2022</a:t>
+              <a:t>6/30/2022</a:t>
             </a:fld>
             <a:endParaRPr kumimoji="0" lang="en-US" sz="1200" b="0" i="0" u="none" strike="noStrike" kern="1200" cap="none" spc="0" normalizeH="0" baseline="0" noProof="0" dirty="0">
               <a:ln>
@@ -3860,7 +3530,7 @@
     </p:spTree>
     <p:extLst>
       <p:ext uri="{BB962C8B-B14F-4D97-AF65-F5344CB8AC3E}">
-        <p14:creationId xmlns:p14="http://schemas.microsoft.com/office/powerpoint/2010/main" val="3167475525"/>
+        <p14:creationId xmlns:p14="http://schemas.microsoft.com/office/powerpoint/2010/main" val="4209154805"/>
       </p:ext>
     </p:extLst>
   </p:cSld>
@@ -3870,7 +3540,7 @@
 </p:notes>
 </file>
 
-<file path=ppt/notesSlides/notesSlide19.xml><?xml version="1.0" encoding="utf-8"?>
+<file path=ppt/notesSlides/notesSlide18.xml><?xml version="1.0" encoding="utf-8"?>
 <p:notes xmlns:a="http://schemas.openxmlformats.org/drawingml/2006/main" xmlns:r="http://schemas.openxmlformats.org/officeDocument/2006/relationships" xmlns:p="http://schemas.openxmlformats.org/presentationml/2006/main">
   <p:cSld>
     <p:spTree>
@@ -4034,7 +3704,7 @@
                 <a:tabLst/>
                 <a:defRPr/>
               </a:pPr>
-              <a:t>2/25/2022</a:t>
+              <a:t>6/30/2022</a:t>
             </a:fld>
             <a:endParaRPr kumimoji="0" lang="en-US" sz="1200" b="0" i="0" u="none" strike="noStrike" kern="1200" cap="none" spc="0" normalizeH="0" baseline="0" noProof="0" dirty="0">
               <a:ln>
@@ -4191,6 +3861,337 @@
     </p:spTree>
     <p:extLst>
       <p:ext uri="{BB962C8B-B14F-4D97-AF65-F5344CB8AC3E}">
+        <p14:creationId xmlns:p14="http://schemas.microsoft.com/office/powerpoint/2010/main" val="3167475525"/>
+      </p:ext>
+    </p:extLst>
+  </p:cSld>
+  <p:clrMapOvr>
+    <a:masterClrMapping/>
+  </p:clrMapOvr>
+</p:notes>
+</file>
+
+<file path=ppt/notesSlides/notesSlide19.xml><?xml version="1.0" encoding="utf-8"?>
+<p:notes xmlns:a="http://schemas.openxmlformats.org/drawingml/2006/main" xmlns:r="http://schemas.openxmlformats.org/officeDocument/2006/relationships" xmlns:p="http://schemas.openxmlformats.org/presentationml/2006/main">
+  <p:cSld>
+    <p:spTree>
+      <p:nvGrpSpPr>
+        <p:cNvPr id="1" name=""/>
+        <p:cNvGrpSpPr/>
+        <p:nvPr/>
+      </p:nvGrpSpPr>
+      <p:grpSpPr>
+        <a:xfrm>
+          <a:off x="0" y="0"/>
+          <a:ext cx="0" cy="0"/>
+          <a:chOff x="0" y="0"/>
+          <a:chExt cx="0" cy="0"/>
+        </a:xfrm>
+      </p:grpSpPr>
+      <p:sp>
+        <p:nvSpPr>
+          <p:cNvPr id="2" name="Slide Image Placeholder 1"/>
+          <p:cNvSpPr>
+            <a:spLocks noGrp="1" noRot="1" noChangeAspect="1"/>
+          </p:cNvSpPr>
+          <p:nvPr>
+            <p:ph type="sldImg"/>
+          </p:nvPr>
+        </p:nvSpPr>
+        <p:spPr/>
+      </p:sp>
+      <p:sp>
+        <p:nvSpPr>
+          <p:cNvPr id="3" name="Notes Placeholder 2"/>
+          <p:cNvSpPr>
+            <a:spLocks noGrp="1"/>
+          </p:cNvSpPr>
+          <p:nvPr>
+            <p:ph type="body" idx="1"/>
+          </p:nvPr>
+        </p:nvSpPr>
+        <p:spPr/>
+        <p:txBody>
+          <a:bodyPr/>
+          <a:lstStyle/>
+          <a:p>
+            <a:endParaRPr lang="en-US" dirty="0"/>
+          </a:p>
+        </p:txBody>
+      </p:sp>
+      <p:sp>
+        <p:nvSpPr>
+          <p:cNvPr id="4" name="Header Placeholder 3"/>
+          <p:cNvSpPr>
+            <a:spLocks noGrp="1"/>
+          </p:cNvSpPr>
+          <p:nvPr>
+            <p:ph type="hdr" sz="quarter" idx="10"/>
+          </p:nvPr>
+        </p:nvSpPr>
+        <p:spPr/>
+        <p:txBody>
+          <a:bodyPr/>
+          <a:lstStyle/>
+          <a:p>
+            <a:pPr marL="0" marR="0" lvl="0" indent="0" algn="l" defTabSz="457200" rtl="0" eaLnBrk="1" fontAlgn="auto" latinLnBrk="0" hangingPunct="1">
+              <a:lnSpc>
+                <a:spcPct val="100000"/>
+              </a:lnSpc>
+              <a:spcBef>
+                <a:spcPts val="0"/>
+              </a:spcBef>
+              <a:spcAft>
+                <a:spcPts val="0"/>
+              </a:spcAft>
+              <a:buClrTx/>
+              <a:buSzTx/>
+              <a:buFontTx/>
+              <a:buNone/>
+              <a:tabLst/>
+              <a:defRPr/>
+            </a:pPr>
+            <a:r>
+              <a:rPr kumimoji="0" lang="en-US" sz="1200" b="0" i="0" u="none" strike="noStrike" kern="1200" cap="none" spc="0" normalizeH="0" baseline="0" noProof="0" dirty="0">
+                <a:ln>
+                  <a:noFill/>
+                </a:ln>
+                <a:solidFill>
+                  <a:prstClr val="black"/>
+                </a:solidFill>
+                <a:effectLst/>
+                <a:uLnTx/>
+                <a:uFillTx/>
+                <a:latin typeface="Calibri" panose="020F0502020204030204"/>
+                <a:ea typeface="+mn-ea"/>
+                <a:cs typeface="+mn-cs"/>
+              </a:rPr>
+              <a:t>Introduction to Programming using Python</a:t>
+            </a:r>
+          </a:p>
+        </p:txBody>
+      </p:sp>
+      <p:sp>
+        <p:nvSpPr>
+          <p:cNvPr id="5" name="Date Placeholder 4"/>
+          <p:cNvSpPr>
+            <a:spLocks noGrp="1"/>
+          </p:cNvSpPr>
+          <p:nvPr>
+            <p:ph type="dt" idx="11"/>
+          </p:nvPr>
+        </p:nvSpPr>
+        <p:spPr/>
+        <p:txBody>
+          <a:bodyPr/>
+          <a:lstStyle/>
+          <a:p>
+            <a:pPr marL="0" marR="0" lvl="0" indent="0" algn="r" defTabSz="457200" rtl="0" eaLnBrk="1" fontAlgn="auto" latinLnBrk="0" hangingPunct="1">
+              <a:lnSpc>
+                <a:spcPct val="100000"/>
+              </a:lnSpc>
+              <a:spcBef>
+                <a:spcPts val="0"/>
+              </a:spcBef>
+              <a:spcAft>
+                <a:spcPts val="0"/>
+              </a:spcAft>
+              <a:buClrTx/>
+              <a:buSzTx/>
+              <a:buFontTx/>
+              <a:buNone/>
+              <a:tabLst/>
+              <a:defRPr/>
+            </a:pPr>
+            <a:fld id="{A596092B-28C7-44D1-B902-5437B333DFB7}" type="datetime1">
+              <a:rPr kumimoji="0" lang="en-US" sz="1200" b="0" i="0" u="none" strike="noStrike" kern="1200" cap="none" spc="0" normalizeH="0" baseline="0" noProof="0" smtClean="0">
+                <a:ln>
+                  <a:noFill/>
+                </a:ln>
+                <a:solidFill>
+                  <a:prstClr val="black"/>
+                </a:solidFill>
+                <a:effectLst/>
+                <a:uLnTx/>
+                <a:uFillTx/>
+                <a:latin typeface="Calibri" panose="020F0502020204030204"/>
+                <a:ea typeface="+mn-ea"/>
+                <a:cs typeface="+mn-cs"/>
+              </a:rPr>
+              <a:pPr marL="0" marR="0" lvl="0" indent="0" algn="r" defTabSz="457200" rtl="0" eaLnBrk="1" fontAlgn="auto" latinLnBrk="0" hangingPunct="1">
+                <a:lnSpc>
+                  <a:spcPct val="100000"/>
+                </a:lnSpc>
+                <a:spcBef>
+                  <a:spcPts val="0"/>
+                </a:spcBef>
+                <a:spcAft>
+                  <a:spcPts val="0"/>
+                </a:spcAft>
+                <a:buClrTx/>
+                <a:buSzTx/>
+                <a:buFontTx/>
+                <a:buNone/>
+                <a:tabLst/>
+                <a:defRPr/>
+              </a:pPr>
+              <a:t>6/30/2022</a:t>
+            </a:fld>
+            <a:endParaRPr kumimoji="0" lang="en-US" sz="1200" b="0" i="0" u="none" strike="noStrike" kern="1200" cap="none" spc="0" normalizeH="0" baseline="0" noProof="0" dirty="0">
+              <a:ln>
+                <a:noFill/>
+              </a:ln>
+              <a:solidFill>
+                <a:prstClr val="black"/>
+              </a:solidFill>
+              <a:effectLst/>
+              <a:uLnTx/>
+              <a:uFillTx/>
+              <a:latin typeface="Calibri" panose="020F0502020204030204"/>
+              <a:ea typeface="+mn-ea"/>
+              <a:cs typeface="+mn-cs"/>
+            </a:endParaRPr>
+          </a:p>
+        </p:txBody>
+      </p:sp>
+      <p:sp>
+        <p:nvSpPr>
+          <p:cNvPr id="6" name="Footer Placeholder 5"/>
+          <p:cNvSpPr>
+            <a:spLocks noGrp="1"/>
+          </p:cNvSpPr>
+          <p:nvPr>
+            <p:ph type="ftr" sz="quarter" idx="12"/>
+          </p:nvPr>
+        </p:nvSpPr>
+        <p:spPr/>
+        <p:txBody>
+          <a:bodyPr/>
+          <a:lstStyle/>
+          <a:p>
+            <a:pPr marL="0" marR="0" lvl="0" indent="0" algn="l" defTabSz="457200" rtl="0" eaLnBrk="1" fontAlgn="auto" latinLnBrk="0" hangingPunct="1">
+              <a:lnSpc>
+                <a:spcPct val="100000"/>
+              </a:lnSpc>
+              <a:spcBef>
+                <a:spcPts val="0"/>
+              </a:spcBef>
+              <a:spcAft>
+                <a:spcPts val="0"/>
+              </a:spcAft>
+              <a:buClrTx/>
+              <a:buSzTx/>
+              <a:buFontTx/>
+              <a:buNone/>
+              <a:tabLst/>
+              <a:defRPr/>
+            </a:pPr>
+            <a:r>
+              <a:rPr kumimoji="0" lang="en-US" sz="1200" b="0" i="0" u="none" strike="noStrike" kern="1200" cap="none" spc="0" normalizeH="0" baseline="0" noProof="0" dirty="0">
+                <a:ln>
+                  <a:noFill/>
+                </a:ln>
+                <a:solidFill>
+                  <a:prstClr val="black"/>
+                </a:solidFill>
+                <a:effectLst/>
+                <a:uLnTx/>
+                <a:uFillTx/>
+                <a:latin typeface="Calibri" panose="020F0502020204030204"/>
+                <a:ea typeface="+mn-ea"/>
+                <a:cs typeface="+mn-cs"/>
+              </a:rPr>
+              <a:t>raysmith@alum.mit.edu</a:t>
+            </a:r>
+          </a:p>
+        </p:txBody>
+      </p:sp>
+      <p:sp>
+        <p:nvSpPr>
+          <p:cNvPr id="7" name="Slide Number Placeholder 6"/>
+          <p:cNvSpPr>
+            <a:spLocks noGrp="1"/>
+          </p:cNvSpPr>
+          <p:nvPr>
+            <p:ph type="sldNum" sz="quarter" idx="13"/>
+          </p:nvPr>
+        </p:nvSpPr>
+        <p:spPr/>
+        <p:txBody>
+          <a:bodyPr/>
+          <a:lstStyle/>
+          <a:p>
+            <a:pPr marL="0" marR="0" lvl="0" indent="0" algn="r" defTabSz="457200" rtl="0" eaLnBrk="1" fontAlgn="auto" latinLnBrk="0" hangingPunct="1">
+              <a:lnSpc>
+                <a:spcPct val="100000"/>
+              </a:lnSpc>
+              <a:spcBef>
+                <a:spcPts val="0"/>
+              </a:spcBef>
+              <a:spcAft>
+                <a:spcPts val="0"/>
+              </a:spcAft>
+              <a:buClrTx/>
+              <a:buSzTx/>
+              <a:buFontTx/>
+              <a:buNone/>
+              <a:tabLst/>
+              <a:defRPr/>
+            </a:pPr>
+            <a:fld id="{BA791329-992B-4F83-8435-C33B0EC26DB3}" type="slidenum">
+              <a:rPr kumimoji="0" lang="en-US" sz="1200" b="0" i="0" u="none" strike="noStrike" kern="1200" cap="none" spc="0" normalizeH="0" baseline="0" noProof="0" smtClean="0">
+                <a:ln>
+                  <a:noFill/>
+                </a:ln>
+                <a:solidFill>
+                  <a:prstClr val="black"/>
+                </a:solidFill>
+                <a:effectLst/>
+                <a:uLnTx/>
+                <a:uFillTx/>
+                <a:latin typeface="Calibri" panose="020F0502020204030204"/>
+                <a:ea typeface="+mn-ea"/>
+                <a:cs typeface="+mn-cs"/>
+              </a:rPr>
+              <a:pPr marL="0" marR="0" lvl="0" indent="0" algn="r" defTabSz="457200" rtl="0" eaLnBrk="1" fontAlgn="auto" latinLnBrk="0" hangingPunct="1">
+                <a:lnSpc>
+                  <a:spcPct val="100000"/>
+                </a:lnSpc>
+                <a:spcBef>
+                  <a:spcPts val="0"/>
+                </a:spcBef>
+                <a:spcAft>
+                  <a:spcPts val="0"/>
+                </a:spcAft>
+                <a:buClrTx/>
+                <a:buSzTx/>
+                <a:buFontTx/>
+                <a:buNone/>
+                <a:tabLst/>
+                <a:defRPr/>
+              </a:pPr>
+              <a:t>28</a:t>
+            </a:fld>
+            <a:endParaRPr kumimoji="0" lang="en-US" sz="1200" b="0" i="0" u="none" strike="noStrike" kern="1200" cap="none" spc="0" normalizeH="0" baseline="0" noProof="0" dirty="0">
+              <a:ln>
+                <a:noFill/>
+              </a:ln>
+              <a:solidFill>
+                <a:prstClr val="black"/>
+              </a:solidFill>
+              <a:effectLst/>
+              <a:uLnTx/>
+              <a:uFillTx/>
+              <a:latin typeface="Calibri" panose="020F0502020204030204"/>
+              <a:ea typeface="+mn-ea"/>
+              <a:cs typeface="+mn-cs"/>
+            </a:endParaRPr>
+          </a:p>
+        </p:txBody>
+      </p:sp>
+    </p:spTree>
+    <p:extLst>
+      <p:ext uri="{BB962C8B-B14F-4D97-AF65-F5344CB8AC3E}">
         <p14:creationId xmlns:p14="http://schemas.microsoft.com/office/powerpoint/2010/main" val="286132667"/>
       </p:ext>
     </p:extLst>
@@ -4368,7 +4369,7 @@
                 <a:tabLst/>
                 <a:defRPr/>
               </a:pPr>
-              <a:t>2/25/2022</a:t>
+              <a:t>6/30/2022</a:t>
             </a:fld>
             <a:endParaRPr kumimoji="0" lang="en-US" sz="1200" b="0" i="0" u="none" strike="noStrike" kern="1200" cap="none" spc="0" normalizeH="0" baseline="0" noProof="0" dirty="0">
               <a:ln>
@@ -4699,338 +4700,7 @@
                 <a:tabLst/>
                 <a:defRPr/>
               </a:pPr>
-              <a:t>2/25/2022</a:t>
-            </a:fld>
-            <a:endParaRPr kumimoji="0" lang="en-US" sz="1200" b="0" i="0" u="none" strike="noStrike" kern="1200" cap="none" spc="0" normalizeH="0" baseline="0" noProof="0" dirty="0">
-              <a:ln>
-                <a:noFill/>
-              </a:ln>
-              <a:solidFill>
-                <a:prstClr val="black"/>
-              </a:solidFill>
-              <a:effectLst/>
-              <a:uLnTx/>
-              <a:uFillTx/>
-              <a:latin typeface="Calibri" panose="020F0502020204030204"/>
-              <a:ea typeface="+mn-ea"/>
-              <a:cs typeface="+mn-cs"/>
-            </a:endParaRPr>
-          </a:p>
-        </p:txBody>
-      </p:sp>
-      <p:sp>
-        <p:nvSpPr>
-          <p:cNvPr id="6" name="Footer Placeholder 5"/>
-          <p:cNvSpPr>
-            <a:spLocks noGrp="1"/>
-          </p:cNvSpPr>
-          <p:nvPr>
-            <p:ph type="ftr" sz="quarter" idx="12"/>
-          </p:nvPr>
-        </p:nvSpPr>
-        <p:spPr/>
-        <p:txBody>
-          <a:bodyPr/>
-          <a:lstStyle/>
-          <a:p>
-            <a:pPr marL="0" marR="0" lvl="0" indent="0" algn="l" defTabSz="457200" rtl="0" eaLnBrk="1" fontAlgn="auto" latinLnBrk="0" hangingPunct="1">
-              <a:lnSpc>
-                <a:spcPct val="100000"/>
-              </a:lnSpc>
-              <a:spcBef>
-                <a:spcPts val="0"/>
-              </a:spcBef>
-              <a:spcAft>
-                <a:spcPts val="0"/>
-              </a:spcAft>
-              <a:buClrTx/>
-              <a:buSzTx/>
-              <a:buFontTx/>
-              <a:buNone/>
-              <a:tabLst/>
-              <a:defRPr/>
-            </a:pPr>
-            <a:r>
-              <a:rPr kumimoji="0" lang="en-US" sz="1200" b="0" i="0" u="none" strike="noStrike" kern="1200" cap="none" spc="0" normalizeH="0" baseline="0" noProof="0" dirty="0">
-                <a:ln>
-                  <a:noFill/>
-                </a:ln>
-                <a:solidFill>
-                  <a:prstClr val="black"/>
-                </a:solidFill>
-                <a:effectLst/>
-                <a:uLnTx/>
-                <a:uFillTx/>
-                <a:latin typeface="Calibri" panose="020F0502020204030204"/>
-                <a:ea typeface="+mn-ea"/>
-                <a:cs typeface="+mn-cs"/>
-              </a:rPr>
-              <a:t>raysmith@alum.mit.edu</a:t>
-            </a:r>
-          </a:p>
-        </p:txBody>
-      </p:sp>
-      <p:sp>
-        <p:nvSpPr>
-          <p:cNvPr id="7" name="Slide Number Placeholder 6"/>
-          <p:cNvSpPr>
-            <a:spLocks noGrp="1"/>
-          </p:cNvSpPr>
-          <p:nvPr>
-            <p:ph type="sldNum" sz="quarter" idx="13"/>
-          </p:nvPr>
-        </p:nvSpPr>
-        <p:spPr/>
-        <p:txBody>
-          <a:bodyPr/>
-          <a:lstStyle/>
-          <a:p>
-            <a:pPr marL="0" marR="0" lvl="0" indent="0" algn="r" defTabSz="457200" rtl="0" eaLnBrk="1" fontAlgn="auto" latinLnBrk="0" hangingPunct="1">
-              <a:lnSpc>
-                <a:spcPct val="100000"/>
-              </a:lnSpc>
-              <a:spcBef>
-                <a:spcPts val="0"/>
-              </a:spcBef>
-              <a:spcAft>
-                <a:spcPts val="0"/>
-              </a:spcAft>
-              <a:buClrTx/>
-              <a:buSzTx/>
-              <a:buFontTx/>
-              <a:buNone/>
-              <a:tabLst/>
-              <a:defRPr/>
-            </a:pPr>
-            <a:fld id="{BA791329-992B-4F83-8435-C33B0EC26DB3}" type="slidenum">
-              <a:rPr kumimoji="0" lang="en-US" sz="1200" b="0" i="0" u="none" strike="noStrike" kern="1200" cap="none" spc="0" normalizeH="0" baseline="0" noProof="0" smtClean="0">
-                <a:ln>
-                  <a:noFill/>
-                </a:ln>
-                <a:solidFill>
-                  <a:prstClr val="black"/>
-                </a:solidFill>
-                <a:effectLst/>
-                <a:uLnTx/>
-                <a:uFillTx/>
-                <a:latin typeface="Calibri" panose="020F0502020204030204"/>
-                <a:ea typeface="+mn-ea"/>
-                <a:cs typeface="+mn-cs"/>
-              </a:rPr>
-              <a:pPr marL="0" marR="0" lvl="0" indent="0" algn="r" defTabSz="457200" rtl="0" eaLnBrk="1" fontAlgn="auto" latinLnBrk="0" hangingPunct="1">
-                <a:lnSpc>
-                  <a:spcPct val="100000"/>
-                </a:lnSpc>
-                <a:spcBef>
-                  <a:spcPts val="0"/>
-                </a:spcBef>
-                <a:spcAft>
-                  <a:spcPts val="0"/>
-                </a:spcAft>
-                <a:buClrTx/>
-                <a:buSzTx/>
-                <a:buFontTx/>
-                <a:buNone/>
-                <a:tabLst/>
-                <a:defRPr/>
-              </a:pPr>
-              <a:t>28</a:t>
-            </a:fld>
-            <a:endParaRPr kumimoji="0" lang="en-US" sz="1200" b="0" i="0" u="none" strike="noStrike" kern="1200" cap="none" spc="0" normalizeH="0" baseline="0" noProof="0" dirty="0">
-              <a:ln>
-                <a:noFill/>
-              </a:ln>
-              <a:solidFill>
-                <a:prstClr val="black"/>
-              </a:solidFill>
-              <a:effectLst/>
-              <a:uLnTx/>
-              <a:uFillTx/>
-              <a:latin typeface="Calibri" panose="020F0502020204030204"/>
-              <a:ea typeface="+mn-ea"/>
-              <a:cs typeface="+mn-cs"/>
-            </a:endParaRPr>
-          </a:p>
-        </p:txBody>
-      </p:sp>
-    </p:spTree>
-    <p:extLst>
-      <p:ext uri="{BB962C8B-B14F-4D97-AF65-F5344CB8AC3E}">
-        <p14:creationId xmlns:p14="http://schemas.microsoft.com/office/powerpoint/2010/main" val="815125857"/>
-      </p:ext>
-    </p:extLst>
-  </p:cSld>
-  <p:clrMapOvr>
-    <a:masterClrMapping/>
-  </p:clrMapOvr>
-</p:notes>
-</file>
-
-<file path=ppt/notesSlides/notesSlide21.xml><?xml version="1.0" encoding="utf-8"?>
-<p:notes xmlns:a="http://schemas.openxmlformats.org/drawingml/2006/main" xmlns:r="http://schemas.openxmlformats.org/officeDocument/2006/relationships" xmlns:p="http://schemas.openxmlformats.org/presentationml/2006/main">
-  <p:cSld>
-    <p:spTree>
-      <p:nvGrpSpPr>
-        <p:cNvPr id="1" name=""/>
-        <p:cNvGrpSpPr/>
-        <p:nvPr/>
-      </p:nvGrpSpPr>
-      <p:grpSpPr>
-        <a:xfrm>
-          <a:off x="0" y="0"/>
-          <a:ext cx="0" cy="0"/>
-          <a:chOff x="0" y="0"/>
-          <a:chExt cx="0" cy="0"/>
-        </a:xfrm>
-      </p:grpSpPr>
-      <p:sp>
-        <p:nvSpPr>
-          <p:cNvPr id="2" name="Slide Image Placeholder 1"/>
-          <p:cNvSpPr>
-            <a:spLocks noGrp="1" noRot="1" noChangeAspect="1"/>
-          </p:cNvSpPr>
-          <p:nvPr>
-            <p:ph type="sldImg"/>
-          </p:nvPr>
-        </p:nvSpPr>
-        <p:spPr/>
-      </p:sp>
-      <p:sp>
-        <p:nvSpPr>
-          <p:cNvPr id="3" name="Notes Placeholder 2"/>
-          <p:cNvSpPr>
-            <a:spLocks noGrp="1"/>
-          </p:cNvSpPr>
-          <p:nvPr>
-            <p:ph type="body" idx="1"/>
-          </p:nvPr>
-        </p:nvSpPr>
-        <p:spPr/>
-        <p:txBody>
-          <a:bodyPr/>
-          <a:lstStyle/>
-          <a:p>
-            <a:endParaRPr lang="en-US" dirty="0"/>
-          </a:p>
-        </p:txBody>
-      </p:sp>
-      <p:sp>
-        <p:nvSpPr>
-          <p:cNvPr id="4" name="Header Placeholder 3"/>
-          <p:cNvSpPr>
-            <a:spLocks noGrp="1"/>
-          </p:cNvSpPr>
-          <p:nvPr>
-            <p:ph type="hdr" sz="quarter" idx="10"/>
-          </p:nvPr>
-        </p:nvSpPr>
-        <p:spPr/>
-        <p:txBody>
-          <a:bodyPr/>
-          <a:lstStyle/>
-          <a:p>
-            <a:pPr marL="0" marR="0" lvl="0" indent="0" algn="l" defTabSz="457200" rtl="0" eaLnBrk="1" fontAlgn="auto" latinLnBrk="0" hangingPunct="1">
-              <a:lnSpc>
-                <a:spcPct val="100000"/>
-              </a:lnSpc>
-              <a:spcBef>
-                <a:spcPts val="0"/>
-              </a:spcBef>
-              <a:spcAft>
-                <a:spcPts val="0"/>
-              </a:spcAft>
-              <a:buClrTx/>
-              <a:buSzTx/>
-              <a:buFontTx/>
-              <a:buNone/>
-              <a:tabLst/>
-              <a:defRPr/>
-            </a:pPr>
-            <a:r>
-              <a:rPr kumimoji="0" lang="en-US" sz="1200" b="0" i="0" u="none" strike="noStrike" kern="1200" cap="none" spc="0" normalizeH="0" baseline="0" noProof="0" dirty="0">
-                <a:ln>
-                  <a:noFill/>
-                </a:ln>
-                <a:solidFill>
-                  <a:prstClr val="black"/>
-                </a:solidFill>
-                <a:effectLst/>
-                <a:uLnTx/>
-                <a:uFillTx/>
-                <a:latin typeface="Calibri" panose="020F0502020204030204"/>
-                <a:ea typeface="+mn-ea"/>
-                <a:cs typeface="+mn-cs"/>
-              </a:rPr>
-              <a:t>Introduction to Programming using Python</a:t>
-            </a:r>
-          </a:p>
-        </p:txBody>
-      </p:sp>
-      <p:sp>
-        <p:nvSpPr>
-          <p:cNvPr id="5" name="Date Placeholder 4"/>
-          <p:cNvSpPr>
-            <a:spLocks noGrp="1"/>
-          </p:cNvSpPr>
-          <p:nvPr>
-            <p:ph type="dt" idx="11"/>
-          </p:nvPr>
-        </p:nvSpPr>
-        <p:spPr/>
-        <p:txBody>
-          <a:bodyPr/>
-          <a:lstStyle/>
-          <a:p>
-            <a:pPr marL="0" marR="0" lvl="0" indent="0" algn="r" defTabSz="457200" rtl="0" eaLnBrk="1" fontAlgn="auto" latinLnBrk="0" hangingPunct="1">
-              <a:lnSpc>
-                <a:spcPct val="100000"/>
-              </a:lnSpc>
-              <a:spcBef>
-                <a:spcPts val="0"/>
-              </a:spcBef>
-              <a:spcAft>
-                <a:spcPts val="0"/>
-              </a:spcAft>
-              <a:buClrTx/>
-              <a:buSzTx/>
-              <a:buFontTx/>
-              <a:buNone/>
-              <a:tabLst/>
-              <a:defRPr/>
-            </a:pPr>
-            <a:fld id="{A596092B-28C7-44D1-B902-5437B333DFB7}" type="datetime1">
-              <a:rPr kumimoji="0" lang="en-US" sz="1200" b="0" i="0" u="none" strike="noStrike" kern="1200" cap="none" spc="0" normalizeH="0" baseline="0" noProof="0" smtClean="0">
-                <a:ln>
-                  <a:noFill/>
-                </a:ln>
-                <a:solidFill>
-                  <a:prstClr val="black"/>
-                </a:solidFill>
-                <a:effectLst/>
-                <a:uLnTx/>
-                <a:uFillTx/>
-                <a:latin typeface="Calibri" panose="020F0502020204030204"/>
-                <a:ea typeface="+mn-ea"/>
-                <a:cs typeface="+mn-cs"/>
-              </a:rPr>
-              <a:pPr marL="0" marR="0" lvl="0" indent="0" algn="r" defTabSz="457200" rtl="0" eaLnBrk="1" fontAlgn="auto" latinLnBrk="0" hangingPunct="1">
-                <a:lnSpc>
-                  <a:spcPct val="100000"/>
-                </a:lnSpc>
-                <a:spcBef>
-                  <a:spcPts val="0"/>
-                </a:spcBef>
-                <a:spcAft>
-                  <a:spcPts val="0"/>
-                </a:spcAft>
-                <a:buClrTx/>
-                <a:buSzTx/>
-                <a:buFontTx/>
-                <a:buNone/>
-                <a:tabLst/>
-                <a:defRPr/>
-              </a:pPr>
-              <a:t>2/25/2022</a:t>
+              <a:t>6/30/2022</a:t>
             </a:fld>
             <a:endParaRPr kumimoji="0" lang="en-US" sz="1200" b="0" i="0" u="none" strike="noStrike" kern="1200" cap="none" spc="0" normalizeH="0" baseline="0" noProof="0" dirty="0">
               <a:ln>
@@ -5187,7 +4857,7 @@
     </p:spTree>
     <p:extLst>
       <p:ext uri="{BB962C8B-B14F-4D97-AF65-F5344CB8AC3E}">
-        <p14:creationId xmlns:p14="http://schemas.microsoft.com/office/powerpoint/2010/main" val="607091598"/>
+        <p14:creationId xmlns:p14="http://schemas.microsoft.com/office/powerpoint/2010/main" val="815125857"/>
       </p:ext>
     </p:extLst>
   </p:cSld>
@@ -5197,7 +4867,7 @@
 </p:notes>
 </file>
 
-<file path=ppt/notesSlides/notesSlide22.xml><?xml version="1.0" encoding="utf-8"?>
+<file path=ppt/notesSlides/notesSlide21.xml><?xml version="1.0" encoding="utf-8"?>
 <p:notes xmlns:a="http://schemas.openxmlformats.org/drawingml/2006/main" xmlns:r="http://schemas.openxmlformats.org/officeDocument/2006/relationships" xmlns:p="http://schemas.openxmlformats.org/presentationml/2006/main">
   <p:cSld>
     <p:spTree>
@@ -5361,7 +5031,7 @@
                 <a:tabLst/>
                 <a:defRPr/>
               </a:pPr>
-              <a:t>2/25/2022</a:t>
+              <a:t>6/30/2022</a:t>
             </a:fld>
             <a:endParaRPr kumimoji="0" lang="en-US" sz="1200" b="0" i="0" u="none" strike="noStrike" kern="1200" cap="none" spc="0" normalizeH="0" baseline="0" noProof="0" dirty="0">
               <a:ln>
@@ -5518,7 +5188,7 @@
     </p:spTree>
     <p:extLst>
       <p:ext uri="{BB962C8B-B14F-4D97-AF65-F5344CB8AC3E}">
-        <p14:creationId xmlns:p14="http://schemas.microsoft.com/office/powerpoint/2010/main" val="4289077254"/>
+        <p14:creationId xmlns:p14="http://schemas.microsoft.com/office/powerpoint/2010/main" val="607091598"/>
       </p:ext>
     </p:extLst>
   </p:cSld>
@@ -5528,7 +5198,7 @@
 </p:notes>
 </file>
 
-<file path=ppt/notesSlides/notesSlide23.xml><?xml version="1.0" encoding="utf-8"?>
+<file path=ppt/notesSlides/notesSlide22.xml><?xml version="1.0" encoding="utf-8"?>
 <p:notes xmlns:a="http://schemas.openxmlformats.org/drawingml/2006/main" xmlns:r="http://schemas.openxmlformats.org/officeDocument/2006/relationships" xmlns:p="http://schemas.openxmlformats.org/presentationml/2006/main">
   <p:cSld>
     <p:spTree>
@@ -5692,7 +5362,7 @@
                 <a:tabLst/>
                 <a:defRPr/>
               </a:pPr>
-              <a:t>2/25/2022</a:t>
+              <a:t>6/30/2022</a:t>
             </a:fld>
             <a:endParaRPr kumimoji="0" lang="en-US" sz="1200" b="0" i="0" u="none" strike="noStrike" kern="1200" cap="none" spc="0" normalizeH="0" baseline="0" noProof="0" dirty="0">
               <a:ln>
@@ -5849,6 +5519,337 @@
     </p:spTree>
     <p:extLst>
       <p:ext uri="{BB962C8B-B14F-4D97-AF65-F5344CB8AC3E}">
+        <p14:creationId xmlns:p14="http://schemas.microsoft.com/office/powerpoint/2010/main" val="4289077254"/>
+      </p:ext>
+    </p:extLst>
+  </p:cSld>
+  <p:clrMapOvr>
+    <a:masterClrMapping/>
+  </p:clrMapOvr>
+</p:notes>
+</file>
+
+<file path=ppt/notesSlides/notesSlide23.xml><?xml version="1.0" encoding="utf-8"?>
+<p:notes xmlns:a="http://schemas.openxmlformats.org/drawingml/2006/main" xmlns:r="http://schemas.openxmlformats.org/officeDocument/2006/relationships" xmlns:p="http://schemas.openxmlformats.org/presentationml/2006/main">
+  <p:cSld>
+    <p:spTree>
+      <p:nvGrpSpPr>
+        <p:cNvPr id="1" name=""/>
+        <p:cNvGrpSpPr/>
+        <p:nvPr/>
+      </p:nvGrpSpPr>
+      <p:grpSpPr>
+        <a:xfrm>
+          <a:off x="0" y="0"/>
+          <a:ext cx="0" cy="0"/>
+          <a:chOff x="0" y="0"/>
+          <a:chExt cx="0" cy="0"/>
+        </a:xfrm>
+      </p:grpSpPr>
+      <p:sp>
+        <p:nvSpPr>
+          <p:cNvPr id="2" name="Slide Image Placeholder 1"/>
+          <p:cNvSpPr>
+            <a:spLocks noGrp="1" noRot="1" noChangeAspect="1"/>
+          </p:cNvSpPr>
+          <p:nvPr>
+            <p:ph type="sldImg"/>
+          </p:nvPr>
+        </p:nvSpPr>
+        <p:spPr/>
+      </p:sp>
+      <p:sp>
+        <p:nvSpPr>
+          <p:cNvPr id="3" name="Notes Placeholder 2"/>
+          <p:cNvSpPr>
+            <a:spLocks noGrp="1"/>
+          </p:cNvSpPr>
+          <p:nvPr>
+            <p:ph type="body" idx="1"/>
+          </p:nvPr>
+        </p:nvSpPr>
+        <p:spPr/>
+        <p:txBody>
+          <a:bodyPr/>
+          <a:lstStyle/>
+          <a:p>
+            <a:endParaRPr lang="en-US" dirty="0"/>
+          </a:p>
+        </p:txBody>
+      </p:sp>
+      <p:sp>
+        <p:nvSpPr>
+          <p:cNvPr id="4" name="Header Placeholder 3"/>
+          <p:cNvSpPr>
+            <a:spLocks noGrp="1"/>
+          </p:cNvSpPr>
+          <p:nvPr>
+            <p:ph type="hdr" sz="quarter" idx="10"/>
+          </p:nvPr>
+        </p:nvSpPr>
+        <p:spPr/>
+        <p:txBody>
+          <a:bodyPr/>
+          <a:lstStyle/>
+          <a:p>
+            <a:pPr marL="0" marR="0" lvl="0" indent="0" algn="l" defTabSz="457200" rtl="0" eaLnBrk="1" fontAlgn="auto" latinLnBrk="0" hangingPunct="1">
+              <a:lnSpc>
+                <a:spcPct val="100000"/>
+              </a:lnSpc>
+              <a:spcBef>
+                <a:spcPts val="0"/>
+              </a:spcBef>
+              <a:spcAft>
+                <a:spcPts val="0"/>
+              </a:spcAft>
+              <a:buClrTx/>
+              <a:buSzTx/>
+              <a:buFontTx/>
+              <a:buNone/>
+              <a:tabLst/>
+              <a:defRPr/>
+            </a:pPr>
+            <a:r>
+              <a:rPr kumimoji="0" lang="en-US" sz="1200" b="0" i="0" u="none" strike="noStrike" kern="1200" cap="none" spc="0" normalizeH="0" baseline="0" noProof="0" dirty="0">
+                <a:ln>
+                  <a:noFill/>
+                </a:ln>
+                <a:solidFill>
+                  <a:prstClr val="black"/>
+                </a:solidFill>
+                <a:effectLst/>
+                <a:uLnTx/>
+                <a:uFillTx/>
+                <a:latin typeface="Calibri" panose="020F0502020204030204"/>
+                <a:ea typeface="+mn-ea"/>
+                <a:cs typeface="+mn-cs"/>
+              </a:rPr>
+              <a:t>Introduction to Programming using Python</a:t>
+            </a:r>
+          </a:p>
+        </p:txBody>
+      </p:sp>
+      <p:sp>
+        <p:nvSpPr>
+          <p:cNvPr id="5" name="Date Placeholder 4"/>
+          <p:cNvSpPr>
+            <a:spLocks noGrp="1"/>
+          </p:cNvSpPr>
+          <p:nvPr>
+            <p:ph type="dt" idx="11"/>
+          </p:nvPr>
+        </p:nvSpPr>
+        <p:spPr/>
+        <p:txBody>
+          <a:bodyPr/>
+          <a:lstStyle/>
+          <a:p>
+            <a:pPr marL="0" marR="0" lvl="0" indent="0" algn="r" defTabSz="457200" rtl="0" eaLnBrk="1" fontAlgn="auto" latinLnBrk="0" hangingPunct="1">
+              <a:lnSpc>
+                <a:spcPct val="100000"/>
+              </a:lnSpc>
+              <a:spcBef>
+                <a:spcPts val="0"/>
+              </a:spcBef>
+              <a:spcAft>
+                <a:spcPts val="0"/>
+              </a:spcAft>
+              <a:buClrTx/>
+              <a:buSzTx/>
+              <a:buFontTx/>
+              <a:buNone/>
+              <a:tabLst/>
+              <a:defRPr/>
+            </a:pPr>
+            <a:fld id="{A596092B-28C7-44D1-B902-5437B333DFB7}" type="datetime1">
+              <a:rPr kumimoji="0" lang="en-US" sz="1200" b="0" i="0" u="none" strike="noStrike" kern="1200" cap="none" spc="0" normalizeH="0" baseline="0" noProof="0" smtClean="0">
+                <a:ln>
+                  <a:noFill/>
+                </a:ln>
+                <a:solidFill>
+                  <a:prstClr val="black"/>
+                </a:solidFill>
+                <a:effectLst/>
+                <a:uLnTx/>
+                <a:uFillTx/>
+                <a:latin typeface="Calibri" panose="020F0502020204030204"/>
+                <a:ea typeface="+mn-ea"/>
+                <a:cs typeface="+mn-cs"/>
+              </a:rPr>
+              <a:pPr marL="0" marR="0" lvl="0" indent="0" algn="r" defTabSz="457200" rtl="0" eaLnBrk="1" fontAlgn="auto" latinLnBrk="0" hangingPunct="1">
+                <a:lnSpc>
+                  <a:spcPct val="100000"/>
+                </a:lnSpc>
+                <a:spcBef>
+                  <a:spcPts val="0"/>
+                </a:spcBef>
+                <a:spcAft>
+                  <a:spcPts val="0"/>
+                </a:spcAft>
+                <a:buClrTx/>
+                <a:buSzTx/>
+                <a:buFontTx/>
+                <a:buNone/>
+                <a:tabLst/>
+                <a:defRPr/>
+              </a:pPr>
+              <a:t>6/30/2022</a:t>
+            </a:fld>
+            <a:endParaRPr kumimoji="0" lang="en-US" sz="1200" b="0" i="0" u="none" strike="noStrike" kern="1200" cap="none" spc="0" normalizeH="0" baseline="0" noProof="0" dirty="0">
+              <a:ln>
+                <a:noFill/>
+              </a:ln>
+              <a:solidFill>
+                <a:prstClr val="black"/>
+              </a:solidFill>
+              <a:effectLst/>
+              <a:uLnTx/>
+              <a:uFillTx/>
+              <a:latin typeface="Calibri" panose="020F0502020204030204"/>
+              <a:ea typeface="+mn-ea"/>
+              <a:cs typeface="+mn-cs"/>
+            </a:endParaRPr>
+          </a:p>
+        </p:txBody>
+      </p:sp>
+      <p:sp>
+        <p:nvSpPr>
+          <p:cNvPr id="6" name="Footer Placeholder 5"/>
+          <p:cNvSpPr>
+            <a:spLocks noGrp="1"/>
+          </p:cNvSpPr>
+          <p:nvPr>
+            <p:ph type="ftr" sz="quarter" idx="12"/>
+          </p:nvPr>
+        </p:nvSpPr>
+        <p:spPr/>
+        <p:txBody>
+          <a:bodyPr/>
+          <a:lstStyle/>
+          <a:p>
+            <a:pPr marL="0" marR="0" lvl="0" indent="0" algn="l" defTabSz="457200" rtl="0" eaLnBrk="1" fontAlgn="auto" latinLnBrk="0" hangingPunct="1">
+              <a:lnSpc>
+                <a:spcPct val="100000"/>
+              </a:lnSpc>
+              <a:spcBef>
+                <a:spcPts val="0"/>
+              </a:spcBef>
+              <a:spcAft>
+                <a:spcPts val="0"/>
+              </a:spcAft>
+              <a:buClrTx/>
+              <a:buSzTx/>
+              <a:buFontTx/>
+              <a:buNone/>
+              <a:tabLst/>
+              <a:defRPr/>
+            </a:pPr>
+            <a:r>
+              <a:rPr kumimoji="0" lang="en-US" sz="1200" b="0" i="0" u="none" strike="noStrike" kern="1200" cap="none" spc="0" normalizeH="0" baseline="0" noProof="0" dirty="0">
+                <a:ln>
+                  <a:noFill/>
+                </a:ln>
+                <a:solidFill>
+                  <a:prstClr val="black"/>
+                </a:solidFill>
+                <a:effectLst/>
+                <a:uLnTx/>
+                <a:uFillTx/>
+                <a:latin typeface="Calibri" panose="020F0502020204030204"/>
+                <a:ea typeface="+mn-ea"/>
+                <a:cs typeface="+mn-cs"/>
+              </a:rPr>
+              <a:t>raysmith@alum.mit.edu</a:t>
+            </a:r>
+          </a:p>
+        </p:txBody>
+      </p:sp>
+      <p:sp>
+        <p:nvSpPr>
+          <p:cNvPr id="7" name="Slide Number Placeholder 6"/>
+          <p:cNvSpPr>
+            <a:spLocks noGrp="1"/>
+          </p:cNvSpPr>
+          <p:nvPr>
+            <p:ph type="sldNum" sz="quarter" idx="13"/>
+          </p:nvPr>
+        </p:nvSpPr>
+        <p:spPr/>
+        <p:txBody>
+          <a:bodyPr/>
+          <a:lstStyle/>
+          <a:p>
+            <a:pPr marL="0" marR="0" lvl="0" indent="0" algn="r" defTabSz="457200" rtl="0" eaLnBrk="1" fontAlgn="auto" latinLnBrk="0" hangingPunct="1">
+              <a:lnSpc>
+                <a:spcPct val="100000"/>
+              </a:lnSpc>
+              <a:spcBef>
+                <a:spcPts val="0"/>
+              </a:spcBef>
+              <a:spcAft>
+                <a:spcPts val="0"/>
+              </a:spcAft>
+              <a:buClrTx/>
+              <a:buSzTx/>
+              <a:buFontTx/>
+              <a:buNone/>
+              <a:tabLst/>
+              <a:defRPr/>
+            </a:pPr>
+            <a:fld id="{BA791329-992B-4F83-8435-C33B0EC26DB3}" type="slidenum">
+              <a:rPr kumimoji="0" lang="en-US" sz="1200" b="0" i="0" u="none" strike="noStrike" kern="1200" cap="none" spc="0" normalizeH="0" baseline="0" noProof="0" smtClean="0">
+                <a:ln>
+                  <a:noFill/>
+                </a:ln>
+                <a:solidFill>
+                  <a:prstClr val="black"/>
+                </a:solidFill>
+                <a:effectLst/>
+                <a:uLnTx/>
+                <a:uFillTx/>
+                <a:latin typeface="Calibri" panose="020F0502020204030204"/>
+                <a:ea typeface="+mn-ea"/>
+                <a:cs typeface="+mn-cs"/>
+              </a:rPr>
+              <a:pPr marL="0" marR="0" lvl="0" indent="0" algn="r" defTabSz="457200" rtl="0" eaLnBrk="1" fontAlgn="auto" latinLnBrk="0" hangingPunct="1">
+                <a:lnSpc>
+                  <a:spcPct val="100000"/>
+                </a:lnSpc>
+                <a:spcBef>
+                  <a:spcPts val="0"/>
+                </a:spcBef>
+                <a:spcAft>
+                  <a:spcPts val="0"/>
+                </a:spcAft>
+                <a:buClrTx/>
+                <a:buSzTx/>
+                <a:buFontTx/>
+                <a:buNone/>
+                <a:tabLst/>
+                <a:defRPr/>
+              </a:pPr>
+              <a:t>32</a:t>
+            </a:fld>
+            <a:endParaRPr kumimoji="0" lang="en-US" sz="1200" b="0" i="0" u="none" strike="noStrike" kern="1200" cap="none" spc="0" normalizeH="0" baseline="0" noProof="0" dirty="0">
+              <a:ln>
+                <a:noFill/>
+              </a:ln>
+              <a:solidFill>
+                <a:prstClr val="black"/>
+              </a:solidFill>
+              <a:effectLst/>
+              <a:uLnTx/>
+              <a:uFillTx/>
+              <a:latin typeface="Calibri" panose="020F0502020204030204"/>
+              <a:ea typeface="+mn-ea"/>
+              <a:cs typeface="+mn-cs"/>
+            </a:endParaRPr>
+          </a:p>
+        </p:txBody>
+      </p:sp>
+    </p:spTree>
+    <p:extLst>
+      <p:ext uri="{BB962C8B-B14F-4D97-AF65-F5344CB8AC3E}">
         <p14:creationId xmlns:p14="http://schemas.microsoft.com/office/powerpoint/2010/main" val="3664340635"/>
       </p:ext>
     </p:extLst>
@@ -6032,347 +6033,7 @@
                 <a:tabLst/>
                 <a:defRPr/>
               </a:pPr>
-              <a:t>2/25/2022</a:t>
-            </a:fld>
-            <a:endParaRPr kumimoji="0" lang="en-US" sz="1200" b="0" i="0" u="none" strike="noStrike" kern="1200" cap="none" spc="0" normalizeH="0" baseline="0" noProof="0" dirty="0">
-              <a:ln>
-                <a:noFill/>
-              </a:ln>
-              <a:solidFill>
-                <a:prstClr val="black"/>
-              </a:solidFill>
-              <a:effectLst/>
-              <a:uLnTx/>
-              <a:uFillTx/>
-              <a:latin typeface="Calibri" panose="020F0502020204030204"/>
-              <a:ea typeface="+mn-ea"/>
-              <a:cs typeface="+mn-cs"/>
-            </a:endParaRPr>
-          </a:p>
-        </p:txBody>
-      </p:sp>
-      <p:sp>
-        <p:nvSpPr>
-          <p:cNvPr id="6" name="Footer Placeholder 5"/>
-          <p:cNvSpPr>
-            <a:spLocks noGrp="1"/>
-          </p:cNvSpPr>
-          <p:nvPr>
-            <p:ph type="ftr" sz="quarter" idx="12"/>
-          </p:nvPr>
-        </p:nvSpPr>
-        <p:spPr/>
-        <p:txBody>
-          <a:bodyPr/>
-          <a:lstStyle/>
-          <a:p>
-            <a:pPr marL="0" marR="0" lvl="0" indent="0" algn="l" defTabSz="457200" rtl="0" eaLnBrk="1" fontAlgn="auto" latinLnBrk="0" hangingPunct="1">
-              <a:lnSpc>
-                <a:spcPct val="100000"/>
-              </a:lnSpc>
-              <a:spcBef>
-                <a:spcPts val="0"/>
-              </a:spcBef>
-              <a:spcAft>
-                <a:spcPts val="0"/>
-              </a:spcAft>
-              <a:buClrTx/>
-              <a:buSzTx/>
-              <a:buFontTx/>
-              <a:buNone/>
-              <a:tabLst/>
-              <a:defRPr/>
-            </a:pPr>
-            <a:r>
-              <a:rPr kumimoji="0" lang="en-US" sz="1200" b="0" i="0" u="none" strike="noStrike" kern="1200" cap="none" spc="0" normalizeH="0" baseline="0" noProof="0" dirty="0">
-                <a:ln>
-                  <a:noFill/>
-                </a:ln>
-                <a:solidFill>
-                  <a:prstClr val="black"/>
-                </a:solidFill>
-                <a:effectLst/>
-                <a:uLnTx/>
-                <a:uFillTx/>
-                <a:latin typeface="Calibri" panose="020F0502020204030204"/>
-                <a:ea typeface="+mn-ea"/>
-                <a:cs typeface="+mn-cs"/>
-              </a:rPr>
-              <a:t>raysmith@alum.mit.edu</a:t>
-            </a:r>
-          </a:p>
-        </p:txBody>
-      </p:sp>
-      <p:sp>
-        <p:nvSpPr>
-          <p:cNvPr id="7" name="Slide Number Placeholder 6"/>
-          <p:cNvSpPr>
-            <a:spLocks noGrp="1"/>
-          </p:cNvSpPr>
-          <p:nvPr>
-            <p:ph type="sldNum" sz="quarter" idx="13"/>
-          </p:nvPr>
-        </p:nvSpPr>
-        <p:spPr/>
-        <p:txBody>
-          <a:bodyPr/>
-          <a:lstStyle/>
-          <a:p>
-            <a:pPr marL="0" marR="0" lvl="0" indent="0" algn="r" defTabSz="457200" rtl="0" eaLnBrk="1" fontAlgn="auto" latinLnBrk="0" hangingPunct="1">
-              <a:lnSpc>
-                <a:spcPct val="100000"/>
-              </a:lnSpc>
-              <a:spcBef>
-                <a:spcPts val="0"/>
-              </a:spcBef>
-              <a:spcAft>
-                <a:spcPts val="0"/>
-              </a:spcAft>
-              <a:buClrTx/>
-              <a:buSzTx/>
-              <a:buFontTx/>
-              <a:buNone/>
-              <a:tabLst/>
-              <a:defRPr/>
-            </a:pPr>
-            <a:fld id="{BA791329-992B-4F83-8435-C33B0EC26DB3}" type="slidenum">
-              <a:rPr kumimoji="0" lang="en-US" sz="1200" b="0" i="0" u="none" strike="noStrike" kern="1200" cap="none" spc="0" normalizeH="0" baseline="0" noProof="0" smtClean="0">
-                <a:ln>
-                  <a:noFill/>
-                </a:ln>
-                <a:solidFill>
-                  <a:prstClr val="black"/>
-                </a:solidFill>
-                <a:effectLst/>
-                <a:uLnTx/>
-                <a:uFillTx/>
-                <a:latin typeface="Calibri" panose="020F0502020204030204"/>
-                <a:ea typeface="+mn-ea"/>
-                <a:cs typeface="+mn-cs"/>
-              </a:rPr>
-              <a:pPr marL="0" marR="0" lvl="0" indent="0" algn="r" defTabSz="457200" rtl="0" eaLnBrk="1" fontAlgn="auto" latinLnBrk="0" hangingPunct="1">
-                <a:lnSpc>
-                  <a:spcPct val="100000"/>
-                </a:lnSpc>
-                <a:spcBef>
-                  <a:spcPts val="0"/>
-                </a:spcBef>
-                <a:spcAft>
-                  <a:spcPts val="0"/>
-                </a:spcAft>
-                <a:buClrTx/>
-                <a:buSzTx/>
-                <a:buFontTx/>
-                <a:buNone/>
-                <a:tabLst/>
-                <a:defRPr/>
-              </a:pPr>
-              <a:t>35</a:t>
-            </a:fld>
-            <a:endParaRPr kumimoji="0" lang="en-US" sz="1200" b="0" i="0" u="none" strike="noStrike" kern="1200" cap="none" spc="0" normalizeH="0" baseline="0" noProof="0" dirty="0">
-              <a:ln>
-                <a:noFill/>
-              </a:ln>
-              <a:solidFill>
-                <a:prstClr val="black"/>
-              </a:solidFill>
-              <a:effectLst/>
-              <a:uLnTx/>
-              <a:uFillTx/>
-              <a:latin typeface="Calibri" panose="020F0502020204030204"/>
-              <a:ea typeface="+mn-ea"/>
-              <a:cs typeface="+mn-cs"/>
-            </a:endParaRPr>
-          </a:p>
-        </p:txBody>
-      </p:sp>
-    </p:spTree>
-    <p:extLst>
-      <p:ext uri="{BB962C8B-B14F-4D97-AF65-F5344CB8AC3E}">
-        <p14:creationId xmlns:p14="http://schemas.microsoft.com/office/powerpoint/2010/main" val="2743476801"/>
-      </p:ext>
-    </p:extLst>
-  </p:cSld>
-  <p:clrMapOvr>
-    <a:masterClrMapping/>
-  </p:clrMapOvr>
-</p:notes>
-</file>
-
-<file path=ppt/notesSlides/notesSlide25.xml><?xml version="1.0" encoding="utf-8"?>
-<p:notes xmlns:a="http://schemas.openxmlformats.org/drawingml/2006/main" xmlns:r="http://schemas.openxmlformats.org/officeDocument/2006/relationships" xmlns:p="http://schemas.openxmlformats.org/presentationml/2006/main">
-  <p:cSld>
-    <p:spTree>
-      <p:nvGrpSpPr>
-        <p:cNvPr id="1" name=""/>
-        <p:cNvGrpSpPr/>
-        <p:nvPr/>
-      </p:nvGrpSpPr>
-      <p:grpSpPr>
-        <a:xfrm>
-          <a:off x="0" y="0"/>
-          <a:ext cx="0" cy="0"/>
-          <a:chOff x="0" y="0"/>
-          <a:chExt cx="0" cy="0"/>
-        </a:xfrm>
-      </p:grpSpPr>
-      <p:sp>
-        <p:nvSpPr>
-          <p:cNvPr id="2" name="Slide Image Placeholder 1"/>
-          <p:cNvSpPr>
-            <a:spLocks noGrp="1" noRot="1" noChangeAspect="1"/>
-          </p:cNvSpPr>
-          <p:nvPr>
-            <p:ph type="sldImg"/>
-          </p:nvPr>
-        </p:nvSpPr>
-        <p:spPr/>
-      </p:sp>
-      <p:sp>
-        <p:nvSpPr>
-          <p:cNvPr id="3" name="Notes Placeholder 2"/>
-          <p:cNvSpPr>
-            <a:spLocks noGrp="1"/>
-          </p:cNvSpPr>
-          <p:nvPr>
-            <p:ph type="body" idx="1"/>
-          </p:nvPr>
-        </p:nvSpPr>
-        <p:spPr/>
-        <p:txBody>
-          <a:bodyPr/>
-          <a:lstStyle/>
-          <a:p>
-            <a:r>
-              <a:rPr lang="en-US" dirty="0"/>
-              <a:t>Why loops?</a:t>
-            </a:r>
-          </a:p>
-          <a:p>
-            <a:r>
-              <a:rPr lang="en-US" dirty="0"/>
-              <a:t>What should a loop have / do?</a:t>
-            </a:r>
-          </a:p>
-        </p:txBody>
-      </p:sp>
-      <p:sp>
-        <p:nvSpPr>
-          <p:cNvPr id="4" name="Header Placeholder 3"/>
-          <p:cNvSpPr>
-            <a:spLocks noGrp="1"/>
-          </p:cNvSpPr>
-          <p:nvPr>
-            <p:ph type="hdr" sz="quarter" idx="10"/>
-          </p:nvPr>
-        </p:nvSpPr>
-        <p:spPr/>
-        <p:txBody>
-          <a:bodyPr/>
-          <a:lstStyle/>
-          <a:p>
-            <a:pPr marL="0" marR="0" lvl="0" indent="0" algn="l" defTabSz="457200" rtl="0" eaLnBrk="1" fontAlgn="auto" latinLnBrk="0" hangingPunct="1">
-              <a:lnSpc>
-                <a:spcPct val="100000"/>
-              </a:lnSpc>
-              <a:spcBef>
-                <a:spcPts val="0"/>
-              </a:spcBef>
-              <a:spcAft>
-                <a:spcPts val="0"/>
-              </a:spcAft>
-              <a:buClrTx/>
-              <a:buSzTx/>
-              <a:buFontTx/>
-              <a:buNone/>
-              <a:tabLst/>
-              <a:defRPr/>
-            </a:pPr>
-            <a:r>
-              <a:rPr kumimoji="0" lang="en-US" sz="1200" b="0" i="0" u="none" strike="noStrike" kern="1200" cap="none" spc="0" normalizeH="0" baseline="0" noProof="0" dirty="0">
-                <a:ln>
-                  <a:noFill/>
-                </a:ln>
-                <a:solidFill>
-                  <a:prstClr val="black"/>
-                </a:solidFill>
-                <a:effectLst/>
-                <a:uLnTx/>
-                <a:uFillTx/>
-                <a:latin typeface="Calibri" panose="020F0502020204030204"/>
-                <a:ea typeface="+mn-ea"/>
-                <a:cs typeface="+mn-cs"/>
-              </a:rPr>
-              <a:t>Introduction to Programming using Python</a:t>
-            </a:r>
-          </a:p>
-        </p:txBody>
-      </p:sp>
-      <p:sp>
-        <p:nvSpPr>
-          <p:cNvPr id="5" name="Date Placeholder 4"/>
-          <p:cNvSpPr>
-            <a:spLocks noGrp="1"/>
-          </p:cNvSpPr>
-          <p:nvPr>
-            <p:ph type="dt" idx="11"/>
-          </p:nvPr>
-        </p:nvSpPr>
-        <p:spPr/>
-        <p:txBody>
-          <a:bodyPr/>
-          <a:lstStyle/>
-          <a:p>
-            <a:pPr marL="0" marR="0" lvl="0" indent="0" algn="r" defTabSz="457200" rtl="0" eaLnBrk="1" fontAlgn="auto" latinLnBrk="0" hangingPunct="1">
-              <a:lnSpc>
-                <a:spcPct val="100000"/>
-              </a:lnSpc>
-              <a:spcBef>
-                <a:spcPts val="0"/>
-              </a:spcBef>
-              <a:spcAft>
-                <a:spcPts val="0"/>
-              </a:spcAft>
-              <a:buClrTx/>
-              <a:buSzTx/>
-              <a:buFontTx/>
-              <a:buNone/>
-              <a:tabLst/>
-              <a:defRPr/>
-            </a:pPr>
-            <a:fld id="{A596092B-28C7-44D1-B902-5437B333DFB7}" type="datetime1">
-              <a:rPr kumimoji="0" lang="en-US" sz="1200" b="0" i="0" u="none" strike="noStrike" kern="1200" cap="none" spc="0" normalizeH="0" baseline="0" noProof="0" smtClean="0">
-                <a:ln>
-                  <a:noFill/>
-                </a:ln>
-                <a:solidFill>
-                  <a:prstClr val="black"/>
-                </a:solidFill>
-                <a:effectLst/>
-                <a:uLnTx/>
-                <a:uFillTx/>
-                <a:latin typeface="Calibri" panose="020F0502020204030204"/>
-                <a:ea typeface="+mn-ea"/>
-                <a:cs typeface="+mn-cs"/>
-              </a:rPr>
-              <a:pPr marL="0" marR="0" lvl="0" indent="0" algn="r" defTabSz="457200" rtl="0" eaLnBrk="1" fontAlgn="auto" latinLnBrk="0" hangingPunct="1">
-                <a:lnSpc>
-                  <a:spcPct val="100000"/>
-                </a:lnSpc>
-                <a:spcBef>
-                  <a:spcPts val="0"/>
-                </a:spcBef>
-                <a:spcAft>
-                  <a:spcPts val="0"/>
-                </a:spcAft>
-                <a:buClrTx/>
-                <a:buSzTx/>
-                <a:buFontTx/>
-                <a:buNone/>
-                <a:tabLst/>
-                <a:defRPr/>
-              </a:pPr>
-              <a:t>2/25/2022</a:t>
+              <a:t>6/30/2022</a:t>
             </a:fld>
             <a:endParaRPr kumimoji="0" lang="en-US" sz="1200" b="0" i="0" u="none" strike="noStrike" kern="1200" cap="none" spc="0" normalizeH="0" baseline="0" noProof="0" dirty="0">
               <a:ln>
@@ -6529,7 +6190,7 @@
     </p:spTree>
     <p:extLst>
       <p:ext uri="{BB962C8B-B14F-4D97-AF65-F5344CB8AC3E}">
-        <p14:creationId xmlns:p14="http://schemas.microsoft.com/office/powerpoint/2010/main" val="2062904128"/>
+        <p14:creationId xmlns:p14="http://schemas.microsoft.com/office/powerpoint/2010/main" val="2743476801"/>
       </p:ext>
     </p:extLst>
   </p:cSld>
@@ -6539,7 +6200,7 @@
 </p:notes>
 </file>
 
-<file path=ppt/notesSlides/notesSlide26.xml><?xml version="1.0" encoding="utf-8"?>
+<file path=ppt/notesSlides/notesSlide25.xml><?xml version="1.0" encoding="utf-8"?>
 <p:notes xmlns:a="http://schemas.openxmlformats.org/drawingml/2006/main" xmlns:r="http://schemas.openxmlformats.org/officeDocument/2006/relationships" xmlns:p="http://schemas.openxmlformats.org/presentationml/2006/main">
   <p:cSld>
     <p:spTree>
@@ -6585,7 +6246,13 @@
           <a:p>
             <a:r>
               <a:rPr lang="en-US" dirty="0"/>
-              <a:t>Accepting input and dealing with it makes programs much more powerful than calculators or Television.</a:t>
+              <a:t>Why loops?</a:t>
+            </a:r>
+          </a:p>
+          <a:p>
+            <a:r>
+              <a:rPr lang="en-US" dirty="0"/>
+              <a:t>What should a loop have / do?</a:t>
             </a:r>
           </a:p>
         </p:txBody>
@@ -6597,7 +6264,7 @@
             <a:spLocks noGrp="1"/>
           </p:cNvSpPr>
           <p:nvPr>
-            <p:ph type="hdr" sz="quarter"/>
+            <p:ph type="hdr" sz="quarter" idx="10"/>
           </p:nvPr>
         </p:nvSpPr>
         <p:spPr/>
@@ -6649,7 +6316,7 @@
             <a:spLocks noGrp="1"/>
           </p:cNvSpPr>
           <p:nvPr>
-            <p:ph type="dt" idx="1"/>
+            <p:ph type="dt" idx="11"/>
           </p:nvPr>
         </p:nvSpPr>
         <p:spPr/>
@@ -6706,7 +6373,7 @@
                 <a:tabLst/>
                 <a:defRPr/>
               </a:pPr>
-              <a:t>2/25/2022</a:t>
+              <a:t>6/30/2022</a:t>
             </a:fld>
             <a:endParaRPr kumimoji="0" lang="en-US" sz="1200" b="0" i="0" u="none" strike="noStrike" kern="1200" cap="none" spc="0" normalizeH="0" baseline="0" noProof="0" dirty="0">
               <a:ln>
@@ -6732,7 +6399,7 @@
             <a:spLocks noGrp="1"/>
           </p:cNvSpPr>
           <p:nvPr>
-            <p:ph type="ftr" sz="quarter" idx="4"/>
+            <p:ph type="ftr" sz="quarter" idx="12"/>
           </p:nvPr>
         </p:nvSpPr>
         <p:spPr/>
@@ -6784,7 +6451,7 @@
             <a:spLocks noGrp="1"/>
           </p:cNvSpPr>
           <p:nvPr>
-            <p:ph type="sldNum" sz="quarter" idx="5"/>
+            <p:ph type="sldNum" sz="quarter" idx="13"/>
           </p:nvPr>
         </p:nvSpPr>
         <p:spPr/>
@@ -6863,7 +6530,7 @@
     </p:spTree>
     <p:extLst>
       <p:ext uri="{BB962C8B-B14F-4D97-AF65-F5344CB8AC3E}">
-        <p14:creationId xmlns:p14="http://schemas.microsoft.com/office/powerpoint/2010/main" val="269392900"/>
+        <p14:creationId xmlns:p14="http://schemas.microsoft.com/office/powerpoint/2010/main" val="2062904128"/>
       </p:ext>
     </p:extLst>
   </p:cSld>
@@ -6873,7 +6540,7 @@
 </p:notes>
 </file>
 
-<file path=ppt/notesSlides/notesSlide27.xml><?xml version="1.0" encoding="utf-8"?>
+<file path=ppt/notesSlides/notesSlide26.xml><?xml version="1.0" encoding="utf-8"?>
 <p:notes xmlns:a="http://schemas.openxmlformats.org/drawingml/2006/main" xmlns:r="http://schemas.openxmlformats.org/officeDocument/2006/relationships" xmlns:p="http://schemas.openxmlformats.org/presentationml/2006/main">
   <p:cSld>
     <p:spTree>
@@ -6919,25 +6586,7 @@
           <a:p>
             <a:r>
               <a:rPr lang="en-US" dirty="0"/>
-              <a:t>What is(are) the simplest idea(s)</a:t>
-            </a:r>
-          </a:p>
-          <a:p>
-            <a:r>
-              <a:rPr lang="en-US" dirty="0"/>
-              <a:t>Before anything else what does the program do?</a:t>
-            </a:r>
-          </a:p>
-          <a:p>
-            <a:r>
-              <a:rPr lang="en-US" dirty="0"/>
-              <a:t>What's the next?</a:t>
-            </a:r>
-          </a:p>
-          <a:p>
-            <a:r>
-              <a:rPr lang="en-US" dirty="0"/>
-              <a:t>Progress is good for YOU too!</a:t>
+              <a:t>Accepting input and dealing with it makes programs much more powerful than calculators or Television.</a:t>
             </a:r>
           </a:p>
         </p:txBody>
@@ -6949,7 +6598,7 @@
             <a:spLocks noGrp="1"/>
           </p:cNvSpPr>
           <p:nvPr>
-            <p:ph type="hdr" sz="quarter" idx="10"/>
+            <p:ph type="hdr" sz="quarter"/>
           </p:nvPr>
         </p:nvSpPr>
         <p:spPr/>
@@ -7001,7 +6650,7 @@
             <a:spLocks noGrp="1"/>
           </p:cNvSpPr>
           <p:nvPr>
-            <p:ph type="dt" idx="11"/>
+            <p:ph type="dt" idx="1"/>
           </p:nvPr>
         </p:nvSpPr>
         <p:spPr/>
@@ -7058,7 +6707,7 @@
                 <a:tabLst/>
                 <a:defRPr/>
               </a:pPr>
-              <a:t>2/25/2022</a:t>
+              <a:t>6/30/2022</a:t>
             </a:fld>
             <a:endParaRPr kumimoji="0" lang="en-US" sz="1200" b="0" i="0" u="none" strike="noStrike" kern="1200" cap="none" spc="0" normalizeH="0" baseline="0" noProof="0" dirty="0">
               <a:ln>
@@ -7084,7 +6733,7 @@
             <a:spLocks noGrp="1"/>
           </p:cNvSpPr>
           <p:nvPr>
-            <p:ph type="ftr" sz="quarter" idx="12"/>
+            <p:ph type="ftr" sz="quarter" idx="4"/>
           </p:nvPr>
         </p:nvSpPr>
         <p:spPr/>
@@ -7136,7 +6785,7 @@
             <a:spLocks noGrp="1"/>
           </p:cNvSpPr>
           <p:nvPr>
-            <p:ph type="sldNum" sz="quarter" idx="13"/>
+            <p:ph type="sldNum" sz="quarter" idx="5"/>
           </p:nvPr>
         </p:nvSpPr>
         <p:spPr/>
@@ -7215,6 +6864,358 @@
     </p:spTree>
     <p:extLst>
       <p:ext uri="{BB962C8B-B14F-4D97-AF65-F5344CB8AC3E}">
+        <p14:creationId xmlns:p14="http://schemas.microsoft.com/office/powerpoint/2010/main" val="269392900"/>
+      </p:ext>
+    </p:extLst>
+  </p:cSld>
+  <p:clrMapOvr>
+    <a:masterClrMapping/>
+  </p:clrMapOvr>
+</p:notes>
+</file>
+
+<file path=ppt/notesSlides/notesSlide27.xml><?xml version="1.0" encoding="utf-8"?>
+<p:notes xmlns:a="http://schemas.openxmlformats.org/drawingml/2006/main" xmlns:r="http://schemas.openxmlformats.org/officeDocument/2006/relationships" xmlns:p="http://schemas.openxmlformats.org/presentationml/2006/main">
+  <p:cSld>
+    <p:spTree>
+      <p:nvGrpSpPr>
+        <p:cNvPr id="1" name=""/>
+        <p:cNvGrpSpPr/>
+        <p:nvPr/>
+      </p:nvGrpSpPr>
+      <p:grpSpPr>
+        <a:xfrm>
+          <a:off x="0" y="0"/>
+          <a:ext cx="0" cy="0"/>
+          <a:chOff x="0" y="0"/>
+          <a:chExt cx="0" cy="0"/>
+        </a:xfrm>
+      </p:grpSpPr>
+      <p:sp>
+        <p:nvSpPr>
+          <p:cNvPr id="2" name="Slide Image Placeholder 1"/>
+          <p:cNvSpPr>
+            <a:spLocks noGrp="1" noRot="1" noChangeAspect="1"/>
+          </p:cNvSpPr>
+          <p:nvPr>
+            <p:ph type="sldImg"/>
+          </p:nvPr>
+        </p:nvSpPr>
+        <p:spPr/>
+      </p:sp>
+      <p:sp>
+        <p:nvSpPr>
+          <p:cNvPr id="3" name="Notes Placeholder 2"/>
+          <p:cNvSpPr>
+            <a:spLocks noGrp="1"/>
+          </p:cNvSpPr>
+          <p:nvPr>
+            <p:ph type="body" idx="1"/>
+          </p:nvPr>
+        </p:nvSpPr>
+        <p:spPr/>
+        <p:txBody>
+          <a:bodyPr/>
+          <a:lstStyle/>
+          <a:p>
+            <a:r>
+              <a:rPr lang="en-US" dirty="0"/>
+              <a:t>What is(are) the simplest idea(s)</a:t>
+            </a:r>
+          </a:p>
+          <a:p>
+            <a:r>
+              <a:rPr lang="en-US" dirty="0"/>
+              <a:t>Before anything else what does the program do?</a:t>
+            </a:r>
+          </a:p>
+          <a:p>
+            <a:r>
+              <a:rPr lang="en-US" dirty="0"/>
+              <a:t>What's the next?</a:t>
+            </a:r>
+          </a:p>
+          <a:p>
+            <a:r>
+              <a:rPr lang="en-US" dirty="0"/>
+              <a:t>Progress is good for YOU too!</a:t>
+            </a:r>
+          </a:p>
+        </p:txBody>
+      </p:sp>
+      <p:sp>
+        <p:nvSpPr>
+          <p:cNvPr id="4" name="Header Placeholder 3"/>
+          <p:cNvSpPr>
+            <a:spLocks noGrp="1"/>
+          </p:cNvSpPr>
+          <p:nvPr>
+            <p:ph type="hdr" sz="quarter" idx="10"/>
+          </p:nvPr>
+        </p:nvSpPr>
+        <p:spPr/>
+        <p:txBody>
+          <a:bodyPr/>
+          <a:lstStyle/>
+          <a:p>
+            <a:pPr marL="0" marR="0" lvl="0" indent="0" algn="l" defTabSz="457200" rtl="0" eaLnBrk="1" fontAlgn="auto" latinLnBrk="0" hangingPunct="1">
+              <a:lnSpc>
+                <a:spcPct val="100000"/>
+              </a:lnSpc>
+              <a:spcBef>
+                <a:spcPts val="0"/>
+              </a:spcBef>
+              <a:spcAft>
+                <a:spcPts val="0"/>
+              </a:spcAft>
+              <a:buClrTx/>
+              <a:buSzTx/>
+              <a:buFontTx/>
+              <a:buNone/>
+              <a:tabLst/>
+              <a:defRPr/>
+            </a:pPr>
+            <a:r>
+              <a:rPr kumimoji="0" lang="en-US" sz="1200" b="0" i="0" u="none" strike="noStrike" kern="1200" cap="none" spc="0" normalizeH="0" baseline="0" noProof="0" dirty="0">
+                <a:ln>
+                  <a:noFill/>
+                </a:ln>
+                <a:solidFill>
+                  <a:prstClr val="black"/>
+                </a:solidFill>
+                <a:effectLst/>
+                <a:uLnTx/>
+                <a:uFillTx/>
+                <a:latin typeface="Calibri" panose="020F0502020204030204"/>
+                <a:ea typeface="+mn-ea"/>
+                <a:cs typeface="+mn-cs"/>
+              </a:rPr>
+              <a:t>Introduction to Programming using Python</a:t>
+            </a:r>
+          </a:p>
+        </p:txBody>
+      </p:sp>
+      <p:sp>
+        <p:nvSpPr>
+          <p:cNvPr id="5" name="Date Placeholder 4"/>
+          <p:cNvSpPr>
+            <a:spLocks noGrp="1"/>
+          </p:cNvSpPr>
+          <p:nvPr>
+            <p:ph type="dt" idx="11"/>
+          </p:nvPr>
+        </p:nvSpPr>
+        <p:spPr/>
+        <p:txBody>
+          <a:bodyPr/>
+          <a:lstStyle/>
+          <a:p>
+            <a:pPr marL="0" marR="0" lvl="0" indent="0" algn="r" defTabSz="457200" rtl="0" eaLnBrk="1" fontAlgn="auto" latinLnBrk="0" hangingPunct="1">
+              <a:lnSpc>
+                <a:spcPct val="100000"/>
+              </a:lnSpc>
+              <a:spcBef>
+                <a:spcPts val="0"/>
+              </a:spcBef>
+              <a:spcAft>
+                <a:spcPts val="0"/>
+              </a:spcAft>
+              <a:buClrTx/>
+              <a:buSzTx/>
+              <a:buFontTx/>
+              <a:buNone/>
+              <a:tabLst/>
+              <a:defRPr/>
+            </a:pPr>
+            <a:fld id="{A596092B-28C7-44D1-B902-5437B333DFB7}" type="datetime1">
+              <a:rPr kumimoji="0" lang="en-US" sz="1200" b="0" i="0" u="none" strike="noStrike" kern="1200" cap="none" spc="0" normalizeH="0" baseline="0" noProof="0" smtClean="0">
+                <a:ln>
+                  <a:noFill/>
+                </a:ln>
+                <a:solidFill>
+                  <a:prstClr val="black"/>
+                </a:solidFill>
+                <a:effectLst/>
+                <a:uLnTx/>
+                <a:uFillTx/>
+                <a:latin typeface="Calibri" panose="020F0502020204030204"/>
+                <a:ea typeface="+mn-ea"/>
+                <a:cs typeface="+mn-cs"/>
+              </a:rPr>
+              <a:pPr marL="0" marR="0" lvl="0" indent="0" algn="r" defTabSz="457200" rtl="0" eaLnBrk="1" fontAlgn="auto" latinLnBrk="0" hangingPunct="1">
+                <a:lnSpc>
+                  <a:spcPct val="100000"/>
+                </a:lnSpc>
+                <a:spcBef>
+                  <a:spcPts val="0"/>
+                </a:spcBef>
+                <a:spcAft>
+                  <a:spcPts val="0"/>
+                </a:spcAft>
+                <a:buClrTx/>
+                <a:buSzTx/>
+                <a:buFontTx/>
+                <a:buNone/>
+                <a:tabLst/>
+                <a:defRPr/>
+              </a:pPr>
+              <a:t>6/30/2022</a:t>
+            </a:fld>
+            <a:endParaRPr kumimoji="0" lang="en-US" sz="1200" b="0" i="0" u="none" strike="noStrike" kern="1200" cap="none" spc="0" normalizeH="0" baseline="0" noProof="0" dirty="0">
+              <a:ln>
+                <a:noFill/>
+              </a:ln>
+              <a:solidFill>
+                <a:prstClr val="black"/>
+              </a:solidFill>
+              <a:effectLst/>
+              <a:uLnTx/>
+              <a:uFillTx/>
+              <a:latin typeface="Calibri" panose="020F0502020204030204"/>
+              <a:ea typeface="+mn-ea"/>
+              <a:cs typeface="+mn-cs"/>
+            </a:endParaRPr>
+          </a:p>
+        </p:txBody>
+      </p:sp>
+      <p:sp>
+        <p:nvSpPr>
+          <p:cNvPr id="6" name="Footer Placeholder 5"/>
+          <p:cNvSpPr>
+            <a:spLocks noGrp="1"/>
+          </p:cNvSpPr>
+          <p:nvPr>
+            <p:ph type="ftr" sz="quarter" idx="12"/>
+          </p:nvPr>
+        </p:nvSpPr>
+        <p:spPr/>
+        <p:txBody>
+          <a:bodyPr/>
+          <a:lstStyle/>
+          <a:p>
+            <a:pPr marL="0" marR="0" lvl="0" indent="0" algn="l" defTabSz="457200" rtl="0" eaLnBrk="1" fontAlgn="auto" latinLnBrk="0" hangingPunct="1">
+              <a:lnSpc>
+                <a:spcPct val="100000"/>
+              </a:lnSpc>
+              <a:spcBef>
+                <a:spcPts val="0"/>
+              </a:spcBef>
+              <a:spcAft>
+                <a:spcPts val="0"/>
+              </a:spcAft>
+              <a:buClrTx/>
+              <a:buSzTx/>
+              <a:buFontTx/>
+              <a:buNone/>
+              <a:tabLst/>
+              <a:defRPr/>
+            </a:pPr>
+            <a:r>
+              <a:rPr kumimoji="0" lang="en-US" sz="1200" b="0" i="0" u="none" strike="noStrike" kern="1200" cap="none" spc="0" normalizeH="0" baseline="0" noProof="0" dirty="0">
+                <a:ln>
+                  <a:noFill/>
+                </a:ln>
+                <a:solidFill>
+                  <a:prstClr val="black"/>
+                </a:solidFill>
+                <a:effectLst/>
+                <a:uLnTx/>
+                <a:uFillTx/>
+                <a:latin typeface="Calibri" panose="020F0502020204030204"/>
+                <a:ea typeface="+mn-ea"/>
+                <a:cs typeface="+mn-cs"/>
+              </a:rPr>
+              <a:t>raysmith@alum.mit.edu</a:t>
+            </a:r>
+          </a:p>
+        </p:txBody>
+      </p:sp>
+      <p:sp>
+        <p:nvSpPr>
+          <p:cNvPr id="7" name="Slide Number Placeholder 6"/>
+          <p:cNvSpPr>
+            <a:spLocks noGrp="1"/>
+          </p:cNvSpPr>
+          <p:nvPr>
+            <p:ph type="sldNum" sz="quarter" idx="13"/>
+          </p:nvPr>
+        </p:nvSpPr>
+        <p:spPr/>
+        <p:txBody>
+          <a:bodyPr/>
+          <a:lstStyle/>
+          <a:p>
+            <a:pPr marL="0" marR="0" lvl="0" indent="0" algn="r" defTabSz="457200" rtl="0" eaLnBrk="1" fontAlgn="auto" latinLnBrk="0" hangingPunct="1">
+              <a:lnSpc>
+                <a:spcPct val="100000"/>
+              </a:lnSpc>
+              <a:spcBef>
+                <a:spcPts val="0"/>
+              </a:spcBef>
+              <a:spcAft>
+                <a:spcPts val="0"/>
+              </a:spcAft>
+              <a:buClrTx/>
+              <a:buSzTx/>
+              <a:buFontTx/>
+              <a:buNone/>
+              <a:tabLst/>
+              <a:defRPr/>
+            </a:pPr>
+            <a:fld id="{BA791329-992B-4F83-8435-C33B0EC26DB3}" type="slidenum">
+              <a:rPr kumimoji="0" lang="en-US" sz="1200" b="0" i="0" u="none" strike="noStrike" kern="1200" cap="none" spc="0" normalizeH="0" baseline="0" noProof="0" smtClean="0">
+                <a:ln>
+                  <a:noFill/>
+                </a:ln>
+                <a:solidFill>
+                  <a:prstClr val="black"/>
+                </a:solidFill>
+                <a:effectLst/>
+                <a:uLnTx/>
+                <a:uFillTx/>
+                <a:latin typeface="Calibri" panose="020F0502020204030204"/>
+                <a:ea typeface="+mn-ea"/>
+                <a:cs typeface="+mn-cs"/>
+              </a:rPr>
+              <a:pPr marL="0" marR="0" lvl="0" indent="0" algn="r" defTabSz="457200" rtl="0" eaLnBrk="1" fontAlgn="auto" latinLnBrk="0" hangingPunct="1">
+                <a:lnSpc>
+                  <a:spcPct val="100000"/>
+                </a:lnSpc>
+                <a:spcBef>
+                  <a:spcPts val="0"/>
+                </a:spcBef>
+                <a:spcAft>
+                  <a:spcPts val="0"/>
+                </a:spcAft>
+                <a:buClrTx/>
+                <a:buSzTx/>
+                <a:buFontTx/>
+                <a:buNone/>
+                <a:tabLst/>
+                <a:defRPr/>
+              </a:pPr>
+              <a:t>39</a:t>
+            </a:fld>
+            <a:endParaRPr kumimoji="0" lang="en-US" sz="1200" b="0" i="0" u="none" strike="noStrike" kern="1200" cap="none" spc="0" normalizeH="0" baseline="0" noProof="0" dirty="0">
+              <a:ln>
+                <a:noFill/>
+              </a:ln>
+              <a:solidFill>
+                <a:prstClr val="black"/>
+              </a:solidFill>
+              <a:effectLst/>
+              <a:uLnTx/>
+              <a:uFillTx/>
+              <a:latin typeface="Calibri" panose="020F0502020204030204"/>
+              <a:ea typeface="+mn-ea"/>
+              <a:cs typeface="+mn-cs"/>
+            </a:endParaRPr>
+          </a:p>
+        </p:txBody>
+      </p:sp>
+    </p:spTree>
+    <p:extLst>
+      <p:ext uri="{BB962C8B-B14F-4D97-AF65-F5344CB8AC3E}">
         <p14:creationId xmlns:p14="http://schemas.microsoft.com/office/powerpoint/2010/main" val="4241321912"/>
       </p:ext>
     </p:extLst>
@@ -7401,341 +7402,7 @@
                 <a:tabLst/>
                 <a:defRPr/>
               </a:pPr>
-              <a:t>2/25/2022</a:t>
-            </a:fld>
-            <a:endParaRPr kumimoji="0" lang="en-US" sz="1200" b="0" i="0" u="none" strike="noStrike" kern="1200" cap="none" spc="0" normalizeH="0" baseline="0" noProof="0" dirty="0">
-              <a:ln>
-                <a:noFill/>
-              </a:ln>
-              <a:solidFill>
-                <a:prstClr val="black"/>
-              </a:solidFill>
-              <a:effectLst/>
-              <a:uLnTx/>
-              <a:uFillTx/>
-              <a:latin typeface="Calibri" panose="020F0502020204030204"/>
-              <a:ea typeface="+mn-ea"/>
-              <a:cs typeface="+mn-cs"/>
-            </a:endParaRPr>
-          </a:p>
-        </p:txBody>
-      </p:sp>
-      <p:sp>
-        <p:nvSpPr>
-          <p:cNvPr id="6" name="Footer Placeholder 5"/>
-          <p:cNvSpPr>
-            <a:spLocks noGrp="1"/>
-          </p:cNvSpPr>
-          <p:nvPr>
-            <p:ph type="ftr" sz="quarter" idx="12"/>
-          </p:nvPr>
-        </p:nvSpPr>
-        <p:spPr/>
-        <p:txBody>
-          <a:bodyPr/>
-          <a:lstStyle/>
-          <a:p>
-            <a:pPr marL="0" marR="0" lvl="0" indent="0" algn="l" defTabSz="457200" rtl="0" eaLnBrk="1" fontAlgn="auto" latinLnBrk="0" hangingPunct="1">
-              <a:lnSpc>
-                <a:spcPct val="100000"/>
-              </a:lnSpc>
-              <a:spcBef>
-                <a:spcPts val="0"/>
-              </a:spcBef>
-              <a:spcAft>
-                <a:spcPts val="0"/>
-              </a:spcAft>
-              <a:buClrTx/>
-              <a:buSzTx/>
-              <a:buFontTx/>
-              <a:buNone/>
-              <a:tabLst/>
-              <a:defRPr/>
-            </a:pPr>
-            <a:r>
-              <a:rPr kumimoji="0" lang="en-US" sz="1200" b="0" i="0" u="none" strike="noStrike" kern="1200" cap="none" spc="0" normalizeH="0" baseline="0" noProof="0" dirty="0">
-                <a:ln>
-                  <a:noFill/>
-                </a:ln>
-                <a:solidFill>
-                  <a:prstClr val="black"/>
-                </a:solidFill>
-                <a:effectLst/>
-                <a:uLnTx/>
-                <a:uFillTx/>
-                <a:latin typeface="Calibri" panose="020F0502020204030204"/>
-                <a:ea typeface="+mn-ea"/>
-                <a:cs typeface="+mn-cs"/>
-              </a:rPr>
-              <a:t>raysmith@alum.mit.edu</a:t>
-            </a:r>
-          </a:p>
-        </p:txBody>
-      </p:sp>
-      <p:sp>
-        <p:nvSpPr>
-          <p:cNvPr id="7" name="Slide Number Placeholder 6"/>
-          <p:cNvSpPr>
-            <a:spLocks noGrp="1"/>
-          </p:cNvSpPr>
-          <p:nvPr>
-            <p:ph type="sldNum" sz="quarter" idx="13"/>
-          </p:nvPr>
-        </p:nvSpPr>
-        <p:spPr/>
-        <p:txBody>
-          <a:bodyPr/>
-          <a:lstStyle/>
-          <a:p>
-            <a:pPr marL="0" marR="0" lvl="0" indent="0" algn="r" defTabSz="457200" rtl="0" eaLnBrk="1" fontAlgn="auto" latinLnBrk="0" hangingPunct="1">
-              <a:lnSpc>
-                <a:spcPct val="100000"/>
-              </a:lnSpc>
-              <a:spcBef>
-                <a:spcPts val="0"/>
-              </a:spcBef>
-              <a:spcAft>
-                <a:spcPts val="0"/>
-              </a:spcAft>
-              <a:buClrTx/>
-              <a:buSzTx/>
-              <a:buFontTx/>
-              <a:buNone/>
-              <a:tabLst/>
-              <a:defRPr/>
-            </a:pPr>
-            <a:fld id="{BA791329-992B-4F83-8435-C33B0EC26DB3}" type="slidenum">
-              <a:rPr kumimoji="0" lang="en-US" sz="1200" b="0" i="0" u="none" strike="noStrike" kern="1200" cap="none" spc="0" normalizeH="0" baseline="0" noProof="0" smtClean="0">
-                <a:ln>
-                  <a:noFill/>
-                </a:ln>
-                <a:solidFill>
-                  <a:prstClr val="black"/>
-                </a:solidFill>
-                <a:effectLst/>
-                <a:uLnTx/>
-                <a:uFillTx/>
-                <a:latin typeface="Calibri" panose="020F0502020204030204"/>
-                <a:ea typeface="+mn-ea"/>
-                <a:cs typeface="+mn-cs"/>
-              </a:rPr>
-              <a:pPr marL="0" marR="0" lvl="0" indent="0" algn="r" defTabSz="457200" rtl="0" eaLnBrk="1" fontAlgn="auto" latinLnBrk="0" hangingPunct="1">
-                <a:lnSpc>
-                  <a:spcPct val="100000"/>
-                </a:lnSpc>
-                <a:spcBef>
-                  <a:spcPts val="0"/>
-                </a:spcBef>
-                <a:spcAft>
-                  <a:spcPts val="0"/>
-                </a:spcAft>
-                <a:buClrTx/>
-                <a:buSzTx/>
-                <a:buFontTx/>
-                <a:buNone/>
-                <a:tabLst/>
-                <a:defRPr/>
-              </a:pPr>
-              <a:t>41</a:t>
-            </a:fld>
-            <a:endParaRPr kumimoji="0" lang="en-US" sz="1200" b="0" i="0" u="none" strike="noStrike" kern="1200" cap="none" spc="0" normalizeH="0" baseline="0" noProof="0" dirty="0">
-              <a:ln>
-                <a:noFill/>
-              </a:ln>
-              <a:solidFill>
-                <a:prstClr val="black"/>
-              </a:solidFill>
-              <a:effectLst/>
-              <a:uLnTx/>
-              <a:uFillTx/>
-              <a:latin typeface="Calibri" panose="020F0502020204030204"/>
-              <a:ea typeface="+mn-ea"/>
-              <a:cs typeface="+mn-cs"/>
-            </a:endParaRPr>
-          </a:p>
-        </p:txBody>
-      </p:sp>
-    </p:spTree>
-    <p:extLst>
-      <p:ext uri="{BB962C8B-B14F-4D97-AF65-F5344CB8AC3E}">
-        <p14:creationId xmlns:p14="http://schemas.microsoft.com/office/powerpoint/2010/main" val="2129258514"/>
-      </p:ext>
-    </p:extLst>
-  </p:cSld>
-  <p:clrMapOvr>
-    <a:masterClrMapping/>
-  </p:clrMapOvr>
-</p:notes>
-</file>
-
-<file path=ppt/notesSlides/notesSlide29.xml><?xml version="1.0" encoding="utf-8"?>
-<p:notes xmlns:a="http://schemas.openxmlformats.org/drawingml/2006/main" xmlns:r="http://schemas.openxmlformats.org/officeDocument/2006/relationships" xmlns:p="http://schemas.openxmlformats.org/presentationml/2006/main">
-  <p:cSld>
-    <p:spTree>
-      <p:nvGrpSpPr>
-        <p:cNvPr id="1" name=""/>
-        <p:cNvGrpSpPr/>
-        <p:nvPr/>
-      </p:nvGrpSpPr>
-      <p:grpSpPr>
-        <a:xfrm>
-          <a:off x="0" y="0"/>
-          <a:ext cx="0" cy="0"/>
-          <a:chOff x="0" y="0"/>
-          <a:chExt cx="0" cy="0"/>
-        </a:xfrm>
-      </p:grpSpPr>
-      <p:sp>
-        <p:nvSpPr>
-          <p:cNvPr id="2" name="Slide Image Placeholder 1"/>
-          <p:cNvSpPr>
-            <a:spLocks noGrp="1" noRot="1" noChangeAspect="1"/>
-          </p:cNvSpPr>
-          <p:nvPr>
-            <p:ph type="sldImg"/>
-          </p:nvPr>
-        </p:nvSpPr>
-        <p:spPr/>
-      </p:sp>
-      <p:sp>
-        <p:nvSpPr>
-          <p:cNvPr id="3" name="Notes Placeholder 2"/>
-          <p:cNvSpPr>
-            <a:spLocks noGrp="1"/>
-          </p:cNvSpPr>
-          <p:nvPr>
-            <p:ph type="body" idx="1"/>
-          </p:nvPr>
-        </p:nvSpPr>
-        <p:spPr/>
-        <p:txBody>
-          <a:bodyPr/>
-          <a:lstStyle/>
-          <a:p>
-            <a:r>
-              <a:rPr lang="en-US" dirty="0"/>
-              <a:t>Note any place that has parentheses allows multi-line / indentation free formatting. Examples: arithmetic (….), print(….), and other functions.</a:t>
-            </a:r>
-          </a:p>
-        </p:txBody>
-      </p:sp>
-      <p:sp>
-        <p:nvSpPr>
-          <p:cNvPr id="4" name="Header Placeholder 3"/>
-          <p:cNvSpPr>
-            <a:spLocks noGrp="1"/>
-          </p:cNvSpPr>
-          <p:nvPr>
-            <p:ph type="hdr" sz="quarter" idx="10"/>
-          </p:nvPr>
-        </p:nvSpPr>
-        <p:spPr/>
-        <p:txBody>
-          <a:bodyPr/>
-          <a:lstStyle/>
-          <a:p>
-            <a:pPr marL="0" marR="0" lvl="0" indent="0" algn="l" defTabSz="457200" rtl="0" eaLnBrk="1" fontAlgn="auto" latinLnBrk="0" hangingPunct="1">
-              <a:lnSpc>
-                <a:spcPct val="100000"/>
-              </a:lnSpc>
-              <a:spcBef>
-                <a:spcPts val="0"/>
-              </a:spcBef>
-              <a:spcAft>
-                <a:spcPts val="0"/>
-              </a:spcAft>
-              <a:buClrTx/>
-              <a:buSzTx/>
-              <a:buFontTx/>
-              <a:buNone/>
-              <a:tabLst/>
-              <a:defRPr/>
-            </a:pPr>
-            <a:r>
-              <a:rPr kumimoji="0" lang="en-US" sz="1200" b="0" i="0" u="none" strike="noStrike" kern="1200" cap="none" spc="0" normalizeH="0" baseline="0" noProof="0" dirty="0">
-                <a:ln>
-                  <a:noFill/>
-                </a:ln>
-                <a:solidFill>
-                  <a:prstClr val="black"/>
-                </a:solidFill>
-                <a:effectLst/>
-                <a:uLnTx/>
-                <a:uFillTx/>
-                <a:latin typeface="Calibri" panose="020F0502020204030204"/>
-                <a:ea typeface="+mn-ea"/>
-                <a:cs typeface="+mn-cs"/>
-              </a:rPr>
-              <a:t>Introduction to Programming using Python</a:t>
-            </a:r>
-          </a:p>
-        </p:txBody>
-      </p:sp>
-      <p:sp>
-        <p:nvSpPr>
-          <p:cNvPr id="5" name="Date Placeholder 4"/>
-          <p:cNvSpPr>
-            <a:spLocks noGrp="1"/>
-          </p:cNvSpPr>
-          <p:nvPr>
-            <p:ph type="dt" idx="11"/>
-          </p:nvPr>
-        </p:nvSpPr>
-        <p:spPr/>
-        <p:txBody>
-          <a:bodyPr/>
-          <a:lstStyle/>
-          <a:p>
-            <a:pPr marL="0" marR="0" lvl="0" indent="0" algn="r" defTabSz="457200" rtl="0" eaLnBrk="1" fontAlgn="auto" latinLnBrk="0" hangingPunct="1">
-              <a:lnSpc>
-                <a:spcPct val="100000"/>
-              </a:lnSpc>
-              <a:spcBef>
-                <a:spcPts val="0"/>
-              </a:spcBef>
-              <a:spcAft>
-                <a:spcPts val="0"/>
-              </a:spcAft>
-              <a:buClrTx/>
-              <a:buSzTx/>
-              <a:buFontTx/>
-              <a:buNone/>
-              <a:tabLst/>
-              <a:defRPr/>
-            </a:pPr>
-            <a:fld id="{A596092B-28C7-44D1-B902-5437B333DFB7}" type="datetime1">
-              <a:rPr kumimoji="0" lang="en-US" sz="1200" b="0" i="0" u="none" strike="noStrike" kern="1200" cap="none" spc="0" normalizeH="0" baseline="0" noProof="0" smtClean="0">
-                <a:ln>
-                  <a:noFill/>
-                </a:ln>
-                <a:solidFill>
-                  <a:prstClr val="black"/>
-                </a:solidFill>
-                <a:effectLst/>
-                <a:uLnTx/>
-                <a:uFillTx/>
-                <a:latin typeface="Calibri" panose="020F0502020204030204"/>
-                <a:ea typeface="+mn-ea"/>
-                <a:cs typeface="+mn-cs"/>
-              </a:rPr>
-              <a:pPr marL="0" marR="0" lvl="0" indent="0" algn="r" defTabSz="457200" rtl="0" eaLnBrk="1" fontAlgn="auto" latinLnBrk="0" hangingPunct="1">
-                <a:lnSpc>
-                  <a:spcPct val="100000"/>
-                </a:lnSpc>
-                <a:spcBef>
-                  <a:spcPts val="0"/>
-                </a:spcBef>
-                <a:spcAft>
-                  <a:spcPts val="0"/>
-                </a:spcAft>
-                <a:buClrTx/>
-                <a:buSzTx/>
-                <a:buFontTx/>
-                <a:buNone/>
-                <a:tabLst/>
-                <a:defRPr/>
-              </a:pPr>
-              <a:t>2/25/2022</a:t>
+              <a:t>6/30/2022</a:t>
             </a:fld>
             <a:endParaRPr kumimoji="0" lang="en-US" sz="1200" b="0" i="0" u="none" strike="noStrike" kern="1200" cap="none" spc="0" normalizeH="0" baseline="0" noProof="0" dirty="0">
               <a:ln>
@@ -7892,6 +7559,340 @@
     </p:spTree>
     <p:extLst>
       <p:ext uri="{BB962C8B-B14F-4D97-AF65-F5344CB8AC3E}">
+        <p14:creationId xmlns:p14="http://schemas.microsoft.com/office/powerpoint/2010/main" val="2129258514"/>
+      </p:ext>
+    </p:extLst>
+  </p:cSld>
+  <p:clrMapOvr>
+    <a:masterClrMapping/>
+  </p:clrMapOvr>
+</p:notes>
+</file>
+
+<file path=ppt/notesSlides/notesSlide29.xml><?xml version="1.0" encoding="utf-8"?>
+<p:notes xmlns:a="http://schemas.openxmlformats.org/drawingml/2006/main" xmlns:r="http://schemas.openxmlformats.org/officeDocument/2006/relationships" xmlns:p="http://schemas.openxmlformats.org/presentationml/2006/main">
+  <p:cSld>
+    <p:spTree>
+      <p:nvGrpSpPr>
+        <p:cNvPr id="1" name=""/>
+        <p:cNvGrpSpPr/>
+        <p:nvPr/>
+      </p:nvGrpSpPr>
+      <p:grpSpPr>
+        <a:xfrm>
+          <a:off x="0" y="0"/>
+          <a:ext cx="0" cy="0"/>
+          <a:chOff x="0" y="0"/>
+          <a:chExt cx="0" cy="0"/>
+        </a:xfrm>
+      </p:grpSpPr>
+      <p:sp>
+        <p:nvSpPr>
+          <p:cNvPr id="2" name="Slide Image Placeholder 1"/>
+          <p:cNvSpPr>
+            <a:spLocks noGrp="1" noRot="1" noChangeAspect="1"/>
+          </p:cNvSpPr>
+          <p:nvPr>
+            <p:ph type="sldImg"/>
+          </p:nvPr>
+        </p:nvSpPr>
+        <p:spPr/>
+      </p:sp>
+      <p:sp>
+        <p:nvSpPr>
+          <p:cNvPr id="3" name="Notes Placeholder 2"/>
+          <p:cNvSpPr>
+            <a:spLocks noGrp="1"/>
+          </p:cNvSpPr>
+          <p:nvPr>
+            <p:ph type="body" idx="1"/>
+          </p:nvPr>
+        </p:nvSpPr>
+        <p:spPr/>
+        <p:txBody>
+          <a:bodyPr/>
+          <a:lstStyle/>
+          <a:p>
+            <a:r>
+              <a:rPr lang="en-US" dirty="0"/>
+              <a:t>Note any place that has parentheses allows multi-line / indentation free formatting. Examples: arithmetic (….), print(….), and other functions.</a:t>
+            </a:r>
+          </a:p>
+        </p:txBody>
+      </p:sp>
+      <p:sp>
+        <p:nvSpPr>
+          <p:cNvPr id="4" name="Header Placeholder 3"/>
+          <p:cNvSpPr>
+            <a:spLocks noGrp="1"/>
+          </p:cNvSpPr>
+          <p:nvPr>
+            <p:ph type="hdr" sz="quarter" idx="10"/>
+          </p:nvPr>
+        </p:nvSpPr>
+        <p:spPr/>
+        <p:txBody>
+          <a:bodyPr/>
+          <a:lstStyle/>
+          <a:p>
+            <a:pPr marL="0" marR="0" lvl="0" indent="0" algn="l" defTabSz="457200" rtl="0" eaLnBrk="1" fontAlgn="auto" latinLnBrk="0" hangingPunct="1">
+              <a:lnSpc>
+                <a:spcPct val="100000"/>
+              </a:lnSpc>
+              <a:spcBef>
+                <a:spcPts val="0"/>
+              </a:spcBef>
+              <a:spcAft>
+                <a:spcPts val="0"/>
+              </a:spcAft>
+              <a:buClrTx/>
+              <a:buSzTx/>
+              <a:buFontTx/>
+              <a:buNone/>
+              <a:tabLst/>
+              <a:defRPr/>
+            </a:pPr>
+            <a:r>
+              <a:rPr kumimoji="0" lang="en-US" sz="1200" b="0" i="0" u="none" strike="noStrike" kern="1200" cap="none" spc="0" normalizeH="0" baseline="0" noProof="0" dirty="0">
+                <a:ln>
+                  <a:noFill/>
+                </a:ln>
+                <a:solidFill>
+                  <a:prstClr val="black"/>
+                </a:solidFill>
+                <a:effectLst/>
+                <a:uLnTx/>
+                <a:uFillTx/>
+                <a:latin typeface="Calibri" panose="020F0502020204030204"/>
+                <a:ea typeface="+mn-ea"/>
+                <a:cs typeface="+mn-cs"/>
+              </a:rPr>
+              <a:t>Introduction to Programming using Python</a:t>
+            </a:r>
+          </a:p>
+        </p:txBody>
+      </p:sp>
+      <p:sp>
+        <p:nvSpPr>
+          <p:cNvPr id="5" name="Date Placeholder 4"/>
+          <p:cNvSpPr>
+            <a:spLocks noGrp="1"/>
+          </p:cNvSpPr>
+          <p:nvPr>
+            <p:ph type="dt" idx="11"/>
+          </p:nvPr>
+        </p:nvSpPr>
+        <p:spPr/>
+        <p:txBody>
+          <a:bodyPr/>
+          <a:lstStyle/>
+          <a:p>
+            <a:pPr marL="0" marR="0" lvl="0" indent="0" algn="r" defTabSz="457200" rtl="0" eaLnBrk="1" fontAlgn="auto" latinLnBrk="0" hangingPunct="1">
+              <a:lnSpc>
+                <a:spcPct val="100000"/>
+              </a:lnSpc>
+              <a:spcBef>
+                <a:spcPts val="0"/>
+              </a:spcBef>
+              <a:spcAft>
+                <a:spcPts val="0"/>
+              </a:spcAft>
+              <a:buClrTx/>
+              <a:buSzTx/>
+              <a:buFontTx/>
+              <a:buNone/>
+              <a:tabLst/>
+              <a:defRPr/>
+            </a:pPr>
+            <a:fld id="{A596092B-28C7-44D1-B902-5437B333DFB7}" type="datetime1">
+              <a:rPr kumimoji="0" lang="en-US" sz="1200" b="0" i="0" u="none" strike="noStrike" kern="1200" cap="none" spc="0" normalizeH="0" baseline="0" noProof="0" smtClean="0">
+                <a:ln>
+                  <a:noFill/>
+                </a:ln>
+                <a:solidFill>
+                  <a:prstClr val="black"/>
+                </a:solidFill>
+                <a:effectLst/>
+                <a:uLnTx/>
+                <a:uFillTx/>
+                <a:latin typeface="Calibri" panose="020F0502020204030204"/>
+                <a:ea typeface="+mn-ea"/>
+                <a:cs typeface="+mn-cs"/>
+              </a:rPr>
+              <a:pPr marL="0" marR="0" lvl="0" indent="0" algn="r" defTabSz="457200" rtl="0" eaLnBrk="1" fontAlgn="auto" latinLnBrk="0" hangingPunct="1">
+                <a:lnSpc>
+                  <a:spcPct val="100000"/>
+                </a:lnSpc>
+                <a:spcBef>
+                  <a:spcPts val="0"/>
+                </a:spcBef>
+                <a:spcAft>
+                  <a:spcPts val="0"/>
+                </a:spcAft>
+                <a:buClrTx/>
+                <a:buSzTx/>
+                <a:buFontTx/>
+                <a:buNone/>
+                <a:tabLst/>
+                <a:defRPr/>
+              </a:pPr>
+              <a:t>6/30/2022</a:t>
+            </a:fld>
+            <a:endParaRPr kumimoji="0" lang="en-US" sz="1200" b="0" i="0" u="none" strike="noStrike" kern="1200" cap="none" spc="0" normalizeH="0" baseline="0" noProof="0" dirty="0">
+              <a:ln>
+                <a:noFill/>
+              </a:ln>
+              <a:solidFill>
+                <a:prstClr val="black"/>
+              </a:solidFill>
+              <a:effectLst/>
+              <a:uLnTx/>
+              <a:uFillTx/>
+              <a:latin typeface="Calibri" panose="020F0502020204030204"/>
+              <a:ea typeface="+mn-ea"/>
+              <a:cs typeface="+mn-cs"/>
+            </a:endParaRPr>
+          </a:p>
+        </p:txBody>
+      </p:sp>
+      <p:sp>
+        <p:nvSpPr>
+          <p:cNvPr id="6" name="Footer Placeholder 5"/>
+          <p:cNvSpPr>
+            <a:spLocks noGrp="1"/>
+          </p:cNvSpPr>
+          <p:nvPr>
+            <p:ph type="ftr" sz="quarter" idx="12"/>
+          </p:nvPr>
+        </p:nvSpPr>
+        <p:spPr/>
+        <p:txBody>
+          <a:bodyPr/>
+          <a:lstStyle/>
+          <a:p>
+            <a:pPr marL="0" marR="0" lvl="0" indent="0" algn="l" defTabSz="457200" rtl="0" eaLnBrk="1" fontAlgn="auto" latinLnBrk="0" hangingPunct="1">
+              <a:lnSpc>
+                <a:spcPct val="100000"/>
+              </a:lnSpc>
+              <a:spcBef>
+                <a:spcPts val="0"/>
+              </a:spcBef>
+              <a:spcAft>
+                <a:spcPts val="0"/>
+              </a:spcAft>
+              <a:buClrTx/>
+              <a:buSzTx/>
+              <a:buFontTx/>
+              <a:buNone/>
+              <a:tabLst/>
+              <a:defRPr/>
+            </a:pPr>
+            <a:r>
+              <a:rPr kumimoji="0" lang="en-US" sz="1200" b="0" i="0" u="none" strike="noStrike" kern="1200" cap="none" spc="0" normalizeH="0" baseline="0" noProof="0" dirty="0">
+                <a:ln>
+                  <a:noFill/>
+                </a:ln>
+                <a:solidFill>
+                  <a:prstClr val="black"/>
+                </a:solidFill>
+                <a:effectLst/>
+                <a:uLnTx/>
+                <a:uFillTx/>
+                <a:latin typeface="Calibri" panose="020F0502020204030204"/>
+                <a:ea typeface="+mn-ea"/>
+                <a:cs typeface="+mn-cs"/>
+              </a:rPr>
+              <a:t>raysmith@alum.mit.edu</a:t>
+            </a:r>
+          </a:p>
+        </p:txBody>
+      </p:sp>
+      <p:sp>
+        <p:nvSpPr>
+          <p:cNvPr id="7" name="Slide Number Placeholder 6"/>
+          <p:cNvSpPr>
+            <a:spLocks noGrp="1"/>
+          </p:cNvSpPr>
+          <p:nvPr>
+            <p:ph type="sldNum" sz="quarter" idx="13"/>
+          </p:nvPr>
+        </p:nvSpPr>
+        <p:spPr/>
+        <p:txBody>
+          <a:bodyPr/>
+          <a:lstStyle/>
+          <a:p>
+            <a:pPr marL="0" marR="0" lvl="0" indent="0" algn="r" defTabSz="457200" rtl="0" eaLnBrk="1" fontAlgn="auto" latinLnBrk="0" hangingPunct="1">
+              <a:lnSpc>
+                <a:spcPct val="100000"/>
+              </a:lnSpc>
+              <a:spcBef>
+                <a:spcPts val="0"/>
+              </a:spcBef>
+              <a:spcAft>
+                <a:spcPts val="0"/>
+              </a:spcAft>
+              <a:buClrTx/>
+              <a:buSzTx/>
+              <a:buFontTx/>
+              <a:buNone/>
+              <a:tabLst/>
+              <a:defRPr/>
+            </a:pPr>
+            <a:fld id="{BA791329-992B-4F83-8435-C33B0EC26DB3}" type="slidenum">
+              <a:rPr kumimoji="0" lang="en-US" sz="1200" b="0" i="0" u="none" strike="noStrike" kern="1200" cap="none" spc="0" normalizeH="0" baseline="0" noProof="0" smtClean="0">
+                <a:ln>
+                  <a:noFill/>
+                </a:ln>
+                <a:solidFill>
+                  <a:prstClr val="black"/>
+                </a:solidFill>
+                <a:effectLst/>
+                <a:uLnTx/>
+                <a:uFillTx/>
+                <a:latin typeface="Calibri" panose="020F0502020204030204"/>
+                <a:ea typeface="+mn-ea"/>
+                <a:cs typeface="+mn-cs"/>
+              </a:rPr>
+              <a:pPr marL="0" marR="0" lvl="0" indent="0" algn="r" defTabSz="457200" rtl="0" eaLnBrk="1" fontAlgn="auto" latinLnBrk="0" hangingPunct="1">
+                <a:lnSpc>
+                  <a:spcPct val="100000"/>
+                </a:lnSpc>
+                <a:spcBef>
+                  <a:spcPts val="0"/>
+                </a:spcBef>
+                <a:spcAft>
+                  <a:spcPts val="0"/>
+                </a:spcAft>
+                <a:buClrTx/>
+                <a:buSzTx/>
+                <a:buFontTx/>
+                <a:buNone/>
+                <a:tabLst/>
+                <a:defRPr/>
+              </a:pPr>
+              <a:t>43</a:t>
+            </a:fld>
+            <a:endParaRPr kumimoji="0" lang="en-US" sz="1200" b="0" i="0" u="none" strike="noStrike" kern="1200" cap="none" spc="0" normalizeH="0" baseline="0" noProof="0" dirty="0">
+              <a:ln>
+                <a:noFill/>
+              </a:ln>
+              <a:solidFill>
+                <a:prstClr val="black"/>
+              </a:solidFill>
+              <a:effectLst/>
+              <a:uLnTx/>
+              <a:uFillTx/>
+              <a:latin typeface="Calibri" panose="020F0502020204030204"/>
+              <a:ea typeface="+mn-ea"/>
+              <a:cs typeface="+mn-cs"/>
+            </a:endParaRPr>
+          </a:p>
+        </p:txBody>
+      </p:sp>
+    </p:spTree>
+    <p:extLst>
+      <p:ext uri="{BB962C8B-B14F-4D97-AF65-F5344CB8AC3E}">
         <p14:creationId xmlns:p14="http://schemas.microsoft.com/office/powerpoint/2010/main" val="2022959129"/>
       </p:ext>
     </p:extLst>
@@ -8084,7 +8085,7 @@
                 <a:tabLst/>
                 <a:defRPr/>
               </a:pPr>
-              <a:t>2/25/2022</a:t>
+              <a:t>6/30/2022</a:t>
             </a:fld>
             <a:endParaRPr kumimoji="0" lang="en-US" sz="1200" b="0" i="0" u="none" strike="noStrike" kern="1200" cap="none" spc="0" normalizeH="0" baseline="0" noProof="0" dirty="0">
               <a:ln>
@@ -8430,7 +8431,7 @@
                 <a:tabLst/>
                 <a:defRPr/>
               </a:pPr>
-              <a:t>2/25/2022</a:t>
+              <a:t>6/30/2022</a:t>
             </a:fld>
             <a:endParaRPr kumimoji="0" lang="en-US" sz="1200" b="0" i="0" u="none" strike="noStrike" kern="1200" cap="none" spc="0" normalizeH="0" baseline="0" noProof="0" dirty="0">
               <a:ln>
@@ -8565,7 +8566,7 @@
                 <a:tabLst/>
                 <a:defRPr/>
               </a:pPr>
-              <a:t>43</a:t>
+              <a:t>44</a:t>
             </a:fld>
             <a:endParaRPr kumimoji="0" lang="en-US" sz="1200" b="0" i="0" u="none" strike="noStrike" kern="1200" cap="none" spc="0" normalizeH="0" baseline="0" noProof="0" dirty="0">
               <a:ln>
@@ -8785,7 +8786,7 @@
                 <a:tabLst/>
                 <a:defRPr/>
               </a:pPr>
-              <a:t>2/25/2022</a:t>
+              <a:t>6/30/2022</a:t>
             </a:fld>
             <a:endParaRPr kumimoji="0" lang="en-US" sz="1200" b="0" i="0" u="none" strike="noStrike" kern="1200" cap="none" spc="0" normalizeH="0" baseline="0" noProof="0" dirty="0">
               <a:ln>
@@ -8920,7 +8921,7 @@
                 <a:tabLst/>
                 <a:defRPr/>
               </a:pPr>
-              <a:t>45</a:t>
+              <a:t>46</a:t>
             </a:fld>
             <a:endParaRPr kumimoji="0" lang="en-US" sz="1200" b="0" i="0" u="none" strike="noStrike" kern="1200" cap="none" spc="0" normalizeH="0" baseline="0" noProof="0" dirty="0">
               <a:ln>
@@ -9125,7 +9126,7 @@
                 <a:tabLst/>
                 <a:defRPr/>
               </a:pPr>
-              <a:t>2/25/2022</a:t>
+              <a:t>6/30/2022</a:t>
             </a:fld>
             <a:endParaRPr kumimoji="0" lang="en-US" sz="1200" b="0" i="0" u="none" strike="noStrike" kern="1200" cap="none" spc="0" normalizeH="0" baseline="0" noProof="0" dirty="0">
               <a:ln>
@@ -9260,7 +9261,7 @@
                 <a:tabLst/>
                 <a:defRPr/>
               </a:pPr>
-              <a:t>47</a:t>
+              <a:t>48</a:t>
             </a:fld>
             <a:endParaRPr kumimoji="0" lang="en-US" sz="1200" b="0" i="0" u="none" strike="noStrike" kern="1200" cap="none" spc="0" normalizeH="0" baseline="0" noProof="0" dirty="0">
               <a:ln>
@@ -9474,7 +9475,7 @@
                 <a:tabLst/>
                 <a:defRPr/>
               </a:pPr>
-              <a:t>2/25/2022</a:t>
+              <a:t>6/30/2022</a:t>
             </a:fld>
             <a:endParaRPr kumimoji="0" lang="en-US" sz="1200" b="0" i="0" u="none" strike="noStrike" kern="1200" cap="none" spc="0" normalizeH="0" baseline="0" noProof="0" dirty="0">
               <a:ln>
@@ -9609,7 +9610,7 @@
                 <a:tabLst/>
                 <a:defRPr/>
               </a:pPr>
-              <a:t>49</a:t>
+              <a:t>50</a:t>
             </a:fld>
             <a:endParaRPr kumimoji="0" lang="en-US" sz="1200" b="0" i="0" u="none" strike="noStrike" kern="1200" cap="none" spc="0" normalizeH="0" baseline="0" noProof="0" dirty="0">
               <a:ln>
@@ -9811,7 +9812,7 @@
                 <a:tabLst/>
                 <a:defRPr/>
               </a:pPr>
-              <a:t>2/25/2022</a:t>
+              <a:t>6/30/2022</a:t>
             </a:fld>
             <a:endParaRPr kumimoji="0" lang="en-US" sz="1200" b="0" i="0" u="none" strike="noStrike" kern="1200" cap="none" spc="0" normalizeH="0" baseline="0" noProof="0" dirty="0">
               <a:ln>
@@ -10148,7 +10149,7 @@
                 <a:tabLst/>
                 <a:defRPr/>
               </a:pPr>
-              <a:t>2/25/2022</a:t>
+              <a:t>6/30/2022</a:t>
             </a:fld>
             <a:endParaRPr kumimoji="0" lang="en-US" sz="1200" b="0" i="0" u="none" strike="noStrike" kern="1200" cap="none" spc="0" normalizeH="0" baseline="0" noProof="0" dirty="0">
               <a:ln>
@@ -10482,7 +10483,7 @@
                 <a:tabLst/>
                 <a:defRPr/>
               </a:pPr>
-              <a:t>2/25/2022</a:t>
+              <a:t>6/30/2022</a:t>
             </a:fld>
             <a:endParaRPr kumimoji="0" lang="en-US" sz="1200" b="0" i="0" u="none" strike="noStrike" kern="1200" cap="none" spc="0" normalizeH="0" baseline="0" noProof="0" dirty="0">
               <a:ln>
@@ -10736,7 +10737,7 @@
           <a:p>
             <a:fld id="{A596092B-28C7-44D1-B902-5437B333DFB7}" type="datetime1">
               <a:rPr lang="en-US" smtClean="0"/>
-              <a:t>2/25/2022</a:t>
+              <a:t>6/30/2022</a:t>
             </a:fld>
             <a:endParaRPr lang="en-US" dirty="0"/>
           </a:p>
@@ -10905,7 +10906,7 @@
           <a:p>
             <a:fld id="{A596092B-28C7-44D1-B902-5437B333DFB7}" type="datetime1">
               <a:rPr lang="en-US" smtClean="0"/>
-              <a:t>2/25/2022</a:t>
+              <a:t>6/30/2022</a:t>
             </a:fld>
             <a:endParaRPr lang="en-US" dirty="0"/>
           </a:p>
@@ -11148,7 +11149,7 @@
                 <a:tabLst/>
                 <a:defRPr/>
               </a:pPr>
-              <a:t>2/25/2022</a:t>
+              <a:t>6/30/2022</a:t>
             </a:fld>
             <a:endParaRPr kumimoji="0" lang="en-US" sz="1200" b="0" i="0" u="none" strike="noStrike" kern="1200" cap="none" spc="0" normalizeH="0" baseline="0" noProof="0" dirty="0">
               <a:ln>
@@ -12037,7 +12038,7 @@
           <a:p>
             <a:fld id="{B1DF5501-EE91-4443-9D3B-24E6F28D34E2}" type="datetime1">
               <a:rPr lang="en-US" smtClean="0"/>
-              <a:t>2/25/2022</a:t>
+              <a:t>6/30/2022</a:t>
             </a:fld>
             <a:endParaRPr lang="en-US" dirty="0"/>
           </a:p>
@@ -12303,7 +12304,7 @@
           <a:p>
             <a:fld id="{E954E1E9-8456-43AD-BA28-861520D256B9}" type="datetime1">
               <a:rPr lang="en-US" smtClean="0"/>
-              <a:t>2/25/2022</a:t>
+              <a:t>6/30/2022</a:t>
             </a:fld>
             <a:endParaRPr lang="en-US" dirty="0"/>
           </a:p>
@@ -12621,7 +12622,7 @@
           <a:p>
             <a:fld id="{FAF31E0C-AAFD-4E63-B3AE-16CD757951F4}" type="datetime1">
               <a:rPr lang="en-US" smtClean="0"/>
-              <a:t>2/25/2022</a:t>
+              <a:t>6/30/2022</a:t>
             </a:fld>
             <a:endParaRPr lang="en-US" dirty="0"/>
           </a:p>
@@ -12966,7 +12967,7 @@
           <a:p>
             <a:fld id="{000084FF-4715-4B6E-BD22-453621E5873F}" type="datetime1">
               <a:rPr lang="en-US" smtClean="0"/>
-              <a:t>2/25/2022</a:t>
+              <a:t>6/30/2022</a:t>
             </a:fld>
             <a:endParaRPr lang="en-US" dirty="0"/>
           </a:p>
@@ -13284,7 +13285,7 @@
           <a:p>
             <a:fld id="{6AC37F8D-4DF5-4AB6-A766-5A84B3D74A3B}" type="datetime1">
               <a:rPr lang="en-US" smtClean="0"/>
-              <a:t>2/25/2022</a:t>
+              <a:t>6/30/2022</a:t>
             </a:fld>
             <a:endParaRPr lang="en-US" dirty="0"/>
           </a:p>
@@ -13681,7 +13682,7 @@
           <a:p>
             <a:fld id="{1BF3CD1A-162D-40B2-9B22-9056F77C27F2}" type="datetime1">
               <a:rPr lang="en-US" smtClean="0"/>
-              <a:t>2/25/2022</a:t>
+              <a:t>6/30/2022</a:t>
             </a:fld>
             <a:endParaRPr lang="en-US" dirty="0"/>
           </a:p>
@@ -13855,7 +13856,7 @@
           <a:p>
             <a:fld id="{D42E4200-B1E5-4E39-8279-05DD69810A37}" type="datetime1">
               <a:rPr lang="en-US" smtClean="0"/>
-              <a:t>2/25/2022</a:t>
+              <a:t>6/30/2022</a:t>
             </a:fld>
             <a:endParaRPr lang="en-US" dirty="0"/>
           </a:p>
@@ -14038,7 +14039,7 @@
           <a:p>
             <a:fld id="{47CF7895-00AC-42E5-9790-7B0E3CE09DF2}" type="datetime1">
               <a:rPr lang="en-US" smtClean="0"/>
-              <a:t>2/25/2022</a:t>
+              <a:t>6/30/2022</a:t>
             </a:fld>
             <a:endParaRPr lang="en-US" dirty="0"/>
           </a:p>
@@ -14217,7 +14218,7 @@
           <a:p>
             <a:fld id="{A7119916-CD40-456D-ABE3-55F8822671F7}" type="datetime1">
               <a:rPr lang="en-US" smtClean="0"/>
-              <a:t>2/25/2022</a:t>
+              <a:t>6/30/2022</a:t>
             </a:fld>
             <a:endParaRPr lang="en-US" dirty="0"/>
           </a:p>
@@ -14467,7 +14468,7 @@
           <a:p>
             <a:fld id="{3F9A13D6-B8C2-463B-B3F7-C62E098B328E}" type="datetime1">
               <a:rPr lang="en-US" smtClean="0"/>
-              <a:t>2/25/2022</a:t>
+              <a:t>6/30/2022</a:t>
             </a:fld>
             <a:endParaRPr lang="en-US" dirty="0"/>
           </a:p>
@@ -14702,7 +14703,7 @@
           <a:p>
             <a:fld id="{D2B63420-31EE-4E4B-911C-2601B14D9FDD}" type="datetime1">
               <a:rPr lang="en-US" smtClean="0"/>
-              <a:t>2/25/2022</a:t>
+              <a:t>6/30/2022</a:t>
             </a:fld>
             <a:endParaRPr lang="en-US" dirty="0"/>
           </a:p>
@@ -15079,7 +15080,7 @@
           <a:p>
             <a:fld id="{2DD8986D-86F8-41E6-8CFF-8C91AEF92622}" type="datetime1">
               <a:rPr lang="en-US" smtClean="0"/>
-              <a:t>2/25/2022</a:t>
+              <a:t>6/30/2022</a:t>
             </a:fld>
             <a:endParaRPr lang="en-US" dirty="0"/>
           </a:p>
@@ -15205,7 +15206,7 @@
           <a:p>
             <a:fld id="{BA885161-032E-4C6A-8EDA-39D168DF18E4}" type="datetime1">
               <a:rPr lang="en-US" smtClean="0"/>
-              <a:t>2/25/2022</a:t>
+              <a:t>6/30/2022</a:t>
             </a:fld>
             <a:endParaRPr lang="en-US" dirty="0"/>
           </a:p>
@@ -15303,7 +15304,7 @@
           <a:p>
             <a:fld id="{958E6740-E523-48D9-9C4E-6F218E87BAF3}" type="datetime1">
               <a:rPr lang="en-US" smtClean="0"/>
-              <a:t>2/25/2022</a:t>
+              <a:t>6/30/2022</a:t>
             </a:fld>
             <a:endParaRPr lang="en-US" dirty="0"/>
           </a:p>
@@ -15561,7 +15562,7 @@
           <a:p>
             <a:fld id="{6121D4CA-FF09-4CB8-8D51-2613D19A0F2E}" type="datetime1">
               <a:rPr lang="en-US" smtClean="0"/>
-              <a:t>2/25/2022</a:t>
+              <a:t>6/30/2022</a:t>
             </a:fld>
             <a:endParaRPr lang="en-US" dirty="0"/>
           </a:p>
@@ -15826,7 +15827,7 @@
           <a:p>
             <a:fld id="{8C4779EA-AEA7-43B3-9B65-A77E9A890421}" type="datetime1">
               <a:rPr lang="en-US" smtClean="0"/>
-              <a:t>2/25/2022</a:t>
+              <a:t>6/30/2022</a:t>
             </a:fld>
             <a:endParaRPr lang="en-US" dirty="0"/>
           </a:p>
@@ -16572,7 +16573,7 @@
           <a:p>
             <a:fld id="{059A67F1-3EA0-4026-BE6A-31EE4E1B1DB5}" type="datetime1">
               <a:rPr lang="en-US" smtClean="0"/>
-              <a:t>2/25/2022</a:t>
+              <a:t>6/30/2022</a:t>
             </a:fld>
             <a:endParaRPr lang="en-US" dirty="0"/>
           </a:p>
@@ -17332,7 +17333,7 @@
                 <a:tabLst/>
                 <a:defRPr/>
               </a:pPr>
-              <a:t>2/25/2022</a:t>
+              <a:t>6/30/2022</a:t>
             </a:fld>
             <a:endParaRPr kumimoji="0" lang="en-US" sz="900" b="0" i="0" u="none" strike="noStrike" kern="1200" cap="none" spc="0" normalizeH="0" baseline="0" noProof="0" dirty="0">
               <a:ln>
@@ -17789,7 +17790,7 @@
                 <a:tabLst/>
                 <a:defRPr/>
               </a:pPr>
-              <a:t>2/25/2022</a:t>
+              <a:t>6/30/2022</a:t>
             </a:fld>
             <a:endParaRPr kumimoji="0" lang="en-US" sz="900" b="0" i="0" u="none" strike="noStrike" kern="1200" cap="none" spc="0" normalizeH="0" baseline="0" noProof="0" dirty="0">
               <a:ln>
@@ -18236,7 +18237,7 @@
           <a:p>
             <a:fld id="{0B07C6D0-642C-4A40-B0F1-13ED56048173}" type="datetime1">
               <a:rPr lang="en-US" smtClean="0"/>
-              <a:t>2/25/2022</a:t>
+              <a:t>6/30/2022</a:t>
             </a:fld>
             <a:endParaRPr lang="en-US" dirty="0"/>
           </a:p>
@@ -18590,7 +18591,7 @@
           <a:p>
             <a:fld id="{0B07C6D0-642C-4A40-B0F1-13ED56048173}" type="datetime1">
               <a:rPr lang="en-US" smtClean="0"/>
-              <a:t>2/25/2022</a:t>
+              <a:t>6/30/2022</a:t>
             </a:fld>
             <a:endParaRPr lang="en-US" dirty="0"/>
           </a:p>
@@ -18795,7 +18796,7 @@
           <a:p>
             <a:fld id="{A7119916-CD40-456D-ABE3-55F8822671F7}" type="datetime1">
               <a:rPr lang="en-US" smtClean="0"/>
-              <a:t>2/26/2022</a:t>
+              <a:t>6/30/2022</a:t>
             </a:fld>
             <a:endParaRPr lang="en-US" dirty="0"/>
           </a:p>
@@ -19058,7 +19059,7 @@
                 <a:tabLst/>
                 <a:defRPr/>
               </a:pPr>
-              <a:t>2/25/2022</a:t>
+              <a:t>6/30/2022</a:t>
             </a:fld>
             <a:endParaRPr kumimoji="0" lang="en-US" sz="900" b="0" i="0" u="none" strike="noStrike" kern="1200" cap="none" spc="0" normalizeH="0" baseline="0" noProof="0" dirty="0">
               <a:ln>
@@ -19412,7 +19413,7 @@
                 <a:tabLst/>
                 <a:defRPr/>
               </a:pPr>
-              <a:t>2/25/2022</a:t>
+              <a:t>6/30/2022</a:t>
             </a:fld>
             <a:endParaRPr kumimoji="0" lang="en-US" sz="900" b="0" i="0" u="none" strike="noStrike" kern="1200" cap="none" spc="0" normalizeH="0" baseline="0" noProof="0" dirty="0">
               <a:ln>
@@ -19797,7 +19798,7 @@
                 <a:tabLst/>
                 <a:defRPr/>
               </a:pPr>
-              <a:t>2/25/2022</a:t>
+              <a:t>6/30/2022</a:t>
             </a:fld>
             <a:endParaRPr kumimoji="0" lang="en-US" sz="900" b="0" i="0" u="none" strike="noStrike" kern="1200" cap="none" spc="0" normalizeH="0" baseline="0" noProof="0" dirty="0">
               <a:ln>
@@ -20151,7 +20152,7 @@
                 <a:tabLst/>
                 <a:defRPr/>
               </a:pPr>
-              <a:t>2/25/2022</a:t>
+              <a:t>6/30/2022</a:t>
             </a:fld>
             <a:endParaRPr kumimoji="0" lang="en-US" sz="900" b="0" i="0" u="none" strike="noStrike" kern="1200" cap="none" spc="0" normalizeH="0" baseline="0" noProof="0" dirty="0">
               <a:ln>
@@ -20656,7 +20657,7 @@
                 <a:tabLst/>
                 <a:defRPr/>
               </a:pPr>
-              <a:t>2/25/2022</a:t>
+              <a:t>6/30/2022</a:t>
             </a:fld>
             <a:endParaRPr kumimoji="0" lang="en-US" sz="900" b="0" i="0" u="none" strike="noStrike" kern="1200" cap="none" spc="0" normalizeH="0" baseline="0" noProof="0" dirty="0">
               <a:ln>
@@ -21034,7 +21035,7 @@
                 <a:tabLst/>
                 <a:defRPr/>
               </a:pPr>
-              <a:t>2/25/2022</a:t>
+              <a:t>6/30/2022</a:t>
             </a:fld>
             <a:endParaRPr kumimoji="0" lang="en-US" sz="900" b="0" i="0" u="none" strike="noStrike" kern="1200" cap="none" spc="0" normalizeH="0" baseline="0" noProof="0" dirty="0">
               <a:ln>
@@ -21407,7 +21408,7 @@
                 <a:tabLst/>
                 <a:defRPr/>
               </a:pPr>
-              <a:t>2/25/2022</a:t>
+              <a:t>6/30/2022</a:t>
             </a:fld>
             <a:endParaRPr kumimoji="0" lang="en-US" sz="900" b="0" i="0" u="none" strike="noStrike" kern="1200" cap="none" spc="0" normalizeH="0" baseline="0" noProof="0" dirty="0">
               <a:ln>
@@ -21907,7 +21908,7 @@
                 <a:tabLst/>
                 <a:defRPr/>
               </a:pPr>
-              <a:t>2/25/2022</a:t>
+              <a:t>6/30/2022</a:t>
             </a:fld>
             <a:endParaRPr kumimoji="0" lang="en-US" sz="900" b="0" i="0" u="none" strike="noStrike" kern="1200" cap="none" spc="0" normalizeH="0" baseline="0" noProof="0" dirty="0">
               <a:ln>
@@ -22135,7 +22136,12 @@
             <p:ph type="title"/>
           </p:nvPr>
         </p:nvSpPr>
-        <p:spPr/>
+        <p:spPr>
+          <a:xfrm>
+            <a:off x="677334" y="609600"/>
+            <a:ext cx="8596668" cy="834998"/>
+          </a:xfrm>
+        </p:spPr>
         <p:txBody>
           <a:bodyPr/>
           <a:lstStyle/>
@@ -22163,7 +22169,12 @@
             <p:ph idx="1"/>
           </p:nvPr>
         </p:nvSpPr>
-        <p:spPr/>
+        <p:spPr>
+          <a:xfrm>
+            <a:off x="677334" y="1444599"/>
+            <a:ext cx="8596668" cy="4596764"/>
+          </a:xfrm>
+        </p:spPr>
         <p:txBody>
           <a:bodyPr>
             <a:normAutofit/>
@@ -22171,56 +22182,38 @@
           <a:lstStyle/>
           <a:p>
             <a:r>
-              <a:rPr lang="en-US" sz="2000" dirty="0"/>
+              <a:rPr lang="en-US" sz="3200" dirty="0"/>
               <a:t>samples/</a:t>
             </a:r>
           </a:p>
           <a:p>
             <a:r>
-              <a:rPr lang="en-US" sz="2000" dirty="0"/>
+              <a:rPr lang="en-US" sz="3600" dirty="0"/>
               <a:t>        spokes_function.py</a:t>
             </a:r>
           </a:p>
           <a:p>
             <a:r>
-              <a:rPr lang="en-US" sz="2000" dirty="0"/>
+              <a:rPr lang="en-US" sz="3600" dirty="0"/>
               <a:t>        spokes_function_defaults.py</a:t>
             </a:r>
           </a:p>
           <a:p>
             <a:r>
-              <a:rPr lang="en-US" sz="2000" dirty="0"/>
+              <a:rPr lang="en-US" sz="3600" dirty="0"/>
               <a:t>        square_no_defaults.py</a:t>
             </a:r>
           </a:p>
           <a:p>
             <a:r>
-              <a:rPr lang="en-US" sz="2000" dirty="0"/>
+              <a:rPr lang="en-US" sz="3600" dirty="0"/>
               <a:t>        square_list.py</a:t>
             </a:r>
           </a:p>
           <a:p>
             <a:r>
-              <a:rPr lang="en-US" sz="2000" dirty="0"/>
+              <a:rPr lang="en-US" sz="3600" dirty="0"/>
               <a:t>        square_keywd_none.py</a:t>
-            </a:r>
-          </a:p>
-          <a:p>
-            <a:r>
-              <a:rPr lang="en-US" sz="2000" dirty="0"/>
-              <a:t>    practice with print() keywords sep, end</a:t>
-            </a:r>
-          </a:p>
-          <a:p>
-            <a:r>
-              <a:rPr lang="en-US" sz="2000" dirty="0"/>
-              <a:t>        samples/</a:t>
-            </a:r>
-          </a:p>
-          <a:p>
-            <a:r>
-              <a:rPr lang="en-US" sz="2000" dirty="0"/>
-              <a:t>            print_args.py</a:t>
             </a:r>
           </a:p>
           <a:p>
@@ -22251,7 +22244,7 @@
           <a:p>
             <a:fld id="{A7119916-CD40-456D-ABE3-55F8822671F7}" type="datetime1">
               <a:rPr lang="en-US" smtClean="0"/>
-              <a:t>2/26/2022</a:t>
+              <a:t>6/30/2022</a:t>
             </a:fld>
             <a:endParaRPr lang="en-US" dirty="0"/>
           </a:p>
@@ -22350,7 +22343,7 @@
           <p:cNvPr id="2" name="Title 1">
             <a:extLst>
               <a:ext uri="{FF2B5EF4-FFF2-40B4-BE49-F238E27FC236}">
-                <a16:creationId xmlns:a16="http://schemas.microsoft.com/office/drawing/2014/main" id="{5CAA3B7D-9381-43ED-A32C-2277435F2CDD}"/>
+                <a16:creationId xmlns:a16="http://schemas.microsoft.com/office/drawing/2014/main" id="{84656BA8-63E1-4A4E-8D66-08AD4C1554B1}"/>
               </a:ext>
             </a:extLst>
           </p:cNvPr>
@@ -22368,9 +22361,8 @@
           <a:p>
             <a:r>
               <a:rPr lang="en-US" dirty="0"/>
-              <a:t>A Quick Review of Python - continued</a:t>
-            </a:r>
-            <a:endParaRPr lang="en-US" sz="2800" dirty="0"/>
+              <a:t>Function Samples</a:t>
+            </a:r>
           </a:p>
         </p:txBody>
       </p:sp>
@@ -22379,7 +22371,7 @@
           <p:cNvPr id="3" name="Content Placeholder 2">
             <a:extLst>
               <a:ext uri="{FF2B5EF4-FFF2-40B4-BE49-F238E27FC236}">
-                <a16:creationId xmlns:a16="http://schemas.microsoft.com/office/drawing/2014/main" id="{1D81E776-9422-4365-A33A-3CCD46A05CC3}"/>
+                <a16:creationId xmlns:a16="http://schemas.microsoft.com/office/drawing/2014/main" id="{33539BD3-2C0C-46E7-9E35-B9F1C96D96FB}"/>
               </a:ext>
             </a:extLst>
           </p:cNvPr>
@@ -22393,53 +22385,23 @@
         <p:spPr/>
         <p:txBody>
           <a:bodyPr>
-            <a:noAutofit/>
+            <a:normAutofit/>
           </a:bodyPr>
           <a:lstStyle/>
           <a:p>
-            <a:pPr lvl="1"/>
-            <a:r>
-              <a:rPr lang="en-US" sz="3400" dirty="0"/>
-              <a:t>What is</a:t>
-            </a:r>
-          </a:p>
-          <a:p>
-            <a:pPr lvl="2"/>
-            <a:r>
-              <a:rPr lang="en-US" sz="3200" dirty="0"/>
-              <a:t>A string</a:t>
-            </a:r>
-          </a:p>
-          <a:p>
-            <a:pPr marL="1371600" lvl="3" indent="0">
-              <a:buNone/>
-            </a:pPr>
-            <a:r>
-              <a:rPr lang="en-US" sz="3000" dirty="0"/>
-              <a:t>"here we are"</a:t>
-            </a:r>
-          </a:p>
-          <a:p>
-            <a:pPr marL="1371600" lvl="3" indent="0">
-              <a:buNone/>
-            </a:pPr>
-            <a:r>
-              <a:rPr lang="en-US" sz="3000" dirty="0"/>
-              <a:t>'there we go'</a:t>
-            </a:r>
-          </a:p>
-          <a:p>
-            <a:pPr marL="1371600" lvl="3" indent="0">
-              <a:buNone/>
-            </a:pPr>
-            <a:r>
-              <a:rPr lang="en-US" sz="3000" dirty="0"/>
-              <a:t>"It's the way"</a:t>
-            </a:r>
-          </a:p>
-          <a:p>
-            <a:pPr lvl="2"/>
-            <a:endParaRPr lang="en-US" sz="3200" dirty="0"/>
+            <a:r>
+              <a:rPr lang="en-US" sz="3600" dirty="0"/>
+              <a:t>samples/</a:t>
+            </a:r>
+          </a:p>
+          <a:p>
+            <a:r>
+              <a:rPr lang="en-US" sz="3600" dirty="0"/>
+              <a:t>            print_args.py</a:t>
+            </a:r>
+          </a:p>
+          <a:p>
+            <a:endParaRPr lang="en-US" dirty="0"/>
           </a:p>
         </p:txBody>
       </p:sp>
@@ -22448,7 +22410,7 @@
           <p:cNvPr id="4" name="Date Placeholder 3">
             <a:extLst>
               <a:ext uri="{FF2B5EF4-FFF2-40B4-BE49-F238E27FC236}">
-                <a16:creationId xmlns:a16="http://schemas.microsoft.com/office/drawing/2014/main" id="{F2834057-1D33-411A-BE2E-189ADCD4DF02}"/>
+                <a16:creationId xmlns:a16="http://schemas.microsoft.com/office/drawing/2014/main" id="{3C5E7EDB-D047-449D-9486-B992146B39FF}"/>
               </a:ext>
             </a:extLst>
           </p:cNvPr>
@@ -22464,75 +22426,40 @@
           <a:bodyPr/>
           <a:lstStyle/>
           <a:p>
-            <a:pPr marL="0" marR="0" lvl="0" indent="0" algn="r" defTabSz="457200" rtl="0" eaLnBrk="1" fontAlgn="auto" latinLnBrk="0" hangingPunct="1">
-              <a:lnSpc>
-                <a:spcPct val="100000"/>
-              </a:lnSpc>
-              <a:spcBef>
-                <a:spcPts val="0"/>
-              </a:spcBef>
-              <a:spcAft>
-                <a:spcPts val="0"/>
-              </a:spcAft>
-              <a:buClrTx/>
-              <a:buSzTx/>
-              <a:buFontTx/>
-              <a:buNone/>
-              <a:tabLst/>
-              <a:defRPr/>
-            </a:pPr>
-            <a:fld id="{0B07C6D0-642C-4A40-B0F1-13ED56048173}" type="datetime1">
-              <a:rPr kumimoji="0" lang="en-US" sz="900" b="0" i="0" u="none" strike="noStrike" kern="1200" cap="none" spc="0" normalizeH="0" baseline="0" noProof="0" smtClean="0">
-                <a:ln>
-                  <a:noFill/>
-                </a:ln>
-                <a:solidFill>
-                  <a:prstClr val="black">
-                    <a:tint val="75000"/>
-                  </a:prstClr>
-                </a:solidFill>
-                <a:effectLst/>
-                <a:uLnTx/>
-                <a:uFillTx/>
-                <a:latin typeface="Trebuchet MS" panose="020B0603020202020204"/>
-                <a:ea typeface="+mn-ea"/>
-                <a:cs typeface="+mn-cs"/>
-              </a:rPr>
-              <a:pPr marL="0" marR="0" lvl="0" indent="0" algn="r" defTabSz="457200" rtl="0" eaLnBrk="1" fontAlgn="auto" latinLnBrk="0" hangingPunct="1">
-                <a:lnSpc>
-                  <a:spcPct val="100000"/>
-                </a:lnSpc>
-                <a:spcBef>
-                  <a:spcPts val="0"/>
-                </a:spcBef>
-                <a:spcAft>
-                  <a:spcPts val="0"/>
-                </a:spcAft>
-                <a:buClrTx/>
-                <a:buSzTx/>
-                <a:buFontTx/>
-                <a:buNone/>
-                <a:tabLst/>
-                <a:defRPr/>
-              </a:pPr>
-              <a:t>2/25/2022</a:t>
+            <a:fld id="{A7119916-CD40-456D-ABE3-55F8822671F7}" type="datetime1">
+              <a:rPr lang="en-US" smtClean="0"/>
+              <a:t>6/30/2022</a:t>
             </a:fld>
-            <a:endParaRPr kumimoji="0" lang="en-US" sz="900" b="0" i="0" u="none" strike="noStrike" kern="1200" cap="none" spc="0" normalizeH="0" baseline="0" noProof="0" dirty="0">
-              <a:ln>
-                <a:noFill/>
-              </a:ln>
-              <a:solidFill>
-                <a:prstClr val="black">
-                  <a:tint val="75000"/>
-                </a:prstClr>
-              </a:solidFill>
-              <a:effectLst/>
-              <a:uLnTx/>
-              <a:uFillTx/>
-              <a:latin typeface="Trebuchet MS" panose="020B0603020202020204"/>
-              <a:ea typeface="+mn-ea"/>
-              <a:cs typeface="+mn-cs"/>
-            </a:endParaRPr>
+            <a:endParaRPr lang="en-US" dirty="0"/>
+          </a:p>
+        </p:txBody>
+      </p:sp>
+      <p:sp>
+        <p:nvSpPr>
+          <p:cNvPr id="5" name="Footer Placeholder 4">
+            <a:extLst>
+              <a:ext uri="{FF2B5EF4-FFF2-40B4-BE49-F238E27FC236}">
+                <a16:creationId xmlns:a16="http://schemas.microsoft.com/office/drawing/2014/main" id="{CF91CB18-3EEC-4C65-9BC7-6D10207C285C}"/>
+              </a:ext>
+            </a:extLst>
+          </p:cNvPr>
+          <p:cNvSpPr>
+            <a:spLocks noGrp="1"/>
+          </p:cNvSpPr>
+          <p:nvPr>
+            <p:ph type="ftr" sz="quarter" idx="11"/>
+          </p:nvPr>
+        </p:nvSpPr>
+        <p:spPr/>
+        <p:txBody>
+          <a:bodyPr/>
+          <a:lstStyle/>
+          <a:p>
+            <a:r>
+              <a:rPr lang="en-US"/>
+              <a:t>raysmith@alum.mit.edu</a:t>
+            </a:r>
+            <a:endParaRPr lang="en-US" dirty="0"/>
           </a:p>
         </p:txBody>
       </p:sp>
@@ -22541,7 +22468,7 @@
           <p:cNvPr id="6" name="Slide Number Placeholder 5">
             <a:extLst>
               <a:ext uri="{FF2B5EF4-FFF2-40B4-BE49-F238E27FC236}">
-                <a16:creationId xmlns:a16="http://schemas.microsoft.com/office/drawing/2014/main" id="{F4ECCAD4-12C8-4A68-9A85-D8DAB02AC562}"/>
+                <a16:creationId xmlns:a16="http://schemas.microsoft.com/office/drawing/2014/main" id="{1B5FDD8D-45EC-4118-8416-D0DF97A52F3F}"/>
               </a:ext>
             </a:extLst>
           </p:cNvPr>
@@ -22557,138 +22484,18 @@
           <a:bodyPr/>
           <a:lstStyle/>
           <a:p>
-            <a:pPr marL="0" marR="0" lvl="0" indent="0" algn="r" defTabSz="457200" rtl="0" eaLnBrk="1" fontAlgn="auto" latinLnBrk="0" hangingPunct="1">
-              <a:lnSpc>
-                <a:spcPct val="100000"/>
-              </a:lnSpc>
-              <a:spcBef>
-                <a:spcPts val="0"/>
-              </a:spcBef>
-              <a:spcAft>
-                <a:spcPts val="0"/>
-              </a:spcAft>
-              <a:buClrTx/>
-              <a:buSzTx/>
-              <a:buFontTx/>
-              <a:buNone/>
-              <a:tabLst/>
-              <a:defRPr/>
-            </a:pPr>
             <a:fld id="{6D22F896-40B5-4ADD-8801-0D06FADFA095}" type="slidenum">
-              <a:rPr kumimoji="0" lang="en-US" sz="900" b="0" i="0" u="none" strike="noStrike" kern="1200" cap="none" spc="0" normalizeH="0" baseline="0" noProof="0" smtClean="0">
-                <a:ln>
-                  <a:noFill/>
-                </a:ln>
-                <a:solidFill>
-                  <a:srgbClr val="90C226"/>
-                </a:solidFill>
-                <a:effectLst/>
-                <a:uLnTx/>
-                <a:uFillTx/>
-                <a:latin typeface="Trebuchet MS" panose="020B0603020202020204"/>
-                <a:ea typeface="+mn-ea"/>
-                <a:cs typeface="+mn-cs"/>
-              </a:rPr>
-              <a:pPr marL="0" marR="0" lvl="0" indent="0" algn="r" defTabSz="457200" rtl="0" eaLnBrk="1" fontAlgn="auto" latinLnBrk="0" hangingPunct="1">
-                <a:lnSpc>
-                  <a:spcPct val="100000"/>
-                </a:lnSpc>
-                <a:spcBef>
-                  <a:spcPts val="0"/>
-                </a:spcBef>
-                <a:spcAft>
-                  <a:spcPts val="0"/>
-                </a:spcAft>
-                <a:buClrTx/>
-                <a:buSzTx/>
-                <a:buFontTx/>
-                <a:buNone/>
-                <a:tabLst/>
-                <a:defRPr/>
-              </a:pPr>
+              <a:rPr lang="en-US" smtClean="0"/>
               <a:t>22</a:t>
             </a:fld>
-            <a:endParaRPr kumimoji="0" lang="en-US" sz="900" b="0" i="0" u="none" strike="noStrike" kern="1200" cap="none" spc="0" normalizeH="0" baseline="0" noProof="0" dirty="0">
-              <a:ln>
-                <a:noFill/>
-              </a:ln>
-              <a:solidFill>
-                <a:srgbClr val="90C226"/>
-              </a:solidFill>
-              <a:effectLst/>
-              <a:uLnTx/>
-              <a:uFillTx/>
-              <a:latin typeface="Trebuchet MS" panose="020B0603020202020204"/>
-              <a:ea typeface="+mn-ea"/>
-              <a:cs typeface="+mn-cs"/>
-            </a:endParaRPr>
-          </a:p>
-        </p:txBody>
-      </p:sp>
-      <p:sp>
-        <p:nvSpPr>
-          <p:cNvPr id="7" name="Footer Placeholder 6">
-            <a:extLst>
-              <a:ext uri="{FF2B5EF4-FFF2-40B4-BE49-F238E27FC236}">
-                <a16:creationId xmlns:a16="http://schemas.microsoft.com/office/drawing/2014/main" id="{FD1D6018-04FB-4D4B-8481-8BDBCB82B3A2}"/>
-              </a:ext>
-            </a:extLst>
-          </p:cNvPr>
-          <p:cNvSpPr>
-            <a:spLocks noGrp="1"/>
-          </p:cNvSpPr>
-          <p:nvPr>
-            <p:ph type="ftr" sz="quarter" idx="11"/>
-          </p:nvPr>
-        </p:nvSpPr>
-        <p:spPr/>
-        <p:txBody>
-          <a:bodyPr/>
-          <a:lstStyle/>
-          <a:p>
-            <a:pPr marL="0" marR="0" lvl="0" indent="0" algn="l" defTabSz="457200" rtl="0" eaLnBrk="1" fontAlgn="auto" latinLnBrk="0" hangingPunct="1">
-              <a:lnSpc>
-                <a:spcPct val="100000"/>
-              </a:lnSpc>
-              <a:spcBef>
-                <a:spcPts val="0"/>
-              </a:spcBef>
-              <a:spcAft>
-                <a:spcPts val="0"/>
-              </a:spcAft>
-              <a:buClrTx/>
-              <a:buSzTx/>
-              <a:buFontTx/>
-              <a:buNone/>
-              <a:tabLst/>
-              <a:defRPr/>
-            </a:pPr>
-            <a:r>
-              <a:rPr kumimoji="0" lang="en-US" sz="900" b="0" i="0" u="none" strike="noStrike" kern="1200" cap="none" spc="0" normalizeH="0" baseline="0" noProof="0" dirty="0">
-                <a:ln>
-                  <a:noFill/>
-                </a:ln>
-                <a:solidFill>
-                  <a:prstClr val="black">
-                    <a:tint val="75000"/>
-                  </a:prstClr>
-                </a:solidFill>
-                <a:effectLst/>
-                <a:uLnTx/>
-                <a:uFillTx/>
-                <a:latin typeface="Trebuchet MS" panose="020B0603020202020204"/>
-                <a:ea typeface="+mn-ea"/>
-                <a:cs typeface="+mn-cs"/>
-              </a:rPr>
-              <a:t>raysmith@alum.mit.edu</a:t>
-            </a:r>
+            <a:endParaRPr lang="en-US" dirty="0"/>
           </a:p>
         </p:txBody>
       </p:sp>
     </p:spTree>
     <p:extLst>
       <p:ext uri="{BB962C8B-B14F-4D97-AF65-F5344CB8AC3E}">
-        <p14:creationId xmlns:p14="http://schemas.microsoft.com/office/powerpoint/2010/main" val="2569980519"/>
+        <p14:creationId xmlns:p14="http://schemas.microsoft.com/office/powerpoint/2010/main" val="632808013"/>
       </p:ext>
     </p:extLst>
   </p:cSld>
@@ -22738,12 +22545,9 @@
           <a:p>
             <a:r>
               <a:rPr lang="en-US" dirty="0"/>
-              <a:t>A Quick Review of Python </a:t>
-            </a:r>
-            <a:r>
-              <a:rPr lang="en-US" sz="2800" dirty="0"/>
-              <a:t>- continued</a:t>
-            </a:r>
+              <a:t>A Quick Review of Python - continued</a:t>
+            </a:r>
+            <a:endParaRPr lang="en-US" sz="2800" dirty="0"/>
           </a:p>
         </p:txBody>
       </p:sp>
@@ -22777,52 +22581,42 @@
             </a:r>
           </a:p>
           <a:p>
-            <a:pPr marL="914400" lvl="2" indent="0">
+            <a:pPr lvl="2"/>
+            <a:r>
+              <a:rPr lang="en-US" sz="3200" dirty="0"/>
+              <a:t>A string</a:t>
+            </a:r>
+          </a:p>
+          <a:p>
+            <a:pPr marL="1371600" lvl="3" indent="0">
               <a:buNone/>
             </a:pPr>
             <a:r>
-              <a:rPr lang="en-US" sz="3200" b="1" dirty="0">
-                <a:latin typeface="Courier New" panose="02070309020205020404" pitchFamily="49" charset="0"/>
-                <a:cs typeface="Courier New" panose="02070309020205020404" pitchFamily="49" charset="0"/>
-              </a:rPr>
-              <a:t>"""</a:t>
-            </a:r>
-          </a:p>
-          <a:p>
-            <a:pPr marL="914400" lvl="2" indent="0">
+              <a:rPr lang="en-US" sz="3000" dirty="0"/>
+              <a:t>"here we are"</a:t>
+            </a:r>
+          </a:p>
+          <a:p>
+            <a:pPr marL="1371600" lvl="3" indent="0">
               <a:buNone/>
             </a:pPr>
             <a:r>
-              <a:rPr lang="en-US" sz="3200" dirty="0">
-                <a:latin typeface="Courier New" panose="02070309020205020404" pitchFamily="49" charset="0"/>
-                <a:cs typeface="Courier New" panose="02070309020205020404" pitchFamily="49" charset="0"/>
-              </a:rPr>
-              <a:t>More and</a:t>
-            </a:r>
-          </a:p>
-          <a:p>
-            <a:pPr marL="914400" lvl="2" indent="0">
+              <a:rPr lang="en-US" sz="3000" dirty="0"/>
+              <a:t>'there we go'</a:t>
+            </a:r>
+          </a:p>
+          <a:p>
+            <a:pPr marL="1371600" lvl="3" indent="0">
               <a:buNone/>
             </a:pPr>
             <a:r>
-              <a:rPr lang="en-US" sz="3200" dirty="0">
-                <a:latin typeface="Courier New" panose="02070309020205020404" pitchFamily="49" charset="0"/>
-                <a:cs typeface="Courier New" panose="02070309020205020404" pitchFamily="49" charset="0"/>
-              </a:rPr>
-              <a:t>More</a:t>
-            </a:r>
-          </a:p>
-          <a:p>
-            <a:pPr marL="914400" lvl="2" indent="0">
-              <a:buNone/>
-            </a:pPr>
-            <a:r>
-              <a:rPr lang="en-US" sz="3200" b="1" dirty="0">
-                <a:latin typeface="Courier New" panose="02070309020205020404" pitchFamily="49" charset="0"/>
-                <a:cs typeface="Courier New" panose="02070309020205020404" pitchFamily="49" charset="0"/>
-              </a:rPr>
-              <a:t>"""</a:t>
-            </a:r>
+              <a:rPr lang="en-US" sz="3000" dirty="0"/>
+              <a:t>"It's the way"</a:t>
+            </a:r>
+          </a:p>
+          <a:p>
+            <a:pPr lvl="2"/>
+            <a:endParaRPr lang="en-US" sz="3200" dirty="0"/>
           </a:p>
         </p:txBody>
       </p:sp>
@@ -22898,7 +22692,7 @@
                 <a:tabLst/>
                 <a:defRPr/>
               </a:pPr>
-              <a:t>2/25/2022</a:t>
+              <a:t>6/30/2022</a:t>
             </a:fld>
             <a:endParaRPr kumimoji="0" lang="en-US" sz="900" b="0" i="0" u="none" strike="noStrike" kern="1200" cap="none" spc="0" normalizeH="0" baseline="0" noProof="0" dirty="0">
               <a:ln>
@@ -23071,7 +22865,7 @@
     </p:spTree>
     <p:extLst>
       <p:ext uri="{BB962C8B-B14F-4D97-AF65-F5344CB8AC3E}">
-        <p14:creationId xmlns:p14="http://schemas.microsoft.com/office/powerpoint/2010/main" val="2540756456"/>
+        <p14:creationId xmlns:p14="http://schemas.microsoft.com/office/powerpoint/2010/main" val="2569980519"/>
       </p:ext>
     </p:extLst>
   </p:cSld>
@@ -23125,7 +22919,7 @@
             </a:r>
             <a:r>
               <a:rPr lang="en-US" sz="2800" dirty="0"/>
-              <a:t>- continue</a:t>
+              <a:t>- continued</a:t>
             </a:r>
           </a:p>
         </p:txBody>
@@ -23160,22 +22954,52 @@
             </a:r>
           </a:p>
           <a:p>
-            <a:pPr lvl="2"/>
-            <a:r>
-              <a:rPr lang="en-US" sz="3200" dirty="0"/>
-              <a:t>4;5;6</a:t>
-            </a:r>
-          </a:p>
-          <a:p>
-            <a:pPr lvl="2"/>
-            <a:r>
-              <a:rPr lang="en-US" sz="3200" dirty="0"/>
-              <a:t>2+3,2*3</a:t>
-            </a:r>
-          </a:p>
-          <a:p>
-            <a:pPr lvl="2"/>
-            <a:endParaRPr lang="en-US" sz="3200" dirty="0"/>
+            <a:pPr marL="914400" lvl="2" indent="0">
+              <a:buNone/>
+            </a:pPr>
+            <a:r>
+              <a:rPr lang="en-US" sz="3200" b="1" dirty="0">
+                <a:latin typeface="Courier New" panose="02070309020205020404" pitchFamily="49" charset="0"/>
+                <a:cs typeface="Courier New" panose="02070309020205020404" pitchFamily="49" charset="0"/>
+              </a:rPr>
+              <a:t>"""</a:t>
+            </a:r>
+          </a:p>
+          <a:p>
+            <a:pPr marL="914400" lvl="2" indent="0">
+              <a:buNone/>
+            </a:pPr>
+            <a:r>
+              <a:rPr lang="en-US" sz="3200" dirty="0">
+                <a:latin typeface="Courier New" panose="02070309020205020404" pitchFamily="49" charset="0"/>
+                <a:cs typeface="Courier New" panose="02070309020205020404" pitchFamily="49" charset="0"/>
+              </a:rPr>
+              <a:t>More and</a:t>
+            </a:r>
+          </a:p>
+          <a:p>
+            <a:pPr marL="914400" lvl="2" indent="0">
+              <a:buNone/>
+            </a:pPr>
+            <a:r>
+              <a:rPr lang="en-US" sz="3200" dirty="0">
+                <a:latin typeface="Courier New" panose="02070309020205020404" pitchFamily="49" charset="0"/>
+                <a:cs typeface="Courier New" panose="02070309020205020404" pitchFamily="49" charset="0"/>
+              </a:rPr>
+              <a:t>More</a:t>
+            </a:r>
+          </a:p>
+          <a:p>
+            <a:pPr marL="914400" lvl="2" indent="0">
+              <a:buNone/>
+            </a:pPr>
+            <a:r>
+              <a:rPr lang="en-US" sz="3200" b="1" dirty="0">
+                <a:latin typeface="Courier New" panose="02070309020205020404" pitchFamily="49" charset="0"/>
+                <a:cs typeface="Courier New" panose="02070309020205020404" pitchFamily="49" charset="0"/>
+              </a:rPr>
+              <a:t>"""</a:t>
+            </a:r>
           </a:p>
         </p:txBody>
       </p:sp>
@@ -23251,7 +23075,7 @@
                 <a:tabLst/>
                 <a:defRPr/>
               </a:pPr>
-              <a:t>2/25/2022</a:t>
+              <a:t>6/30/2022</a:t>
             </a:fld>
             <a:endParaRPr kumimoji="0" lang="en-US" sz="900" b="0" i="0" u="none" strike="noStrike" kern="1200" cap="none" spc="0" normalizeH="0" baseline="0" noProof="0" dirty="0">
               <a:ln>
@@ -23424,7 +23248,7 @@
     </p:spTree>
     <p:extLst>
       <p:ext uri="{BB962C8B-B14F-4D97-AF65-F5344CB8AC3E}">
-        <p14:creationId xmlns:p14="http://schemas.microsoft.com/office/powerpoint/2010/main" val="786737817"/>
+        <p14:creationId xmlns:p14="http://schemas.microsoft.com/office/powerpoint/2010/main" val="2540756456"/>
       </p:ext>
     </p:extLst>
   </p:cSld>
@@ -23478,7 +23302,7 @@
             </a:r>
             <a:r>
               <a:rPr lang="en-US" sz="2800" dirty="0"/>
-              <a:t>- continued</a:t>
+              <a:t>- continue</a:t>
             </a:r>
           </a:p>
         </p:txBody>
@@ -23509,21 +23333,21 @@
             <a:pPr lvl="1"/>
             <a:r>
               <a:rPr lang="en-US" sz="3400" dirty="0"/>
-              <a:t>How do we print a value?</a:t>
+              <a:t>What is</a:t>
             </a:r>
           </a:p>
           <a:p>
             <a:pPr lvl="2"/>
             <a:r>
               <a:rPr lang="en-US" sz="3200" dirty="0"/>
-              <a:t>On an IDLE line?</a:t>
+              <a:t>4;5;6</a:t>
             </a:r>
           </a:p>
           <a:p>
             <a:pPr lvl="2"/>
             <a:r>
               <a:rPr lang="en-US" sz="3200" dirty="0"/>
-              <a:t>Using "print"</a:t>
+              <a:t>2+3,2*3</a:t>
             </a:r>
           </a:p>
           <a:p>
@@ -23604,7 +23428,7 @@
                 <a:tabLst/>
                 <a:defRPr/>
               </a:pPr>
-              <a:t>2/25/2022</a:t>
+              <a:t>6/30/2022</a:t>
             </a:fld>
             <a:endParaRPr kumimoji="0" lang="en-US" sz="900" b="0" i="0" u="none" strike="noStrike" kern="1200" cap="none" spc="0" normalizeH="0" baseline="0" noProof="0" dirty="0">
               <a:ln>
@@ -23777,7 +23601,7 @@
     </p:spTree>
     <p:extLst>
       <p:ext uri="{BB962C8B-B14F-4D97-AF65-F5344CB8AC3E}">
-        <p14:creationId xmlns:p14="http://schemas.microsoft.com/office/powerpoint/2010/main" val="305618420"/>
+        <p14:creationId xmlns:p14="http://schemas.microsoft.com/office/powerpoint/2010/main" val="786737817"/>
       </p:ext>
     </p:extLst>
   </p:cSld>
@@ -23862,28 +23686,21 @@
             <a:pPr lvl="1"/>
             <a:r>
               <a:rPr lang="en-US" sz="3400" dirty="0"/>
-              <a:t>How do we print:</a:t>
+              <a:t>How do we print a value?</a:t>
             </a:r>
           </a:p>
           <a:p>
             <a:pPr lvl="2"/>
             <a:r>
               <a:rPr lang="en-US" sz="3200" dirty="0"/>
-              <a:t> "Hello World!"?</a:t>
+              <a:t>On an IDLE line?</a:t>
             </a:r>
           </a:p>
           <a:p>
             <a:pPr lvl="2"/>
             <a:r>
               <a:rPr lang="en-US" sz="3200" dirty="0"/>
-              <a:t>The sum of 1 plus 2?</a:t>
-            </a:r>
-          </a:p>
-          <a:p>
-            <a:pPr lvl="2"/>
-            <a:r>
-              <a:rPr lang="en-US" sz="3200" dirty="0"/>
-              <a:t>Three strings "a", "bc", "def"?</a:t>
+              <a:t>Using "print"</a:t>
             </a:r>
           </a:p>
           <a:p>
@@ -23964,7 +23781,7 @@
                 <a:tabLst/>
                 <a:defRPr/>
               </a:pPr>
-              <a:t>2/25/2022</a:t>
+              <a:t>6/30/2022</a:t>
             </a:fld>
             <a:endParaRPr kumimoji="0" lang="en-US" sz="900" b="0" i="0" u="none" strike="noStrike" kern="1200" cap="none" spc="0" normalizeH="0" baseline="0" noProof="0" dirty="0">
               <a:ln>
@@ -24137,7 +23954,7 @@
     </p:spTree>
     <p:extLst>
       <p:ext uri="{BB962C8B-B14F-4D97-AF65-F5344CB8AC3E}">
-        <p14:creationId xmlns:p14="http://schemas.microsoft.com/office/powerpoint/2010/main" val="2665873490"/>
+        <p14:creationId xmlns:p14="http://schemas.microsoft.com/office/powerpoint/2010/main" val="305618420"/>
       </p:ext>
     </p:extLst>
   </p:cSld>
@@ -24222,47 +24039,29 @@
             <a:pPr lvl="1"/>
             <a:r>
               <a:rPr lang="en-US" sz="3400" dirty="0"/>
-              <a:t>What is a variable?</a:t>
-            </a:r>
-          </a:p>
-          <a:p>
-            <a:pPr lvl="1"/>
-            <a:r>
-              <a:rPr lang="en-US" sz="3400" dirty="0"/>
-              <a:t>Of what good is a variable?</a:t>
-            </a:r>
-          </a:p>
-          <a:p>
-            <a:pPr lvl="1"/>
-            <a:r>
-              <a:rPr lang="en-US" sz="3400" dirty="0"/>
-              <a:t>Rules for naming a variable?</a:t>
-            </a:r>
-          </a:p>
-          <a:p>
-            <a:pPr lvl="1"/>
-            <a:r>
-              <a:rPr lang="en-US" sz="3400" dirty="0"/>
-              <a:t>How do we:</a:t>
+              <a:t>How do we print:</a:t>
             </a:r>
           </a:p>
           <a:p>
             <a:pPr lvl="2"/>
             <a:r>
               <a:rPr lang="en-US" sz="3200" dirty="0"/>
-              <a:t>Set up a variable?</a:t>
+              <a:t> "Hello World!"?</a:t>
             </a:r>
           </a:p>
           <a:p>
             <a:pPr lvl="2"/>
             <a:r>
               <a:rPr lang="en-US" sz="3200" dirty="0"/>
-              <a:t>Use a variable?</a:t>
+              <a:t>The sum of 1 plus 2?</a:t>
             </a:r>
           </a:p>
           <a:p>
             <a:pPr lvl="2"/>
-            <a:endParaRPr lang="en-US" sz="3200" dirty="0"/>
+            <a:r>
+              <a:rPr lang="en-US" sz="3200" dirty="0"/>
+              <a:t>Three strings "a", "bc", "def"?</a:t>
+            </a:r>
           </a:p>
           <a:p>
             <a:pPr lvl="2"/>
@@ -24342,7 +24141,7 @@
                 <a:tabLst/>
                 <a:defRPr/>
               </a:pPr>
-              <a:t>2/25/2022</a:t>
+              <a:t>6/30/2022</a:t>
             </a:fld>
             <a:endParaRPr kumimoji="0" lang="en-US" sz="900" b="0" i="0" u="none" strike="noStrike" kern="1200" cap="none" spc="0" normalizeH="0" baseline="0" noProof="0" dirty="0">
               <a:ln>
@@ -24515,7 +24314,7 @@
     </p:spTree>
     <p:extLst>
       <p:ext uri="{BB962C8B-B14F-4D97-AF65-F5344CB8AC3E}">
-        <p14:creationId xmlns:p14="http://schemas.microsoft.com/office/powerpoint/2010/main" val="2691106055"/>
+        <p14:creationId xmlns:p14="http://schemas.microsoft.com/office/powerpoint/2010/main" val="2665873490"/>
       </p:ext>
     </p:extLst>
   </p:cSld>
@@ -24600,56 +24399,47 @@
             <a:pPr lvl="1"/>
             <a:r>
               <a:rPr lang="en-US" sz="3400" dirty="0"/>
-              <a:t>What does this do:</a:t>
-            </a:r>
-          </a:p>
-          <a:p>
-            <a:pPr marL="857250" lvl="2" indent="0">
-              <a:buNone/>
-            </a:pPr>
-            <a:r>
-              <a:rPr lang="en-US" sz="3000" dirty="0">
-                <a:latin typeface="Courier New" panose="02070309020205020404" pitchFamily="49" charset="0"/>
-                <a:cs typeface="Courier New" panose="02070309020205020404" pitchFamily="49" charset="0"/>
-              </a:rPr>
-              <a:t>first = "who"</a:t>
-            </a:r>
-          </a:p>
-          <a:p>
-            <a:pPr marL="857250" lvl="2" indent="0">
-              <a:buNone/>
-            </a:pPr>
-            <a:r>
-              <a:rPr lang="en-US" sz="3000" dirty="0">
-                <a:solidFill>
-                  <a:srgbClr val="7030A0"/>
-                </a:solidFill>
-                <a:latin typeface="Courier New" panose="02070309020205020404" pitchFamily="49" charset="0"/>
-                <a:cs typeface="Courier New" panose="02070309020205020404" pitchFamily="49" charset="0"/>
-              </a:rPr>
-              <a:t>print</a:t>
-            </a:r>
-            <a:r>
-              <a:rPr lang="en-US" sz="3000" dirty="0">
-                <a:latin typeface="Courier New" panose="02070309020205020404" pitchFamily="49" charset="0"/>
-                <a:cs typeface="Courier New" panose="02070309020205020404" pitchFamily="49" charset="0"/>
-              </a:rPr>
-              <a:t>(first, "</a:t>
-            </a:r>
-            <a:r>
-              <a:rPr lang="en-US" sz="3000" i="1" dirty="0">
-                <a:latin typeface="Courier New" panose="02070309020205020404" pitchFamily="49" charset="0"/>
-                <a:cs typeface="Courier New" panose="02070309020205020404" pitchFamily="49" charset="0"/>
-              </a:rPr>
-              <a:t>is </a:t>
-            </a:r>
-            <a:r>
-              <a:rPr lang="en-US" sz="3000" dirty="0">
-                <a:latin typeface="Courier New" panose="02070309020205020404" pitchFamily="49" charset="0"/>
-                <a:cs typeface="Courier New" panose="02070309020205020404" pitchFamily="49" charset="0"/>
-              </a:rPr>
-              <a:t>on first")</a:t>
-            </a:r>
+              <a:t>What is a variable?</a:t>
+            </a:r>
+          </a:p>
+          <a:p>
+            <a:pPr lvl="1"/>
+            <a:r>
+              <a:rPr lang="en-US" sz="3400" dirty="0"/>
+              <a:t>Of what good is a variable?</a:t>
+            </a:r>
+          </a:p>
+          <a:p>
+            <a:pPr lvl="1"/>
+            <a:r>
+              <a:rPr lang="en-US" sz="3400" dirty="0"/>
+              <a:t>Rules for naming a variable?</a:t>
+            </a:r>
+          </a:p>
+          <a:p>
+            <a:pPr lvl="1"/>
+            <a:r>
+              <a:rPr lang="en-US" sz="3400" dirty="0"/>
+              <a:t>How do we:</a:t>
+            </a:r>
+          </a:p>
+          <a:p>
+            <a:pPr lvl="2"/>
+            <a:r>
+              <a:rPr lang="en-US" sz="3200" dirty="0"/>
+              <a:t>Set up a variable?</a:t>
+            </a:r>
+          </a:p>
+          <a:p>
+            <a:pPr lvl="2"/>
+            <a:r>
+              <a:rPr lang="en-US" sz="3200" dirty="0"/>
+              <a:t>Use a variable?</a:t>
+            </a:r>
+          </a:p>
+          <a:p>
+            <a:pPr lvl="2"/>
+            <a:endParaRPr lang="en-US" sz="3200" dirty="0"/>
           </a:p>
           <a:p>
             <a:pPr lvl="2"/>
@@ -24729,7 +24519,7 @@
                 <a:tabLst/>
                 <a:defRPr/>
               </a:pPr>
-              <a:t>2/25/2022</a:t>
+              <a:t>6/30/2022</a:t>
             </a:fld>
             <a:endParaRPr kumimoji="0" lang="en-US" sz="900" b="0" i="0" u="none" strike="noStrike" kern="1200" cap="none" spc="0" normalizeH="0" baseline="0" noProof="0" dirty="0">
               <a:ln>
@@ -24902,7 +24692,7 @@
     </p:spTree>
     <p:extLst>
       <p:ext uri="{BB962C8B-B14F-4D97-AF65-F5344CB8AC3E}">
-        <p14:creationId xmlns:p14="http://schemas.microsoft.com/office/powerpoint/2010/main" val="774890794"/>
+        <p14:creationId xmlns:p14="http://schemas.microsoft.com/office/powerpoint/2010/main" val="2691106055"/>
       </p:ext>
     </p:extLst>
   </p:cSld>
@@ -24987,7 +24777,7 @@
             <a:pPr lvl="1"/>
             <a:r>
               <a:rPr lang="en-US" sz="3400" dirty="0"/>
-              <a:t>Legal variable names? Why?</a:t>
+              <a:t>What does this do:</a:t>
             </a:r>
           </a:p>
           <a:p>
@@ -24995,11 +24785,11 @@
               <a:buNone/>
             </a:pPr>
             <a:r>
-              <a:rPr lang="en-US" sz="2800" dirty="0">
+              <a:rPr lang="en-US" sz="3000" dirty="0">
                 <a:latin typeface="Courier New" panose="02070309020205020404" pitchFamily="49" charset="0"/>
                 <a:cs typeface="Courier New" panose="02070309020205020404" pitchFamily="49" charset="0"/>
               </a:rPr>
-              <a:t>a</a:t>
+              <a:t>first = "who"</a:t>
             </a:r>
           </a:p>
           <a:p>
@@ -25007,58 +24797,40 @@
               <a:buNone/>
             </a:pPr>
             <a:r>
-              <a:rPr lang="en-US" sz="2800" dirty="0">
+              <a:rPr lang="en-US" sz="3000" dirty="0">
+                <a:solidFill>
+                  <a:srgbClr val="7030A0"/>
+                </a:solidFill>
                 <a:latin typeface="Courier New" panose="02070309020205020404" pitchFamily="49" charset="0"/>
                 <a:cs typeface="Courier New" panose="02070309020205020404" pitchFamily="49" charset="0"/>
               </a:rPr>
-              <a:t>tom</a:t>
-            </a:r>
-          </a:p>
-          <a:p>
-            <a:pPr marL="857250" lvl="2" indent="0">
-              <a:buNone/>
-            </a:pPr>
-            <a:r>
-              <a:rPr lang="en-US" sz="2800" dirty="0">
+              <a:t>print</a:t>
+            </a:r>
+            <a:r>
+              <a:rPr lang="en-US" sz="3000" dirty="0">
                 <a:latin typeface="Courier New" panose="02070309020205020404" pitchFamily="49" charset="0"/>
                 <a:cs typeface="Courier New" panose="02070309020205020404" pitchFamily="49" charset="0"/>
               </a:rPr>
-              <a:t>max_val</a:t>
-            </a:r>
-          </a:p>
-          <a:p>
-            <a:pPr marL="857250" lvl="2" indent="0">
-              <a:buNone/>
-            </a:pPr>
-            <a:r>
-              <a:rPr lang="en-US" sz="2800" dirty="0">
+              <a:t>(first, "</a:t>
+            </a:r>
+            <a:r>
+              <a:rPr lang="en-US" sz="3000" i="1" dirty="0">
                 <a:latin typeface="Courier New" panose="02070309020205020404" pitchFamily="49" charset="0"/>
                 <a:cs typeface="Courier New" panose="02070309020205020404" pitchFamily="49" charset="0"/>
               </a:rPr>
-              <a:t>A21</a:t>
-            </a:r>
-          </a:p>
-          <a:p>
-            <a:pPr marL="857250" lvl="2" indent="0">
-              <a:buNone/>
-            </a:pPr>
-            <a:r>
-              <a:rPr lang="en-US" sz="2800" dirty="0">
+              <a:t>is </a:t>
+            </a:r>
+            <a:r>
+              <a:rPr lang="en-US" sz="3000" dirty="0">
                 <a:latin typeface="Courier New" panose="02070309020205020404" pitchFamily="49" charset="0"/>
                 <a:cs typeface="Courier New" panose="02070309020205020404" pitchFamily="49" charset="0"/>
               </a:rPr>
-              <a:t>target_hi</a:t>
-            </a:r>
-            <a:br>
-              <a:rPr lang="en-US" sz="2800" dirty="0"/>
-            </a:br>
-            <a:r>
-              <a:rPr lang="en-US" sz="2800" dirty="0">
-                <a:latin typeface="Courier New" panose="02070309020205020404" pitchFamily="49" charset="0"/>
-                <a:cs typeface="Courier New" panose="02070309020205020404" pitchFamily="49" charset="0"/>
-              </a:rPr>
-              <a:t>__file__</a:t>
-            </a:r>
+              <a:t>on first")</a:t>
+            </a:r>
+          </a:p>
+          <a:p>
+            <a:pPr lvl="2"/>
+            <a:endParaRPr lang="en-US" sz="3200" dirty="0"/>
           </a:p>
         </p:txBody>
       </p:sp>
@@ -25134,7 +24906,7 @@
                 <a:tabLst/>
                 <a:defRPr/>
               </a:pPr>
-              <a:t>2/25/2022</a:t>
+              <a:t>6/30/2022</a:t>
             </a:fld>
             <a:endParaRPr kumimoji="0" lang="en-US" sz="900" b="0" i="0" u="none" strike="noStrike" kern="1200" cap="none" spc="0" normalizeH="0" baseline="0" noProof="0" dirty="0">
               <a:ln>
@@ -25307,7 +25079,7 @@
     </p:spTree>
     <p:extLst>
       <p:ext uri="{BB962C8B-B14F-4D97-AF65-F5344CB8AC3E}">
-        <p14:creationId xmlns:p14="http://schemas.microsoft.com/office/powerpoint/2010/main" val="2835604077"/>
+        <p14:creationId xmlns:p14="http://schemas.microsoft.com/office/powerpoint/2010/main" val="774890794"/>
       </p:ext>
     </p:extLst>
   </p:cSld>
@@ -25541,7 +25313,7 @@
                 <a:tabLst/>
                 <a:defRPr/>
               </a:pPr>
-              <a:t>2/25/2022</a:t>
+              <a:t>6/30/2022</a:t>
             </a:fld>
             <a:endParaRPr kumimoji="0" lang="en-US" sz="900" b="0" i="0" u="none" strike="noStrike" kern="1200" cap="none" spc="0" normalizeH="0" baseline="0" noProof="0" dirty="0">
               <a:ln>
@@ -25764,7 +25536,7 @@
           <a:p>
             <a:r>
               <a:rPr lang="en-US" dirty="0"/>
-              <a:t>A Quick Review Python </a:t>
+              <a:t>A Quick Review of Python </a:t>
             </a:r>
             <a:r>
               <a:rPr lang="en-US" sz="2800" dirty="0"/>
@@ -25799,7 +25571,7 @@
             <a:pPr lvl="1"/>
             <a:r>
               <a:rPr lang="en-US" sz="3400" dirty="0"/>
-              <a:t>Illegal variable names? Why?</a:t>
+              <a:t>Legal variable names? Why?</a:t>
             </a:r>
           </a:p>
           <a:p>
@@ -25807,11 +25579,11 @@
               <a:buNone/>
             </a:pPr>
             <a:r>
-              <a:rPr lang="en-US" sz="3200" dirty="0">
+              <a:rPr lang="en-US" sz="2800" dirty="0">
                 <a:latin typeface="Courier New" panose="02070309020205020404" pitchFamily="49" charset="0"/>
                 <a:cs typeface="Courier New" panose="02070309020205020404" pitchFamily="49" charset="0"/>
               </a:rPr>
-              <a:t>1a</a:t>
+              <a:t>a</a:t>
             </a:r>
           </a:p>
           <a:p>
@@ -25819,11 +25591,11 @@
               <a:buNone/>
             </a:pPr>
             <a:r>
-              <a:rPr lang="en-US" sz="3200" dirty="0">
+              <a:rPr lang="en-US" sz="2800" dirty="0">
                 <a:latin typeface="Courier New" panose="02070309020205020404" pitchFamily="49" charset="0"/>
                 <a:cs typeface="Courier New" panose="02070309020205020404" pitchFamily="49" charset="0"/>
               </a:rPr>
-              <a:t>my name</a:t>
+              <a:t>tom</a:t>
             </a:r>
           </a:p>
           <a:p>
@@ -25831,11 +25603,11 @@
               <a:buNone/>
             </a:pPr>
             <a:r>
-              <a:rPr lang="en-US" sz="3200" dirty="0">
+              <a:rPr lang="en-US" sz="2800" dirty="0">
                 <a:latin typeface="Courier New" panose="02070309020205020404" pitchFamily="49" charset="0"/>
                 <a:cs typeface="Courier New" panose="02070309020205020404" pitchFamily="49" charset="0"/>
               </a:rPr>
-              <a:t>short-stop</a:t>
+              <a:t>max_val</a:t>
             </a:r>
           </a:p>
           <a:p>
@@ -25843,16 +25615,34 @@
               <a:buNone/>
             </a:pPr>
             <a:r>
-              <a:rPr lang="en-US" sz="3200" dirty="0">
+              <a:rPr lang="en-US" sz="2800" dirty="0">
                 <a:latin typeface="Courier New" panose="02070309020205020404" pitchFamily="49" charset="0"/>
                 <a:cs typeface="Courier New" panose="02070309020205020404" pitchFamily="49" charset="0"/>
               </a:rPr>
-              <a:t>high.val</a:t>
+              <a:t>A21</a:t>
+            </a:r>
+          </a:p>
+          <a:p>
+            <a:pPr marL="857250" lvl="2" indent="0">
+              <a:buNone/>
+            </a:pPr>
+            <a:r>
+              <a:rPr lang="en-US" sz="2800" dirty="0">
+                <a:latin typeface="Courier New" panose="02070309020205020404" pitchFamily="49" charset="0"/>
+                <a:cs typeface="Courier New" panose="02070309020205020404" pitchFamily="49" charset="0"/>
+              </a:rPr>
+              <a:t>target_hi</a:t>
             </a:r>
             <a:br>
-              <a:rPr lang="en-US" sz="3200" dirty="0"/>
+              <a:rPr lang="en-US" sz="2800" dirty="0"/>
             </a:br>
-            <a:endParaRPr lang="en-US" sz="3200" dirty="0"/>
+            <a:r>
+              <a:rPr lang="en-US" sz="2800" dirty="0">
+                <a:latin typeface="Courier New" panose="02070309020205020404" pitchFamily="49" charset="0"/>
+                <a:cs typeface="Courier New" panose="02070309020205020404" pitchFamily="49" charset="0"/>
+              </a:rPr>
+              <a:t>__file__</a:t>
+            </a:r>
           </a:p>
         </p:txBody>
       </p:sp>
@@ -25928,7 +25718,7 @@
                 <a:tabLst/>
                 <a:defRPr/>
               </a:pPr>
-              <a:t>2/25/2022</a:t>
+              <a:t>6/30/2022</a:t>
             </a:fld>
             <a:endParaRPr kumimoji="0" lang="en-US" sz="900" b="0" i="0" u="none" strike="noStrike" kern="1200" cap="none" spc="0" normalizeH="0" baseline="0" noProof="0" dirty="0">
               <a:ln>
@@ -26101,7 +25891,7 @@
     </p:spTree>
     <p:extLst>
       <p:ext uri="{BB962C8B-B14F-4D97-AF65-F5344CB8AC3E}">
-        <p14:creationId xmlns:p14="http://schemas.microsoft.com/office/powerpoint/2010/main" val="3058355613"/>
+        <p14:creationId xmlns:p14="http://schemas.microsoft.com/office/powerpoint/2010/main" val="2835604077"/>
       </p:ext>
     </p:extLst>
   </p:cSld>
@@ -26151,7 +25941,7 @@
           <a:p>
             <a:r>
               <a:rPr lang="en-US" dirty="0"/>
-              <a:t>A Quick Review of Python </a:t>
+              <a:t>A Quick Review Python </a:t>
             </a:r>
             <a:r>
               <a:rPr lang="en-US" sz="2800" dirty="0"/>
@@ -26186,28 +25976,55 @@
             <a:pPr lvl="1"/>
             <a:r>
               <a:rPr lang="en-US" sz="3400" dirty="0"/>
-              <a:t>Program flow</a:t>
-            </a:r>
-          </a:p>
-          <a:p>
-            <a:pPr lvl="1"/>
-            <a:r>
-              <a:rPr lang="en-US" sz="3400" dirty="0"/>
-              <a:t>Decisions to be made</a:t>
-            </a:r>
-          </a:p>
-          <a:p>
-            <a:pPr lvl="1"/>
-            <a:r>
-              <a:rPr lang="en-US" sz="3400" dirty="0"/>
-              <a:t>Python decision making keywords?</a:t>
-            </a:r>
-          </a:p>
-          <a:p>
-            <a:pPr lvl="1"/>
-            <a:r>
-              <a:rPr lang="en-US" sz="3400" dirty="0"/>
-              <a:t>How is keyword used? </a:t>
+              <a:t>Illegal variable names? Why?</a:t>
+            </a:r>
+          </a:p>
+          <a:p>
+            <a:pPr marL="857250" lvl="2" indent="0">
+              <a:buNone/>
+            </a:pPr>
+            <a:r>
+              <a:rPr lang="en-US" sz="3200" dirty="0">
+                <a:latin typeface="Courier New" panose="02070309020205020404" pitchFamily="49" charset="0"/>
+                <a:cs typeface="Courier New" panose="02070309020205020404" pitchFamily="49" charset="0"/>
+              </a:rPr>
+              <a:t>1a</a:t>
+            </a:r>
+          </a:p>
+          <a:p>
+            <a:pPr marL="857250" lvl="2" indent="0">
+              <a:buNone/>
+            </a:pPr>
+            <a:r>
+              <a:rPr lang="en-US" sz="3200" dirty="0">
+                <a:latin typeface="Courier New" panose="02070309020205020404" pitchFamily="49" charset="0"/>
+                <a:cs typeface="Courier New" panose="02070309020205020404" pitchFamily="49" charset="0"/>
+              </a:rPr>
+              <a:t>my name</a:t>
+            </a:r>
+          </a:p>
+          <a:p>
+            <a:pPr marL="857250" lvl="2" indent="0">
+              <a:buNone/>
+            </a:pPr>
+            <a:r>
+              <a:rPr lang="en-US" sz="3200" dirty="0">
+                <a:latin typeface="Courier New" panose="02070309020205020404" pitchFamily="49" charset="0"/>
+                <a:cs typeface="Courier New" panose="02070309020205020404" pitchFamily="49" charset="0"/>
+              </a:rPr>
+              <a:t>short-stop</a:t>
+            </a:r>
+          </a:p>
+          <a:p>
+            <a:pPr marL="857250" lvl="2" indent="0">
+              <a:buNone/>
+            </a:pPr>
+            <a:r>
+              <a:rPr lang="en-US" sz="3200" dirty="0">
+                <a:latin typeface="Courier New" panose="02070309020205020404" pitchFamily="49" charset="0"/>
+                <a:cs typeface="Courier New" panose="02070309020205020404" pitchFamily="49" charset="0"/>
+              </a:rPr>
+              <a:t>high.val</a:t>
             </a:r>
             <a:br>
               <a:rPr lang="en-US" sz="3200" dirty="0"/>
@@ -26288,7 +26105,7 @@
                 <a:tabLst/>
                 <a:defRPr/>
               </a:pPr>
-              <a:t>2/25/2022</a:t>
+              <a:t>6/30/2022</a:t>
             </a:fld>
             <a:endParaRPr kumimoji="0" lang="en-US" sz="900" b="0" i="0" u="none" strike="noStrike" kern="1200" cap="none" spc="0" normalizeH="0" baseline="0" noProof="0" dirty="0">
               <a:ln>
@@ -26461,7 +26278,7 @@
     </p:spTree>
     <p:extLst>
       <p:ext uri="{BB962C8B-B14F-4D97-AF65-F5344CB8AC3E}">
-        <p14:creationId xmlns:p14="http://schemas.microsoft.com/office/powerpoint/2010/main" val="667337349"/>
+        <p14:creationId xmlns:p14="http://schemas.microsoft.com/office/powerpoint/2010/main" val="3058355613"/>
       </p:ext>
     </p:extLst>
   </p:cSld>
@@ -26493,7 +26310,7 @@
           <p:cNvPr id="2" name="Title 1">
             <a:extLst>
               <a:ext uri="{FF2B5EF4-FFF2-40B4-BE49-F238E27FC236}">
-                <a16:creationId xmlns:a16="http://schemas.microsoft.com/office/drawing/2014/main" id="{F2100053-B36E-4E25-BF3E-C1F0F5E43234}"/>
+                <a16:creationId xmlns:a16="http://schemas.microsoft.com/office/drawing/2014/main" id="{5CAA3B7D-9381-43ED-A32C-2277435F2CDD}"/>
               </a:ext>
             </a:extLst>
           </p:cNvPr>
@@ -26511,11 +26328,11 @@
           <a:p>
             <a:r>
               <a:rPr lang="en-US" dirty="0"/>
-              <a:t>Python Language - </a:t>
-            </a:r>
-            <a:r>
-              <a:rPr lang="en-US" i="1" dirty="0"/>
-              <a:t>continued</a:t>
+              <a:t>A Quick Review of Python </a:t>
+            </a:r>
+            <a:r>
+              <a:rPr lang="en-US" sz="2800" dirty="0"/>
+              <a:t>- continued</a:t>
             </a:r>
           </a:p>
         </p:txBody>
@@ -26525,7 +26342,7 @@
           <p:cNvPr id="3" name="Content Placeholder 2">
             <a:extLst>
               <a:ext uri="{FF2B5EF4-FFF2-40B4-BE49-F238E27FC236}">
-                <a16:creationId xmlns:a16="http://schemas.microsoft.com/office/drawing/2014/main" id="{3FF25ADA-A4CD-40B9-8F61-E0365B4A319B}"/>
+                <a16:creationId xmlns:a16="http://schemas.microsoft.com/office/drawing/2014/main" id="{1D81E776-9422-4365-A33A-3CCD46A05CC3}"/>
               </a:ext>
             </a:extLst>
           </p:cNvPr>
@@ -26539,181 +26356,40 @@
         <p:spPr/>
         <p:txBody>
           <a:bodyPr>
-            <a:normAutofit lnSpcReduction="10000"/>
+            <a:noAutofit/>
           </a:bodyPr>
           <a:lstStyle/>
           <a:p>
-            <a:r>
-              <a:rPr lang="en-US" sz="3600" dirty="0"/>
-              <a:t>Arithmetic almost like algebra class : </a:t>
-            </a:r>
-            <a:r>
-              <a:rPr lang="en-US" sz="3600" b="1" dirty="0"/>
-              <a:t>+</a:t>
-            </a:r>
-            <a:r>
-              <a:rPr lang="en-US" sz="3600" dirty="0"/>
-              <a:t>,</a:t>
-            </a:r>
-            <a:r>
-              <a:rPr lang="en-US" sz="3600" b="1" dirty="0"/>
-              <a:t>-</a:t>
-            </a:r>
-            <a:r>
-              <a:rPr lang="en-US" sz="3600" dirty="0"/>
-              <a:t>,</a:t>
-            </a:r>
-            <a:r>
-              <a:rPr lang="en-US" sz="3600" b="1" dirty="0"/>
-              <a:t>*</a:t>
-            </a:r>
-            <a:r>
-              <a:rPr lang="en-US" sz="3600" dirty="0"/>
-              <a:t>, </a:t>
-            </a:r>
-            <a:r>
-              <a:rPr lang="en-US" sz="3600" b="1" dirty="0"/>
-              <a:t>&gt;</a:t>
-            </a:r>
-            <a:r>
-              <a:rPr lang="en-US" sz="3600" dirty="0"/>
-              <a:t>, </a:t>
-            </a:r>
-            <a:r>
-              <a:rPr lang="en-US" sz="3600" b="1" dirty="0"/>
-              <a:t>&gt;=</a:t>
-            </a:r>
-            <a:r>
-              <a:rPr lang="en-US" sz="3600" dirty="0"/>
-              <a:t>, </a:t>
-            </a:r>
-            <a:r>
-              <a:rPr lang="en-US" sz="3600" b="1" dirty="0"/>
-              <a:t>==</a:t>
-            </a:r>
-          </a:p>
-          <a:p>
-            <a:r>
-              <a:rPr lang="en-US" sz="3600" dirty="0"/>
-              <a:t>BUT single “</a:t>
-            </a:r>
-            <a:r>
-              <a:rPr lang="en-US" sz="3600" b="1" dirty="0"/>
-              <a:t>=</a:t>
-            </a:r>
-            <a:r>
-              <a:rPr lang="en-US" sz="3600" dirty="0"/>
-              <a:t>” is for assignment</a:t>
-            </a:r>
-          </a:p>
-          <a:p>
-            <a:pPr marL="857250" lvl="2" indent="0">
-              <a:buNone/>
-            </a:pPr>
-            <a:r>
-              <a:rPr lang="en-US" sz="3600" dirty="0">
-                <a:latin typeface="Courier New" panose="02070309020205020404" pitchFamily="49" charset="0"/>
-                <a:cs typeface="Courier New" panose="02070309020205020404" pitchFamily="49" charset="0"/>
-              </a:rPr>
-              <a:t>max_value = 20</a:t>
-            </a:r>
-          </a:p>
-          <a:p>
-            <a:pPr marL="857250" lvl="2" indent="0">
-              <a:buNone/>
-            </a:pPr>
-            <a:r>
-              <a:rPr lang="en-US" sz="3600" dirty="0">
-                <a:latin typeface="Courier New" panose="02070309020205020404" pitchFamily="49" charset="0"/>
-                <a:cs typeface="Courier New" panose="02070309020205020404" pitchFamily="49" charset="0"/>
-              </a:rPr>
-              <a:t>value </a:t>
-            </a:r>
-            <a:r>
-              <a:rPr lang="en-US" sz="3600" b="1" dirty="0">
-                <a:latin typeface="Courier New" panose="02070309020205020404" pitchFamily="49" charset="0"/>
-                <a:cs typeface="Courier New" panose="02070309020205020404" pitchFamily="49" charset="0"/>
-              </a:rPr>
-              <a:t>=</a:t>
-            </a:r>
-            <a:r>
-              <a:rPr lang="en-US" sz="3600" dirty="0">
-                <a:latin typeface="Courier New" panose="02070309020205020404" pitchFamily="49" charset="0"/>
-                <a:cs typeface="Courier New" panose="02070309020205020404" pitchFamily="49" charset="0"/>
-              </a:rPr>
-              <a:t> value </a:t>
-            </a:r>
-            <a:r>
-              <a:rPr lang="en-US" sz="3600" b="1" dirty="0">
-                <a:latin typeface="Courier New" panose="02070309020205020404" pitchFamily="49" charset="0"/>
-                <a:cs typeface="Courier New" panose="02070309020205020404" pitchFamily="49" charset="0"/>
-              </a:rPr>
-              <a:t>+</a:t>
-            </a:r>
-            <a:r>
-              <a:rPr lang="en-US" sz="3600" dirty="0">
-                <a:latin typeface="Courier New" panose="02070309020205020404" pitchFamily="49" charset="0"/>
-                <a:cs typeface="Courier New" panose="02070309020205020404" pitchFamily="49" charset="0"/>
-              </a:rPr>
-              <a:t> 5</a:t>
-            </a:r>
-          </a:p>
-          <a:p>
-            <a:pPr marL="857250" lvl="2" indent="0">
-              <a:buNone/>
-            </a:pPr>
-            <a:r>
-              <a:rPr lang="en-US" sz="3600" dirty="0">
-                <a:latin typeface="Courier New" panose="02070309020205020404" pitchFamily="49" charset="0"/>
-                <a:cs typeface="Courier New" panose="02070309020205020404" pitchFamily="49" charset="0"/>
-              </a:rPr>
-              <a:t>in = pr </a:t>
-            </a:r>
-            <a:r>
-              <a:rPr lang="en-US" sz="3600" b="1" dirty="0">
-                <a:latin typeface="Courier New" panose="02070309020205020404" pitchFamily="49" charset="0"/>
-                <a:cs typeface="Courier New" panose="02070309020205020404" pitchFamily="49" charset="0"/>
-              </a:rPr>
-              <a:t>*</a:t>
-            </a:r>
-            <a:r>
-              <a:rPr lang="en-US" sz="3600" dirty="0">
-                <a:latin typeface="Courier New" panose="02070309020205020404" pitchFamily="49" charset="0"/>
-                <a:cs typeface="Courier New" panose="02070309020205020404" pitchFamily="49" charset="0"/>
-              </a:rPr>
-              <a:t> (1</a:t>
-            </a:r>
-            <a:r>
-              <a:rPr lang="en-US" sz="3600" b="1" dirty="0">
-                <a:latin typeface="Courier New" panose="02070309020205020404" pitchFamily="49" charset="0"/>
-                <a:cs typeface="Courier New" panose="02070309020205020404" pitchFamily="49" charset="0"/>
-              </a:rPr>
-              <a:t>+</a:t>
-            </a:r>
-            <a:r>
-              <a:rPr lang="en-US" sz="3600" dirty="0">
-                <a:latin typeface="Courier New" panose="02070309020205020404" pitchFamily="49" charset="0"/>
-                <a:cs typeface="Courier New" panose="02070309020205020404" pitchFamily="49" charset="0"/>
-              </a:rPr>
-              <a:t>rate)</a:t>
-            </a:r>
-            <a:r>
-              <a:rPr lang="en-US" sz="3600" b="1" dirty="0">
-                <a:latin typeface="Courier New" panose="02070309020205020404" pitchFamily="49" charset="0"/>
-                <a:cs typeface="Courier New" panose="02070309020205020404" pitchFamily="49" charset="0"/>
-              </a:rPr>
-              <a:t>**</a:t>
-            </a:r>
-            <a:r>
-              <a:rPr lang="en-US" sz="3600" dirty="0">
-                <a:latin typeface="Courier New" panose="02070309020205020404" pitchFamily="49" charset="0"/>
-                <a:cs typeface="Courier New" panose="02070309020205020404" pitchFamily="49" charset="0"/>
-              </a:rPr>
-              <a:t>years</a:t>
-            </a:r>
-          </a:p>
-          <a:p>
-            <a:endParaRPr lang="en-US" dirty="0"/>
+            <a:pPr lvl="1"/>
+            <a:r>
+              <a:rPr lang="en-US" sz="3400" dirty="0"/>
+              <a:t>Program flow</a:t>
+            </a:r>
+          </a:p>
+          <a:p>
+            <a:pPr lvl="1"/>
+            <a:r>
+              <a:rPr lang="en-US" sz="3400" dirty="0"/>
+              <a:t>Decisions to be made</a:t>
+            </a:r>
+          </a:p>
+          <a:p>
+            <a:pPr lvl="1"/>
+            <a:r>
+              <a:rPr lang="en-US" sz="3400" dirty="0"/>
+              <a:t>Python decision making keywords?</a:t>
+            </a:r>
+          </a:p>
+          <a:p>
+            <a:pPr lvl="1"/>
+            <a:r>
+              <a:rPr lang="en-US" sz="3400" dirty="0"/>
+              <a:t>How is keyword used? </a:t>
+            </a:r>
+            <a:br>
+              <a:rPr lang="en-US" sz="3200" dirty="0"/>
+            </a:br>
+            <a:endParaRPr lang="en-US" sz="3200" dirty="0"/>
           </a:p>
         </p:txBody>
       </p:sp>
@@ -26722,7 +26398,7 @@
           <p:cNvPr id="4" name="Date Placeholder 3">
             <a:extLst>
               <a:ext uri="{FF2B5EF4-FFF2-40B4-BE49-F238E27FC236}">
-                <a16:creationId xmlns:a16="http://schemas.microsoft.com/office/drawing/2014/main" id="{170DEF3C-1565-472F-9B72-75D3C3C8499A}"/>
+                <a16:creationId xmlns:a16="http://schemas.microsoft.com/office/drawing/2014/main" id="{F2834057-1D33-411A-BE2E-189ADCD4DF02}"/>
               </a:ext>
             </a:extLst>
           </p:cNvPr>
@@ -26755,7 +26431,7 @@
               <a:tabLst/>
               <a:defRPr/>
             </a:pPr>
-            <a:fld id="{F4494EF9-6E48-4BE5-9FFB-0B54D3D03D55}" type="datetime1">
+            <a:fld id="{0B07C6D0-642C-4A40-B0F1-13ED56048173}" type="datetime1">
               <a:rPr kumimoji="0" lang="en-US" sz="900" b="0" i="0" u="none" strike="noStrike" kern="1200" cap="none" spc="0" normalizeH="0" baseline="0" noProof="0" smtClean="0">
                 <a:ln>
                   <a:noFill/>
@@ -26789,7 +26465,7 @@
                 <a:tabLst/>
                 <a:defRPr/>
               </a:pPr>
-              <a:t>2/25/2022</a:t>
+              <a:t>6/30/2022</a:t>
             </a:fld>
             <a:endParaRPr kumimoji="0" lang="en-US" sz="900" b="0" i="0" u="none" strike="noStrike" kern="1200" cap="none" spc="0" normalizeH="0" baseline="0" noProof="0" dirty="0">
               <a:ln>
@@ -26815,7 +26491,7 @@
           <p:cNvPr id="6" name="Slide Number Placeholder 5">
             <a:extLst>
               <a:ext uri="{FF2B5EF4-FFF2-40B4-BE49-F238E27FC236}">
-                <a16:creationId xmlns:a16="http://schemas.microsoft.com/office/drawing/2014/main" id="{E0B1324D-1763-4B4E-BB3F-99C66477226E}"/>
+                <a16:creationId xmlns:a16="http://schemas.microsoft.com/office/drawing/2014/main" id="{F4ECCAD4-12C8-4A68-9A85-D8DAB02AC562}"/>
               </a:ext>
             </a:extLst>
           </p:cNvPr>
@@ -26904,7 +26580,7 @@
           <p:cNvPr id="7" name="Footer Placeholder 6">
             <a:extLst>
               <a:ext uri="{FF2B5EF4-FFF2-40B4-BE49-F238E27FC236}">
-                <a16:creationId xmlns:a16="http://schemas.microsoft.com/office/drawing/2014/main" id="{1D4E3B63-4850-407B-8E3C-9B765FA0C2EF}"/>
+                <a16:creationId xmlns:a16="http://schemas.microsoft.com/office/drawing/2014/main" id="{FD1D6018-04FB-4D4B-8481-8BDBCB82B3A2}"/>
               </a:ext>
             </a:extLst>
           </p:cNvPr>
@@ -26962,7 +26638,7 @@
     </p:spTree>
     <p:extLst>
       <p:ext uri="{BB962C8B-B14F-4D97-AF65-F5344CB8AC3E}">
-        <p14:creationId xmlns:p14="http://schemas.microsoft.com/office/powerpoint/2010/main" val="2257295258"/>
+        <p14:creationId xmlns:p14="http://schemas.microsoft.com/office/powerpoint/2010/main" val="667337349"/>
       </p:ext>
     </p:extLst>
   </p:cSld>
@@ -27012,11 +26688,11 @@
           <a:p>
             <a:r>
               <a:rPr lang="en-US" dirty="0"/>
-              <a:t>Python Language – </a:t>
+              <a:t>Python Language - </a:t>
             </a:r>
             <a:r>
               <a:rPr lang="en-US" i="1" dirty="0"/>
-              <a:t>print function</a:t>
+              <a:t>continued</a:t>
             </a:r>
           </a:p>
         </p:txBody>
@@ -27040,165 +26716,178 @@
         <p:spPr/>
         <p:txBody>
           <a:bodyPr>
-            <a:normAutofit/>
+            <a:normAutofit lnSpcReduction="10000"/>
           </a:bodyPr>
           <a:lstStyle/>
           <a:p>
             <a:r>
               <a:rPr lang="en-US" sz="3600" dirty="0"/>
-              <a:t>Prints one or more values</a:t>
-            </a:r>
-          </a:p>
-          <a:p>
+              <a:t>Arithmetic almost like algebra class : </a:t>
+            </a:r>
+            <a:r>
+              <a:rPr lang="en-US" sz="3600" b="1" dirty="0"/>
+              <a:t>+</a:t>
+            </a:r>
             <a:r>
               <a:rPr lang="en-US" sz="3600" dirty="0"/>
-              <a:t>Separate values by commas </a:t>
+              <a:t>,</a:t>
             </a:r>
             <a:r>
               <a:rPr lang="en-US" sz="3600" b="1" dirty="0"/>
-              <a:t>(,)</a:t>
-            </a:r>
-          </a:p>
-          <a:p>
-            <a:pPr marL="800100" lvl="2" indent="0">
+              <a:t>-</a:t>
+            </a:r>
+            <a:r>
+              <a:rPr lang="en-US" sz="3600" dirty="0"/>
+              <a:t>,</a:t>
+            </a:r>
+            <a:r>
+              <a:rPr lang="en-US" sz="3600" b="1" dirty="0"/>
+              <a:t>*</a:t>
+            </a:r>
+            <a:r>
+              <a:rPr lang="en-US" sz="3600" dirty="0"/>
+              <a:t>, </a:t>
+            </a:r>
+            <a:r>
+              <a:rPr lang="en-US" sz="3600" b="1" dirty="0"/>
+              <a:t>&gt;</a:t>
+            </a:r>
+            <a:r>
+              <a:rPr lang="en-US" sz="3600" dirty="0"/>
+              <a:t>, </a:t>
+            </a:r>
+            <a:r>
+              <a:rPr lang="en-US" sz="3600" b="1" dirty="0"/>
+              <a:t>&gt;=</a:t>
+            </a:r>
+            <a:r>
+              <a:rPr lang="en-US" sz="3600" dirty="0"/>
+              <a:t>, </a:t>
+            </a:r>
+            <a:r>
+              <a:rPr lang="en-US" sz="3600" b="1" dirty="0"/>
+              <a:t>==</a:t>
+            </a:r>
+          </a:p>
+          <a:p>
+            <a:r>
+              <a:rPr lang="en-US" sz="3600" dirty="0"/>
+              <a:t>BUT single “</a:t>
+            </a:r>
+            <a:r>
+              <a:rPr lang="en-US" sz="3600" b="1" dirty="0"/>
+              <a:t>=</a:t>
+            </a:r>
+            <a:r>
+              <a:rPr lang="en-US" sz="3600" dirty="0"/>
+              <a:t>” is for assignment</a:t>
+            </a:r>
+          </a:p>
+          <a:p>
+            <a:pPr marL="857250" lvl="2" indent="0">
               <a:buNone/>
             </a:pPr>
-            <a:r>
-              <a:rPr lang="en-US" sz="3600" dirty="0">
-                <a:solidFill>
-                  <a:srgbClr val="7030A0"/>
-                </a:solidFill>
-                <a:latin typeface="Courier New" panose="02070309020205020404" pitchFamily="49" charset="0"/>
-                <a:cs typeface="Courier New" panose="02070309020205020404" pitchFamily="49" charset="0"/>
-              </a:rPr>
-              <a:t>print</a:t>
-            </a:r>
             <a:r>
               <a:rPr lang="en-US" sz="3600" dirty="0">
                 <a:latin typeface="Courier New" panose="02070309020205020404" pitchFamily="49" charset="0"/>
                 <a:cs typeface="Courier New" panose="02070309020205020404" pitchFamily="49" charset="0"/>
               </a:rPr>
-              <a:t>(</a:t>
-            </a:r>
-            <a:r>
-              <a:rPr lang="en-US" sz="3600" dirty="0"/>
-              <a:t>"</a:t>
-            </a:r>
+              <a:t>max_value = 20</a:t>
+            </a:r>
+          </a:p>
+          <a:p>
+            <a:pPr marL="857250" lvl="2" indent="0">
+              <a:buNone/>
+            </a:pPr>
             <a:r>
               <a:rPr lang="en-US" sz="3600" dirty="0">
                 <a:latin typeface="Courier New" panose="02070309020205020404" pitchFamily="49" charset="0"/>
                 <a:cs typeface="Courier New" panose="02070309020205020404" pitchFamily="49" charset="0"/>
               </a:rPr>
-              <a:t>Hello</a:t>
-            </a:r>
-            <a:r>
-              <a:rPr lang="en-US" sz="3600" dirty="0"/>
-              <a:t>"</a:t>
+              <a:t>value </a:t>
+            </a:r>
+            <a:r>
+              <a:rPr lang="en-US" sz="3600" b="1" dirty="0">
+                <a:latin typeface="Courier New" panose="02070309020205020404" pitchFamily="49" charset="0"/>
+                <a:cs typeface="Courier New" panose="02070309020205020404" pitchFamily="49" charset="0"/>
+              </a:rPr>
+              <a:t>=</a:t>
             </a:r>
             <a:r>
               <a:rPr lang="en-US" sz="3600" dirty="0">
                 <a:latin typeface="Courier New" panose="02070309020205020404" pitchFamily="49" charset="0"/>
                 <a:cs typeface="Courier New" panose="02070309020205020404" pitchFamily="49" charset="0"/>
               </a:rPr>
-              <a:t>)</a:t>
-            </a:r>
-          </a:p>
-          <a:p>
-            <a:pPr marL="800100" lvl="2" indent="0">
-              <a:buNone/>
-            </a:pPr>
-            <a:r>
-              <a:rPr lang="en-US" sz="3600" dirty="0">
-                <a:solidFill>
-                  <a:srgbClr val="7030A0"/>
-                </a:solidFill>
+              <a:t> value </a:t>
+            </a:r>
+            <a:r>
+              <a:rPr lang="en-US" sz="3600" b="1" dirty="0">
                 <a:latin typeface="Courier New" panose="02070309020205020404" pitchFamily="49" charset="0"/>
                 <a:cs typeface="Courier New" panose="02070309020205020404" pitchFamily="49" charset="0"/>
               </a:rPr>
-              <a:t>print</a:t>
+              <a:t>+</a:t>
             </a:r>
             <a:r>
               <a:rPr lang="en-US" sz="3600" dirty="0">
                 <a:latin typeface="Courier New" panose="02070309020205020404" pitchFamily="49" charset="0"/>
                 <a:cs typeface="Courier New" panose="02070309020205020404" pitchFamily="49" charset="0"/>
               </a:rPr>
-              <a:t>(</a:t>
-            </a:r>
-            <a:r>
-              <a:rPr lang="en-US" sz="3600" dirty="0"/>
-              <a:t>"</a:t>
-            </a:r>
+              <a:t> 5</a:t>
+            </a:r>
+          </a:p>
+          <a:p>
+            <a:pPr marL="857250" lvl="2" indent="0">
+              <a:buNone/>
+            </a:pPr>
             <a:r>
               <a:rPr lang="en-US" sz="3600" dirty="0">
                 <a:latin typeface="Courier New" panose="02070309020205020404" pitchFamily="49" charset="0"/>
                 <a:cs typeface="Courier New" panose="02070309020205020404" pitchFamily="49" charset="0"/>
               </a:rPr>
-              <a:t>value: </a:t>
-            </a:r>
-            <a:r>
-              <a:rPr lang="en-US" sz="3600" dirty="0"/>
-              <a:t>"</a:t>
+              <a:t>in = pr </a:t>
+            </a:r>
+            <a:r>
+              <a:rPr lang="en-US" sz="3600" b="1" dirty="0">
+                <a:latin typeface="Courier New" panose="02070309020205020404" pitchFamily="49" charset="0"/>
+                <a:cs typeface="Courier New" panose="02070309020205020404" pitchFamily="49" charset="0"/>
+              </a:rPr>
+              <a:t>*</a:t>
             </a:r>
             <a:r>
               <a:rPr lang="en-US" sz="3600" dirty="0">
                 <a:latin typeface="Courier New" panose="02070309020205020404" pitchFamily="49" charset="0"/>
                 <a:cs typeface="Courier New" panose="02070309020205020404" pitchFamily="49" charset="0"/>
               </a:rPr>
-              <a:t>, 10)</a:t>
-            </a:r>
-          </a:p>
-          <a:p>
-            <a:pPr marL="800100" lvl="2" indent="0">
-              <a:buNone/>
-            </a:pPr>
-            <a:r>
-              <a:rPr lang="en-US" sz="3600" dirty="0">
-                <a:solidFill>
-                  <a:srgbClr val="7030A0"/>
-                </a:solidFill>
+              <a:t> (1</a:t>
+            </a:r>
+            <a:r>
+              <a:rPr lang="en-US" sz="3600" b="1" dirty="0">
                 <a:latin typeface="Courier New" panose="02070309020205020404" pitchFamily="49" charset="0"/>
                 <a:cs typeface="Courier New" panose="02070309020205020404" pitchFamily="49" charset="0"/>
               </a:rPr>
-              <a:t>print</a:t>
+              <a:t>+</a:t>
             </a:r>
             <a:r>
               <a:rPr lang="en-US" sz="3600" dirty="0">
                 <a:latin typeface="Courier New" panose="02070309020205020404" pitchFamily="49" charset="0"/>
                 <a:cs typeface="Courier New" panose="02070309020205020404" pitchFamily="49" charset="0"/>
               </a:rPr>
-              <a:t>(</a:t>
-            </a:r>
-            <a:r>
-              <a:rPr lang="en-US" sz="3600" dirty="0"/>
-              <a:t>"</a:t>
+              <a:t>rate)</a:t>
+            </a:r>
+            <a:r>
+              <a:rPr lang="en-US" sz="3600" b="1" dirty="0">
+                <a:latin typeface="Courier New" panose="02070309020205020404" pitchFamily="49" charset="0"/>
+                <a:cs typeface="Courier New" panose="02070309020205020404" pitchFamily="49" charset="0"/>
+              </a:rPr>
+              <a:t>**</a:t>
             </a:r>
             <a:r>
               <a:rPr lang="en-US" sz="3600" dirty="0">
                 <a:latin typeface="Courier New" panose="02070309020205020404" pitchFamily="49" charset="0"/>
                 <a:cs typeface="Courier New" panose="02070309020205020404" pitchFamily="49" charset="0"/>
               </a:rPr>
-              <a:t>Maximum: </a:t>
-            </a:r>
-            <a:r>
-              <a:rPr lang="en-US" sz="3600" dirty="0"/>
-              <a:t>"</a:t>
-            </a:r>
-            <a:r>
-              <a:rPr lang="en-US" sz="3600" dirty="0">
-                <a:latin typeface="Courier New" panose="02070309020205020404" pitchFamily="49" charset="0"/>
-                <a:cs typeface="Courier New" panose="02070309020205020404" pitchFamily="49" charset="0"/>
-              </a:rPr>
-              <a:t>, max)</a:t>
-            </a:r>
-          </a:p>
-          <a:p>
-            <a:pPr marL="800100" lvl="2" indent="0">
-              <a:buNone/>
-            </a:pPr>
-            <a:endParaRPr lang="en-US" sz="3200" b="1" dirty="0">
-              <a:latin typeface="Courier New" panose="02070309020205020404" pitchFamily="49" charset="0"/>
-              <a:cs typeface="Courier New" panose="02070309020205020404" pitchFamily="49" charset="0"/>
-            </a:endParaRPr>
+              <a:t>years</a:t>
+            </a:r>
           </a:p>
           <a:p>
             <a:endParaRPr lang="en-US" dirty="0"/>
@@ -27210,7 +26899,7 @@
           <p:cNvPr id="4" name="Date Placeholder 3">
             <a:extLst>
               <a:ext uri="{FF2B5EF4-FFF2-40B4-BE49-F238E27FC236}">
-                <a16:creationId xmlns:a16="http://schemas.microsoft.com/office/drawing/2014/main" id="{9B179690-DF9C-44F2-AAFD-69F1D2CB6161}"/>
+                <a16:creationId xmlns:a16="http://schemas.microsoft.com/office/drawing/2014/main" id="{170DEF3C-1565-472F-9B72-75D3C3C8499A}"/>
               </a:ext>
             </a:extLst>
           </p:cNvPr>
@@ -27243,7 +26932,7 @@
               <a:tabLst/>
               <a:defRPr/>
             </a:pPr>
-            <a:fld id="{C880AC0F-142E-4BD1-B5DE-2C1EB2FC1D07}" type="datetime1">
+            <a:fld id="{F4494EF9-6E48-4BE5-9FFB-0B54D3D03D55}" type="datetime1">
               <a:rPr kumimoji="0" lang="en-US" sz="900" b="0" i="0" u="none" strike="noStrike" kern="1200" cap="none" spc="0" normalizeH="0" baseline="0" noProof="0" smtClean="0">
                 <a:ln>
                   <a:noFill/>
@@ -27277,7 +26966,7 @@
                 <a:tabLst/>
                 <a:defRPr/>
               </a:pPr>
-              <a:t>2/25/2022</a:t>
+              <a:t>6/30/2022</a:t>
             </a:fld>
             <a:endParaRPr kumimoji="0" lang="en-US" sz="900" b="0" i="0" u="none" strike="noStrike" kern="1200" cap="none" spc="0" normalizeH="0" baseline="0" noProof="0" dirty="0">
               <a:ln>
@@ -27303,7 +26992,7 @@
           <p:cNvPr id="6" name="Slide Number Placeholder 5">
             <a:extLst>
               <a:ext uri="{FF2B5EF4-FFF2-40B4-BE49-F238E27FC236}">
-                <a16:creationId xmlns:a16="http://schemas.microsoft.com/office/drawing/2014/main" id="{4834C5F0-A903-424D-A084-4C8ECAB89D02}"/>
+                <a16:creationId xmlns:a16="http://schemas.microsoft.com/office/drawing/2014/main" id="{E0B1324D-1763-4B4E-BB3F-99C66477226E}"/>
               </a:ext>
             </a:extLst>
           </p:cNvPr>
@@ -27392,7 +27081,7 @@
           <p:cNvPr id="7" name="Footer Placeholder 6">
             <a:extLst>
               <a:ext uri="{FF2B5EF4-FFF2-40B4-BE49-F238E27FC236}">
-                <a16:creationId xmlns:a16="http://schemas.microsoft.com/office/drawing/2014/main" id="{E52335E0-F1D9-451C-AF8F-4212031B4C0E}"/>
+                <a16:creationId xmlns:a16="http://schemas.microsoft.com/office/drawing/2014/main" id="{1D4E3B63-4850-407B-8E3C-9B765FA0C2EF}"/>
               </a:ext>
             </a:extLst>
           </p:cNvPr>
@@ -27450,7 +27139,7 @@
     </p:spTree>
     <p:extLst>
       <p:ext uri="{BB962C8B-B14F-4D97-AF65-F5344CB8AC3E}">
-        <p14:creationId xmlns:p14="http://schemas.microsoft.com/office/powerpoint/2010/main" val="598819962"/>
+        <p14:creationId xmlns:p14="http://schemas.microsoft.com/office/powerpoint/2010/main" val="2257295258"/>
       </p:ext>
     </p:extLst>
   </p:cSld>
@@ -27500,11 +27189,11 @@
           <a:p>
             <a:r>
               <a:rPr lang="en-US" dirty="0"/>
-              <a:t>Python Language - </a:t>
+              <a:t>Python Language – </a:t>
             </a:r>
             <a:r>
               <a:rPr lang="en-US" i="1" dirty="0"/>
-              <a:t>Testing</a:t>
+              <a:t>print function</a:t>
             </a:r>
           </a:p>
         </p:txBody>
@@ -27533,122 +27222,160 @@
           <a:lstStyle/>
           <a:p>
             <a:r>
+              <a:rPr lang="en-US" sz="3600" dirty="0"/>
+              <a:t>Prints one or more values</a:t>
+            </a:r>
+          </a:p>
+          <a:p>
+            <a:r>
+              <a:rPr lang="en-US" sz="3600" dirty="0"/>
+              <a:t>Separate values by commas </a:t>
+            </a:r>
+            <a:r>
+              <a:rPr lang="en-US" sz="3600" b="1" dirty="0"/>
+              <a:t>(,)</a:t>
+            </a:r>
+          </a:p>
+          <a:p>
+            <a:pPr marL="800100" lvl="2" indent="0">
+              <a:buNone/>
+            </a:pPr>
+            <a:r>
               <a:rPr lang="en-US" sz="3600" dirty="0">
                 <a:solidFill>
-                  <a:schemeClr val="accent4"/>
-                </a:solidFill>
-              </a:rPr>
-              <a:t>if</a:t>
-            </a:r>
-            <a:r>
-              <a:rPr lang="en-US" sz="3600" dirty="0"/>
-              <a:t>   </a:t>
-            </a:r>
-            <a:r>
-              <a:rPr lang="en-US" sz="3600" i="1" dirty="0"/>
-              <a:t>condition</a:t>
-            </a:r>
-            <a:r>
-              <a:rPr lang="en-US" sz="3600" dirty="0"/>
-              <a:t>   :</a:t>
-            </a:r>
-          </a:p>
-          <a:p>
-            <a:pPr marL="800100" lvl="2" indent="0">
-              <a:buNone/>
-            </a:pPr>
-            <a:r>
-              <a:rPr lang="en-US" sz="3600" dirty="0"/>
-              <a:t>One or more </a:t>
-            </a:r>
-            <a:r>
-              <a:rPr lang="en-US" sz="3600" b="1" dirty="0"/>
-              <a:t>indented</a:t>
-            </a:r>
-            <a:r>
-              <a:rPr lang="en-US" sz="3600" dirty="0"/>
-              <a:t> lines</a:t>
-            </a:r>
-          </a:p>
-          <a:p>
-            <a:pPr marL="400050" lvl="1" indent="0">
-              <a:buNone/>
-            </a:pPr>
-            <a:r>
-              <a:rPr lang="en-US" sz="2800" dirty="0">
-                <a:solidFill>
-                  <a:schemeClr val="accent4"/>
+                  <a:srgbClr val="7030A0"/>
                 </a:solidFill>
                 <a:latin typeface="Courier New" panose="02070309020205020404" pitchFamily="49" charset="0"/>
                 <a:cs typeface="Courier New" panose="02070309020205020404" pitchFamily="49" charset="0"/>
               </a:rPr>
-              <a:t>if</a:t>
-            </a:r>
-            <a:r>
-              <a:rPr lang="en-US" sz="2800" dirty="0">
+              <a:t>print</a:t>
+            </a:r>
+            <a:r>
+              <a:rPr lang="en-US" sz="3600" dirty="0">
                 <a:latin typeface="Courier New" panose="02070309020205020404" pitchFamily="49" charset="0"/>
                 <a:cs typeface="Courier New" panose="02070309020205020404" pitchFamily="49" charset="0"/>
               </a:rPr>
-              <a:t> value &gt; max_value:</a:t>
-            </a:r>
-          </a:p>
-          <a:p>
-            <a:pPr marL="400050" lvl="1" indent="0">
-              <a:buNone/>
-            </a:pPr>
-            <a:r>
-              <a:rPr lang="en-US" sz="2800" dirty="0">
+              <a:t>(</a:t>
+            </a:r>
+            <a:r>
+              <a:rPr lang="en-US" sz="3600" dirty="0"/>
+              <a:t>"</a:t>
+            </a:r>
+            <a:r>
+              <a:rPr lang="en-US" sz="3600" dirty="0">
                 <a:latin typeface="Courier New" panose="02070309020205020404" pitchFamily="49" charset="0"/>
                 <a:cs typeface="Courier New" panose="02070309020205020404" pitchFamily="49" charset="0"/>
               </a:rPr>
-              <a:t>		</a:t>
-            </a:r>
-            <a:r>
-              <a:rPr lang="en-US" sz="2800" dirty="0">
-                <a:solidFill>
-                  <a:srgbClr val="7030A0"/>
-                </a:solidFill>
+              <a:t>Hello</a:t>
+            </a:r>
+            <a:r>
+              <a:rPr lang="en-US" sz="3600" dirty="0"/>
+              <a:t>"</a:t>
+            </a:r>
+            <a:r>
+              <a:rPr lang="en-US" sz="3600" dirty="0">
                 <a:latin typeface="Courier New" panose="02070309020205020404" pitchFamily="49" charset="0"/>
                 <a:cs typeface="Courier New" panose="02070309020205020404" pitchFamily="49" charset="0"/>
               </a:rPr>
-              <a:t>print</a:t>
-            </a:r>
-            <a:r>
-              <a:rPr lang="en-US" sz="2800" dirty="0">
+              <a:t>)</a:t>
+            </a:r>
+          </a:p>
+          <a:p>
+            <a:pPr marL="800100" lvl="2" indent="0">
+              <a:buNone/>
+            </a:pPr>
+            <a:r>
+              <a:rPr lang="en-US" sz="3600" dirty="0">
+                <a:solidFill>
+                  <a:srgbClr val="7030A0"/>
+                </a:solidFill>
                 <a:latin typeface="Courier New" panose="02070309020205020404" pitchFamily="49" charset="0"/>
                 <a:cs typeface="Courier New" panose="02070309020205020404" pitchFamily="49" charset="0"/>
               </a:rPr>
-              <a:t>("value", value, " is big")</a:t>
-            </a:r>
-          </a:p>
-          <a:p>
-            <a:pPr marL="400050" lvl="1" indent="0">
-              <a:buNone/>
-            </a:pPr>
-            <a:r>
-              <a:rPr lang="en-US" sz="2800" dirty="0">
+              <a:t>print</a:t>
+            </a:r>
+            <a:r>
+              <a:rPr lang="en-US" sz="3600" dirty="0">
                 <a:latin typeface="Courier New" panose="02070309020205020404" pitchFamily="49" charset="0"/>
                 <a:cs typeface="Courier New" panose="02070309020205020404" pitchFamily="49" charset="0"/>
               </a:rPr>
-              <a:t>		</a:t>
-            </a:r>
-            <a:r>
-              <a:rPr lang="en-US" sz="2800" dirty="0">
-                <a:solidFill>
-                  <a:srgbClr val="7030A0"/>
-                </a:solidFill>
+              <a:t>(</a:t>
+            </a:r>
+            <a:r>
+              <a:rPr lang="en-US" sz="3600" dirty="0"/>
+              <a:t>"</a:t>
+            </a:r>
+            <a:r>
+              <a:rPr lang="en-US" sz="3600" dirty="0">
                 <a:latin typeface="Courier New" panose="02070309020205020404" pitchFamily="49" charset="0"/>
                 <a:cs typeface="Courier New" panose="02070309020205020404" pitchFamily="49" charset="0"/>
               </a:rPr>
-              <a:t>print</a:t>
-            </a:r>
-            <a:r>
-              <a:rPr lang="en-US" sz="2800" dirty="0">
+              <a:t>value: </a:t>
+            </a:r>
+            <a:r>
+              <a:rPr lang="en-US" sz="3600" dirty="0"/>
+              <a:t>"</a:t>
+            </a:r>
+            <a:r>
+              <a:rPr lang="en-US" sz="3600" dirty="0">
                 <a:latin typeface="Courier New" panose="02070309020205020404" pitchFamily="49" charset="0"/>
                 <a:cs typeface="Courier New" panose="02070309020205020404" pitchFamily="49" charset="0"/>
               </a:rPr>
-              <a:t>("Try less than", max_value)</a:t>
-            </a:r>
+              <a:t>, 10)</a:t>
+            </a:r>
+          </a:p>
+          <a:p>
+            <a:pPr marL="800100" lvl="2" indent="0">
+              <a:buNone/>
+            </a:pPr>
+            <a:r>
+              <a:rPr lang="en-US" sz="3600" dirty="0">
+                <a:solidFill>
+                  <a:srgbClr val="7030A0"/>
+                </a:solidFill>
+                <a:latin typeface="Courier New" panose="02070309020205020404" pitchFamily="49" charset="0"/>
+                <a:cs typeface="Courier New" panose="02070309020205020404" pitchFamily="49" charset="0"/>
+              </a:rPr>
+              <a:t>print</a:t>
+            </a:r>
+            <a:r>
+              <a:rPr lang="en-US" sz="3600" dirty="0">
+                <a:latin typeface="Courier New" panose="02070309020205020404" pitchFamily="49" charset="0"/>
+                <a:cs typeface="Courier New" panose="02070309020205020404" pitchFamily="49" charset="0"/>
+              </a:rPr>
+              <a:t>(</a:t>
+            </a:r>
+            <a:r>
+              <a:rPr lang="en-US" sz="3600" dirty="0"/>
+              <a:t>"</a:t>
+            </a:r>
+            <a:r>
+              <a:rPr lang="en-US" sz="3600" dirty="0">
+                <a:latin typeface="Courier New" panose="02070309020205020404" pitchFamily="49" charset="0"/>
+                <a:cs typeface="Courier New" panose="02070309020205020404" pitchFamily="49" charset="0"/>
+              </a:rPr>
+              <a:t>Maximum: </a:t>
+            </a:r>
+            <a:r>
+              <a:rPr lang="en-US" sz="3600" dirty="0"/>
+              <a:t>"</a:t>
+            </a:r>
+            <a:r>
+              <a:rPr lang="en-US" sz="3600" dirty="0">
+                <a:latin typeface="Courier New" panose="02070309020205020404" pitchFamily="49" charset="0"/>
+                <a:cs typeface="Courier New" panose="02070309020205020404" pitchFamily="49" charset="0"/>
+              </a:rPr>
+              <a:t>, max)</a:t>
+            </a:r>
+          </a:p>
+          <a:p>
+            <a:pPr marL="800100" lvl="2" indent="0">
+              <a:buNone/>
+            </a:pPr>
+            <a:endParaRPr lang="en-US" sz="3200" b="1" dirty="0">
+              <a:latin typeface="Courier New" panose="02070309020205020404" pitchFamily="49" charset="0"/>
+              <a:cs typeface="Courier New" panose="02070309020205020404" pitchFamily="49" charset="0"/>
+            </a:endParaRPr>
           </a:p>
           <a:p>
             <a:endParaRPr lang="en-US" dirty="0"/>
@@ -27660,7 +27387,7 @@
           <p:cNvPr id="4" name="Date Placeholder 3">
             <a:extLst>
               <a:ext uri="{FF2B5EF4-FFF2-40B4-BE49-F238E27FC236}">
-                <a16:creationId xmlns:a16="http://schemas.microsoft.com/office/drawing/2014/main" id="{CC17335C-B87B-43F2-9E3E-7CFEA5F993D9}"/>
+                <a16:creationId xmlns:a16="http://schemas.microsoft.com/office/drawing/2014/main" id="{9B179690-DF9C-44F2-AAFD-69F1D2CB6161}"/>
               </a:ext>
             </a:extLst>
           </p:cNvPr>
@@ -27693,7 +27420,7 @@
               <a:tabLst/>
               <a:defRPr/>
             </a:pPr>
-            <a:fld id="{511DCA66-61A3-46A5-A102-0557E69789BF}" type="datetime1">
+            <a:fld id="{C880AC0F-142E-4BD1-B5DE-2C1EB2FC1D07}" type="datetime1">
               <a:rPr kumimoji="0" lang="en-US" sz="900" b="0" i="0" u="none" strike="noStrike" kern="1200" cap="none" spc="0" normalizeH="0" baseline="0" noProof="0" smtClean="0">
                 <a:ln>
                   <a:noFill/>
@@ -27727,7 +27454,7 @@
                 <a:tabLst/>
                 <a:defRPr/>
               </a:pPr>
-              <a:t>2/25/2022</a:t>
+              <a:t>6/30/2022</a:t>
             </a:fld>
             <a:endParaRPr kumimoji="0" lang="en-US" sz="900" b="0" i="0" u="none" strike="noStrike" kern="1200" cap="none" spc="0" normalizeH="0" baseline="0" noProof="0" dirty="0">
               <a:ln>
@@ -27753,7 +27480,7 @@
           <p:cNvPr id="6" name="Slide Number Placeholder 5">
             <a:extLst>
               <a:ext uri="{FF2B5EF4-FFF2-40B4-BE49-F238E27FC236}">
-                <a16:creationId xmlns:a16="http://schemas.microsoft.com/office/drawing/2014/main" id="{F358AEB3-DDF5-4B15-9DBB-7D777324396A}"/>
+                <a16:creationId xmlns:a16="http://schemas.microsoft.com/office/drawing/2014/main" id="{4834C5F0-A903-424D-A084-4C8ECAB89D02}"/>
               </a:ext>
             </a:extLst>
           </p:cNvPr>
@@ -27842,7 +27569,7 @@
           <p:cNvPr id="7" name="Footer Placeholder 6">
             <a:extLst>
               <a:ext uri="{FF2B5EF4-FFF2-40B4-BE49-F238E27FC236}">
-                <a16:creationId xmlns:a16="http://schemas.microsoft.com/office/drawing/2014/main" id="{F32DD50D-EAB2-4209-ACD4-EEF4B6AC3433}"/>
+                <a16:creationId xmlns:a16="http://schemas.microsoft.com/office/drawing/2014/main" id="{E52335E0-F1D9-451C-AF8F-4212031B4C0E}"/>
               </a:ext>
             </a:extLst>
           </p:cNvPr>
@@ -27900,7 +27627,7 @@
     </p:spTree>
     <p:extLst>
       <p:ext uri="{BB962C8B-B14F-4D97-AF65-F5344CB8AC3E}">
-        <p14:creationId xmlns:p14="http://schemas.microsoft.com/office/powerpoint/2010/main" val="133111572"/>
+        <p14:creationId xmlns:p14="http://schemas.microsoft.com/office/powerpoint/2010/main" val="598819962"/>
       </p:ext>
     </p:extLst>
   </p:cSld>
@@ -27950,11 +27677,11 @@
           <a:p>
             <a:r>
               <a:rPr lang="en-US" dirty="0"/>
-              <a:t>Python Language – </a:t>
+              <a:t>Python Language - </a:t>
             </a:r>
             <a:r>
               <a:rPr lang="en-US" i="1" dirty="0"/>
-              <a:t>Looping - while</a:t>
+              <a:t>Testing</a:t>
             </a:r>
           </a:p>
         </p:txBody>
@@ -27978,7 +27705,7 @@
         <p:spPr/>
         <p:txBody>
           <a:bodyPr>
-            <a:normAutofit lnSpcReduction="10000"/>
+            <a:normAutofit/>
           </a:bodyPr>
           <a:lstStyle/>
           <a:p>
@@ -27988,14 +27715,14 @@
                   <a:schemeClr val="accent4"/>
                 </a:solidFill>
               </a:rPr>
-              <a:t>while</a:t>
+              <a:t>if</a:t>
             </a:r>
             <a:r>
               <a:rPr lang="en-US" sz="3600" dirty="0"/>
               <a:t>   </a:t>
             </a:r>
             <a:r>
-              <a:rPr lang="en-US" sz="2800" i="1" dirty="0"/>
+              <a:rPr lang="en-US" sz="3600" i="1" dirty="0"/>
               <a:t>condition</a:t>
             </a:r>
             <a:r>
@@ -28004,26 +27731,20 @@
             </a:r>
           </a:p>
           <a:p>
-            <a:r>
-              <a:rPr lang="en-US" sz="3200" i="1" dirty="0"/>
-              <a:t>One or more statements indented</a:t>
-            </a:r>
-          </a:p>
-          <a:p>
             <a:pPr marL="800100" lvl="2" indent="0">
               <a:buNone/>
             </a:pPr>
             <a:r>
-              <a:rPr lang="en-US" sz="3200" i="1" dirty="0"/>
-              <a:t>to the </a:t>
-            </a:r>
-            <a:r>
-              <a:rPr lang="en-US" sz="3200" b="1" i="1" dirty="0"/>
-              <a:t>SAME</a:t>
-            </a:r>
-            <a:r>
-              <a:rPr lang="en-US" sz="3200" i="1" dirty="0"/>
-              <a:t> indentation</a:t>
+              <a:rPr lang="en-US" sz="3600" dirty="0"/>
+              <a:t>One or more </a:t>
+            </a:r>
+            <a:r>
+              <a:rPr lang="en-US" sz="3600" b="1" dirty="0"/>
+              <a:t>indented</a:t>
+            </a:r>
+            <a:r>
+              <a:rPr lang="en-US" sz="3600" dirty="0"/>
+              <a:t> lines</a:t>
             </a:r>
           </a:p>
           <a:p>
@@ -28038,70 +27759,72 @@
                 <a:latin typeface="Courier New" panose="02070309020205020404" pitchFamily="49" charset="0"/>
                 <a:cs typeface="Courier New" panose="02070309020205020404" pitchFamily="49" charset="0"/>
               </a:rPr>
-              <a:t>while</a:t>
+              <a:t>if</a:t>
             </a:r>
             <a:r>
               <a:rPr lang="en-US" sz="2800" dirty="0">
                 <a:latin typeface="Courier New" panose="02070309020205020404" pitchFamily="49" charset="0"/>
                 <a:cs typeface="Courier New" panose="02070309020205020404" pitchFamily="49" charset="0"/>
               </a:rPr>
-              <a:t> value &lt; max_value:</a:t>
-            </a:r>
-          </a:p>
-          <a:p>
-            <a:pPr marL="800100" lvl="2" indent="0">
+              <a:t> value &gt; max_value:</a:t>
+            </a:r>
+          </a:p>
+          <a:p>
+            <a:pPr marL="400050" lvl="1" indent="0">
               <a:buNone/>
             </a:pPr>
-            <a:r>
-              <a:rPr lang="en-US" sz="2600" dirty="0">
-                <a:solidFill>
-                  <a:srgbClr val="7030A0"/>
-                </a:solidFill>
-                <a:latin typeface="Courier New" panose="02070309020205020404" pitchFamily="49" charset="0"/>
-                <a:cs typeface="Courier New" panose="02070309020205020404" pitchFamily="49" charset="0"/>
-              </a:rPr>
-              <a:t>print</a:t>
-            </a:r>
-            <a:r>
-              <a:rPr lang="en-US" sz="2600" dirty="0">
-                <a:latin typeface="Courier New" panose="02070309020205020404" pitchFamily="49" charset="0"/>
-                <a:cs typeface="Courier New" panose="02070309020205020404" pitchFamily="49" charset="0"/>
-              </a:rPr>
-              <a:t>("value ", value, " is OK")</a:t>
-            </a:r>
-          </a:p>
-          <a:p>
-            <a:pPr marL="800100" lvl="2" indent="0">
-              <a:buNone/>
-            </a:pPr>
-            <a:r>
-              <a:rPr lang="en-US" sz="2600" dirty="0">
-                <a:latin typeface="Courier New" panose="02070309020205020404" pitchFamily="49" charset="0"/>
-                <a:cs typeface="Courier New" panose="02070309020205020404" pitchFamily="49" charset="0"/>
-              </a:rPr>
-              <a:t>value = value + 10</a:t>
-            </a:r>
-          </a:p>
-          <a:p>
-            <a:pPr marL="400050" lvl="1" indent="0">
-              <a:buNone/>
-            </a:pPr>
-            <a:r>
-              <a:rPr lang="en-US" sz="2800" dirty="0">
-                <a:solidFill>
-                  <a:srgbClr val="7030A0"/>
-                </a:solidFill>
-                <a:latin typeface="Courier New" panose="02070309020205020404" pitchFamily="49" charset="0"/>
-                <a:cs typeface="Courier New" panose="02070309020205020404" pitchFamily="49" charset="0"/>
-              </a:rPr>
-              <a:t>print</a:t>
-            </a:r>
             <a:r>
               <a:rPr lang="en-US" sz="2800" dirty="0">
                 <a:latin typeface="Courier New" panose="02070309020205020404" pitchFamily="49" charset="0"/>
                 <a:cs typeface="Courier New" panose="02070309020205020404" pitchFamily="49" charset="0"/>
               </a:rPr>
-              <a:t>("value is now", value)</a:t>
+              <a:t>		</a:t>
+            </a:r>
+            <a:r>
+              <a:rPr lang="en-US" sz="2800" dirty="0">
+                <a:solidFill>
+                  <a:srgbClr val="7030A0"/>
+                </a:solidFill>
+                <a:latin typeface="Courier New" panose="02070309020205020404" pitchFamily="49" charset="0"/>
+                <a:cs typeface="Courier New" panose="02070309020205020404" pitchFamily="49" charset="0"/>
+              </a:rPr>
+              <a:t>print</a:t>
+            </a:r>
+            <a:r>
+              <a:rPr lang="en-US" sz="2800" dirty="0">
+                <a:latin typeface="Courier New" panose="02070309020205020404" pitchFamily="49" charset="0"/>
+                <a:cs typeface="Courier New" panose="02070309020205020404" pitchFamily="49" charset="0"/>
+              </a:rPr>
+              <a:t>("value", value, " is big")</a:t>
+            </a:r>
+          </a:p>
+          <a:p>
+            <a:pPr marL="400050" lvl="1" indent="0">
+              <a:buNone/>
+            </a:pPr>
+            <a:r>
+              <a:rPr lang="en-US" sz="2800" dirty="0">
+                <a:latin typeface="Courier New" panose="02070309020205020404" pitchFamily="49" charset="0"/>
+                <a:cs typeface="Courier New" panose="02070309020205020404" pitchFamily="49" charset="0"/>
+              </a:rPr>
+              <a:t>		</a:t>
+            </a:r>
+            <a:r>
+              <a:rPr lang="en-US" sz="2800" dirty="0">
+                <a:solidFill>
+                  <a:srgbClr val="7030A0"/>
+                </a:solidFill>
+                <a:latin typeface="Courier New" panose="02070309020205020404" pitchFamily="49" charset="0"/>
+                <a:cs typeface="Courier New" panose="02070309020205020404" pitchFamily="49" charset="0"/>
+              </a:rPr>
+              <a:t>print</a:t>
+            </a:r>
+            <a:r>
+              <a:rPr lang="en-US" sz="2800" dirty="0">
+                <a:latin typeface="Courier New" panose="02070309020205020404" pitchFamily="49" charset="0"/>
+                <a:cs typeface="Courier New" panose="02070309020205020404" pitchFamily="49" charset="0"/>
+              </a:rPr>
+              <a:t>("Try less than", max_value)</a:t>
             </a:r>
           </a:p>
           <a:p>
@@ -28114,7 +27837,7 @@
           <p:cNvPr id="4" name="Date Placeholder 3">
             <a:extLst>
               <a:ext uri="{FF2B5EF4-FFF2-40B4-BE49-F238E27FC236}">
-                <a16:creationId xmlns:a16="http://schemas.microsoft.com/office/drawing/2014/main" id="{0428DDDE-9884-4813-8B10-09CDA7434212}"/>
+                <a16:creationId xmlns:a16="http://schemas.microsoft.com/office/drawing/2014/main" id="{CC17335C-B87B-43F2-9E3E-7CFEA5F993D9}"/>
               </a:ext>
             </a:extLst>
           </p:cNvPr>
@@ -28147,7 +27870,7 @@
               <a:tabLst/>
               <a:defRPr/>
             </a:pPr>
-            <a:fld id="{13FA9525-5BAF-4C08-8086-C4599FF3B825}" type="datetime1">
+            <a:fld id="{511DCA66-61A3-46A5-A102-0557E69789BF}" type="datetime1">
               <a:rPr kumimoji="0" lang="en-US" sz="900" b="0" i="0" u="none" strike="noStrike" kern="1200" cap="none" spc="0" normalizeH="0" baseline="0" noProof="0" smtClean="0">
                 <a:ln>
                   <a:noFill/>
@@ -28181,7 +27904,7 @@
                 <a:tabLst/>
                 <a:defRPr/>
               </a:pPr>
-              <a:t>2/25/2022</a:t>
+              <a:t>6/30/2022</a:t>
             </a:fld>
             <a:endParaRPr kumimoji="0" lang="en-US" sz="900" b="0" i="0" u="none" strike="noStrike" kern="1200" cap="none" spc="0" normalizeH="0" baseline="0" noProof="0" dirty="0">
               <a:ln>
@@ -28207,7 +27930,7 @@
           <p:cNvPr id="6" name="Slide Number Placeholder 5">
             <a:extLst>
               <a:ext uri="{FF2B5EF4-FFF2-40B4-BE49-F238E27FC236}">
-                <a16:creationId xmlns:a16="http://schemas.microsoft.com/office/drawing/2014/main" id="{481E99A1-C978-41C7-B81D-4759C049143D}"/>
+                <a16:creationId xmlns:a16="http://schemas.microsoft.com/office/drawing/2014/main" id="{F358AEB3-DDF5-4B15-9DBB-7D777324396A}"/>
               </a:ext>
             </a:extLst>
           </p:cNvPr>
@@ -28296,7 +28019,7 @@
           <p:cNvPr id="7" name="Footer Placeholder 6">
             <a:extLst>
               <a:ext uri="{FF2B5EF4-FFF2-40B4-BE49-F238E27FC236}">
-                <a16:creationId xmlns:a16="http://schemas.microsoft.com/office/drawing/2014/main" id="{2003FCC3-AEC8-448E-AC87-0B52012CE299}"/>
+                <a16:creationId xmlns:a16="http://schemas.microsoft.com/office/drawing/2014/main" id="{F32DD50D-EAB2-4209-ACD4-EEF4B6AC3433}"/>
               </a:ext>
             </a:extLst>
           </p:cNvPr>
@@ -28354,7 +28077,7 @@
     </p:spTree>
     <p:extLst>
       <p:ext uri="{BB962C8B-B14F-4D97-AF65-F5344CB8AC3E}">
-        <p14:creationId xmlns:p14="http://schemas.microsoft.com/office/powerpoint/2010/main" val="2195378439"/>
+        <p14:creationId xmlns:p14="http://schemas.microsoft.com/office/powerpoint/2010/main" val="133111572"/>
       </p:ext>
     </p:extLst>
   </p:cSld>
@@ -28408,7 +28131,7 @@
             </a:r>
             <a:r>
               <a:rPr lang="en-US" i="1" dirty="0"/>
-              <a:t>Looping - for</a:t>
+              <a:t>Looping - while</a:t>
             </a:r>
           </a:p>
         </p:txBody>
@@ -28432,7 +28155,7 @@
         <p:spPr/>
         <p:txBody>
           <a:bodyPr>
-            <a:normAutofit/>
+            <a:normAutofit lnSpcReduction="10000"/>
           </a:bodyPr>
           <a:lstStyle/>
           <a:p>
@@ -28442,37 +28165,22 @@
                   <a:schemeClr val="accent4"/>
                 </a:solidFill>
               </a:rPr>
-              <a:t>for</a:t>
+              <a:t>while</a:t>
             </a:r>
             <a:r>
               <a:rPr lang="en-US" sz="3600" dirty="0"/>
-              <a:t> </a:t>
+              <a:t>   </a:t>
             </a:r>
             <a:r>
               <a:rPr lang="en-US" sz="2800" i="1" dirty="0"/>
-              <a:t>variable  </a:t>
-            </a:r>
-            <a:r>
-              <a:rPr lang="en-US" sz="2800" i="1" dirty="0">
-                <a:solidFill>
-                  <a:schemeClr val="accent4"/>
-                </a:solidFill>
-              </a:rPr>
-              <a:t>in</a:t>
-            </a:r>
-            <a:r>
-              <a:rPr lang="en-US" sz="2800" i="1" dirty="0"/>
-              <a:t> list</a:t>
+              <a:t>condition</a:t>
             </a:r>
             <a:r>
               <a:rPr lang="en-US" sz="3600" dirty="0"/>
-              <a:t>   “:”</a:t>
-            </a:r>
-          </a:p>
-          <a:p>
-            <a:pPr marL="800100" lvl="2" indent="0">
-              <a:buNone/>
-            </a:pPr>
+              <a:t>   :</a:t>
+            </a:r>
+          </a:p>
+          <a:p>
             <a:r>
               <a:rPr lang="en-US" sz="3200" i="1" dirty="0"/>
               <a:t>One or more statements indented</a:t>
@@ -28500,44 +28208,21 @@
               <a:buNone/>
             </a:pPr>
             <a:r>
-              <a:rPr lang="en-US" sz="2800" b="1" dirty="0">
-                <a:solidFill>
-                  <a:schemeClr val="accent5"/>
+              <a:rPr lang="en-US" sz="2800" dirty="0">
+                <a:solidFill>
+                  <a:schemeClr val="accent4"/>
                 </a:solidFill>
                 <a:latin typeface="Courier New" panose="02070309020205020404" pitchFamily="49" charset="0"/>
                 <a:cs typeface="Courier New" panose="02070309020205020404" pitchFamily="49" charset="0"/>
               </a:rPr>
-              <a:t>for</a:t>
+              <a:t>while</a:t>
             </a:r>
             <a:r>
               <a:rPr lang="en-US" sz="2800" dirty="0">
-                <a:solidFill>
-                  <a:schemeClr val="tx1"/>
-                </a:solidFill>
                 <a:latin typeface="Courier New" panose="02070309020205020404" pitchFamily="49" charset="0"/>
                 <a:cs typeface="Courier New" panose="02070309020205020404" pitchFamily="49" charset="0"/>
               </a:rPr>
-              <a:t> n in </a:t>
-            </a:r>
-            <a:r>
-              <a:rPr lang="en-US" sz="2800" b="1" dirty="0">
-                <a:solidFill>
-                  <a:schemeClr val="tx1"/>
-                </a:solidFill>
-                <a:latin typeface="Courier New" panose="02070309020205020404" pitchFamily="49" charset="0"/>
-                <a:cs typeface="Courier New" panose="02070309020205020404" pitchFamily="49" charset="0"/>
-              </a:rPr>
-              <a:t>range</a:t>
-            </a:r>
-            <a:r>
-              <a:rPr lang="en-US" sz="2800" dirty="0">
-                <a:solidFill>
-                  <a:schemeClr val="tx1"/>
-                </a:solidFill>
-                <a:latin typeface="Courier New" panose="02070309020205020404" pitchFamily="49" charset="0"/>
-                <a:cs typeface="Courier New" panose="02070309020205020404" pitchFamily="49" charset="0"/>
-              </a:rPr>
-              <a:t>(1,10+1):</a:t>
+              <a:t> value &lt; max_value:</a:t>
             </a:r>
           </a:p>
           <a:p>
@@ -28559,7 +28244,19 @@
                 <a:latin typeface="Courier New" panose="02070309020205020404" pitchFamily="49" charset="0"/>
                 <a:cs typeface="Courier New" panose="02070309020205020404" pitchFamily="49" charset="0"/>
               </a:rPr>
-              <a:t>("n:", n)</a:t>
+              <a:t>("value ", value, " is OK")</a:t>
+            </a:r>
+          </a:p>
+          <a:p>
+            <a:pPr marL="800100" lvl="2" indent="0">
+              <a:buNone/>
+            </a:pPr>
+            <a:r>
+              <a:rPr lang="en-US" sz="2600" dirty="0">
+                <a:latin typeface="Courier New" panose="02070309020205020404" pitchFamily="49" charset="0"/>
+                <a:cs typeface="Courier New" panose="02070309020205020404" pitchFamily="49" charset="0"/>
+              </a:rPr>
+              <a:t>value = value + 10</a:t>
             </a:r>
           </a:p>
           <a:p>
@@ -28581,7 +28278,7 @@
                 <a:latin typeface="Courier New" panose="02070309020205020404" pitchFamily="49" charset="0"/>
                 <a:cs typeface="Courier New" panose="02070309020205020404" pitchFamily="49" charset="0"/>
               </a:rPr>
-              <a:t>("n is now:", n)</a:t>
+              <a:t>("value is now", value)</a:t>
             </a:r>
           </a:p>
           <a:p>
@@ -28661,7 +28358,7 @@
                 <a:tabLst/>
                 <a:defRPr/>
               </a:pPr>
-              <a:t>2/25/2022</a:t>
+              <a:t>6/30/2022</a:t>
             </a:fld>
             <a:endParaRPr kumimoji="0" lang="en-US" sz="900" b="0" i="0" u="none" strike="noStrike" kern="1200" cap="none" spc="0" normalizeH="0" baseline="0" noProof="0" dirty="0">
               <a:ln>
@@ -28834,7 +28531,7 @@
     </p:spTree>
     <p:extLst>
       <p:ext uri="{BB962C8B-B14F-4D97-AF65-F5344CB8AC3E}">
-        <p14:creationId xmlns:p14="http://schemas.microsoft.com/office/powerpoint/2010/main" val="4150558426"/>
+        <p14:creationId xmlns:p14="http://schemas.microsoft.com/office/powerpoint/2010/main" val="2195378439"/>
       </p:ext>
     </p:extLst>
   </p:cSld>
@@ -28847,19 +28544,6 @@
 <file path=ppt/slides/slide37.xml><?xml version="1.0" encoding="utf-8"?>
 <p:sld xmlns:a="http://schemas.openxmlformats.org/drawingml/2006/main" xmlns:r="http://schemas.openxmlformats.org/officeDocument/2006/relationships" xmlns:p="http://schemas.openxmlformats.org/presentationml/2006/main">
   <p:cSld>
-    <p:bg>
-      <p:bgPr>
-        <a:pattFill prst="pct5">
-          <a:fgClr>
-            <a:schemeClr val="accent1"/>
-          </a:fgClr>
-          <a:bgClr>
-            <a:schemeClr val="bg1"/>
-          </a:bgClr>
-        </a:pattFill>
-        <a:effectLst/>
-      </p:bgPr>
-    </p:bg>
     <p:spTree>
       <p:nvGrpSpPr>
         <p:cNvPr id="1" name=""/>
@@ -28879,7 +28563,7 @@
           <p:cNvPr id="2" name="Title 1">
             <a:extLst>
               <a:ext uri="{FF2B5EF4-FFF2-40B4-BE49-F238E27FC236}">
-                <a16:creationId xmlns:a16="http://schemas.microsoft.com/office/drawing/2014/main" id="{AE22A21F-6AC4-4BE4-9E4C-5596992552FD}"/>
+                <a16:creationId xmlns:a16="http://schemas.microsoft.com/office/drawing/2014/main" id="{F2100053-B36E-4E25-BF3E-C1F0F5E43234}"/>
               </a:ext>
             </a:extLst>
           </p:cNvPr>
@@ -28901,9 +28585,8 @@
             </a:r>
             <a:r>
               <a:rPr lang="en-US" i="1" dirty="0"/>
-              <a:t>input function</a:t>
-            </a:r>
-            <a:endParaRPr lang="en-US" dirty="0"/>
+              <a:t>Looping - for</a:t>
+            </a:r>
           </a:p>
         </p:txBody>
       </p:sp>
@@ -28912,7 +28595,7 @@
           <p:cNvPr id="3" name="Content Placeholder 2">
             <a:extLst>
               <a:ext uri="{FF2B5EF4-FFF2-40B4-BE49-F238E27FC236}">
-                <a16:creationId xmlns:a16="http://schemas.microsoft.com/office/drawing/2014/main" id="{284925D5-23EB-4998-95B1-81DE6DF040D0}"/>
+                <a16:creationId xmlns:a16="http://schemas.microsoft.com/office/drawing/2014/main" id="{3FF25ADA-A4CD-40B9-8F61-E0365B4A319B}"/>
               </a:ext>
             </a:extLst>
           </p:cNvPr>
@@ -28926,13 +28609,67 @@
         <p:spPr/>
         <p:txBody>
           <a:bodyPr>
-            <a:normAutofit lnSpcReduction="10000"/>
+            <a:normAutofit/>
           </a:bodyPr>
           <a:lstStyle/>
           <a:p>
             <a:r>
+              <a:rPr lang="en-US" sz="3600" dirty="0">
+                <a:solidFill>
+                  <a:schemeClr val="accent4"/>
+                </a:solidFill>
+              </a:rPr>
+              <a:t>for</a:t>
+            </a:r>
+            <a:r>
               <a:rPr lang="en-US" sz="3600" dirty="0"/>
-              <a:t>Get user input</a:t>
+              <a:t> </a:t>
+            </a:r>
+            <a:r>
+              <a:rPr lang="en-US" sz="2800" i="1" dirty="0"/>
+              <a:t>variable  </a:t>
+            </a:r>
+            <a:r>
+              <a:rPr lang="en-US" sz="2800" i="1" dirty="0">
+                <a:solidFill>
+                  <a:schemeClr val="accent4"/>
+                </a:solidFill>
+              </a:rPr>
+              <a:t>in</a:t>
+            </a:r>
+            <a:r>
+              <a:rPr lang="en-US" sz="2800" i="1" dirty="0"/>
+              <a:t> list</a:t>
+            </a:r>
+            <a:r>
+              <a:rPr lang="en-US" sz="3600" dirty="0"/>
+              <a:t>   “:”</a:t>
+            </a:r>
+          </a:p>
+          <a:p>
+            <a:pPr marL="800100" lvl="2" indent="0">
+              <a:buNone/>
+            </a:pPr>
+            <a:r>
+              <a:rPr lang="en-US" sz="3200" i="1" dirty="0"/>
+              <a:t>One or more statements indented</a:t>
+            </a:r>
+          </a:p>
+          <a:p>
+            <a:pPr marL="800100" lvl="2" indent="0">
+              <a:buNone/>
+            </a:pPr>
+            <a:r>
+              <a:rPr lang="en-US" sz="3200" i="1" dirty="0"/>
+              <a:t>to the </a:t>
+            </a:r>
+            <a:r>
+              <a:rPr lang="en-US" sz="3200" b="1" i="1" dirty="0"/>
+              <a:t>SAME</a:t>
+            </a:r>
+            <a:r>
+              <a:rPr lang="en-US" sz="3200" i="1" dirty="0"/>
+              <a:t> indentation</a:t>
             </a:r>
           </a:p>
           <a:p>
@@ -28940,65 +28677,66 @@
               <a:buNone/>
             </a:pPr>
             <a:r>
-              <a:rPr lang="en-US" sz="3400" dirty="0">
+              <a:rPr lang="en-US" sz="2800" b="1" dirty="0">
+                <a:solidFill>
+                  <a:schemeClr val="accent5"/>
+                </a:solidFill>
                 <a:latin typeface="Courier New" panose="02070309020205020404" pitchFamily="49" charset="0"/>
                 <a:cs typeface="Courier New" panose="02070309020205020404" pitchFamily="49" charset="0"/>
               </a:rPr>
-              <a:t>inp = input()</a:t>
-            </a:r>
-          </a:p>
-          <a:p>
-            <a:pPr marL="457200" indent="-457200"/>
-            <a:r>
-              <a:rPr lang="en-US" sz="3600" dirty="0"/>
-              <a:t>Prompt user first</a:t>
-            </a:r>
-          </a:p>
-          <a:p>
-            <a:pPr marL="400050" lvl="1" indent="0">
-              <a:buNone/>
-            </a:pPr>
-            <a:r>
-              <a:rPr lang="en-US" sz="3400" dirty="0">
+              <a:t>for</a:t>
+            </a:r>
+            <a:r>
+              <a:rPr lang="en-US" sz="2800" dirty="0">
+                <a:solidFill>
+                  <a:schemeClr val="tx1"/>
+                </a:solidFill>
                 <a:latin typeface="Courier New" panose="02070309020205020404" pitchFamily="49" charset="0"/>
                 <a:cs typeface="Courier New" panose="02070309020205020404" pitchFamily="49" charset="0"/>
               </a:rPr>
-              <a:t>inp = input(</a:t>
-            </a:r>
-            <a:r>
-              <a:rPr lang="en-US" sz="3600" dirty="0">
+              <a:t> n in </a:t>
+            </a:r>
+            <a:r>
+              <a:rPr lang="en-US" sz="2800" b="1" dirty="0">
+                <a:solidFill>
+                  <a:schemeClr val="tx1"/>
+                </a:solidFill>
                 <a:latin typeface="Courier New" panose="02070309020205020404" pitchFamily="49" charset="0"/>
                 <a:cs typeface="Courier New" panose="02070309020205020404" pitchFamily="49" charset="0"/>
               </a:rPr>
-              <a:t>"</a:t>
-            </a:r>
-            <a:r>
-              <a:rPr lang="en-US" sz="3400" dirty="0">
+              <a:t>range</a:t>
+            </a:r>
+            <a:r>
+              <a:rPr lang="en-US" sz="2800" dirty="0">
+                <a:solidFill>
+                  <a:schemeClr val="tx1"/>
+                </a:solidFill>
                 <a:latin typeface="Courier New" panose="02070309020205020404" pitchFamily="49" charset="0"/>
                 <a:cs typeface="Courier New" panose="02070309020205020404" pitchFamily="49" charset="0"/>
               </a:rPr>
-              <a:t>Please enter:</a:t>
-            </a:r>
-            <a:r>
-              <a:rPr lang="en-US" sz="3600" dirty="0">
+              <a:t>(1,10+1):</a:t>
+            </a:r>
+          </a:p>
+          <a:p>
+            <a:pPr marL="800100" lvl="2" indent="0">
+              <a:buNone/>
+            </a:pPr>
+            <a:r>
+              <a:rPr lang="en-US" sz="2600" dirty="0">
+                <a:solidFill>
+                  <a:srgbClr val="7030A0"/>
+                </a:solidFill>
                 <a:latin typeface="Courier New" panose="02070309020205020404" pitchFamily="49" charset="0"/>
                 <a:cs typeface="Courier New" panose="02070309020205020404" pitchFamily="49" charset="0"/>
               </a:rPr>
-              <a:t>"</a:t>
-            </a:r>
-            <a:r>
-              <a:rPr lang="en-US" sz="3400" dirty="0">
+              <a:t>print</a:t>
+            </a:r>
+            <a:r>
+              <a:rPr lang="en-US" sz="2600" dirty="0">
                 <a:latin typeface="Courier New" panose="02070309020205020404" pitchFamily="49" charset="0"/>
                 <a:cs typeface="Courier New" panose="02070309020205020404" pitchFamily="49" charset="0"/>
               </a:rPr>
-              <a:t>)</a:t>
-            </a:r>
-          </a:p>
-          <a:p>
-            <a:pPr marL="457200" indent="-457200"/>
-            <a:r>
-              <a:rPr lang="en-US" sz="3600" dirty="0"/>
-              <a:t>Convert to Integer</a:t>
+              <a:t>("n:", n)</a:t>
             </a:r>
           </a:p>
           <a:p>
@@ -29006,21 +28744,34 @@
               <a:buNone/>
             </a:pPr>
             <a:r>
-              <a:rPr lang="en-US" sz="3600" dirty="0">
+              <a:rPr lang="en-US" sz="2800" dirty="0">
+                <a:solidFill>
+                  <a:srgbClr val="7030A0"/>
+                </a:solidFill>
                 <a:latin typeface="Courier New" panose="02070309020205020404" pitchFamily="49" charset="0"/>
                 <a:cs typeface="Courier New" panose="02070309020205020404" pitchFamily="49" charset="0"/>
               </a:rPr>
-              <a:t>nval = int(inp)</a:t>
-            </a:r>
-          </a:p>
-        </p:txBody>
-      </p:sp>
-      <p:sp>
-        <p:nvSpPr>
-          <p:cNvPr id="6" name="Date Placeholder 5">
+              <a:t>print</a:t>
+            </a:r>
+            <a:r>
+              <a:rPr lang="en-US" sz="2800" dirty="0">
+                <a:latin typeface="Courier New" panose="02070309020205020404" pitchFamily="49" charset="0"/>
+                <a:cs typeface="Courier New" panose="02070309020205020404" pitchFamily="49" charset="0"/>
+              </a:rPr>
+              <a:t>("n is now:", n)</a:t>
+            </a:r>
+          </a:p>
+          <a:p>
+            <a:endParaRPr lang="en-US" dirty="0"/>
+          </a:p>
+        </p:txBody>
+      </p:sp>
+      <p:sp>
+        <p:nvSpPr>
+          <p:cNvPr id="4" name="Date Placeholder 3">
             <a:extLst>
               <a:ext uri="{FF2B5EF4-FFF2-40B4-BE49-F238E27FC236}">
-                <a16:creationId xmlns:a16="http://schemas.microsoft.com/office/drawing/2014/main" id="{8F220DBF-FBF4-4FEE-8F39-7076A39C22B6}"/>
+                <a16:creationId xmlns:a16="http://schemas.microsoft.com/office/drawing/2014/main" id="{0428DDDE-9884-4813-8B10-09CDA7434212}"/>
               </a:ext>
             </a:extLst>
           </p:cNvPr>
@@ -29053,7 +28804,7 @@
               <a:tabLst/>
               <a:defRPr/>
             </a:pPr>
-            <a:fld id="{9A6CD480-3A8F-444C-A8A1-679DB6256CDA}" type="datetime1">
+            <a:fld id="{13FA9525-5BAF-4C08-8086-C4599FF3B825}" type="datetime1">
               <a:rPr kumimoji="0" lang="en-US" sz="900" b="0" i="0" u="none" strike="noStrike" kern="1200" cap="none" spc="0" normalizeH="0" baseline="0" noProof="0" smtClean="0">
                 <a:ln>
                   <a:noFill/>
@@ -29087,7 +28838,7 @@
                 <a:tabLst/>
                 <a:defRPr/>
               </a:pPr>
-              <a:t>2/25/2022</a:t>
+              <a:t>6/30/2022</a:t>
             </a:fld>
             <a:endParaRPr kumimoji="0" lang="en-US" sz="900" b="0" i="0" u="none" strike="noStrike" kern="1200" cap="none" spc="0" normalizeH="0" baseline="0" noProof="0" dirty="0">
               <a:ln>
@@ -29110,10 +28861,10 @@
       </p:sp>
       <p:sp>
         <p:nvSpPr>
-          <p:cNvPr id="8" name="Slide Number Placeholder 7">
+          <p:cNvPr id="6" name="Slide Number Placeholder 5">
             <a:extLst>
               <a:ext uri="{FF2B5EF4-FFF2-40B4-BE49-F238E27FC236}">
-                <a16:creationId xmlns:a16="http://schemas.microsoft.com/office/drawing/2014/main" id="{3380357D-3DF3-4D9A-B5E2-B9886A53408C}"/>
+                <a16:creationId xmlns:a16="http://schemas.microsoft.com/office/drawing/2014/main" id="{481E99A1-C978-41C7-B81D-4759C049143D}"/>
               </a:ext>
             </a:extLst>
           </p:cNvPr>
@@ -29199,10 +28950,10 @@
       </p:sp>
       <p:sp>
         <p:nvSpPr>
-          <p:cNvPr id="9" name="Footer Placeholder 8">
+          <p:cNvPr id="7" name="Footer Placeholder 6">
             <a:extLst>
               <a:ext uri="{FF2B5EF4-FFF2-40B4-BE49-F238E27FC236}">
-                <a16:creationId xmlns:a16="http://schemas.microsoft.com/office/drawing/2014/main" id="{4E0C2532-389C-4864-823B-205A74C17203}"/>
+                <a16:creationId xmlns:a16="http://schemas.microsoft.com/office/drawing/2014/main" id="{2003FCC3-AEC8-448E-AC87-0B52012CE299}"/>
               </a:ext>
             </a:extLst>
           </p:cNvPr>
@@ -29260,7 +29011,7 @@
     </p:spTree>
     <p:extLst>
       <p:ext uri="{BB962C8B-B14F-4D97-AF65-F5344CB8AC3E}">
-        <p14:creationId xmlns:p14="http://schemas.microsoft.com/office/powerpoint/2010/main" val="1183813075"/>
+        <p14:creationId xmlns:p14="http://schemas.microsoft.com/office/powerpoint/2010/main" val="4150558426"/>
       </p:ext>
     </p:extLst>
   </p:cSld>
@@ -29273,6 +29024,19 @@
 <file path=ppt/slides/slide38.xml><?xml version="1.0" encoding="utf-8"?>
 <p:sld xmlns:a="http://schemas.openxmlformats.org/drawingml/2006/main" xmlns:r="http://schemas.openxmlformats.org/officeDocument/2006/relationships" xmlns:p="http://schemas.openxmlformats.org/presentationml/2006/main">
   <p:cSld>
+    <p:bg>
+      <p:bgPr>
+        <a:pattFill prst="pct5">
+          <a:fgClr>
+            <a:schemeClr val="accent1"/>
+          </a:fgClr>
+          <a:bgClr>
+            <a:schemeClr val="bg1"/>
+          </a:bgClr>
+        </a:pattFill>
+        <a:effectLst/>
+      </p:bgPr>
+    </p:bg>
     <p:spTree>
       <p:nvGrpSpPr>
         <p:cNvPr id="1" name=""/>
@@ -29292,7 +29056,7 @@
           <p:cNvPr id="2" name="Title 1">
             <a:extLst>
               <a:ext uri="{FF2B5EF4-FFF2-40B4-BE49-F238E27FC236}">
-                <a16:creationId xmlns:a16="http://schemas.microsoft.com/office/drawing/2014/main" id="{3E6B1653-2537-42F1-98C9-005DFC393A5F}"/>
+                <a16:creationId xmlns:a16="http://schemas.microsoft.com/office/drawing/2014/main" id="{AE22A21F-6AC4-4BE4-9E4C-5596992552FD}"/>
               </a:ext>
             </a:extLst>
           </p:cNvPr>
@@ -29303,29 +29067,19 @@
             <p:ph type="title"/>
           </p:nvPr>
         </p:nvSpPr>
-        <p:spPr>
-          <a:xfrm>
-            <a:off x="677334" y="609600"/>
-            <a:ext cx="8596668" cy="853440"/>
-          </a:xfrm>
-        </p:spPr>
-        <p:txBody>
-          <a:bodyPr>
-            <a:normAutofit fontScale="90000"/>
-          </a:bodyPr>
+        <p:spPr/>
+        <p:txBody>
+          <a:bodyPr/>
           <a:lstStyle/>
           <a:p>
             <a:r>
               <a:rPr lang="en-US" dirty="0"/>
-              <a:t>Thinking of Iterations - </a:t>
-            </a:r>
-            <a:r>
-              <a:rPr lang="en-US" sz="3600" dirty="0"/>
-              <a:t>Show progress</a:t>
-            </a:r>
-            <a:br>
-              <a:rPr lang="en-US" sz="3600" dirty="0"/>
-            </a:br>
+              <a:t>Python Language – </a:t>
+            </a:r>
+            <a:r>
+              <a:rPr lang="en-US" i="1" dirty="0"/>
+              <a:t>input function</a:t>
+            </a:r>
             <a:endParaRPr lang="en-US" dirty="0"/>
           </a:p>
         </p:txBody>
@@ -29335,7 +29089,7 @@
           <p:cNvPr id="3" name="Content Placeholder 2">
             <a:extLst>
               <a:ext uri="{FF2B5EF4-FFF2-40B4-BE49-F238E27FC236}">
-                <a16:creationId xmlns:a16="http://schemas.microsoft.com/office/drawing/2014/main" id="{EBD602DA-1F3F-4CE1-B42C-7FBEFDFF8CF3}"/>
+                <a16:creationId xmlns:a16="http://schemas.microsoft.com/office/drawing/2014/main" id="{284925D5-23EB-4998-95B1-81DE6DF040D0}"/>
               </a:ext>
             </a:extLst>
           </p:cNvPr>
@@ -29346,84 +29100,104 @@
             <p:ph idx="1"/>
           </p:nvPr>
         </p:nvSpPr>
-        <p:spPr>
-          <a:xfrm>
-            <a:off x="677334" y="1645921"/>
-            <a:ext cx="8596668" cy="4395442"/>
-          </a:xfrm>
-        </p:spPr>
+        <p:spPr/>
         <p:txBody>
           <a:bodyPr>
-            <a:normAutofit/>
+            <a:normAutofit lnSpcReduction="10000"/>
           </a:bodyPr>
           <a:lstStyle/>
           <a:p>
             <a:r>
               <a:rPr lang="en-US" sz="3600" dirty="0"/>
-              <a:t>Think Features</a:t>
-            </a:r>
-          </a:p>
-          <a:p>
+              <a:t>Get user input</a:t>
+            </a:r>
+          </a:p>
+          <a:p>
+            <a:pPr marL="400050" lvl="1" indent="0">
+              <a:buNone/>
+            </a:pPr>
+            <a:r>
+              <a:rPr lang="en-US" sz="3400" dirty="0">
+                <a:latin typeface="Courier New" panose="02070309020205020404" pitchFamily="49" charset="0"/>
+                <a:cs typeface="Courier New" panose="02070309020205020404" pitchFamily="49" charset="0"/>
+              </a:rPr>
+              <a:t>inp = input()</a:t>
+            </a:r>
+          </a:p>
+          <a:p>
+            <a:pPr marL="457200" indent="-457200"/>
             <a:r>
               <a:rPr lang="en-US" sz="3600" dirty="0"/>
-              <a:t>Prioritize</a:t>
-            </a:r>
-          </a:p>
-          <a:p>
+              <a:t>Prompt user first</a:t>
+            </a:r>
+          </a:p>
+          <a:p>
+            <a:pPr marL="400050" lvl="1" indent="0">
+              <a:buNone/>
+            </a:pPr>
+            <a:r>
+              <a:rPr lang="en-US" sz="3400" dirty="0">
+                <a:latin typeface="Courier New" panose="02070309020205020404" pitchFamily="49" charset="0"/>
+                <a:cs typeface="Courier New" panose="02070309020205020404" pitchFamily="49" charset="0"/>
+              </a:rPr>
+              <a:t>inp = input(</a:t>
+            </a:r>
+            <a:r>
+              <a:rPr lang="en-US" sz="3600" dirty="0">
+                <a:latin typeface="Courier New" panose="02070309020205020404" pitchFamily="49" charset="0"/>
+                <a:cs typeface="Courier New" panose="02070309020205020404" pitchFamily="49" charset="0"/>
+              </a:rPr>
+              <a:t>"</a:t>
+            </a:r>
+            <a:r>
+              <a:rPr lang="en-US" sz="3400" dirty="0">
+                <a:latin typeface="Courier New" panose="02070309020205020404" pitchFamily="49" charset="0"/>
+                <a:cs typeface="Courier New" panose="02070309020205020404" pitchFamily="49" charset="0"/>
+              </a:rPr>
+              <a:t>Please enter:</a:t>
+            </a:r>
+            <a:r>
+              <a:rPr lang="en-US" sz="3600" dirty="0">
+                <a:latin typeface="Courier New" panose="02070309020205020404" pitchFamily="49" charset="0"/>
+                <a:cs typeface="Courier New" panose="02070309020205020404" pitchFamily="49" charset="0"/>
+              </a:rPr>
+              <a:t>"</a:t>
+            </a:r>
+            <a:r>
+              <a:rPr lang="en-US" sz="3400" dirty="0">
+                <a:latin typeface="Courier New" panose="02070309020205020404" pitchFamily="49" charset="0"/>
+                <a:cs typeface="Courier New" panose="02070309020205020404" pitchFamily="49" charset="0"/>
+              </a:rPr>
+              <a:t>)</a:t>
+            </a:r>
+          </a:p>
+          <a:p>
+            <a:pPr marL="457200" indent="-457200"/>
             <a:r>
               <a:rPr lang="en-US" sz="3600" dirty="0"/>
-              <a:t>Order most to least / easy to hard</a:t>
-            </a:r>
-          </a:p>
-          <a:p>
-            <a:r>
-              <a:rPr lang="en-US" sz="3600" dirty="0"/>
-              <a:t>Build to the next</a:t>
-            </a:r>
-          </a:p>
-          <a:p>
-            <a:r>
-              <a:rPr lang="en-US" sz="3600" dirty="0"/>
-              <a:t>Balance </a:t>
-            </a:r>
+              <a:t>Convert to Integer</a:t>
+            </a:r>
+          </a:p>
+          <a:p>
+            <a:pPr marL="400050" lvl="1" indent="0">
+              <a:buNone/>
+            </a:pPr>
             <a:r>
               <a:rPr lang="en-US" sz="3600" dirty="0">
-                <a:solidFill>
-                  <a:srgbClr val="FF0000"/>
-                </a:solidFill>
-              </a:rPr>
-              <a:t>Big Bang! </a:t>
-            </a:r>
-            <a:r>
-              <a:rPr lang="en-US" sz="3600" dirty="0"/>
-              <a:t>with </a:t>
-            </a:r>
-            <a:r>
-              <a:rPr lang="en-US" sz="3600" dirty="0">
-                <a:solidFill>
-                  <a:schemeClr val="accent2"/>
-                </a:solidFill>
-              </a:rPr>
-              <a:t>Show it NOW.</a:t>
-            </a:r>
-          </a:p>
-          <a:p>
-            <a:r>
-              <a:rPr lang="en-US" sz="3600" dirty="0"/>
-              <a:t>Show progress</a:t>
-            </a:r>
-          </a:p>
-          <a:p>
-            <a:endParaRPr lang="en-US" dirty="0"/>
-          </a:p>
-        </p:txBody>
-      </p:sp>
-      <p:sp>
-        <p:nvSpPr>
-          <p:cNvPr id="4" name="Date Placeholder 3">
+                <a:latin typeface="Courier New" panose="02070309020205020404" pitchFamily="49" charset="0"/>
+                <a:cs typeface="Courier New" panose="02070309020205020404" pitchFamily="49" charset="0"/>
+              </a:rPr>
+              <a:t>nval = int(inp)</a:t>
+            </a:r>
+          </a:p>
+        </p:txBody>
+      </p:sp>
+      <p:sp>
+        <p:nvSpPr>
+          <p:cNvPr id="6" name="Date Placeholder 5">
             <a:extLst>
               <a:ext uri="{FF2B5EF4-FFF2-40B4-BE49-F238E27FC236}">
-                <a16:creationId xmlns:a16="http://schemas.microsoft.com/office/drawing/2014/main" id="{4642BDAB-A64D-4F2D-A08E-F2E0718C4902}"/>
+                <a16:creationId xmlns:a16="http://schemas.microsoft.com/office/drawing/2014/main" id="{8F220DBF-FBF4-4FEE-8F39-7076A39C22B6}"/>
               </a:ext>
             </a:extLst>
           </p:cNvPr>
@@ -29456,7 +29230,7 @@
               <a:tabLst/>
               <a:defRPr/>
             </a:pPr>
-            <a:fld id="{A7119916-CD40-456D-ABE3-55F8822671F7}" type="datetime1">
+            <a:fld id="{9A6CD480-3A8F-444C-A8A1-679DB6256CDA}" type="datetime1">
               <a:rPr kumimoji="0" lang="en-US" sz="900" b="0" i="0" u="none" strike="noStrike" kern="1200" cap="none" spc="0" normalizeH="0" baseline="0" noProof="0" smtClean="0">
                 <a:ln>
                   <a:noFill/>
@@ -29490,7 +29264,7 @@
                 <a:tabLst/>
                 <a:defRPr/>
               </a:pPr>
-              <a:t>2/25/2022</a:t>
+              <a:t>6/30/2022</a:t>
             </a:fld>
             <a:endParaRPr kumimoji="0" lang="en-US" sz="900" b="0" i="0" u="none" strike="noStrike" kern="1200" cap="none" spc="0" normalizeH="0" baseline="0" noProof="0" dirty="0">
               <a:ln>
@@ -29513,70 +29287,10 @@
       </p:sp>
       <p:sp>
         <p:nvSpPr>
-          <p:cNvPr id="5" name="Footer Placeholder 4">
+          <p:cNvPr id="8" name="Slide Number Placeholder 7">
             <a:extLst>
               <a:ext uri="{FF2B5EF4-FFF2-40B4-BE49-F238E27FC236}">
-                <a16:creationId xmlns:a16="http://schemas.microsoft.com/office/drawing/2014/main" id="{DE5ACF2A-F4A3-4502-A730-6214DCB4C408}"/>
-              </a:ext>
-            </a:extLst>
-          </p:cNvPr>
-          <p:cNvSpPr>
-            <a:spLocks noGrp="1"/>
-          </p:cNvSpPr>
-          <p:nvPr>
-            <p:ph type="ftr" sz="quarter" idx="11"/>
-          </p:nvPr>
-        </p:nvSpPr>
-        <p:spPr/>
-        <p:txBody>
-          <a:bodyPr/>
-          <a:lstStyle/>
-          <a:p>
-            <a:pPr marL="0" marR="0" lvl="0" indent="0" algn="l" defTabSz="457200" rtl="0" eaLnBrk="1" fontAlgn="auto" latinLnBrk="0" hangingPunct="1">
-              <a:lnSpc>
-                <a:spcPct val="100000"/>
-              </a:lnSpc>
-              <a:spcBef>
-                <a:spcPts val="0"/>
-              </a:spcBef>
-              <a:spcAft>
-                <a:spcPts val="0"/>
-              </a:spcAft>
-              <a:buClrTx/>
-              <a:buSzTx/>
-              <a:buFontTx/>
-              <a:buNone/>
-              <a:tabLst/>
-              <a:defRPr/>
-            </a:pPr>
-            <a:r>
-              <a:rPr kumimoji="0" lang="en-US" sz="900" b="0" i="0" u="none" strike="noStrike" kern="1200" cap="none" spc="0" normalizeH="0" baseline="0" noProof="0" dirty="0">
-                <a:ln>
-                  <a:noFill/>
-                </a:ln>
-                <a:solidFill>
-                  <a:prstClr val="black">
-                    <a:tint val="75000"/>
-                  </a:prstClr>
-                </a:solidFill>
-                <a:effectLst/>
-                <a:uLnTx/>
-                <a:uFillTx/>
-                <a:latin typeface="Trebuchet MS" panose="020B0603020202020204"/>
-                <a:ea typeface="+mn-ea"/>
-                <a:cs typeface="+mn-cs"/>
-              </a:rPr>
-              <a:t>raysmith@alum.mit.edu</a:t>
-            </a:r>
-          </a:p>
-        </p:txBody>
-      </p:sp>
-      <p:sp>
-        <p:nvSpPr>
-          <p:cNvPr id="6" name="Slide Number Placeholder 5">
-            <a:extLst>
-              <a:ext uri="{FF2B5EF4-FFF2-40B4-BE49-F238E27FC236}">
-                <a16:creationId xmlns:a16="http://schemas.microsoft.com/office/drawing/2014/main" id="{4DBAB59E-70B2-472B-AF93-CEC7524794A2}"/>
+                <a16:creationId xmlns:a16="http://schemas.microsoft.com/office/drawing/2014/main" id="{3380357D-3DF3-4D9A-B5E2-B9886A53408C}"/>
               </a:ext>
             </a:extLst>
           </p:cNvPr>
@@ -29660,10 +29374,70 @@
           </a:p>
         </p:txBody>
       </p:sp>
+      <p:sp>
+        <p:nvSpPr>
+          <p:cNvPr id="9" name="Footer Placeholder 8">
+            <a:extLst>
+              <a:ext uri="{FF2B5EF4-FFF2-40B4-BE49-F238E27FC236}">
+                <a16:creationId xmlns:a16="http://schemas.microsoft.com/office/drawing/2014/main" id="{4E0C2532-389C-4864-823B-205A74C17203}"/>
+              </a:ext>
+            </a:extLst>
+          </p:cNvPr>
+          <p:cNvSpPr>
+            <a:spLocks noGrp="1"/>
+          </p:cNvSpPr>
+          <p:nvPr>
+            <p:ph type="ftr" sz="quarter" idx="11"/>
+          </p:nvPr>
+        </p:nvSpPr>
+        <p:spPr/>
+        <p:txBody>
+          <a:bodyPr/>
+          <a:lstStyle/>
+          <a:p>
+            <a:pPr marL="0" marR="0" lvl="0" indent="0" algn="l" defTabSz="457200" rtl="0" eaLnBrk="1" fontAlgn="auto" latinLnBrk="0" hangingPunct="1">
+              <a:lnSpc>
+                <a:spcPct val="100000"/>
+              </a:lnSpc>
+              <a:spcBef>
+                <a:spcPts val="0"/>
+              </a:spcBef>
+              <a:spcAft>
+                <a:spcPts val="0"/>
+              </a:spcAft>
+              <a:buClrTx/>
+              <a:buSzTx/>
+              <a:buFontTx/>
+              <a:buNone/>
+              <a:tabLst/>
+              <a:defRPr/>
+            </a:pPr>
+            <a:r>
+              <a:rPr kumimoji="0" lang="en-US" sz="900" b="0" i="0" u="none" strike="noStrike" kern="1200" cap="none" spc="0" normalizeH="0" baseline="0" noProof="0" dirty="0">
+                <a:ln>
+                  <a:noFill/>
+                </a:ln>
+                <a:solidFill>
+                  <a:prstClr val="black">
+                    <a:tint val="75000"/>
+                  </a:prstClr>
+                </a:solidFill>
+                <a:effectLst/>
+                <a:uLnTx/>
+                <a:uFillTx/>
+                <a:latin typeface="Trebuchet MS" panose="020B0603020202020204"/>
+                <a:ea typeface="+mn-ea"/>
+                <a:cs typeface="+mn-cs"/>
+              </a:rPr>
+              <a:t>raysmith@alum.mit.edu</a:t>
+            </a:r>
+          </a:p>
+        </p:txBody>
+      </p:sp>
     </p:spTree>
     <p:extLst>
       <p:ext uri="{BB962C8B-B14F-4D97-AF65-F5344CB8AC3E}">
-        <p14:creationId xmlns:p14="http://schemas.microsoft.com/office/powerpoint/2010/main" val="3201342107"/>
+        <p14:creationId xmlns:p14="http://schemas.microsoft.com/office/powerpoint/2010/main" val="1183813075"/>
       </p:ext>
     </p:extLst>
   </p:cSld>
@@ -29706,22 +29480,30 @@
             <p:ph type="title"/>
           </p:nvPr>
         </p:nvSpPr>
-        <p:spPr/>
-        <p:txBody>
-          <a:bodyPr/>
+        <p:spPr>
+          <a:xfrm>
+            <a:off x="677334" y="609600"/>
+            <a:ext cx="8596668" cy="853440"/>
+          </a:xfrm>
+        </p:spPr>
+        <p:txBody>
+          <a:bodyPr>
+            <a:normAutofit fontScale="90000"/>
+          </a:bodyPr>
           <a:lstStyle/>
           <a:p>
             <a:r>
               <a:rPr lang="en-US" dirty="0"/>
-              <a:t>Sample Program Iterations</a:t>
+              <a:t>Thinking of Iterations - </a:t>
+            </a:r>
+            <a:r>
+              <a:rPr lang="en-US" sz="3600" dirty="0"/>
+              <a:t>Show progress</a:t>
             </a:r>
             <a:br>
-              <a:rPr lang="en-US" dirty="0"/>
+              <a:rPr lang="en-US" sz="3600" dirty="0"/>
             </a:br>
-            <a:r>
-              <a:rPr lang="en-US" dirty="0"/>
-              <a:t>for Twenty Questions Project</a:t>
-            </a:r>
+            <a:endParaRPr lang="en-US" dirty="0"/>
           </a:p>
         </p:txBody>
       </p:sp>
@@ -29741,66 +29523,71 @@
             <p:ph idx="1"/>
           </p:nvPr>
         </p:nvSpPr>
-        <p:spPr/>
+        <p:spPr>
+          <a:xfrm>
+            <a:off x="677334" y="1645921"/>
+            <a:ext cx="8596668" cy="4395442"/>
+          </a:xfrm>
+        </p:spPr>
         <p:txBody>
           <a:bodyPr>
-            <a:normAutofit fontScale="25000" lnSpcReduction="20000"/>
+            <a:normAutofit/>
           </a:bodyPr>
           <a:lstStyle/>
           <a:p>
             <a:r>
-              <a:rPr lang="en-US" sz="14400" dirty="0">
-                <a:solidFill>
-                  <a:srgbClr val="0070C0"/>
-                </a:solidFill>
-              </a:rPr>
-              <a:t>First</a:t>
-            </a:r>
-            <a:r>
-              <a:rPr lang="en-US" sz="14400" dirty="0"/>
-              <a:t>:</a:t>
-            </a:r>
-          </a:p>
-          <a:p>
-            <a:pPr lvl="1"/>
-            <a:r>
-              <a:rPr lang="en-US" sz="14400" dirty="0"/>
-              <a:t>loop asking number</a:t>
-            </a:r>
-          </a:p>
-          <a:p>
-            <a:pPr lvl="1"/>
-            <a:r>
-              <a:rPr lang="en-US" sz="14400" dirty="0"/>
-              <a:t>print number entered</a:t>
-            </a:r>
-          </a:p>
-          <a:p>
-            <a:r>
-              <a:rPr lang="en-US" sz="14400" dirty="0">
-                <a:solidFill>
-                  <a:srgbClr val="0070C0"/>
-                </a:solidFill>
-              </a:rPr>
-              <a:t>Second</a:t>
-            </a:r>
-            <a:r>
-              <a:rPr lang="en-US" sz="14400" dirty="0"/>
-              <a:t>:</a:t>
-            </a:r>
-          </a:p>
-          <a:p>
-            <a:pPr lvl="1"/>
-            <a:r>
-              <a:rPr lang="en-US" sz="14400" dirty="0"/>
-              <a:t>Set target value</a:t>
-            </a:r>
-          </a:p>
-          <a:p>
-            <a:pPr lvl="1"/>
-            <a:r>
-              <a:rPr lang="en-US" sz="14400" dirty="0"/>
-              <a:t>Quit if number entered number equals target</a:t>
+              <a:rPr lang="en-US" sz="3600" dirty="0"/>
+              <a:t>Think Features</a:t>
+            </a:r>
+          </a:p>
+          <a:p>
+            <a:r>
+              <a:rPr lang="en-US" sz="3600" dirty="0"/>
+              <a:t>Prioritize</a:t>
+            </a:r>
+          </a:p>
+          <a:p>
+            <a:r>
+              <a:rPr lang="en-US" sz="3600" dirty="0"/>
+              <a:t>Order most to least / easy to hard</a:t>
+            </a:r>
+          </a:p>
+          <a:p>
+            <a:r>
+              <a:rPr lang="en-US" sz="3600" dirty="0"/>
+              <a:t>Build to the next</a:t>
+            </a:r>
+          </a:p>
+          <a:p>
+            <a:r>
+              <a:rPr lang="en-US" sz="3600" dirty="0"/>
+              <a:t>Balance </a:t>
+            </a:r>
+            <a:r>
+              <a:rPr lang="en-US" sz="3600" dirty="0">
+                <a:solidFill>
+                  <a:srgbClr val="FF0000"/>
+                </a:solidFill>
+              </a:rPr>
+              <a:t>Big Bang! </a:t>
+            </a:r>
+            <a:r>
+              <a:rPr lang="en-US" sz="3600" dirty="0"/>
+              <a:t>with </a:t>
+            </a:r>
+            <a:r>
+              <a:rPr lang="en-US" sz="3600" dirty="0">
+                <a:solidFill>
+                  <a:schemeClr val="accent2"/>
+                </a:solidFill>
+              </a:rPr>
+              <a:t>Show it NOW.</a:t>
+            </a:r>
+          </a:p>
+          <a:p>
+            <a:r>
+              <a:rPr lang="en-US" sz="3600" dirty="0"/>
+              <a:t>Show progress</a:t>
             </a:r>
           </a:p>
           <a:p>
@@ -29880,7 +29667,7 @@
                 <a:tabLst/>
                 <a:defRPr/>
               </a:pPr>
-              <a:t>2/25/2022</a:t>
+              <a:t>6/30/2022</a:t>
             </a:fld>
             <a:endParaRPr kumimoji="0" lang="en-US" sz="900" b="0" i="0" u="none" strike="noStrike" kern="1200" cap="none" spc="0" normalizeH="0" baseline="0" noProof="0" dirty="0">
               <a:ln>
@@ -30053,7 +29840,7 @@
     </p:spTree>
     <p:extLst>
       <p:ext uri="{BB962C8B-B14F-4D97-AF65-F5344CB8AC3E}">
-        <p14:creationId xmlns:p14="http://schemas.microsoft.com/office/powerpoint/2010/main" val="3268872424"/>
+        <p14:creationId xmlns:p14="http://schemas.microsoft.com/office/powerpoint/2010/main" val="3201342107"/>
       </p:ext>
     </p:extLst>
   </p:cSld>
@@ -30255,7 +30042,7 @@
                 <a:tabLst/>
                 <a:defRPr/>
               </a:pPr>
-              <a:t>2/25/2022</a:t>
+              <a:t>6/30/2022</a:t>
             </a:fld>
             <a:endParaRPr kumimoji="0" lang="en-US" sz="900" b="0" i="0" u="none" strike="noStrike" kern="1200" cap="none" spc="0" normalizeH="0" baseline="0" noProof="0" dirty="0">
               <a:ln>
@@ -30478,7 +30265,14 @@
           <a:p>
             <a:r>
               <a:rPr lang="en-US" dirty="0"/>
-              <a:t>Think of the Iterations - continued</a:t>
+              <a:t>Sample Program Iterations</a:t>
+            </a:r>
+            <a:br>
+              <a:rPr lang="en-US" dirty="0"/>
+            </a:br>
+            <a:r>
+              <a:rPr lang="en-US" dirty="0"/>
+              <a:t>for Twenty Questions Project</a:t>
             </a:r>
           </a:p>
         </p:txBody>
@@ -30512,11 +30306,25 @@
                   <a:srgbClr val="0070C0"/>
                 </a:solidFill>
               </a:rPr>
-              <a:t>Third</a:t>
+              <a:t>First</a:t>
             </a:r>
             <a:r>
               <a:rPr lang="en-US" sz="14400" dirty="0"/>
-              <a:t>: Say if greater, less or equal</a:t>
+              <a:t>:</a:t>
+            </a:r>
+          </a:p>
+          <a:p>
+            <a:pPr lvl="1"/>
+            <a:r>
+              <a:rPr lang="en-US" sz="14400" dirty="0"/>
+              <a:t>loop asking number</a:t>
+            </a:r>
+          </a:p>
+          <a:p>
+            <a:pPr lvl="1"/>
+            <a:r>
+              <a:rPr lang="en-US" sz="14400" dirty="0"/>
+              <a:t>print number entered</a:t>
             </a:r>
           </a:p>
           <a:p>
@@ -30526,57 +30334,26 @@
                   <a:srgbClr val="0070C0"/>
                 </a:solidFill>
               </a:rPr>
-              <a:t>Fourth</a:t>
+              <a:t>Second</a:t>
             </a:r>
             <a:r>
               <a:rPr lang="en-US" sz="14400" dirty="0"/>
-              <a:t>: Set target to random number</a:t>
-            </a:r>
-          </a:p>
-          <a:p>
-            <a:r>
-              <a:rPr lang="en-US" sz="14400" dirty="0">
-                <a:solidFill>
-                  <a:srgbClr val="0070C0"/>
-                </a:solidFill>
-              </a:rPr>
-              <a:t>Fifth</a:t>
-            </a:r>
+              <a:t>:</a:t>
+            </a:r>
+          </a:p>
+          <a:p>
+            <a:pPr lvl="1"/>
             <a:r>
               <a:rPr lang="en-US" sz="14400" dirty="0"/>
-              <a:t>: Say goals, rules before start, including "a number between…"</a:t>
-            </a:r>
-          </a:p>
-          <a:p>
-            <a:r>
-              <a:rPr lang="en-US" sz="14400" dirty="0">
-                <a:solidFill>
-                  <a:srgbClr val="0070C0"/>
-                </a:solidFill>
-              </a:rPr>
-              <a:t>Sixth</a:t>
-            </a:r>
+              <a:t>Set target value</a:t>
+            </a:r>
+          </a:p>
+          <a:p>
+            <a:pPr lvl="1"/>
             <a:r>
               <a:rPr lang="en-US" sz="14400" dirty="0"/>
-              <a:t>: Ask player if they want another play – multiple times</a:t>
-            </a:r>
-          </a:p>
-          <a:p>
-            <a:r>
-              <a:rPr lang="en-US" sz="14400" dirty="0">
-                <a:solidFill>
-                  <a:srgbClr val="0070C0"/>
-                </a:solidFill>
-              </a:rPr>
-              <a:t>Seventh</a:t>
-            </a:r>
-            <a:r>
-              <a:rPr lang="en-US" sz="14400" dirty="0"/>
-              <a:t>: Handle user typos / illegal inputs</a:t>
-            </a:r>
-          </a:p>
-          <a:p>
-            <a:endParaRPr lang="en-US" sz="14400" dirty="0"/>
+              <a:t>Quit if number entered number equals target</a:t>
+            </a:r>
           </a:p>
           <a:p>
             <a:endParaRPr lang="en-US" dirty="0"/>
@@ -30655,7 +30432,7 @@
                 <a:tabLst/>
                 <a:defRPr/>
               </a:pPr>
-              <a:t>2/25/2022</a:t>
+              <a:t>6/30/2022</a:t>
             </a:fld>
             <a:endParaRPr kumimoji="0" lang="en-US" sz="900" b="0" i="0" u="none" strike="noStrike" kern="1200" cap="none" spc="0" normalizeH="0" baseline="0" noProof="0" dirty="0">
               <a:ln>
@@ -30828,7 +30605,7 @@
     </p:spTree>
     <p:extLst>
       <p:ext uri="{BB962C8B-B14F-4D97-AF65-F5344CB8AC3E}">
-        <p14:creationId xmlns:p14="http://schemas.microsoft.com/office/powerpoint/2010/main" val="493058238"/>
+        <p14:creationId xmlns:p14="http://schemas.microsoft.com/office/powerpoint/2010/main" val="3268872424"/>
       </p:ext>
     </p:extLst>
   </p:cSld>
@@ -30860,7 +30637,7 @@
           <p:cNvPr id="2" name="Title 1">
             <a:extLst>
               <a:ext uri="{FF2B5EF4-FFF2-40B4-BE49-F238E27FC236}">
-                <a16:creationId xmlns:a16="http://schemas.microsoft.com/office/drawing/2014/main" id="{5697402A-1E56-40FB-B43F-2D86D40BC041}"/>
+                <a16:creationId xmlns:a16="http://schemas.microsoft.com/office/drawing/2014/main" id="{3E6B1653-2537-42F1-98C9-005DFC393A5F}"/>
               </a:ext>
             </a:extLst>
           </p:cNvPr>
@@ -30873,35 +30650,13 @@
         </p:nvSpPr>
         <p:spPr/>
         <p:txBody>
-          <a:bodyPr>
-            <a:normAutofit fontScale="90000"/>
-          </a:bodyPr>
-          <a:lstStyle/>
-          <a:p>
-            <a:pPr algn="ctr"/>
+          <a:bodyPr/>
+          <a:lstStyle/>
+          <a:p>
             <a:r>
               <a:rPr lang="en-US" dirty="0"/>
-              <a:t>More </a:t>
-            </a:r>
-            <a:r>
-              <a:rPr lang="en-US" sz="4000" dirty="0"/>
-              <a:t>Python</a:t>
-            </a:r>
-            <a:r>
-              <a:rPr lang="en-US" dirty="0"/>
-              <a:t> – Variables</a:t>
-            </a:r>
-            <a:br>
-              <a:rPr lang="en-US" dirty="0"/>
-            </a:br>
-            <a:r>
-              <a:rPr lang="en-US" sz="3100" b="1" dirty="0"/>
-              <a:t>Places to store values</a:t>
-            </a:r>
-            <a:br>
-              <a:rPr lang="en-US" b="1" dirty="0"/>
-            </a:br>
-            <a:endParaRPr lang="en-US" dirty="0"/>
+              <a:t>Think of the Iterations - continued</a:t>
+            </a:r>
           </a:p>
         </p:txBody>
       </p:sp>
@@ -30910,7 +30665,7 @@
           <p:cNvPr id="3" name="Content Placeholder 2">
             <a:extLst>
               <a:ext uri="{FF2B5EF4-FFF2-40B4-BE49-F238E27FC236}">
-                <a16:creationId xmlns:a16="http://schemas.microsoft.com/office/drawing/2014/main" id="{7FE9BEBB-DE71-47B2-9CE0-FB05B843B810}"/>
+                <a16:creationId xmlns:a16="http://schemas.microsoft.com/office/drawing/2014/main" id="{EBD602DA-1F3F-4CE1-B42C-7FBEFDFF8CF3}"/>
               </a:ext>
             </a:extLst>
           </p:cNvPr>
@@ -30924,57 +30679,84 @@
         <p:spPr/>
         <p:txBody>
           <a:bodyPr>
-            <a:normAutofit lnSpcReduction="10000"/>
+            <a:normAutofit fontScale="25000" lnSpcReduction="20000"/>
           </a:bodyPr>
           <a:lstStyle/>
           <a:p>
-            <a:pPr lvl="0"/>
-            <a:r>
-              <a:rPr lang="en-US" sz="3600" dirty="0"/>
-              <a:t>Holds data, with a name</a:t>
-            </a:r>
-          </a:p>
-          <a:p>
-            <a:pPr lvl="0"/>
-            <a:r>
-              <a:rPr lang="en-US" sz="3600" dirty="0"/>
-              <a:t>Eases the use/reuse our data/results</a:t>
-            </a:r>
-          </a:p>
-          <a:p>
-            <a:pPr lvl="0"/>
-            <a:r>
-              <a:rPr lang="en-US" sz="3600" dirty="0"/>
-              <a:t>Names have rules:</a:t>
-            </a:r>
-          </a:p>
-          <a:p>
-            <a:pPr lvl="1"/>
-            <a:r>
-              <a:rPr lang="en-US" sz="2800" dirty="0"/>
-              <a:t>Start with a letter (a-zA-Z_)</a:t>
-            </a:r>
-          </a:p>
-          <a:p>
-            <a:pPr lvl="1"/>
-            <a:r>
-              <a:rPr lang="en-US" sz="2800" dirty="0"/>
-              <a:t>Followed by zero or more digits (0-9) or letters</a:t>
-            </a:r>
-          </a:p>
-          <a:p>
-            <a:pPr lvl="1"/>
-            <a:r>
-              <a:rPr lang="en-US" sz="2800" dirty="0"/>
-              <a:t>OK - a, a1, my_variable, a2or3</a:t>
-            </a:r>
-          </a:p>
-          <a:p>
-            <a:pPr lvl="1"/>
-            <a:r>
-              <a:rPr lang="en-US" sz="2800" dirty="0"/>
-              <a:t>NOT - 1, 1a, my-variable, "ray,smith"</a:t>
-            </a:r>
+            <a:r>
+              <a:rPr lang="en-US" sz="14400" dirty="0">
+                <a:solidFill>
+                  <a:srgbClr val="0070C0"/>
+                </a:solidFill>
+              </a:rPr>
+              <a:t>Third</a:t>
+            </a:r>
+            <a:r>
+              <a:rPr lang="en-US" sz="14400" dirty="0"/>
+              <a:t>: Say if greater, less or equal</a:t>
+            </a:r>
+          </a:p>
+          <a:p>
+            <a:r>
+              <a:rPr lang="en-US" sz="14400" dirty="0">
+                <a:solidFill>
+                  <a:srgbClr val="0070C0"/>
+                </a:solidFill>
+              </a:rPr>
+              <a:t>Fourth</a:t>
+            </a:r>
+            <a:r>
+              <a:rPr lang="en-US" sz="14400" dirty="0"/>
+              <a:t>: Set target to random number</a:t>
+            </a:r>
+          </a:p>
+          <a:p>
+            <a:r>
+              <a:rPr lang="en-US" sz="14400" dirty="0">
+                <a:solidFill>
+                  <a:srgbClr val="0070C0"/>
+                </a:solidFill>
+              </a:rPr>
+              <a:t>Fifth</a:t>
+            </a:r>
+            <a:r>
+              <a:rPr lang="en-US" sz="14400" dirty="0"/>
+              <a:t>: Say goals, rules before start, including "a number between…"</a:t>
+            </a:r>
+          </a:p>
+          <a:p>
+            <a:r>
+              <a:rPr lang="en-US" sz="14400" dirty="0">
+                <a:solidFill>
+                  <a:srgbClr val="0070C0"/>
+                </a:solidFill>
+              </a:rPr>
+              <a:t>Sixth</a:t>
+            </a:r>
+            <a:r>
+              <a:rPr lang="en-US" sz="14400" dirty="0"/>
+              <a:t>: Ask player if they want another play – multiple times</a:t>
+            </a:r>
+          </a:p>
+          <a:p>
+            <a:r>
+              <a:rPr lang="en-US" sz="14400" dirty="0">
+                <a:solidFill>
+                  <a:srgbClr val="0070C0"/>
+                </a:solidFill>
+              </a:rPr>
+              <a:t>Seventh</a:t>
+            </a:r>
+            <a:r>
+              <a:rPr lang="en-US" sz="14400" dirty="0"/>
+              <a:t>: Handle user typos / illegal inputs</a:t>
+            </a:r>
+          </a:p>
+          <a:p>
+            <a:endParaRPr lang="en-US" sz="14400" dirty="0"/>
+          </a:p>
+          <a:p>
+            <a:endParaRPr lang="en-US" dirty="0"/>
           </a:p>
         </p:txBody>
       </p:sp>
@@ -30983,7 +30765,7 @@
           <p:cNvPr id="4" name="Date Placeholder 3">
             <a:extLst>
               <a:ext uri="{FF2B5EF4-FFF2-40B4-BE49-F238E27FC236}">
-                <a16:creationId xmlns:a16="http://schemas.microsoft.com/office/drawing/2014/main" id="{3FC25E65-9CF3-48A4-A040-8F62736368BD}"/>
+                <a16:creationId xmlns:a16="http://schemas.microsoft.com/office/drawing/2014/main" id="{4642BDAB-A64D-4F2D-A08E-F2E0718C4902}"/>
               </a:ext>
             </a:extLst>
           </p:cNvPr>
@@ -31050,7 +30832,7 @@
                 <a:tabLst/>
                 <a:defRPr/>
               </a:pPr>
-              <a:t>2/25/2022</a:t>
+              <a:t>6/30/2022</a:t>
             </a:fld>
             <a:endParaRPr kumimoji="0" lang="en-US" sz="900" b="0" i="0" u="none" strike="noStrike" kern="1200" cap="none" spc="0" normalizeH="0" baseline="0" noProof="0" dirty="0">
               <a:ln>
@@ -31076,7 +30858,7 @@
           <p:cNvPr id="5" name="Footer Placeholder 4">
             <a:extLst>
               <a:ext uri="{FF2B5EF4-FFF2-40B4-BE49-F238E27FC236}">
-                <a16:creationId xmlns:a16="http://schemas.microsoft.com/office/drawing/2014/main" id="{9E2A2F0F-2260-4F2C-ADB5-34756B778468}"/>
+                <a16:creationId xmlns:a16="http://schemas.microsoft.com/office/drawing/2014/main" id="{DE5ACF2A-F4A3-4502-A730-6214DCB4C408}"/>
               </a:ext>
             </a:extLst>
           </p:cNvPr>
@@ -31136,7 +30918,7 @@
           <p:cNvPr id="6" name="Slide Number Placeholder 5">
             <a:extLst>
               <a:ext uri="{FF2B5EF4-FFF2-40B4-BE49-F238E27FC236}">
-                <a16:creationId xmlns:a16="http://schemas.microsoft.com/office/drawing/2014/main" id="{0C3E251E-1D18-427E-B8F7-D11E7D7CE6AF}"/>
+                <a16:creationId xmlns:a16="http://schemas.microsoft.com/office/drawing/2014/main" id="{4DBAB59E-70B2-472B-AF93-CEC7524794A2}"/>
               </a:ext>
             </a:extLst>
           </p:cNvPr>
@@ -31223,7 +31005,7 @@
     </p:spTree>
     <p:extLst>
       <p:ext uri="{BB962C8B-B14F-4D97-AF65-F5344CB8AC3E}">
-        <p14:creationId xmlns:p14="http://schemas.microsoft.com/office/powerpoint/2010/main" val="2078641993"/>
+        <p14:creationId xmlns:p14="http://schemas.microsoft.com/office/powerpoint/2010/main" val="493058238"/>
       </p:ext>
     </p:extLst>
   </p:cSld>
@@ -31276,14 +31058,22 @@
             <a:pPr algn="ctr"/>
             <a:r>
               <a:rPr lang="en-US" dirty="0"/>
-              <a:t>Python Language Guidelines</a:t>
+              <a:t>More </a:t>
+            </a:r>
+            <a:r>
+              <a:rPr lang="en-US" sz="4000" dirty="0"/>
+              <a:t>Python</a:t>
+            </a:r>
+            <a:r>
+              <a:rPr lang="en-US" dirty="0"/>
+              <a:t> – Variables</a:t>
             </a:r>
             <a:br>
               <a:rPr lang="en-US" dirty="0"/>
             </a:br>
             <a:r>
-              <a:rPr lang="en-US" dirty="0"/>
-              <a:t>with some exceptions</a:t>
+              <a:rPr lang="en-US" sz="3100" b="1" dirty="0"/>
+              <a:t>Places to store values</a:t>
             </a:r>
             <a:br>
               <a:rPr lang="en-US" b="1" dirty="0"/>
@@ -31311,117 +31101,57 @@
         <p:spPr/>
         <p:txBody>
           <a:bodyPr>
-            <a:normAutofit fontScale="25000" lnSpcReduction="20000"/>
+            <a:normAutofit lnSpcReduction="10000"/>
           </a:bodyPr>
           <a:lstStyle/>
           <a:p>
-            <a:r>
-              <a:rPr lang="en-US" sz="12800" b="1" dirty="0"/>
-              <a:t>A statement is on ONE line</a:t>
-            </a:r>
-          </a:p>
-          <a:p>
-            <a:r>
-              <a:rPr lang="en-US" sz="9600" dirty="0"/>
-              <a:t>YES:</a:t>
-            </a:r>
-          </a:p>
-          <a:p>
-            <a:pPr marL="457200" lvl="1" indent="0">
-              <a:buNone/>
-            </a:pPr>
-            <a:r>
-              <a:rPr lang="en-US" sz="9600" dirty="0">
-                <a:latin typeface="Courier New" panose="02070309020205020404" pitchFamily="49" charset="0"/>
-                <a:cs typeface="Courier New" panose="02070309020205020404" pitchFamily="49" charset="0"/>
-              </a:rPr>
-              <a:t>sum = 1 + 2</a:t>
-            </a:r>
-          </a:p>
-          <a:p>
-            <a:r>
-              <a:rPr lang="en-US" sz="9600" dirty="0"/>
-              <a:t>NO:</a:t>
-            </a:r>
-          </a:p>
-          <a:p>
-            <a:pPr marL="400050" lvl="1" indent="0">
-              <a:buNone/>
-            </a:pPr>
-            <a:r>
-              <a:rPr lang="en-US" sz="9600" dirty="0">
-                <a:latin typeface="Courier New" panose="02070309020205020404" pitchFamily="49" charset="0"/>
-                <a:cs typeface="Courier New" panose="02070309020205020404" pitchFamily="49" charset="0"/>
-              </a:rPr>
-              <a:t>sum = 1 +</a:t>
-            </a:r>
-          </a:p>
-          <a:p>
-            <a:pPr marL="400050" lvl="1" indent="0">
-              <a:buNone/>
-            </a:pPr>
-            <a:r>
-              <a:rPr lang="en-US" sz="5900" dirty="0">
-                <a:latin typeface="Courier New" panose="02070309020205020404" pitchFamily="49" charset="0"/>
-                <a:cs typeface="Courier New" panose="02070309020205020404" pitchFamily="49" charset="0"/>
-              </a:rPr>
-              <a:t>          </a:t>
-            </a:r>
-            <a:r>
-              <a:rPr lang="en-US" sz="9600" dirty="0">
-                <a:latin typeface="Courier New" panose="02070309020205020404" pitchFamily="49" charset="0"/>
-                <a:cs typeface="Courier New" panose="02070309020205020404" pitchFamily="49" charset="0"/>
-              </a:rPr>
-              <a:t>2</a:t>
-            </a:r>
-          </a:p>
-          <a:p>
             <a:pPr lvl="0"/>
             <a:r>
-              <a:rPr lang="en-US" sz="11200" b="1" dirty="0"/>
-              <a:t>Parenthesized</a:t>
-            </a:r>
-            <a:r>
-              <a:rPr lang="en-US" sz="11200" dirty="0"/>
-              <a:t> grouping may be on multiple lines</a:t>
-            </a:r>
-          </a:p>
-          <a:p>
-            <a:pPr marL="457200" indent="-457200"/>
-            <a:r>
-              <a:rPr lang="en-US" sz="11200" b="1" dirty="0">
-                <a:latin typeface="Courier New" panose="02070309020205020404" pitchFamily="49" charset="0"/>
-                <a:cs typeface="Courier New" panose="02070309020205020404" pitchFamily="49" charset="0"/>
-              </a:rPr>
-              <a:t>YES</a:t>
-            </a:r>
-            <a:r>
-              <a:rPr lang="en-US" sz="11200" dirty="0">
-                <a:latin typeface="Courier New" panose="02070309020205020404" pitchFamily="49" charset="0"/>
-                <a:cs typeface="Courier New" panose="02070309020205020404" pitchFamily="49" charset="0"/>
-              </a:rPr>
-              <a:t>: sum = (1</a:t>
-            </a:r>
-            <a:endParaRPr lang="en-US" sz="11200" b="1" dirty="0">
-              <a:latin typeface="Courier New" panose="02070309020205020404" pitchFamily="49" charset="0"/>
-              <a:cs typeface="Courier New" panose="02070309020205020404" pitchFamily="49" charset="0"/>
-            </a:endParaRPr>
-          </a:p>
-          <a:p>
-            <a:pPr marL="400050" lvl="1" indent="0">
-              <a:buNone/>
-            </a:pPr>
-            <a:r>
-              <a:rPr lang="en-US" sz="11200" b="1" dirty="0">
-                <a:latin typeface="Courier New" panose="02070309020205020404" pitchFamily="49" charset="0"/>
-                <a:cs typeface="Courier New" panose="02070309020205020404" pitchFamily="49" charset="0"/>
-              </a:rPr>
-              <a:t>						+ 2)</a:t>
+              <a:rPr lang="en-US" sz="3600" dirty="0"/>
+              <a:t>Holds data, with a name</a:t>
             </a:r>
           </a:p>
           <a:p>
             <a:pPr lvl="0"/>
-            <a:endParaRPr lang="en-US" sz="2800" dirty="0"/>
+            <a:r>
+              <a:rPr lang="en-US" sz="3600" dirty="0"/>
+              <a:t>Eases the use/reuse our data/results</a:t>
+            </a:r>
+          </a:p>
+          <a:p>
+            <a:pPr lvl="0"/>
+            <a:r>
+              <a:rPr lang="en-US" sz="3600" dirty="0"/>
+              <a:t>Names have rules:</a:t>
+            </a:r>
+          </a:p>
+          <a:p>
+            <a:pPr lvl="1"/>
+            <a:r>
+              <a:rPr lang="en-US" sz="2800" dirty="0"/>
+              <a:t>Start with a letter (a-zA-Z_)</a:t>
+            </a:r>
+          </a:p>
+          <a:p>
+            <a:pPr lvl="1"/>
+            <a:r>
+              <a:rPr lang="en-US" sz="2800" dirty="0"/>
+              <a:t>Followed by zero or more digits (0-9) or letters</a:t>
+            </a:r>
+          </a:p>
+          <a:p>
+            <a:pPr lvl="1"/>
+            <a:r>
+              <a:rPr lang="en-US" sz="2800" dirty="0"/>
+              <a:t>OK - a, a1, my_variable, a2or3</a:t>
+            </a:r>
+          </a:p>
+          <a:p>
+            <a:pPr lvl="1"/>
+            <a:r>
+              <a:rPr lang="en-US" sz="2800" dirty="0"/>
+              <a:t>NOT - 1, 1a, my-variable, "ray,smith"</a:t>
+            </a:r>
           </a:p>
         </p:txBody>
       </p:sp>
@@ -31497,7 +31227,7 @@
                 <a:tabLst/>
                 <a:defRPr/>
               </a:pPr>
-              <a:t>2/25/2022</a:t>
+              <a:t>6/30/2022</a:t>
             </a:fld>
             <a:endParaRPr kumimoji="0" lang="en-US" sz="900" b="0" i="0" u="none" strike="noStrike" kern="1200" cap="none" spc="0" normalizeH="0" baseline="0" noProof="0" dirty="0">
               <a:ln>
@@ -31670,7 +31400,7 @@
     </p:spTree>
     <p:extLst>
       <p:ext uri="{BB962C8B-B14F-4D97-AF65-F5344CB8AC3E}">
-        <p14:creationId xmlns:p14="http://schemas.microsoft.com/office/powerpoint/2010/main" val="3346265898"/>
+        <p14:creationId xmlns:p14="http://schemas.microsoft.com/office/powerpoint/2010/main" val="2078641993"/>
       </p:ext>
     </p:extLst>
   </p:cSld>
@@ -31730,7 +31460,7 @@
             </a:br>
             <a:r>
               <a:rPr lang="en-US" dirty="0"/>
-              <a:t>- continued</a:t>
+              <a:t>with some exceptions</a:t>
             </a:r>
             <a:br>
               <a:rPr lang="en-US" b="1" dirty="0"/>
@@ -31758,38 +31488,112 @@
         <p:spPr/>
         <p:txBody>
           <a:bodyPr>
-            <a:normAutofit fontScale="77500" lnSpcReduction="20000"/>
+            <a:normAutofit fontScale="25000" lnSpcReduction="20000"/>
           </a:bodyPr>
           <a:lstStyle/>
           <a:p>
             <a:r>
-              <a:rPr lang="en-US" sz="5100" b="1" dirty="0"/>
-              <a:t>	A group of statements:</a:t>
-            </a:r>
-          </a:p>
-          <a:p>
-            <a:pPr lvl="1"/>
-            <a:r>
-              <a:rPr lang="en-US" sz="5600" dirty="0"/>
-              <a:t>Are executed in order</a:t>
-            </a:r>
-          </a:p>
-          <a:p>
-            <a:pPr lvl="1"/>
-            <a:r>
-              <a:rPr lang="en-US" sz="4900" b="1" dirty="0"/>
-              <a:t>Must start at same indentation (from left)</a:t>
+              <a:rPr lang="en-US" sz="12800" b="1" dirty="0"/>
+              <a:t>A statement is on ONE line</a:t>
+            </a:r>
+          </a:p>
+          <a:p>
+            <a:r>
+              <a:rPr lang="en-US" sz="9600" dirty="0"/>
+              <a:t>YES:</a:t>
+            </a:r>
+          </a:p>
+          <a:p>
+            <a:pPr marL="457200" lvl="1" indent="0">
+              <a:buNone/>
+            </a:pPr>
+            <a:r>
+              <a:rPr lang="en-US" sz="9600" dirty="0">
+                <a:latin typeface="Courier New" panose="02070309020205020404" pitchFamily="49" charset="0"/>
+                <a:cs typeface="Courier New" panose="02070309020205020404" pitchFamily="49" charset="0"/>
+              </a:rPr>
+              <a:t>sum = 1 + 2</a:t>
+            </a:r>
+          </a:p>
+          <a:p>
+            <a:r>
+              <a:rPr lang="en-US" sz="9600" dirty="0"/>
+              <a:t>NO:</a:t>
+            </a:r>
+          </a:p>
+          <a:p>
+            <a:pPr marL="400050" lvl="1" indent="0">
+              <a:buNone/>
+            </a:pPr>
+            <a:r>
+              <a:rPr lang="en-US" sz="9600" dirty="0">
+                <a:latin typeface="Courier New" panose="02070309020205020404" pitchFamily="49" charset="0"/>
+                <a:cs typeface="Courier New" panose="02070309020205020404" pitchFamily="49" charset="0"/>
+              </a:rPr>
+              <a:t>sum = 1 +</a:t>
+            </a:r>
+          </a:p>
+          <a:p>
+            <a:pPr marL="400050" lvl="1" indent="0">
+              <a:buNone/>
+            </a:pPr>
+            <a:r>
+              <a:rPr lang="en-US" sz="5900" dirty="0">
+                <a:latin typeface="Courier New" panose="02070309020205020404" pitchFamily="49" charset="0"/>
+                <a:cs typeface="Courier New" panose="02070309020205020404" pitchFamily="49" charset="0"/>
+              </a:rPr>
+              <a:t>          </a:t>
+            </a:r>
+            <a:r>
+              <a:rPr lang="en-US" sz="9600" dirty="0">
+                <a:latin typeface="Courier New" panose="02070309020205020404" pitchFamily="49" charset="0"/>
+                <a:cs typeface="Courier New" panose="02070309020205020404" pitchFamily="49" charset="0"/>
+              </a:rPr>
+              <a:t>2</a:t>
             </a:r>
           </a:p>
           <a:p>
             <a:pPr lvl="0"/>
             <a:r>
-              <a:rPr lang="en-US" sz="5100" b="1" dirty="0"/>
-              <a:t>BUT Parenthesized: ( ),[ ],{ }</a:t>
-            </a:r>
-            <a:r>
-              <a:rPr lang="en-US" sz="5100" dirty="0"/>
-              <a:t> groupings may have any indentation within the parentheses</a:t>
+              <a:rPr lang="en-US" sz="11200" b="1" dirty="0"/>
+              <a:t>Parenthesized</a:t>
+            </a:r>
+            <a:r>
+              <a:rPr lang="en-US" sz="11200" dirty="0"/>
+              <a:t> grouping may be on multiple lines</a:t>
+            </a:r>
+          </a:p>
+          <a:p>
+            <a:pPr marL="457200" indent="-457200"/>
+            <a:r>
+              <a:rPr lang="en-US" sz="11200" b="1" dirty="0">
+                <a:latin typeface="Courier New" panose="02070309020205020404" pitchFamily="49" charset="0"/>
+                <a:cs typeface="Courier New" panose="02070309020205020404" pitchFamily="49" charset="0"/>
+              </a:rPr>
+              <a:t>YES</a:t>
+            </a:r>
+            <a:r>
+              <a:rPr lang="en-US" sz="11200" dirty="0">
+                <a:latin typeface="Courier New" panose="02070309020205020404" pitchFamily="49" charset="0"/>
+                <a:cs typeface="Courier New" panose="02070309020205020404" pitchFamily="49" charset="0"/>
+              </a:rPr>
+              <a:t>: sum = (1</a:t>
+            </a:r>
+            <a:endParaRPr lang="en-US" sz="11200" b="1" dirty="0">
+              <a:latin typeface="Courier New" panose="02070309020205020404" pitchFamily="49" charset="0"/>
+              <a:cs typeface="Courier New" panose="02070309020205020404" pitchFamily="49" charset="0"/>
+            </a:endParaRPr>
+          </a:p>
+          <a:p>
+            <a:pPr marL="400050" lvl="1" indent="0">
+              <a:buNone/>
+            </a:pPr>
+            <a:r>
+              <a:rPr lang="en-US" sz="11200" b="1" dirty="0">
+                <a:latin typeface="Courier New" panose="02070309020205020404" pitchFamily="49" charset="0"/>
+                <a:cs typeface="Courier New" panose="02070309020205020404" pitchFamily="49" charset="0"/>
+              </a:rPr>
+              <a:t>						+ 2)</a:t>
             </a:r>
           </a:p>
           <a:p>
@@ -31870,7 +31674,7 @@
                 <a:tabLst/>
                 <a:defRPr/>
               </a:pPr>
-              <a:t>2/25/2022</a:t>
+              <a:t>6/30/2022</a:t>
             </a:fld>
             <a:endParaRPr kumimoji="0" lang="en-US" sz="900" b="0" i="0" u="none" strike="noStrike" kern="1200" cap="none" spc="0" normalizeH="0" baseline="0" noProof="0" dirty="0">
               <a:ln>
@@ -32043,7 +31847,7 @@
     </p:spTree>
     <p:extLst>
       <p:ext uri="{BB962C8B-B14F-4D97-AF65-F5344CB8AC3E}">
-        <p14:creationId xmlns:p14="http://schemas.microsoft.com/office/powerpoint/2010/main" val="1848836383"/>
+        <p14:creationId xmlns:p14="http://schemas.microsoft.com/office/powerpoint/2010/main" val="3346265898"/>
       </p:ext>
     </p:extLst>
   </p:cSld>
@@ -32131,80 +31935,42 @@
         <p:spPr/>
         <p:txBody>
           <a:bodyPr>
-            <a:normAutofit lnSpcReduction="10000"/>
+            <a:normAutofit fontScale="77500" lnSpcReduction="20000"/>
           </a:bodyPr>
           <a:lstStyle/>
           <a:p>
             <a:r>
-              <a:rPr lang="en-US" sz="2400" dirty="0"/>
-              <a:t>YES:</a:t>
-            </a:r>
-          </a:p>
-          <a:p>
-            <a:pPr marL="1257300" lvl="3" indent="0">
-              <a:buNone/>
-            </a:pPr>
-            <a:r>
-              <a:rPr lang="en-US" sz="2400" dirty="0"/>
-              <a:t>start = 1</a:t>
-            </a:r>
-          </a:p>
-          <a:p>
-            <a:pPr marL="1257300" lvl="3" indent="0">
-              <a:buNone/>
-            </a:pPr>
-            <a:r>
-              <a:rPr lang="en-US" sz="2400" dirty="0"/>
-              <a:t>last = 3</a:t>
-            </a:r>
-          </a:p>
-          <a:p>
-            <a:pPr marL="1257300" lvl="3" indent="0">
-              <a:buNone/>
-            </a:pPr>
-            <a:r>
-              <a:rPr lang="en-US" sz="2400" dirty="0"/>
-              <a:t>increment = 1</a:t>
-            </a:r>
-          </a:p>
-          <a:p>
-            <a:r>
-              <a:rPr lang="en-US" sz="2400" dirty="0"/>
-              <a:t>NO:</a:t>
-            </a:r>
-          </a:p>
-          <a:p>
-            <a:pPr marL="1257300" lvl="3" indent="0">
-              <a:buNone/>
-            </a:pPr>
-            <a:r>
-              <a:rPr lang="en-US" sz="2400" dirty="0"/>
-              <a:t>start = 1</a:t>
-            </a:r>
-          </a:p>
-          <a:p>
-            <a:pPr marL="1714500" lvl="4" indent="0">
-              <a:buNone/>
-            </a:pPr>
-            <a:r>
-              <a:rPr lang="en-US" sz="2400" b="1" dirty="0"/>
-              <a:t>last = 3</a:t>
-            </a:r>
-            <a:endParaRPr lang="en-US" sz="2400" dirty="0"/>
-          </a:p>
-          <a:p>
-            <a:pPr marL="1257300" lvl="3" indent="0">
-              <a:buNone/>
-            </a:pPr>
-            <a:r>
-              <a:rPr lang="en-US" sz="2400" dirty="0"/>
-              <a:t>increment = 1</a:t>
-            </a:r>
-          </a:p>
-          <a:p>
-            <a:pPr marL="0" indent="0">
-              <a:buNone/>
-            </a:pPr>
+              <a:rPr lang="en-US" sz="5100" b="1" dirty="0"/>
+              <a:t>	A group of statements:</a:t>
+            </a:r>
+          </a:p>
+          <a:p>
+            <a:pPr lvl="1"/>
+            <a:r>
+              <a:rPr lang="en-US" sz="5600" dirty="0"/>
+              <a:t>Are executed in order</a:t>
+            </a:r>
+          </a:p>
+          <a:p>
+            <a:pPr lvl="1"/>
+            <a:r>
+              <a:rPr lang="en-US" sz="4900" b="1" dirty="0"/>
+              <a:t>Must start at same indentation (from left)</a:t>
+            </a:r>
+          </a:p>
+          <a:p>
+            <a:pPr lvl="0"/>
+            <a:r>
+              <a:rPr lang="en-US" sz="5100" b="1" dirty="0"/>
+              <a:t>BUT Parenthesized: ( ),[ ],{ }</a:t>
+            </a:r>
+            <a:r>
+              <a:rPr lang="en-US" sz="5100" dirty="0"/>
+              <a:t> groupings may have any indentation within the parentheses</a:t>
+            </a:r>
+          </a:p>
+          <a:p>
+            <a:pPr lvl="0"/>
             <a:endParaRPr lang="en-US" sz="2800" dirty="0"/>
           </a:p>
         </p:txBody>
@@ -32281,7 +32047,7 @@
                 <a:tabLst/>
                 <a:defRPr/>
               </a:pPr>
-              <a:t>2/25/2022</a:t>
+              <a:t>6/30/2022</a:t>
             </a:fld>
             <a:endParaRPr kumimoji="0" lang="en-US" sz="900" b="0" i="0" u="none" strike="noStrike" kern="1200" cap="none" spc="0" normalizeH="0" baseline="0" noProof="0" dirty="0">
               <a:ln>
@@ -32454,7 +32220,7 @@
     </p:spTree>
     <p:extLst>
       <p:ext uri="{BB962C8B-B14F-4D97-AF65-F5344CB8AC3E}">
-        <p14:creationId xmlns:p14="http://schemas.microsoft.com/office/powerpoint/2010/main" val="1804453223"/>
+        <p14:creationId xmlns:p14="http://schemas.microsoft.com/office/powerpoint/2010/main" val="1848836383"/>
       </p:ext>
     </p:extLst>
   </p:cSld>
@@ -32507,14 +32273,14 @@
             <a:pPr algn="ctr"/>
             <a:r>
               <a:rPr lang="en-US" dirty="0"/>
-              <a:t>Python import</a:t>
+              <a:t>Python Language Guidelines</a:t>
             </a:r>
             <a:br>
               <a:rPr lang="en-US" dirty="0"/>
             </a:br>
             <a:r>
               <a:rPr lang="en-US" dirty="0"/>
-              <a:t>Bring in support</a:t>
+              <a:t>- continued</a:t>
             </a:r>
             <a:br>
               <a:rPr lang="en-US" b="1" dirty="0"/>
@@ -32542,71 +32308,81 @@
         <p:spPr/>
         <p:txBody>
           <a:bodyPr>
-            <a:normAutofit/>
+            <a:normAutofit lnSpcReduction="10000"/>
           </a:bodyPr>
           <a:lstStyle/>
           <a:p>
             <a:r>
-              <a:rPr lang="en-US" sz="2800" b="1" dirty="0"/>
-              <a:t>import</a:t>
-            </a:r>
-            <a:r>
-              <a:rPr lang="en-US" sz="2800" dirty="0"/>
-              <a:t> brings in support</a:t>
-            </a:r>
-          </a:p>
-          <a:p>
-            <a:pPr marL="400050" lvl="1" indent="0">
+              <a:rPr lang="en-US" sz="2400" dirty="0"/>
+              <a:t>YES:</a:t>
+            </a:r>
+          </a:p>
+          <a:p>
+            <a:pPr marL="1257300" lvl="3" indent="0">
               <a:buNone/>
             </a:pPr>
             <a:r>
-              <a:rPr lang="en-US" sz="2600" dirty="0">
-                <a:latin typeface="Courier New" panose="02070309020205020404" pitchFamily="49" charset="0"/>
-                <a:cs typeface="Courier New" panose="02070309020205020404" pitchFamily="49" charset="0"/>
-              </a:rPr>
-              <a:t>import random		# for random numbers</a:t>
-            </a:r>
-          </a:p>
-          <a:p>
-            <a:pPr marL="400050" lvl="1" indent="0">
+              <a:rPr lang="en-US" sz="2400" dirty="0"/>
+              <a:t>start = 1</a:t>
+            </a:r>
+          </a:p>
+          <a:p>
+            <a:pPr marL="1257300" lvl="3" indent="0">
               <a:buNone/>
             </a:pPr>
             <a:r>
-              <a:rPr lang="en-US" sz="2600" dirty="0">
-                <a:latin typeface="Courier New" panose="02070309020205020404" pitchFamily="49" charset="0"/>
-                <a:cs typeface="Courier New" panose="02070309020205020404" pitchFamily="49" charset="0"/>
-              </a:rPr>
-              <a:t>from random import randint	# just named</a:t>
-            </a:r>
-          </a:p>
-          <a:p>
-            <a:r>
-              <a:rPr lang="en-US" sz="2800" dirty="0">
-                <a:latin typeface="+mj-lt"/>
-                <a:cs typeface="Courier New" panose="02070309020205020404" pitchFamily="49" charset="0"/>
-              </a:rPr>
-              <a:t>Internet Examples</a:t>
-            </a:r>
-          </a:p>
-          <a:p>
-            <a:pPr lvl="1"/>
-            <a:r>
-              <a:rPr lang="en-US" sz="2600" dirty="0">
-                <a:latin typeface="+mj-lt"/>
-                <a:cs typeface="Courier New" panose="02070309020205020404" pitchFamily="49" charset="0"/>
-              </a:rPr>
-              <a:t>Often include import statements</a:t>
-            </a:r>
-          </a:p>
-          <a:p>
-            <a:pPr lvl="1"/>
-            <a:r>
-              <a:rPr lang="en-US" sz="2600" dirty="0">
-                <a:latin typeface="+mj-lt"/>
-                <a:cs typeface="Courier New" panose="02070309020205020404" pitchFamily="49" charset="0"/>
-              </a:rPr>
-              <a:t>Sometimes forget</a:t>
-            </a:r>
+              <a:rPr lang="en-US" sz="2400" dirty="0"/>
+              <a:t>last = 3</a:t>
+            </a:r>
+          </a:p>
+          <a:p>
+            <a:pPr marL="1257300" lvl="3" indent="0">
+              <a:buNone/>
+            </a:pPr>
+            <a:r>
+              <a:rPr lang="en-US" sz="2400" dirty="0"/>
+              <a:t>increment = 1</a:t>
+            </a:r>
+          </a:p>
+          <a:p>
+            <a:r>
+              <a:rPr lang="en-US" sz="2400" dirty="0"/>
+              <a:t>NO:</a:t>
+            </a:r>
+          </a:p>
+          <a:p>
+            <a:pPr marL="1257300" lvl="3" indent="0">
+              <a:buNone/>
+            </a:pPr>
+            <a:r>
+              <a:rPr lang="en-US" sz="2400" dirty="0"/>
+              <a:t>start = 1</a:t>
+            </a:r>
+          </a:p>
+          <a:p>
+            <a:pPr marL="1714500" lvl="4" indent="0">
+              <a:buNone/>
+            </a:pPr>
+            <a:r>
+              <a:rPr lang="en-US" sz="2400" b="1" dirty="0"/>
+              <a:t>last = 3</a:t>
+            </a:r>
+            <a:endParaRPr lang="en-US" sz="2400" dirty="0"/>
+          </a:p>
+          <a:p>
+            <a:pPr marL="1257300" lvl="3" indent="0">
+              <a:buNone/>
+            </a:pPr>
+            <a:r>
+              <a:rPr lang="en-US" sz="2400" dirty="0"/>
+              <a:t>increment = 1</a:t>
+            </a:r>
+          </a:p>
+          <a:p>
+            <a:pPr marL="0" indent="0">
+              <a:buNone/>
+            </a:pPr>
+            <a:endParaRPr lang="en-US" sz="2800" dirty="0"/>
           </a:p>
         </p:txBody>
       </p:sp>
@@ -32682,7 +32458,7 @@
                 <a:tabLst/>
                 <a:defRPr/>
               </a:pPr>
-              <a:t>2/25/2022</a:t>
+              <a:t>6/30/2022</a:t>
             </a:fld>
             <a:endParaRPr kumimoji="0" lang="en-US" sz="900" b="0" i="0" u="none" strike="noStrike" kern="1200" cap="none" spc="0" normalizeH="0" baseline="0" noProof="0" dirty="0">
               <a:ln>
@@ -32855,7 +32631,7 @@
     </p:spTree>
     <p:extLst>
       <p:ext uri="{BB962C8B-B14F-4D97-AF65-F5344CB8AC3E}">
-        <p14:creationId xmlns:p14="http://schemas.microsoft.com/office/powerpoint/2010/main" val="3443974671"/>
+        <p14:creationId xmlns:p14="http://schemas.microsoft.com/office/powerpoint/2010/main" val="1804453223"/>
       </p:ext>
     </p:extLst>
   </p:cSld>
@@ -32901,22 +32677,25 @@
         <p:spPr/>
         <p:txBody>
           <a:bodyPr>
-            <a:normAutofit/>
+            <a:normAutofit fontScale="90000"/>
           </a:bodyPr>
           <a:lstStyle/>
           <a:p>
             <a:pPr algn="ctr"/>
             <a:r>
               <a:rPr lang="en-US" dirty="0"/>
-              <a:t>Help is a click away</a:t>
+              <a:t>Python import</a:t>
+            </a:r>
+            <a:br>
+              <a:rPr lang="en-US" dirty="0"/>
+            </a:br>
+            <a:r>
+              <a:rPr lang="en-US" dirty="0"/>
+              <a:t>Bring in support</a:t>
             </a:r>
             <a:br>
               <a:rPr lang="en-US" b="1" dirty="0"/>
             </a:br>
-            <a:r>
-              <a:rPr lang="en-US" b="1" dirty="0"/>
-              <a:t>Web searching</a:t>
-            </a:r>
             <a:endParaRPr lang="en-US" dirty="0"/>
           </a:p>
         </p:txBody>
@@ -32940,122 +32719,70 @@
         <p:spPr/>
         <p:txBody>
           <a:bodyPr>
-            <a:normAutofit lnSpcReduction="10000"/>
+            <a:normAutofit/>
           </a:bodyPr>
           <a:lstStyle/>
+          <a:p>
+            <a:r>
+              <a:rPr lang="en-US" sz="2800" b="1" dirty="0"/>
+              <a:t>import</a:t>
+            </a:r>
+            <a:r>
+              <a:rPr lang="en-US" sz="2800" dirty="0"/>
+              <a:t> brings in support</a:t>
+            </a:r>
+          </a:p>
+          <a:p>
+            <a:pPr marL="400050" lvl="1" indent="0">
+              <a:buNone/>
+            </a:pPr>
+            <a:r>
+              <a:rPr lang="en-US" sz="2600" dirty="0">
+                <a:latin typeface="Courier New" panose="02070309020205020404" pitchFamily="49" charset="0"/>
+                <a:cs typeface="Courier New" panose="02070309020205020404" pitchFamily="49" charset="0"/>
+              </a:rPr>
+              <a:t>import random		# for random numbers</a:t>
+            </a:r>
+          </a:p>
+          <a:p>
+            <a:pPr marL="400050" lvl="1" indent="0">
+              <a:buNone/>
+            </a:pPr>
+            <a:r>
+              <a:rPr lang="en-US" sz="2600" dirty="0">
+                <a:latin typeface="Courier New" panose="02070309020205020404" pitchFamily="49" charset="0"/>
+                <a:cs typeface="Courier New" panose="02070309020205020404" pitchFamily="49" charset="0"/>
+              </a:rPr>
+              <a:t>from random import randint	# just named</a:t>
+            </a:r>
+          </a:p>
           <a:p>
             <a:r>
               <a:rPr lang="en-US" sz="2800" dirty="0">
                 <a:latin typeface="+mj-lt"/>
                 <a:cs typeface="Courier New" panose="02070309020205020404" pitchFamily="49" charset="0"/>
               </a:rPr>
-              <a:t>Try "python thingies …"</a:t>
-            </a:r>
-          </a:p>
-          <a:p>
-            <a:r>
-              <a:rPr lang="en-US" sz="2800" dirty="0">
-                <a:latin typeface="+mj-lt"/>
-                <a:cs typeface="Courier New" panose="02070309020205020404" pitchFamily="49" charset="0"/>
-              </a:rPr>
-              <a:t>E.g. python random int between two numbers</a:t>
-            </a:r>
-          </a:p>
-          <a:p>
-            <a:pPr marL="0" indent="0">
-              <a:buNone/>
-            </a:pPr>
-            <a:r>
-              <a:rPr lang="en-US" sz="2800" dirty="0">
-                <a:latin typeface="+mj-lt"/>
-                <a:cs typeface="Courier New" panose="02070309020205020404" pitchFamily="49" charset="0"/>
-              </a:rPr>
-              <a:t>Found: python - Generate random integers between 0 and 9 - Stack Overflow</a:t>
-            </a:r>
-          </a:p>
-          <a:p>
-            <a:pPr marL="0" indent="0">
-              <a:buNone/>
-            </a:pPr>
-            <a:r>
-              <a:rPr lang="en-US" sz="2800" dirty="0">
-                <a:latin typeface="+mj-lt"/>
-                <a:cs typeface="Courier New" panose="02070309020205020404" pitchFamily="49" charset="0"/>
-              </a:rPr>
-              <a:t>GOT:</a:t>
-            </a:r>
-          </a:p>
-          <a:p>
-            <a:pPr marL="400050" lvl="1" indent="0">
-              <a:buNone/>
-            </a:pPr>
+              <a:t>Internet Examples</a:t>
+            </a:r>
+          </a:p>
+          <a:p>
+            <a:pPr lvl="1"/>
             <a:r>
               <a:rPr lang="en-US" sz="2600" dirty="0">
                 <a:latin typeface="+mj-lt"/>
                 <a:cs typeface="Courier New" panose="02070309020205020404" pitchFamily="49" charset="0"/>
               </a:rPr>
-              <a:t>Try:</a:t>
-            </a:r>
-          </a:p>
-          <a:p>
-            <a:pPr marL="800100" lvl="2" indent="0">
-              <a:buNone/>
-            </a:pPr>
-            <a:r>
-              <a:rPr lang="en-US" sz="2400" dirty="0">
-                <a:solidFill>
-                  <a:schemeClr val="accent4"/>
-                </a:solidFill>
-                <a:latin typeface="Courier New" panose="02070309020205020404" pitchFamily="49" charset="0"/>
+              <a:t>Often include import statements</a:t>
+            </a:r>
+          </a:p>
+          <a:p>
+            <a:pPr lvl="1"/>
+            <a:r>
+              <a:rPr lang="en-US" sz="2600" dirty="0">
+                <a:latin typeface="+mj-lt"/>
                 <a:cs typeface="Courier New" panose="02070309020205020404" pitchFamily="49" charset="0"/>
               </a:rPr>
-              <a:t>from</a:t>
-            </a:r>
-            <a:r>
-              <a:rPr lang="en-US" sz="2400" dirty="0">
-                <a:latin typeface="Courier New" panose="02070309020205020404" pitchFamily="49" charset="0"/>
-                <a:cs typeface="Courier New" panose="02070309020205020404" pitchFamily="49" charset="0"/>
-              </a:rPr>
-              <a:t> random </a:t>
-            </a:r>
-            <a:r>
-              <a:rPr lang="en-US" sz="2400" dirty="0">
-                <a:solidFill>
-                  <a:schemeClr val="accent4"/>
-                </a:solidFill>
-                <a:latin typeface="Courier New" panose="02070309020205020404" pitchFamily="49" charset="0"/>
-                <a:cs typeface="Courier New" panose="02070309020205020404" pitchFamily="49" charset="0"/>
-              </a:rPr>
-              <a:t>import</a:t>
-            </a:r>
-            <a:r>
-              <a:rPr lang="en-US" sz="2400" dirty="0">
-                <a:latin typeface="Courier New" panose="02070309020205020404" pitchFamily="49" charset="0"/>
-                <a:cs typeface="Courier New" panose="02070309020205020404" pitchFamily="49" charset="0"/>
-              </a:rPr>
-              <a:t> randint</a:t>
-            </a:r>
-          </a:p>
-          <a:p>
-            <a:pPr marL="800100" lvl="2" indent="0">
-              <a:buNone/>
-            </a:pPr>
-            <a:r>
-              <a:rPr lang="en-US" sz="2400" dirty="0">
-                <a:solidFill>
-                  <a:srgbClr val="7030A0"/>
-                </a:solidFill>
-                <a:latin typeface="Courier New" panose="02070309020205020404" pitchFamily="49" charset="0"/>
-                <a:cs typeface="Courier New" panose="02070309020205020404" pitchFamily="49" charset="0"/>
-              </a:rPr>
-              <a:t>print</a:t>
-            </a:r>
-            <a:r>
-              <a:rPr lang="en-US" sz="2400" dirty="0">
-                <a:latin typeface="Courier New" panose="02070309020205020404" pitchFamily="49" charset="0"/>
-                <a:cs typeface="Courier New" panose="02070309020205020404" pitchFamily="49" charset="0"/>
-              </a:rPr>
-              <a:t>(randint(0, 9))</a:t>
+              <a:t>Sometimes forget</a:t>
             </a:r>
           </a:p>
         </p:txBody>
@@ -33132,7 +32859,7 @@
                 <a:tabLst/>
                 <a:defRPr/>
               </a:pPr>
-              <a:t>2/25/2022</a:t>
+              <a:t>6/30/2022</a:t>
             </a:fld>
             <a:endParaRPr kumimoji="0" lang="en-US" sz="900" b="0" i="0" u="none" strike="noStrike" kern="1200" cap="none" spc="0" normalizeH="0" baseline="0" noProof="0" dirty="0">
               <a:ln>
@@ -33305,7 +33032,7 @@
     </p:spTree>
     <p:extLst>
       <p:ext uri="{BB962C8B-B14F-4D97-AF65-F5344CB8AC3E}">
-        <p14:creationId xmlns:p14="http://schemas.microsoft.com/office/powerpoint/2010/main" val="743975729"/>
+        <p14:creationId xmlns:p14="http://schemas.microsoft.com/office/powerpoint/2010/main" val="3443974671"/>
       </p:ext>
     </p:extLst>
   </p:cSld>
@@ -33365,13 +33092,9 @@
             </a:br>
             <a:r>
               <a:rPr lang="en-US" b="1" dirty="0"/>
-              <a:t>Web searching - </a:t>
-            </a:r>
-            <a:r>
-              <a:rPr lang="en-US" sz="2800" b="1" dirty="0"/>
-              <a:t>continued</a:t>
-            </a:r>
-            <a:endParaRPr lang="en-US" sz="2800" dirty="0"/>
+              <a:t>Web searching</a:t>
+            </a:r>
+            <a:endParaRPr lang="en-US" dirty="0"/>
           </a:p>
         </p:txBody>
       </p:sp>
@@ -33399,130 +33122,117 @@
           <a:lstStyle/>
           <a:p>
             <a:r>
+              <a:rPr lang="en-US" sz="2800" dirty="0">
+                <a:latin typeface="+mj-lt"/>
+                <a:cs typeface="Courier New" panose="02070309020205020404" pitchFamily="49" charset="0"/>
+              </a:rPr>
+              <a:t>Try "python thingies …"</a:t>
+            </a:r>
+          </a:p>
+          <a:p>
+            <a:r>
+              <a:rPr lang="en-US" sz="2800" dirty="0">
+                <a:latin typeface="+mj-lt"/>
+                <a:cs typeface="Courier New" panose="02070309020205020404" pitchFamily="49" charset="0"/>
+              </a:rPr>
+              <a:t>E.g. python random int between two numbers</a:t>
+            </a:r>
+          </a:p>
+          <a:p>
+            <a:pPr marL="0" indent="0">
+              <a:buNone/>
+            </a:pPr>
+            <a:r>
+              <a:rPr lang="en-US" sz="2800" dirty="0">
+                <a:latin typeface="+mj-lt"/>
+                <a:cs typeface="Courier New" panose="02070309020205020404" pitchFamily="49" charset="0"/>
+              </a:rPr>
+              <a:t>Found: python - Generate random integers between 0 and 9 - Stack Overflow</a:t>
+            </a:r>
+          </a:p>
+          <a:p>
+            <a:pPr marL="0" indent="0">
+              <a:buNone/>
+            </a:pPr>
+            <a:r>
+              <a:rPr lang="en-US" sz="2800" dirty="0">
+                <a:latin typeface="+mj-lt"/>
+                <a:cs typeface="Courier New" panose="02070309020205020404" pitchFamily="49" charset="0"/>
+              </a:rPr>
+              <a:t>GOT:</a:t>
+            </a:r>
+          </a:p>
+          <a:p>
+            <a:pPr marL="400050" lvl="1" indent="0">
+              <a:buNone/>
+            </a:pPr>
+            <a:r>
+              <a:rPr lang="en-US" sz="2600" dirty="0">
+                <a:latin typeface="+mj-lt"/>
+                <a:cs typeface="Courier New" panose="02070309020205020404" pitchFamily="49" charset="0"/>
+              </a:rPr>
+              <a:t>Try:</a:t>
+            </a:r>
+          </a:p>
+          <a:p>
+            <a:pPr marL="800100" lvl="2" indent="0">
+              <a:buNone/>
+            </a:pPr>
+            <a:r>
+              <a:rPr lang="en-US" sz="2400" dirty="0">
+                <a:solidFill>
+                  <a:schemeClr val="accent4"/>
+                </a:solidFill>
+                <a:latin typeface="Courier New" panose="02070309020205020404" pitchFamily="49" charset="0"/>
+                <a:cs typeface="Courier New" panose="02070309020205020404" pitchFamily="49" charset="0"/>
+              </a:rPr>
+              <a:t>from</a:t>
+            </a:r>
+            <a:r>
               <a:rPr lang="en-US" sz="2400" dirty="0">
                 <a:latin typeface="Courier New" panose="02070309020205020404" pitchFamily="49" charset="0"/>
                 <a:cs typeface="Courier New" panose="02070309020205020404" pitchFamily="49" charset="0"/>
               </a:rPr>
-              <a:t>Be brief – search algorithms are pretty good</a:t>
-            </a:r>
-          </a:p>
-          <a:p>
-            <a:r>
-              <a:rPr lang="en-US" sz="2800" dirty="0">
+              <a:t> random </a:t>
+            </a:r>
+            <a:r>
+              <a:rPr lang="en-US" sz="2400" dirty="0">
+                <a:solidFill>
+                  <a:schemeClr val="accent4"/>
+                </a:solidFill>
                 <a:latin typeface="Courier New" panose="02070309020205020404" pitchFamily="49" charset="0"/>
                 <a:cs typeface="Courier New" panose="02070309020205020404" pitchFamily="49" charset="0"/>
               </a:rPr>
-              <a:t>First code </a:t>
-            </a:r>
-            <a:r>
-              <a:rPr lang="en-US" sz="2800" i="1" dirty="0">
-                <a:latin typeface="Courier New" panose="02070309020205020404" pitchFamily="49" charset="0"/>
-                <a:cs typeface="Courier New" panose="02070309020205020404" pitchFamily="49" charset="0"/>
-              </a:rPr>
-              <a:t>may</a:t>
-            </a:r>
-            <a:r>
-              <a:rPr lang="en-US" sz="2800" dirty="0">
-                <a:latin typeface="Courier New" panose="02070309020205020404" pitchFamily="49" charset="0"/>
-                <a:cs typeface="Courier New" panose="02070309020205020404" pitchFamily="49" charset="0"/>
-              </a:rPr>
-              <a:t> be </a:t>
-            </a:r>
-            <a:r>
-              <a:rPr lang="en-US" sz="2800" b="1" dirty="0">
-                <a:latin typeface="Courier New" panose="02070309020205020404" pitchFamily="49" charset="0"/>
-                <a:cs typeface="Courier New" panose="02070309020205020404" pitchFamily="49" charset="0"/>
-              </a:rPr>
-              <a:t>wrong</a:t>
-            </a:r>
-            <a:r>
-              <a:rPr lang="en-US" sz="2800" dirty="0">
-                <a:latin typeface="Courier New" panose="02070309020205020404" pitchFamily="49" charset="0"/>
-                <a:cs typeface="Courier New" panose="02070309020205020404" pitchFamily="49" charset="0"/>
-              </a:rPr>
-              <a:t>.</a:t>
-            </a:r>
-          </a:p>
-          <a:p>
-            <a:pPr lvl="1"/>
-            <a:r>
-              <a:rPr lang="en-US" sz="2600" dirty="0">
-                <a:latin typeface="Courier New" panose="02070309020205020404" pitchFamily="49" charset="0"/>
-                <a:cs typeface="Courier New" panose="02070309020205020404" pitchFamily="49" charset="0"/>
-              </a:rPr>
-              <a:t>Someone saying Did this … didn't work</a:t>
-            </a:r>
-          </a:p>
-          <a:p>
-            <a:r>
-              <a:rPr lang="en-US" sz="2800" dirty="0">
-                <a:latin typeface="Courier New" panose="02070309020205020404" pitchFamily="49" charset="0"/>
-                <a:cs typeface="Courier New" panose="02070309020205020404" pitchFamily="49" charset="0"/>
-              </a:rPr>
-              <a:t>Stackoverflow.com</a:t>
-            </a:r>
-          </a:p>
-          <a:p>
-            <a:pPr marL="800100" lvl="2" indent="0">
-              <a:buNone/>
-            </a:pPr>
+              <a:t>import</a:t>
+            </a:r>
             <a:r>
               <a:rPr lang="en-US" sz="2400" dirty="0">
                 <a:latin typeface="Courier New" panose="02070309020205020404" pitchFamily="49" charset="0"/>
                 <a:cs typeface="Courier New" panose="02070309020205020404" pitchFamily="49" charset="0"/>
               </a:rPr>
-              <a:t>Question…</a:t>
+              <a:t> randint</a:t>
             </a:r>
           </a:p>
           <a:p>
             <a:pPr marL="800100" lvl="2" indent="0">
               <a:buNone/>
             </a:pPr>
+            <a:r>
+              <a:rPr lang="en-US" sz="2400" dirty="0">
+                <a:solidFill>
+                  <a:srgbClr val="7030A0"/>
+                </a:solidFill>
+                <a:latin typeface="Courier New" panose="02070309020205020404" pitchFamily="49" charset="0"/>
+                <a:cs typeface="Courier New" panose="02070309020205020404" pitchFamily="49" charset="0"/>
+              </a:rPr>
+              <a:t>print</a:t>
+            </a:r>
             <a:r>
               <a:rPr lang="en-US" sz="2400" dirty="0">
                 <a:latin typeface="Courier New" panose="02070309020205020404" pitchFamily="49" charset="0"/>
                 <a:cs typeface="Courier New" panose="02070309020205020404" pitchFamily="49" charset="0"/>
               </a:rPr>
-              <a:t>Answer…</a:t>
-            </a:r>
-          </a:p>
-          <a:p>
-            <a:pPr marL="800100" lvl="2" indent="0">
-              <a:buNone/>
-            </a:pPr>
-            <a:r>
-              <a:rPr lang="en-US" sz="2400" b="1" dirty="0">
-                <a:solidFill>
-                  <a:schemeClr val="accent2">
-                    <a:lumMod val="75000"/>
-                  </a:schemeClr>
-                </a:solidFill>
-                <a:latin typeface="Courier New" panose="02070309020205020404" pitchFamily="49" charset="0"/>
-                <a:cs typeface="Courier New" panose="02070309020205020404" pitchFamily="49" charset="0"/>
-              </a:rPr>
-              <a:t>Checkmark –</a:t>
-            </a:r>
-            <a:r>
-              <a:rPr lang="en-US" sz="2400" b="1" dirty="0">
-                <a:solidFill>
-                  <a:schemeClr val="tx1"/>
-                </a:solidFill>
-                <a:latin typeface="Courier New" panose="02070309020205020404" pitchFamily="49" charset="0"/>
-                <a:cs typeface="Courier New" panose="02070309020205020404" pitchFamily="49" charset="0"/>
-              </a:rPr>
-              <a:t> Best liked answer</a:t>
-            </a:r>
-          </a:p>
-          <a:p>
-            <a:pPr marL="800100" lvl="2" indent="0">
-              <a:buNone/>
-            </a:pPr>
-            <a:r>
-              <a:rPr lang="en-US" sz="2600" dirty="0">
-                <a:latin typeface="Courier New" panose="02070309020205020404" pitchFamily="49" charset="0"/>
-                <a:cs typeface="Courier New" panose="02070309020205020404" pitchFamily="49" charset="0"/>
-              </a:rPr>
-              <a:t>Answer…</a:t>
+              <a:t>(randint(0, 9))</a:t>
             </a:r>
           </a:p>
         </p:txBody>
@@ -33599,7 +33309,7 @@
                 <a:tabLst/>
                 <a:defRPr/>
               </a:pPr>
-              <a:t>2/25/2022</a:t>
+              <a:t>6/30/2022</a:t>
             </a:fld>
             <a:endParaRPr kumimoji="0" lang="en-US" sz="900" b="0" i="0" u="none" strike="noStrike" kern="1200" cap="none" spc="0" normalizeH="0" baseline="0" noProof="0" dirty="0">
               <a:ln>
@@ -33772,7 +33482,7 @@
     </p:spTree>
     <p:extLst>
       <p:ext uri="{BB962C8B-B14F-4D97-AF65-F5344CB8AC3E}">
-        <p14:creationId xmlns:p14="http://schemas.microsoft.com/office/powerpoint/2010/main" val="4045901893"/>
+        <p14:creationId xmlns:p14="http://schemas.microsoft.com/office/powerpoint/2010/main" val="743975729"/>
       </p:ext>
     </p:extLst>
   </p:cSld>
@@ -33804,7 +33514,7 @@
           <p:cNvPr id="2" name="Title 1">
             <a:extLst>
               <a:ext uri="{FF2B5EF4-FFF2-40B4-BE49-F238E27FC236}">
-                <a16:creationId xmlns:a16="http://schemas.microsoft.com/office/drawing/2014/main" id="{7138094A-CCF6-43B0-9158-B27C4EDB6D1D}"/>
+                <a16:creationId xmlns:a16="http://schemas.microsoft.com/office/drawing/2014/main" id="{5697402A-1E56-40FB-B43F-2D86D40BC041}"/>
               </a:ext>
             </a:extLst>
           </p:cNvPr>
@@ -33817,13 +33527,28 @@
         </p:nvSpPr>
         <p:spPr/>
         <p:txBody>
-          <a:bodyPr/>
-          <a:lstStyle/>
-          <a:p>
+          <a:bodyPr>
+            <a:normAutofit/>
+          </a:bodyPr>
+          <a:lstStyle/>
+          <a:p>
+            <a:pPr algn="ctr"/>
             <a:r>
               <a:rPr lang="en-US" dirty="0"/>
-              <a:t>Summary Samples</a:t>
-            </a:r>
+              <a:t>Help is a click away</a:t>
+            </a:r>
+            <a:br>
+              <a:rPr lang="en-US" b="1" dirty="0"/>
+            </a:br>
+            <a:r>
+              <a:rPr lang="en-US" b="1" dirty="0"/>
+              <a:t>Web searching - </a:t>
+            </a:r>
+            <a:r>
+              <a:rPr lang="en-US" sz="2800" b="1" dirty="0"/>
+              <a:t>continued</a:t>
+            </a:r>
+            <a:endParaRPr lang="en-US" sz="2800" dirty="0"/>
           </a:p>
         </p:txBody>
       </p:sp>
@@ -33832,7 +33557,7 @@
           <p:cNvPr id="3" name="Content Placeholder 2">
             <a:extLst>
               <a:ext uri="{FF2B5EF4-FFF2-40B4-BE49-F238E27FC236}">
-                <a16:creationId xmlns:a16="http://schemas.microsoft.com/office/drawing/2014/main" id="{69981D61-DB2E-4CB3-87D4-A2B5579D47B2}"/>
+                <a16:creationId xmlns:a16="http://schemas.microsoft.com/office/drawing/2014/main" id="{7FE9BEBB-DE71-47B2-9CE0-FB05B843B810}"/>
               </a:ext>
             </a:extLst>
           </p:cNvPr>
@@ -33846,13 +33571,135 @@
         <p:spPr/>
         <p:txBody>
           <a:bodyPr>
-            <a:normAutofit/>
+            <a:normAutofit lnSpcReduction="10000"/>
           </a:bodyPr>
           <a:lstStyle/>
           <a:p>
             <a:r>
-              <a:rPr lang="en-US" sz="2800" dirty="0"/>
-              <a:t>Presentation/Class2…/shapes_around.py</a:t>
+              <a:rPr lang="en-US" sz="2400" dirty="0">
+                <a:latin typeface="Courier New" panose="02070309020205020404" pitchFamily="49" charset="0"/>
+                <a:cs typeface="Courier New" panose="02070309020205020404" pitchFamily="49" charset="0"/>
+              </a:rPr>
+              <a:t>Be brief – search algorithms are pretty good</a:t>
+            </a:r>
+          </a:p>
+          <a:p>
+            <a:r>
+              <a:rPr lang="en-US" sz="2800" dirty="0">
+                <a:latin typeface="Courier New" panose="02070309020205020404" pitchFamily="49" charset="0"/>
+                <a:cs typeface="Courier New" panose="02070309020205020404" pitchFamily="49" charset="0"/>
+              </a:rPr>
+              <a:t>First code </a:t>
+            </a:r>
+            <a:r>
+              <a:rPr lang="en-US" sz="2800" i="1" dirty="0">
+                <a:latin typeface="Courier New" panose="02070309020205020404" pitchFamily="49" charset="0"/>
+                <a:cs typeface="Courier New" panose="02070309020205020404" pitchFamily="49" charset="0"/>
+              </a:rPr>
+              <a:t>may</a:t>
+            </a:r>
+            <a:r>
+              <a:rPr lang="en-US" sz="2800" dirty="0">
+                <a:latin typeface="Courier New" panose="02070309020205020404" pitchFamily="49" charset="0"/>
+                <a:cs typeface="Courier New" panose="02070309020205020404" pitchFamily="49" charset="0"/>
+              </a:rPr>
+              <a:t> be </a:t>
+            </a:r>
+            <a:r>
+              <a:rPr lang="en-US" sz="2800" b="1" dirty="0">
+                <a:latin typeface="Courier New" panose="02070309020205020404" pitchFamily="49" charset="0"/>
+                <a:cs typeface="Courier New" panose="02070309020205020404" pitchFamily="49" charset="0"/>
+              </a:rPr>
+              <a:t>wrong</a:t>
+            </a:r>
+            <a:r>
+              <a:rPr lang="en-US" sz="2800" dirty="0">
+                <a:latin typeface="Courier New" panose="02070309020205020404" pitchFamily="49" charset="0"/>
+                <a:cs typeface="Courier New" panose="02070309020205020404" pitchFamily="49" charset="0"/>
+              </a:rPr>
+              <a:t>.</a:t>
+            </a:r>
+          </a:p>
+          <a:p>
+            <a:pPr lvl="1"/>
+            <a:r>
+              <a:rPr lang="en-US" sz="2600" dirty="0">
+                <a:latin typeface="Courier New" panose="02070309020205020404" pitchFamily="49" charset="0"/>
+                <a:cs typeface="Courier New" panose="02070309020205020404" pitchFamily="49" charset="0"/>
+              </a:rPr>
+              <a:t>Someone saying Did this … didn't work</a:t>
+            </a:r>
+          </a:p>
+          <a:p>
+            <a:r>
+              <a:rPr lang="en-US" sz="2800" dirty="0">
+                <a:latin typeface="Courier New" panose="02070309020205020404" pitchFamily="49" charset="0"/>
+                <a:cs typeface="Courier New" panose="02070309020205020404" pitchFamily="49" charset="0"/>
+              </a:rPr>
+              <a:t>Stackoverflow.com</a:t>
+            </a:r>
+          </a:p>
+          <a:p>
+            <a:pPr marL="800100" lvl="2" indent="0">
+              <a:buNone/>
+            </a:pPr>
+            <a:r>
+              <a:rPr lang="en-US" sz="2400" dirty="0">
+                <a:latin typeface="Courier New" panose="02070309020205020404" pitchFamily="49" charset="0"/>
+                <a:cs typeface="Courier New" panose="02070309020205020404" pitchFamily="49" charset="0"/>
+              </a:rPr>
+              <a:t>Question…</a:t>
+            </a:r>
+          </a:p>
+          <a:p>
+            <a:pPr marL="800100" lvl="2" indent="0">
+              <a:buNone/>
+            </a:pPr>
+            <a:r>
+              <a:rPr lang="en-US" sz="2400" dirty="0">
+                <a:latin typeface="Courier New" panose="02070309020205020404" pitchFamily="49" charset="0"/>
+                <a:cs typeface="Courier New" panose="02070309020205020404" pitchFamily="49" charset="0"/>
+              </a:rPr>
+              <a:t>Answer…</a:t>
+            </a:r>
+          </a:p>
+          <a:p>
+            <a:pPr marL="800100" lvl="2" indent="0">
+              <a:buNone/>
+            </a:pPr>
+            <a:r>
+              <a:rPr lang="en-US" sz="2400" b="1" dirty="0">
+                <a:solidFill>
+                  <a:schemeClr val="accent2">
+                    <a:lumMod val="75000"/>
+                  </a:schemeClr>
+                </a:solidFill>
+                <a:latin typeface="Courier New" panose="02070309020205020404" pitchFamily="49" charset="0"/>
+                <a:cs typeface="Courier New" panose="02070309020205020404" pitchFamily="49" charset="0"/>
+              </a:rPr>
+              <a:t>Checkmark –</a:t>
+            </a:r>
+            <a:r>
+              <a:rPr lang="en-US" sz="2400" b="1" dirty="0">
+                <a:solidFill>
+                  <a:schemeClr val="tx1"/>
+                </a:solidFill>
+                <a:latin typeface="Courier New" panose="02070309020205020404" pitchFamily="49" charset="0"/>
+                <a:cs typeface="Courier New" panose="02070309020205020404" pitchFamily="49" charset="0"/>
+              </a:rPr>
+              <a:t> Best liked answer</a:t>
+            </a:r>
+          </a:p>
+          <a:p>
+            <a:pPr marL="800100" lvl="2" indent="0">
+              <a:buNone/>
+            </a:pPr>
+            <a:r>
+              <a:rPr lang="en-US" sz="2600" dirty="0">
+                <a:latin typeface="Courier New" panose="02070309020205020404" pitchFamily="49" charset="0"/>
+                <a:cs typeface="Courier New" panose="02070309020205020404" pitchFamily="49" charset="0"/>
+              </a:rPr>
+              <a:t>Answer…</a:t>
             </a:r>
           </a:p>
         </p:txBody>
@@ -33862,7 +33709,7 @@
           <p:cNvPr id="4" name="Date Placeholder 3">
             <a:extLst>
               <a:ext uri="{FF2B5EF4-FFF2-40B4-BE49-F238E27FC236}">
-                <a16:creationId xmlns:a16="http://schemas.microsoft.com/office/drawing/2014/main" id="{80C54284-1399-4E24-8B30-7C177902F051}"/>
+                <a16:creationId xmlns:a16="http://schemas.microsoft.com/office/drawing/2014/main" id="{3FC25E65-9CF3-48A4-A040-8F62736368BD}"/>
               </a:ext>
             </a:extLst>
           </p:cNvPr>
@@ -33878,11 +33725,75 @@
           <a:bodyPr/>
           <a:lstStyle/>
           <a:p>
+            <a:pPr marL="0" marR="0" lvl="0" indent="0" algn="r" defTabSz="457200" rtl="0" eaLnBrk="1" fontAlgn="auto" latinLnBrk="0" hangingPunct="1">
+              <a:lnSpc>
+                <a:spcPct val="100000"/>
+              </a:lnSpc>
+              <a:spcBef>
+                <a:spcPts val="0"/>
+              </a:spcBef>
+              <a:spcAft>
+                <a:spcPts val="0"/>
+              </a:spcAft>
+              <a:buClrTx/>
+              <a:buSzTx/>
+              <a:buFontTx/>
+              <a:buNone/>
+              <a:tabLst/>
+              <a:defRPr/>
+            </a:pPr>
             <a:fld id="{A7119916-CD40-456D-ABE3-55F8822671F7}" type="datetime1">
-              <a:rPr lang="en-US" smtClean="0"/>
-              <a:t>2/26/2022</a:t>
+              <a:rPr kumimoji="0" lang="en-US" sz="900" b="0" i="0" u="none" strike="noStrike" kern="1200" cap="none" spc="0" normalizeH="0" baseline="0" noProof="0" smtClean="0">
+                <a:ln>
+                  <a:noFill/>
+                </a:ln>
+                <a:solidFill>
+                  <a:prstClr val="black">
+                    <a:tint val="75000"/>
+                  </a:prstClr>
+                </a:solidFill>
+                <a:effectLst/>
+                <a:uLnTx/>
+                <a:uFillTx/>
+                <a:latin typeface="Trebuchet MS" panose="020B0603020202020204"/>
+                <a:ea typeface="+mn-ea"/>
+                <a:cs typeface="+mn-cs"/>
+              </a:rPr>
+              <a:pPr marL="0" marR="0" lvl="0" indent="0" algn="r" defTabSz="457200" rtl="0" eaLnBrk="1" fontAlgn="auto" latinLnBrk="0" hangingPunct="1">
+                <a:lnSpc>
+                  <a:spcPct val="100000"/>
+                </a:lnSpc>
+                <a:spcBef>
+                  <a:spcPts val="0"/>
+                </a:spcBef>
+                <a:spcAft>
+                  <a:spcPts val="0"/>
+                </a:spcAft>
+                <a:buClrTx/>
+                <a:buSzTx/>
+                <a:buFontTx/>
+                <a:buNone/>
+                <a:tabLst/>
+                <a:defRPr/>
+              </a:pPr>
+              <a:t>6/30/2022</a:t>
             </a:fld>
-            <a:endParaRPr lang="en-US" dirty="0"/>
+            <a:endParaRPr kumimoji="0" lang="en-US" sz="900" b="0" i="0" u="none" strike="noStrike" kern="1200" cap="none" spc="0" normalizeH="0" baseline="0" noProof="0" dirty="0">
+              <a:ln>
+                <a:noFill/>
+              </a:ln>
+              <a:solidFill>
+                <a:prstClr val="black">
+                  <a:tint val="75000"/>
+                </a:prstClr>
+              </a:solidFill>
+              <a:effectLst/>
+              <a:uLnTx/>
+              <a:uFillTx/>
+              <a:latin typeface="Trebuchet MS" panose="020B0603020202020204"/>
+              <a:ea typeface="+mn-ea"/>
+              <a:cs typeface="+mn-cs"/>
+            </a:endParaRPr>
           </a:p>
         </p:txBody>
       </p:sp>
@@ -33891,7 +33802,7 @@
           <p:cNvPr id="5" name="Footer Placeholder 4">
             <a:extLst>
               <a:ext uri="{FF2B5EF4-FFF2-40B4-BE49-F238E27FC236}">
-                <a16:creationId xmlns:a16="http://schemas.microsoft.com/office/drawing/2014/main" id="{091CD908-12BA-4784-A19F-7962710E216C}"/>
+                <a16:creationId xmlns:a16="http://schemas.microsoft.com/office/drawing/2014/main" id="{9E2A2F0F-2260-4F2C-ADB5-34756B778468}"/>
               </a:ext>
             </a:extLst>
           </p:cNvPr>
@@ -33907,11 +33818,42 @@
           <a:bodyPr/>
           <a:lstStyle/>
           <a:p>
-            <a:r>
-              <a:rPr lang="en-US"/>
+            <a:pPr marL="0" marR="0" lvl="0" indent="0" algn="l" defTabSz="457200" rtl="0" eaLnBrk="1" fontAlgn="auto" latinLnBrk="0" hangingPunct="1">
+              <a:lnSpc>
+                <a:spcPct val="100000"/>
+              </a:lnSpc>
+              <a:spcBef>
+                <a:spcPts val="0"/>
+              </a:spcBef>
+              <a:spcAft>
+                <a:spcPts val="0"/>
+              </a:spcAft>
+              <a:buClrTx/>
+              <a:buSzTx/>
+              <a:buFontTx/>
+              <a:buNone/>
+              <a:tabLst/>
+              <a:defRPr/>
+            </a:pPr>
+            <a:r>
+              <a:rPr kumimoji="0" lang="en-US" sz="900" b="0" i="0" u="none" strike="noStrike" kern="1200" cap="none" spc="0" normalizeH="0" baseline="0" noProof="0" dirty="0">
+                <a:ln>
+                  <a:noFill/>
+                </a:ln>
+                <a:solidFill>
+                  <a:prstClr val="black">
+                    <a:tint val="75000"/>
+                  </a:prstClr>
+                </a:solidFill>
+                <a:effectLst/>
+                <a:uLnTx/>
+                <a:uFillTx/>
+                <a:latin typeface="Trebuchet MS" panose="020B0603020202020204"/>
+                <a:ea typeface="+mn-ea"/>
+                <a:cs typeface="+mn-cs"/>
+              </a:rPr>
               <a:t>raysmith@alum.mit.edu</a:t>
             </a:r>
-            <a:endParaRPr lang="en-US" dirty="0"/>
           </a:p>
         </p:txBody>
       </p:sp>
@@ -33920,7 +33862,7 @@
           <p:cNvPr id="6" name="Slide Number Placeholder 5">
             <a:extLst>
               <a:ext uri="{FF2B5EF4-FFF2-40B4-BE49-F238E27FC236}">
-                <a16:creationId xmlns:a16="http://schemas.microsoft.com/office/drawing/2014/main" id="{26E3A8AB-A9C3-4436-90E0-C645D7346054}"/>
+                <a16:creationId xmlns:a16="http://schemas.microsoft.com/office/drawing/2014/main" id="{0C3E251E-1D18-427E-B8F7-D11E7D7CE6AF}"/>
               </a:ext>
             </a:extLst>
           </p:cNvPr>
@@ -33936,18 +33878,78 @@
           <a:bodyPr/>
           <a:lstStyle/>
           <a:p>
+            <a:pPr marL="0" marR="0" lvl="0" indent="0" algn="r" defTabSz="457200" rtl="0" eaLnBrk="1" fontAlgn="auto" latinLnBrk="0" hangingPunct="1">
+              <a:lnSpc>
+                <a:spcPct val="100000"/>
+              </a:lnSpc>
+              <a:spcBef>
+                <a:spcPts val="0"/>
+              </a:spcBef>
+              <a:spcAft>
+                <a:spcPts val="0"/>
+              </a:spcAft>
+              <a:buClrTx/>
+              <a:buSzTx/>
+              <a:buFontTx/>
+              <a:buNone/>
+              <a:tabLst/>
+              <a:defRPr/>
+            </a:pPr>
             <a:fld id="{6D22F896-40B5-4ADD-8801-0D06FADFA095}" type="slidenum">
-              <a:rPr lang="en-US" smtClean="0"/>
+              <a:rPr kumimoji="0" lang="en-US" sz="900" b="0" i="0" u="none" strike="noStrike" kern="1200" cap="none" spc="0" normalizeH="0" baseline="0" noProof="0" smtClean="0">
+                <a:ln>
+                  <a:noFill/>
+                </a:ln>
+                <a:solidFill>
+                  <a:srgbClr val="90C226"/>
+                </a:solidFill>
+                <a:effectLst/>
+                <a:uLnTx/>
+                <a:uFillTx/>
+                <a:latin typeface="Trebuchet MS" panose="020B0603020202020204"/>
+                <a:ea typeface="+mn-ea"/>
+                <a:cs typeface="+mn-cs"/>
+              </a:rPr>
+              <a:pPr marL="0" marR="0" lvl="0" indent="0" algn="r" defTabSz="457200" rtl="0" eaLnBrk="1" fontAlgn="auto" latinLnBrk="0" hangingPunct="1">
+                <a:lnSpc>
+                  <a:spcPct val="100000"/>
+                </a:lnSpc>
+                <a:spcBef>
+                  <a:spcPts val="0"/>
+                </a:spcBef>
+                <a:spcAft>
+                  <a:spcPts val="0"/>
+                </a:spcAft>
+                <a:buClrTx/>
+                <a:buSzTx/>
+                <a:buFontTx/>
+                <a:buNone/>
+                <a:tabLst/>
+                <a:defRPr/>
+              </a:pPr>
               <a:t>48</a:t>
             </a:fld>
-            <a:endParaRPr lang="en-US" dirty="0"/>
+            <a:endParaRPr kumimoji="0" lang="en-US" sz="900" b="0" i="0" u="none" strike="noStrike" kern="1200" cap="none" spc="0" normalizeH="0" baseline="0" noProof="0" dirty="0">
+              <a:ln>
+                <a:noFill/>
+              </a:ln>
+              <a:solidFill>
+                <a:srgbClr val="90C226"/>
+              </a:solidFill>
+              <a:effectLst/>
+              <a:uLnTx/>
+              <a:uFillTx/>
+              <a:latin typeface="Trebuchet MS" panose="020B0603020202020204"/>
+              <a:ea typeface="+mn-ea"/>
+              <a:cs typeface="+mn-cs"/>
+            </a:endParaRPr>
           </a:p>
         </p:txBody>
       </p:sp>
     </p:spTree>
     <p:extLst>
       <p:ext uri="{BB962C8B-B14F-4D97-AF65-F5344CB8AC3E}">
-        <p14:creationId xmlns:p14="http://schemas.microsoft.com/office/powerpoint/2010/main" val="2061846688"/>
+        <p14:creationId xmlns:p14="http://schemas.microsoft.com/office/powerpoint/2010/main" val="4045901893"/>
       </p:ext>
     </p:extLst>
   </p:cSld>
@@ -33979,7 +33981,7 @@
           <p:cNvPr id="2" name="Title 1">
             <a:extLst>
               <a:ext uri="{FF2B5EF4-FFF2-40B4-BE49-F238E27FC236}">
-                <a16:creationId xmlns:a16="http://schemas.microsoft.com/office/drawing/2014/main" id="{F7E90694-AA7F-451B-A875-1D23D1FDBA32}"/>
+                <a16:creationId xmlns:a16="http://schemas.microsoft.com/office/drawing/2014/main" id="{7138094A-CCF6-43B0-9158-B27C4EDB6D1D}"/>
               </a:ext>
             </a:extLst>
           </p:cNvPr>
@@ -33990,12 +33992,35 @@
             <p:ph type="title"/>
           </p:nvPr>
         </p:nvSpPr>
-        <p:spPr>
-          <a:xfrm>
-            <a:off x="955892" y="2723015"/>
-            <a:ext cx="8596668" cy="1320800"/>
-          </a:xfrm>
-        </p:spPr>
+        <p:spPr/>
+        <p:txBody>
+          <a:bodyPr/>
+          <a:lstStyle/>
+          <a:p>
+            <a:r>
+              <a:rPr lang="en-US" dirty="0"/>
+              <a:t>Summary Samples</a:t>
+            </a:r>
+          </a:p>
+        </p:txBody>
+      </p:sp>
+      <p:sp>
+        <p:nvSpPr>
+          <p:cNvPr id="3" name="Content Placeholder 2">
+            <a:extLst>
+              <a:ext uri="{FF2B5EF4-FFF2-40B4-BE49-F238E27FC236}">
+                <a16:creationId xmlns:a16="http://schemas.microsoft.com/office/drawing/2014/main" id="{69981D61-DB2E-4CB3-87D4-A2B5579D47B2}"/>
+              </a:ext>
+            </a:extLst>
+          </p:cNvPr>
+          <p:cNvSpPr>
+            <a:spLocks noGrp="1"/>
+          </p:cNvSpPr>
+          <p:nvPr>
+            <p:ph idx="1"/>
+          </p:nvPr>
+        </p:nvSpPr>
+        <p:spPr/>
         <p:txBody>
           <a:bodyPr>
             <a:normAutofit/>
@@ -34003,8 +34028,8 @@
           <a:lstStyle/>
           <a:p>
             <a:r>
-              <a:rPr lang="en-US" sz="6600" dirty="0"/>
-              <a:t>Question and Answer</a:t>
+              <a:rPr lang="en-US" sz="2800" dirty="0"/>
+              <a:t>Presentation/Class2…/shapes_around.py</a:t>
             </a:r>
           </a:p>
         </p:txBody>
@@ -34014,7 +34039,7 @@
           <p:cNvPr id="4" name="Date Placeholder 3">
             <a:extLst>
               <a:ext uri="{FF2B5EF4-FFF2-40B4-BE49-F238E27FC236}">
-                <a16:creationId xmlns:a16="http://schemas.microsoft.com/office/drawing/2014/main" id="{B623EE2F-E3E9-437B-AFAE-1E0C5C94A5F8}"/>
+                <a16:creationId xmlns:a16="http://schemas.microsoft.com/office/drawing/2014/main" id="{80C54284-1399-4E24-8B30-7C177902F051}"/>
               </a:ext>
             </a:extLst>
           </p:cNvPr>
@@ -34030,75 +34055,11 @@
           <a:bodyPr/>
           <a:lstStyle/>
           <a:p>
-            <a:pPr marL="0" marR="0" lvl="0" indent="0" algn="r" defTabSz="457200" rtl="0" eaLnBrk="1" fontAlgn="auto" latinLnBrk="0" hangingPunct="1">
-              <a:lnSpc>
-                <a:spcPct val="100000"/>
-              </a:lnSpc>
-              <a:spcBef>
-                <a:spcPts val="0"/>
-              </a:spcBef>
-              <a:spcAft>
-                <a:spcPts val="0"/>
-              </a:spcAft>
-              <a:buClrTx/>
-              <a:buSzTx/>
-              <a:buFontTx/>
-              <a:buNone/>
-              <a:tabLst/>
-              <a:defRPr/>
-            </a:pPr>
             <a:fld id="{A7119916-CD40-456D-ABE3-55F8822671F7}" type="datetime1">
-              <a:rPr kumimoji="0" lang="en-US" sz="900" b="0" i="0" u="none" strike="noStrike" kern="1200" cap="none" spc="0" normalizeH="0" baseline="0" noProof="0" smtClean="0">
-                <a:ln>
-                  <a:noFill/>
-                </a:ln>
-                <a:solidFill>
-                  <a:prstClr val="black">
-                    <a:tint val="75000"/>
-                  </a:prstClr>
-                </a:solidFill>
-                <a:effectLst/>
-                <a:uLnTx/>
-                <a:uFillTx/>
-                <a:latin typeface="Trebuchet MS" panose="020B0603020202020204"/>
-                <a:ea typeface="+mn-ea"/>
-                <a:cs typeface="+mn-cs"/>
-              </a:rPr>
-              <a:pPr marL="0" marR="0" lvl="0" indent="0" algn="r" defTabSz="457200" rtl="0" eaLnBrk="1" fontAlgn="auto" latinLnBrk="0" hangingPunct="1">
-                <a:lnSpc>
-                  <a:spcPct val="100000"/>
-                </a:lnSpc>
-                <a:spcBef>
-                  <a:spcPts val="0"/>
-                </a:spcBef>
-                <a:spcAft>
-                  <a:spcPts val="0"/>
-                </a:spcAft>
-                <a:buClrTx/>
-                <a:buSzTx/>
-                <a:buFontTx/>
-                <a:buNone/>
-                <a:tabLst/>
-                <a:defRPr/>
-              </a:pPr>
-              <a:t>2/25/2022</a:t>
+              <a:rPr lang="en-US" smtClean="0"/>
+              <a:t>6/30/2022</a:t>
             </a:fld>
-            <a:endParaRPr kumimoji="0" lang="en-US" sz="900" b="0" i="0" u="none" strike="noStrike" kern="1200" cap="none" spc="0" normalizeH="0" baseline="0" noProof="0" dirty="0">
-              <a:ln>
-                <a:noFill/>
-              </a:ln>
-              <a:solidFill>
-                <a:prstClr val="black">
-                  <a:tint val="75000"/>
-                </a:prstClr>
-              </a:solidFill>
-              <a:effectLst/>
-              <a:uLnTx/>
-              <a:uFillTx/>
-              <a:latin typeface="Trebuchet MS" panose="020B0603020202020204"/>
-              <a:ea typeface="+mn-ea"/>
-              <a:cs typeface="+mn-cs"/>
-            </a:endParaRPr>
+            <a:endParaRPr lang="en-US" dirty="0"/>
           </a:p>
         </p:txBody>
       </p:sp>
@@ -34107,7 +34068,7 @@
           <p:cNvPr id="5" name="Footer Placeholder 4">
             <a:extLst>
               <a:ext uri="{FF2B5EF4-FFF2-40B4-BE49-F238E27FC236}">
-                <a16:creationId xmlns:a16="http://schemas.microsoft.com/office/drawing/2014/main" id="{4E4D04EE-5AD0-4A57-A42E-AE62E411ACEA}"/>
+                <a16:creationId xmlns:a16="http://schemas.microsoft.com/office/drawing/2014/main" id="{091CD908-12BA-4784-A19F-7962710E216C}"/>
               </a:ext>
             </a:extLst>
           </p:cNvPr>
@@ -34123,42 +34084,11 @@
           <a:bodyPr/>
           <a:lstStyle/>
           <a:p>
-            <a:pPr marL="0" marR="0" lvl="0" indent="0" algn="l" defTabSz="457200" rtl="0" eaLnBrk="1" fontAlgn="auto" latinLnBrk="0" hangingPunct="1">
-              <a:lnSpc>
-                <a:spcPct val="100000"/>
-              </a:lnSpc>
-              <a:spcBef>
-                <a:spcPts val="0"/>
-              </a:spcBef>
-              <a:spcAft>
-                <a:spcPts val="0"/>
-              </a:spcAft>
-              <a:buClrTx/>
-              <a:buSzTx/>
-              <a:buFontTx/>
-              <a:buNone/>
-              <a:tabLst/>
-              <a:defRPr/>
-            </a:pPr>
-            <a:r>
-              <a:rPr kumimoji="0" lang="en-US" sz="900" b="0" i="0" u="none" strike="noStrike" kern="1200" cap="none" spc="0" normalizeH="0" baseline="0" noProof="0" dirty="0">
-                <a:ln>
-                  <a:noFill/>
-                </a:ln>
-                <a:solidFill>
-                  <a:prstClr val="black">
-                    <a:tint val="75000"/>
-                  </a:prstClr>
-                </a:solidFill>
-                <a:effectLst/>
-                <a:uLnTx/>
-                <a:uFillTx/>
-                <a:latin typeface="Trebuchet MS" panose="020B0603020202020204"/>
-                <a:ea typeface="+mn-ea"/>
-                <a:cs typeface="+mn-cs"/>
-              </a:rPr>
+            <a:r>
+              <a:rPr lang="en-US"/>
               <a:t>raysmith@alum.mit.edu</a:t>
             </a:r>
+            <a:endParaRPr lang="en-US" dirty="0"/>
           </a:p>
         </p:txBody>
       </p:sp>
@@ -34167,7 +34097,7 @@
           <p:cNvPr id="6" name="Slide Number Placeholder 5">
             <a:extLst>
               <a:ext uri="{FF2B5EF4-FFF2-40B4-BE49-F238E27FC236}">
-                <a16:creationId xmlns:a16="http://schemas.microsoft.com/office/drawing/2014/main" id="{9711C448-36A8-43E6-A891-6E42F22D1185}"/>
+                <a16:creationId xmlns:a16="http://schemas.microsoft.com/office/drawing/2014/main" id="{26E3A8AB-A9C3-4436-90E0-C645D7346054}"/>
               </a:ext>
             </a:extLst>
           </p:cNvPr>
@@ -34183,78 +34113,18 @@
           <a:bodyPr/>
           <a:lstStyle/>
           <a:p>
-            <a:pPr marL="0" marR="0" lvl="0" indent="0" algn="r" defTabSz="457200" rtl="0" eaLnBrk="1" fontAlgn="auto" latinLnBrk="0" hangingPunct="1">
-              <a:lnSpc>
-                <a:spcPct val="100000"/>
-              </a:lnSpc>
-              <a:spcBef>
-                <a:spcPts val="0"/>
-              </a:spcBef>
-              <a:spcAft>
-                <a:spcPts val="0"/>
-              </a:spcAft>
-              <a:buClrTx/>
-              <a:buSzTx/>
-              <a:buFontTx/>
-              <a:buNone/>
-              <a:tabLst/>
-              <a:defRPr/>
-            </a:pPr>
             <a:fld id="{6D22F896-40B5-4ADD-8801-0D06FADFA095}" type="slidenum">
-              <a:rPr kumimoji="0" lang="en-US" sz="900" b="0" i="0" u="none" strike="noStrike" kern="1200" cap="none" spc="0" normalizeH="0" baseline="0" noProof="0" smtClean="0">
-                <a:ln>
-                  <a:noFill/>
-                </a:ln>
-                <a:solidFill>
-                  <a:srgbClr val="90C226"/>
-                </a:solidFill>
-                <a:effectLst/>
-                <a:uLnTx/>
-                <a:uFillTx/>
-                <a:latin typeface="Trebuchet MS" panose="020B0603020202020204"/>
-                <a:ea typeface="+mn-ea"/>
-                <a:cs typeface="+mn-cs"/>
-              </a:rPr>
-              <a:pPr marL="0" marR="0" lvl="0" indent="0" algn="r" defTabSz="457200" rtl="0" eaLnBrk="1" fontAlgn="auto" latinLnBrk="0" hangingPunct="1">
-                <a:lnSpc>
-                  <a:spcPct val="100000"/>
-                </a:lnSpc>
-                <a:spcBef>
-                  <a:spcPts val="0"/>
-                </a:spcBef>
-                <a:spcAft>
-                  <a:spcPts val="0"/>
-                </a:spcAft>
-                <a:buClrTx/>
-                <a:buSzTx/>
-                <a:buFontTx/>
-                <a:buNone/>
-                <a:tabLst/>
-                <a:defRPr/>
-              </a:pPr>
+              <a:rPr lang="en-US" smtClean="0"/>
               <a:t>49</a:t>
             </a:fld>
-            <a:endParaRPr kumimoji="0" lang="en-US" sz="900" b="0" i="0" u="none" strike="noStrike" kern="1200" cap="none" spc="0" normalizeH="0" baseline="0" noProof="0" dirty="0">
-              <a:ln>
-                <a:noFill/>
-              </a:ln>
-              <a:solidFill>
-                <a:srgbClr val="90C226"/>
-              </a:solidFill>
-              <a:effectLst/>
-              <a:uLnTx/>
-              <a:uFillTx/>
-              <a:latin typeface="Trebuchet MS" panose="020B0603020202020204"/>
-              <a:ea typeface="+mn-ea"/>
-              <a:cs typeface="+mn-cs"/>
-            </a:endParaRPr>
+            <a:endParaRPr lang="en-US" dirty="0"/>
           </a:p>
         </p:txBody>
       </p:sp>
     </p:spTree>
     <p:extLst>
       <p:ext uri="{BB962C8B-B14F-4D97-AF65-F5344CB8AC3E}">
-        <p14:creationId xmlns:p14="http://schemas.microsoft.com/office/powerpoint/2010/main" val="700180722"/>
+        <p14:creationId xmlns:p14="http://schemas.microsoft.com/office/powerpoint/2010/main" val="2061846688"/>
       </p:ext>
     </p:extLst>
   </p:cSld>
@@ -34443,7 +34313,7 @@
                 <a:tabLst/>
                 <a:defRPr/>
               </a:pPr>
-              <a:t>2/25/2022</a:t>
+              <a:t>6/30/2022</a:t>
             </a:fld>
             <a:endParaRPr kumimoji="0" lang="en-US" sz="900" b="0" i="0" u="none" strike="noStrike" kern="1200" cap="none" spc="0" normalizeH="0" baseline="0" noProof="0" dirty="0">
               <a:ln>
@@ -34626,6 +34496,313 @@
 </p:sld>
 </file>
 
+<file path=ppt/slides/slide50.xml><?xml version="1.0" encoding="utf-8"?>
+<p:sld xmlns:a="http://schemas.openxmlformats.org/drawingml/2006/main" xmlns:r="http://schemas.openxmlformats.org/officeDocument/2006/relationships" xmlns:p="http://schemas.openxmlformats.org/presentationml/2006/main">
+  <p:cSld>
+    <p:spTree>
+      <p:nvGrpSpPr>
+        <p:cNvPr id="1" name=""/>
+        <p:cNvGrpSpPr/>
+        <p:nvPr/>
+      </p:nvGrpSpPr>
+      <p:grpSpPr>
+        <a:xfrm>
+          <a:off x="0" y="0"/>
+          <a:ext cx="0" cy="0"/>
+          <a:chOff x="0" y="0"/>
+          <a:chExt cx="0" cy="0"/>
+        </a:xfrm>
+      </p:grpSpPr>
+      <p:sp>
+        <p:nvSpPr>
+          <p:cNvPr id="2" name="Title 1">
+            <a:extLst>
+              <a:ext uri="{FF2B5EF4-FFF2-40B4-BE49-F238E27FC236}">
+                <a16:creationId xmlns:a16="http://schemas.microsoft.com/office/drawing/2014/main" id="{F7E90694-AA7F-451B-A875-1D23D1FDBA32}"/>
+              </a:ext>
+            </a:extLst>
+          </p:cNvPr>
+          <p:cNvSpPr>
+            <a:spLocks noGrp="1"/>
+          </p:cNvSpPr>
+          <p:nvPr>
+            <p:ph type="title"/>
+          </p:nvPr>
+        </p:nvSpPr>
+        <p:spPr>
+          <a:xfrm>
+            <a:off x="955892" y="2723015"/>
+            <a:ext cx="8596668" cy="1320800"/>
+          </a:xfrm>
+        </p:spPr>
+        <p:txBody>
+          <a:bodyPr>
+            <a:normAutofit/>
+          </a:bodyPr>
+          <a:lstStyle/>
+          <a:p>
+            <a:r>
+              <a:rPr lang="en-US" sz="6600" dirty="0"/>
+              <a:t>Question and Answer</a:t>
+            </a:r>
+          </a:p>
+        </p:txBody>
+      </p:sp>
+      <p:sp>
+        <p:nvSpPr>
+          <p:cNvPr id="4" name="Date Placeholder 3">
+            <a:extLst>
+              <a:ext uri="{FF2B5EF4-FFF2-40B4-BE49-F238E27FC236}">
+                <a16:creationId xmlns:a16="http://schemas.microsoft.com/office/drawing/2014/main" id="{B623EE2F-E3E9-437B-AFAE-1E0C5C94A5F8}"/>
+              </a:ext>
+            </a:extLst>
+          </p:cNvPr>
+          <p:cNvSpPr>
+            <a:spLocks noGrp="1"/>
+          </p:cNvSpPr>
+          <p:nvPr>
+            <p:ph type="dt" sz="half" idx="10"/>
+          </p:nvPr>
+        </p:nvSpPr>
+        <p:spPr/>
+        <p:txBody>
+          <a:bodyPr/>
+          <a:lstStyle/>
+          <a:p>
+            <a:pPr marL="0" marR="0" lvl="0" indent="0" algn="r" defTabSz="457200" rtl="0" eaLnBrk="1" fontAlgn="auto" latinLnBrk="0" hangingPunct="1">
+              <a:lnSpc>
+                <a:spcPct val="100000"/>
+              </a:lnSpc>
+              <a:spcBef>
+                <a:spcPts val="0"/>
+              </a:spcBef>
+              <a:spcAft>
+                <a:spcPts val="0"/>
+              </a:spcAft>
+              <a:buClrTx/>
+              <a:buSzTx/>
+              <a:buFontTx/>
+              <a:buNone/>
+              <a:tabLst/>
+              <a:defRPr/>
+            </a:pPr>
+            <a:fld id="{A7119916-CD40-456D-ABE3-55F8822671F7}" type="datetime1">
+              <a:rPr kumimoji="0" lang="en-US" sz="900" b="0" i="0" u="none" strike="noStrike" kern="1200" cap="none" spc="0" normalizeH="0" baseline="0" noProof="0" smtClean="0">
+                <a:ln>
+                  <a:noFill/>
+                </a:ln>
+                <a:solidFill>
+                  <a:prstClr val="black">
+                    <a:tint val="75000"/>
+                  </a:prstClr>
+                </a:solidFill>
+                <a:effectLst/>
+                <a:uLnTx/>
+                <a:uFillTx/>
+                <a:latin typeface="Trebuchet MS" panose="020B0603020202020204"/>
+                <a:ea typeface="+mn-ea"/>
+                <a:cs typeface="+mn-cs"/>
+              </a:rPr>
+              <a:pPr marL="0" marR="0" lvl="0" indent="0" algn="r" defTabSz="457200" rtl="0" eaLnBrk="1" fontAlgn="auto" latinLnBrk="0" hangingPunct="1">
+                <a:lnSpc>
+                  <a:spcPct val="100000"/>
+                </a:lnSpc>
+                <a:spcBef>
+                  <a:spcPts val="0"/>
+                </a:spcBef>
+                <a:spcAft>
+                  <a:spcPts val="0"/>
+                </a:spcAft>
+                <a:buClrTx/>
+                <a:buSzTx/>
+                <a:buFontTx/>
+                <a:buNone/>
+                <a:tabLst/>
+                <a:defRPr/>
+              </a:pPr>
+              <a:t>6/30/2022</a:t>
+            </a:fld>
+            <a:endParaRPr kumimoji="0" lang="en-US" sz="900" b="0" i="0" u="none" strike="noStrike" kern="1200" cap="none" spc="0" normalizeH="0" baseline="0" noProof="0" dirty="0">
+              <a:ln>
+                <a:noFill/>
+              </a:ln>
+              <a:solidFill>
+                <a:prstClr val="black">
+                  <a:tint val="75000"/>
+                </a:prstClr>
+              </a:solidFill>
+              <a:effectLst/>
+              <a:uLnTx/>
+              <a:uFillTx/>
+              <a:latin typeface="Trebuchet MS" panose="020B0603020202020204"/>
+              <a:ea typeface="+mn-ea"/>
+              <a:cs typeface="+mn-cs"/>
+            </a:endParaRPr>
+          </a:p>
+        </p:txBody>
+      </p:sp>
+      <p:sp>
+        <p:nvSpPr>
+          <p:cNvPr id="5" name="Footer Placeholder 4">
+            <a:extLst>
+              <a:ext uri="{FF2B5EF4-FFF2-40B4-BE49-F238E27FC236}">
+                <a16:creationId xmlns:a16="http://schemas.microsoft.com/office/drawing/2014/main" id="{4E4D04EE-5AD0-4A57-A42E-AE62E411ACEA}"/>
+              </a:ext>
+            </a:extLst>
+          </p:cNvPr>
+          <p:cNvSpPr>
+            <a:spLocks noGrp="1"/>
+          </p:cNvSpPr>
+          <p:nvPr>
+            <p:ph type="ftr" sz="quarter" idx="11"/>
+          </p:nvPr>
+        </p:nvSpPr>
+        <p:spPr/>
+        <p:txBody>
+          <a:bodyPr/>
+          <a:lstStyle/>
+          <a:p>
+            <a:pPr marL="0" marR="0" lvl="0" indent="0" algn="l" defTabSz="457200" rtl="0" eaLnBrk="1" fontAlgn="auto" latinLnBrk="0" hangingPunct="1">
+              <a:lnSpc>
+                <a:spcPct val="100000"/>
+              </a:lnSpc>
+              <a:spcBef>
+                <a:spcPts val="0"/>
+              </a:spcBef>
+              <a:spcAft>
+                <a:spcPts val="0"/>
+              </a:spcAft>
+              <a:buClrTx/>
+              <a:buSzTx/>
+              <a:buFontTx/>
+              <a:buNone/>
+              <a:tabLst/>
+              <a:defRPr/>
+            </a:pPr>
+            <a:r>
+              <a:rPr kumimoji="0" lang="en-US" sz="900" b="0" i="0" u="none" strike="noStrike" kern="1200" cap="none" spc="0" normalizeH="0" baseline="0" noProof="0" dirty="0">
+                <a:ln>
+                  <a:noFill/>
+                </a:ln>
+                <a:solidFill>
+                  <a:prstClr val="black">
+                    <a:tint val="75000"/>
+                  </a:prstClr>
+                </a:solidFill>
+                <a:effectLst/>
+                <a:uLnTx/>
+                <a:uFillTx/>
+                <a:latin typeface="Trebuchet MS" panose="020B0603020202020204"/>
+                <a:ea typeface="+mn-ea"/>
+                <a:cs typeface="+mn-cs"/>
+              </a:rPr>
+              <a:t>raysmith@alum.mit.edu</a:t>
+            </a:r>
+          </a:p>
+        </p:txBody>
+      </p:sp>
+      <p:sp>
+        <p:nvSpPr>
+          <p:cNvPr id="6" name="Slide Number Placeholder 5">
+            <a:extLst>
+              <a:ext uri="{FF2B5EF4-FFF2-40B4-BE49-F238E27FC236}">
+                <a16:creationId xmlns:a16="http://schemas.microsoft.com/office/drawing/2014/main" id="{9711C448-36A8-43E6-A891-6E42F22D1185}"/>
+              </a:ext>
+            </a:extLst>
+          </p:cNvPr>
+          <p:cNvSpPr>
+            <a:spLocks noGrp="1"/>
+          </p:cNvSpPr>
+          <p:nvPr>
+            <p:ph type="sldNum" sz="quarter" idx="12"/>
+          </p:nvPr>
+        </p:nvSpPr>
+        <p:spPr/>
+        <p:txBody>
+          <a:bodyPr/>
+          <a:lstStyle/>
+          <a:p>
+            <a:pPr marL="0" marR="0" lvl="0" indent="0" algn="r" defTabSz="457200" rtl="0" eaLnBrk="1" fontAlgn="auto" latinLnBrk="0" hangingPunct="1">
+              <a:lnSpc>
+                <a:spcPct val="100000"/>
+              </a:lnSpc>
+              <a:spcBef>
+                <a:spcPts val="0"/>
+              </a:spcBef>
+              <a:spcAft>
+                <a:spcPts val="0"/>
+              </a:spcAft>
+              <a:buClrTx/>
+              <a:buSzTx/>
+              <a:buFontTx/>
+              <a:buNone/>
+              <a:tabLst/>
+              <a:defRPr/>
+            </a:pPr>
+            <a:fld id="{6D22F896-40B5-4ADD-8801-0D06FADFA095}" type="slidenum">
+              <a:rPr kumimoji="0" lang="en-US" sz="900" b="0" i="0" u="none" strike="noStrike" kern="1200" cap="none" spc="0" normalizeH="0" baseline="0" noProof="0" smtClean="0">
+                <a:ln>
+                  <a:noFill/>
+                </a:ln>
+                <a:solidFill>
+                  <a:srgbClr val="90C226"/>
+                </a:solidFill>
+                <a:effectLst/>
+                <a:uLnTx/>
+                <a:uFillTx/>
+                <a:latin typeface="Trebuchet MS" panose="020B0603020202020204"/>
+                <a:ea typeface="+mn-ea"/>
+                <a:cs typeface="+mn-cs"/>
+              </a:rPr>
+              <a:pPr marL="0" marR="0" lvl="0" indent="0" algn="r" defTabSz="457200" rtl="0" eaLnBrk="1" fontAlgn="auto" latinLnBrk="0" hangingPunct="1">
+                <a:lnSpc>
+                  <a:spcPct val="100000"/>
+                </a:lnSpc>
+                <a:spcBef>
+                  <a:spcPts val="0"/>
+                </a:spcBef>
+                <a:spcAft>
+                  <a:spcPts val="0"/>
+                </a:spcAft>
+                <a:buClrTx/>
+                <a:buSzTx/>
+                <a:buFontTx/>
+                <a:buNone/>
+                <a:tabLst/>
+                <a:defRPr/>
+              </a:pPr>
+              <a:t>50</a:t>
+            </a:fld>
+            <a:endParaRPr kumimoji="0" lang="en-US" sz="900" b="0" i="0" u="none" strike="noStrike" kern="1200" cap="none" spc="0" normalizeH="0" baseline="0" noProof="0" dirty="0">
+              <a:ln>
+                <a:noFill/>
+              </a:ln>
+              <a:solidFill>
+                <a:srgbClr val="90C226"/>
+              </a:solidFill>
+              <a:effectLst/>
+              <a:uLnTx/>
+              <a:uFillTx/>
+              <a:latin typeface="Trebuchet MS" panose="020B0603020202020204"/>
+              <a:ea typeface="+mn-ea"/>
+              <a:cs typeface="+mn-cs"/>
+            </a:endParaRPr>
+          </a:p>
+        </p:txBody>
+      </p:sp>
+    </p:spTree>
+    <p:extLst>
+      <p:ext uri="{BB962C8B-B14F-4D97-AF65-F5344CB8AC3E}">
+        <p14:creationId xmlns:p14="http://schemas.microsoft.com/office/powerpoint/2010/main" val="700180722"/>
+      </p:ext>
+    </p:extLst>
+  </p:cSld>
+  <p:clrMapOvr>
+    <a:masterClrMapping/>
+  </p:clrMapOvr>
+</p:sld>
+</file>
+
 <file path=ppt/slides/slide6.xml><?xml version="1.0" encoding="utf-8"?>
 <p:sld xmlns:a="http://schemas.openxmlformats.org/drawingml/2006/main" xmlns:r="http://schemas.openxmlformats.org/officeDocument/2006/relationships" xmlns:p="http://schemas.openxmlformats.org/presentationml/2006/main">
   <p:cSld>
@@ -34803,7 +34980,7 @@
                 <a:tabLst/>
                 <a:defRPr/>
               </a:pPr>
-              <a:t>2/25/2022</a:t>
+              <a:t>6/30/2022</a:t>
             </a:fld>
             <a:endParaRPr kumimoji="0" lang="en-US" sz="900" b="0" i="0" u="none" strike="noStrike" kern="1200" cap="none" spc="0" normalizeH="0" baseline="0" noProof="0" dirty="0">
               <a:ln>
@@ -35165,7 +35342,7 @@
                 <a:tabLst/>
                 <a:defRPr/>
               </a:pPr>
-              <a:t>2/25/2022</a:t>
+              <a:t>6/30/2022</a:t>
             </a:fld>
             <a:endParaRPr kumimoji="0" lang="en-US" sz="900" b="0" i="0" u="none" strike="noStrike" kern="1200" cap="none" spc="0" normalizeH="0" baseline="0" noProof="0" dirty="0">
               <a:ln>
@@ -35513,7 +35690,7 @@
                 <a:tabLst/>
                 <a:defRPr/>
               </a:pPr>
-              <a:t>2/25/2022</a:t>
+              <a:t>6/30/2022</a:t>
             </a:fld>
             <a:endParaRPr kumimoji="0" lang="en-US" sz="900" b="0" i="0" u="none" strike="noStrike" kern="1200" cap="none" spc="0" normalizeH="0" baseline="0" noProof="0" dirty="0">
               <a:ln>
@@ -35895,7 +36072,7 @@
                 <a:tabLst/>
                 <a:defRPr/>
               </a:pPr>
-              <a:t>2/25/2022</a:t>
+              <a:t>6/30/2022</a:t>
             </a:fld>
             <a:endParaRPr kumimoji="0" lang="en-US" sz="900" b="0" i="0" u="none" strike="noStrike" kern="1200" cap="none" spc="0" normalizeH="0" baseline="0" noProof="0" dirty="0">
               <a:ln>
